--- a/2. Solving Recurrences/Master Method.pptx
+++ b/2. Solving Recurrences/Master Method.pptx
@@ -6,6 +6,11 @@
   </p:sldMasterIdLst>
   <p:sldIdLst>
     <p:sldId id="256" r:id="rId2"/>
+    <p:sldId id="257" r:id="rId3"/>
+    <p:sldId id="258" r:id="rId4"/>
+    <p:sldId id="259" r:id="rId5"/>
+    <p:sldId id="260" r:id="rId6"/>
+    <p:sldId id="288" r:id="rId7"/>
   </p:sldIdLst>
   <p:sldSz cx="12192000" cy="6858000"/>
   <p:notesSz cx="6858000" cy="9144000"/>
@@ -104,6 +109,11 @@
       </a:defRPr>
     </a:lvl9pPr>
   </p:defaultTextStyle>
+  <p:extLst>
+    <p:ext uri="{EFAFB233-063F-42B5-8137-9DF3F51BA10A}">
+      <p15:sldGuideLst xmlns:p15="http://schemas.microsoft.com/office/powerpoint/2012/main"/>
+    </p:ext>
+  </p:extLst>
 </p:presentation>
 </file>
 
@@ -254,7 +264,7 @@
           <a:p>
             <a:fld id="{BAE566F8-A083-4239-91F9-544E80E560C9}" type="datetimeFigureOut">
               <a:rPr lang="en-US" smtClean="0"/>
-              <a:t>1/5/2022</a:t>
+              <a:t>1/9/2022</a:t>
             </a:fld>
             <a:endParaRPr lang="en-US"/>
           </a:p>
@@ -324,6 +334,18 @@
   <p:clrMapOvr>
     <a:masterClrMapping/>
   </p:clrMapOvr>
+  <mc:AlternateContent xmlns:mc="http://schemas.openxmlformats.org/markup-compatibility/2006" xmlns:p159="http://schemas.microsoft.com/office/powerpoint/2015/09/main">
+    <mc:Choice Requires="p159">
+      <p:transition>
+        <p159:morph option="byObject"/>
+      </p:transition>
+    </mc:Choice>
+    <mc:Fallback xmlns="">
+      <p:transition>
+        <p:fade/>
+      </p:transition>
+    </mc:Fallback>
+  </mc:AlternateContent>
 </p:sldLayout>
 </file>
 
@@ -452,7 +474,7 @@
           <a:p>
             <a:fld id="{BAE566F8-A083-4239-91F9-544E80E560C9}" type="datetimeFigureOut">
               <a:rPr lang="en-US" smtClean="0"/>
-              <a:t>1/5/2022</a:t>
+              <a:t>1/9/2022</a:t>
             </a:fld>
             <a:endParaRPr lang="en-US"/>
           </a:p>
@@ -522,6 +544,18 @@
   <p:clrMapOvr>
     <a:masterClrMapping/>
   </p:clrMapOvr>
+  <mc:AlternateContent xmlns:mc="http://schemas.openxmlformats.org/markup-compatibility/2006" xmlns:p159="http://schemas.microsoft.com/office/powerpoint/2015/09/main">
+    <mc:Choice Requires="p159">
+      <p:transition>
+        <p159:morph option="byObject"/>
+      </p:transition>
+    </mc:Choice>
+    <mc:Fallback xmlns="">
+      <p:transition>
+        <p:fade/>
+      </p:transition>
+    </mc:Fallback>
+  </mc:AlternateContent>
 </p:sldLayout>
 </file>
 
@@ -660,7 +694,7 @@
           <a:p>
             <a:fld id="{BAE566F8-A083-4239-91F9-544E80E560C9}" type="datetimeFigureOut">
               <a:rPr lang="en-US" smtClean="0"/>
-              <a:t>1/5/2022</a:t>
+              <a:t>1/9/2022</a:t>
             </a:fld>
             <a:endParaRPr lang="en-US"/>
           </a:p>
@@ -730,6 +764,18 @@
   <p:clrMapOvr>
     <a:masterClrMapping/>
   </p:clrMapOvr>
+  <mc:AlternateContent xmlns:mc="http://schemas.openxmlformats.org/markup-compatibility/2006" xmlns:p159="http://schemas.microsoft.com/office/powerpoint/2015/09/main">
+    <mc:Choice Requires="p159">
+      <p:transition>
+        <p159:morph option="byObject"/>
+      </p:transition>
+    </mc:Choice>
+    <mc:Fallback xmlns="">
+      <p:transition>
+        <p:fade/>
+      </p:transition>
+    </mc:Fallback>
+  </mc:AlternateContent>
 </p:sldLayout>
 </file>
 
@@ -858,7 +904,7 @@
           <a:p>
             <a:fld id="{BAE566F8-A083-4239-91F9-544E80E560C9}" type="datetimeFigureOut">
               <a:rPr lang="en-US" smtClean="0"/>
-              <a:t>1/5/2022</a:t>
+              <a:t>1/9/2022</a:t>
             </a:fld>
             <a:endParaRPr lang="en-US"/>
           </a:p>
@@ -928,6 +974,18 @@
   <p:clrMapOvr>
     <a:masterClrMapping/>
   </p:clrMapOvr>
+  <mc:AlternateContent xmlns:mc="http://schemas.openxmlformats.org/markup-compatibility/2006" xmlns:p159="http://schemas.microsoft.com/office/powerpoint/2015/09/main">
+    <mc:Choice Requires="p159">
+      <p:transition>
+        <p159:morph option="byObject"/>
+      </p:transition>
+    </mc:Choice>
+    <mc:Fallback xmlns="">
+      <p:transition>
+        <p:fade/>
+      </p:transition>
+    </mc:Fallback>
+  </mc:AlternateContent>
 </p:sldLayout>
 </file>
 
@@ -1133,7 +1191,7 @@
           <a:p>
             <a:fld id="{BAE566F8-A083-4239-91F9-544E80E560C9}" type="datetimeFigureOut">
               <a:rPr lang="en-US" smtClean="0"/>
-              <a:t>1/5/2022</a:t>
+              <a:t>1/9/2022</a:t>
             </a:fld>
             <a:endParaRPr lang="en-US"/>
           </a:p>
@@ -1203,6 +1261,18 @@
   <p:clrMapOvr>
     <a:masterClrMapping/>
   </p:clrMapOvr>
+  <mc:AlternateContent xmlns:mc="http://schemas.openxmlformats.org/markup-compatibility/2006" xmlns:p159="http://schemas.microsoft.com/office/powerpoint/2015/09/main">
+    <mc:Choice Requires="p159">
+      <p:transition>
+        <p159:morph option="byObject"/>
+      </p:transition>
+    </mc:Choice>
+    <mc:Fallback xmlns="">
+      <p:transition>
+        <p:fade/>
+      </p:transition>
+    </mc:Fallback>
+  </mc:AlternateContent>
 </p:sldLayout>
 </file>
 
@@ -1398,7 +1468,7 @@
           <a:p>
             <a:fld id="{BAE566F8-A083-4239-91F9-544E80E560C9}" type="datetimeFigureOut">
               <a:rPr lang="en-US" smtClean="0"/>
-              <a:t>1/5/2022</a:t>
+              <a:t>1/9/2022</a:t>
             </a:fld>
             <a:endParaRPr lang="en-US"/>
           </a:p>
@@ -1468,6 +1538,18 @@
   <p:clrMapOvr>
     <a:masterClrMapping/>
   </p:clrMapOvr>
+  <mc:AlternateContent xmlns:mc="http://schemas.openxmlformats.org/markup-compatibility/2006" xmlns:p159="http://schemas.microsoft.com/office/powerpoint/2015/09/main">
+    <mc:Choice Requires="p159">
+      <p:transition>
+        <p159:morph option="byObject"/>
+      </p:transition>
+    </mc:Choice>
+    <mc:Fallback xmlns="">
+      <p:transition>
+        <p:fade/>
+      </p:transition>
+    </mc:Fallback>
+  </mc:AlternateContent>
 </p:sldLayout>
 </file>
 
@@ -1810,7 +1892,7 @@
           <a:p>
             <a:fld id="{BAE566F8-A083-4239-91F9-544E80E560C9}" type="datetimeFigureOut">
               <a:rPr lang="en-US" smtClean="0"/>
-              <a:t>1/5/2022</a:t>
+              <a:t>1/9/2022</a:t>
             </a:fld>
             <a:endParaRPr lang="en-US"/>
           </a:p>
@@ -1880,6 +1962,18 @@
   <p:clrMapOvr>
     <a:masterClrMapping/>
   </p:clrMapOvr>
+  <mc:AlternateContent xmlns:mc="http://schemas.openxmlformats.org/markup-compatibility/2006" xmlns:p159="http://schemas.microsoft.com/office/powerpoint/2015/09/main">
+    <mc:Choice Requires="p159">
+      <p:transition>
+        <p159:morph option="byObject"/>
+      </p:transition>
+    </mc:Choice>
+    <mc:Fallback xmlns="">
+      <p:transition>
+        <p:fade/>
+      </p:transition>
+    </mc:Fallback>
+  </mc:AlternateContent>
 </p:sldLayout>
 </file>
 
@@ -1951,7 +2045,7 @@
           <a:p>
             <a:fld id="{BAE566F8-A083-4239-91F9-544E80E560C9}" type="datetimeFigureOut">
               <a:rPr lang="en-US" smtClean="0"/>
-              <a:t>1/5/2022</a:t>
+              <a:t>1/9/2022</a:t>
             </a:fld>
             <a:endParaRPr lang="en-US"/>
           </a:p>
@@ -2021,6 +2115,18 @@
   <p:clrMapOvr>
     <a:masterClrMapping/>
   </p:clrMapOvr>
+  <mc:AlternateContent xmlns:mc="http://schemas.openxmlformats.org/markup-compatibility/2006" xmlns:p159="http://schemas.microsoft.com/office/powerpoint/2015/09/main">
+    <mc:Choice Requires="p159">
+      <p:transition>
+        <p159:morph option="byObject"/>
+      </p:transition>
+    </mc:Choice>
+    <mc:Fallback xmlns="">
+      <p:transition>
+        <p:fade/>
+      </p:transition>
+    </mc:Fallback>
+  </mc:AlternateContent>
 </p:sldLayout>
 </file>
 
@@ -2064,7 +2170,7 @@
           <a:p>
             <a:fld id="{BAE566F8-A083-4239-91F9-544E80E560C9}" type="datetimeFigureOut">
               <a:rPr lang="en-US" smtClean="0"/>
-              <a:t>1/5/2022</a:t>
+              <a:t>1/9/2022</a:t>
             </a:fld>
             <a:endParaRPr lang="en-US"/>
           </a:p>
@@ -2134,6 +2240,18 @@
   <p:clrMapOvr>
     <a:masterClrMapping/>
   </p:clrMapOvr>
+  <mc:AlternateContent xmlns:mc="http://schemas.openxmlformats.org/markup-compatibility/2006" xmlns:p159="http://schemas.microsoft.com/office/powerpoint/2015/09/main">
+    <mc:Choice Requires="p159">
+      <p:transition>
+        <p159:morph option="byObject"/>
+      </p:transition>
+    </mc:Choice>
+    <mc:Fallback xmlns="">
+      <p:transition>
+        <p:fade/>
+      </p:transition>
+    </mc:Fallback>
+  </mc:AlternateContent>
 </p:sldLayout>
 </file>
 
@@ -2375,7 +2493,7 @@
           <a:p>
             <a:fld id="{BAE566F8-A083-4239-91F9-544E80E560C9}" type="datetimeFigureOut">
               <a:rPr lang="en-US" smtClean="0"/>
-              <a:t>1/5/2022</a:t>
+              <a:t>1/9/2022</a:t>
             </a:fld>
             <a:endParaRPr lang="en-US"/>
           </a:p>
@@ -2445,6 +2563,18 @@
   <p:clrMapOvr>
     <a:masterClrMapping/>
   </p:clrMapOvr>
+  <mc:AlternateContent xmlns:mc="http://schemas.openxmlformats.org/markup-compatibility/2006" xmlns:p159="http://schemas.microsoft.com/office/powerpoint/2015/09/main">
+    <mc:Choice Requires="p159">
+      <p:transition>
+        <p159:morph option="byObject"/>
+      </p:transition>
+    </mc:Choice>
+    <mc:Fallback xmlns="">
+      <p:transition>
+        <p:fade/>
+      </p:transition>
+    </mc:Fallback>
+  </mc:AlternateContent>
 </p:sldLayout>
 </file>
 
@@ -2663,7 +2793,7 @@
           <a:p>
             <a:fld id="{BAE566F8-A083-4239-91F9-544E80E560C9}" type="datetimeFigureOut">
               <a:rPr lang="en-US" smtClean="0"/>
-              <a:t>1/5/2022</a:t>
+              <a:t>1/9/2022</a:t>
             </a:fld>
             <a:endParaRPr lang="en-US"/>
           </a:p>
@@ -2733,6 +2863,18 @@
   <p:clrMapOvr>
     <a:masterClrMapping/>
   </p:clrMapOvr>
+  <mc:AlternateContent xmlns:mc="http://schemas.openxmlformats.org/markup-compatibility/2006" xmlns:p159="http://schemas.microsoft.com/office/powerpoint/2015/09/main">
+    <mc:Choice Requires="p159">
+      <p:transition>
+        <p159:morph option="byObject"/>
+      </p:transition>
+    </mc:Choice>
+    <mc:Fallback xmlns="">
+      <p:transition>
+        <p:fade/>
+      </p:transition>
+    </mc:Fallback>
+  </mc:AlternateContent>
 </p:sldLayout>
 </file>
 
@@ -2904,7 +3046,7 @@
           <a:p>
             <a:fld id="{BAE566F8-A083-4239-91F9-544E80E560C9}" type="datetimeFigureOut">
               <a:rPr lang="en-US" smtClean="0"/>
-              <a:t>1/5/2022</a:t>
+              <a:t>1/9/2022</a:t>
             </a:fld>
             <a:endParaRPr lang="en-US"/>
           </a:p>
@@ -3021,6 +3163,18 @@
     <p:sldLayoutId id="2147483658" r:id="rId10"/>
     <p:sldLayoutId id="2147483659" r:id="rId11"/>
   </p:sldLayoutIdLst>
+  <mc:AlternateContent xmlns:mc="http://schemas.openxmlformats.org/markup-compatibility/2006" xmlns:p159="http://schemas.microsoft.com/office/powerpoint/2015/09/main">
+    <mc:Choice Requires="p159">
+      <p:transition>
+        <p159:morph option="byObject"/>
+      </p:transition>
+    </mc:Choice>
+    <mc:Fallback xmlns="">
+      <p:transition>
+        <p:fade/>
+      </p:transition>
+    </mc:Fallback>
+  </mc:AlternateContent>
   <p:txStyles>
     <p:titleStyle>
       <a:lvl1pPr algn="l" defTabSz="914400" rtl="0" eaLnBrk="1" latinLnBrk="0" hangingPunct="1">
@@ -3342,7 +3496,10 @@
           <a:bodyPr/>
           <a:lstStyle/>
           <a:p>
-            <a:endParaRPr lang="en-US"/>
+            <a:r>
+              <a:rPr lang="en-US" dirty="0"/>
+              <a:t>Master Method</a:t>
+            </a:r>
           </a:p>
         </p:txBody>
       </p:sp>
@@ -3367,10 +3524,107 @@
           <a:bodyPr/>
           <a:lstStyle/>
           <a:p>
-            <a:endParaRPr lang="en-US"/>
+            <a:r>
+              <a:rPr lang="en-US" dirty="0"/>
+              <a:t>Nav Sanya Anand</a:t>
+            </a:r>
           </a:p>
         </p:txBody>
       </p:sp>
+      <p:pic>
+        <p:nvPicPr>
+          <p:cNvPr id="1026" name="Picture 2" descr="Download Free png Confident - Free people icons - DLPNG.com">
+            <a:extLst>
+              <a:ext uri="{FF2B5EF4-FFF2-40B4-BE49-F238E27FC236}">
+                <a16:creationId xmlns:a16="http://schemas.microsoft.com/office/drawing/2014/main" id="{FBF6988E-5E9B-4688-8F5F-ACFA9F5E5ADF}"/>
+              </a:ext>
+            </a:extLst>
+          </p:cNvPr>
+          <p:cNvPicPr>
+            <a:picLocks noChangeAspect="1" noChangeArrowheads="1"/>
+          </p:cNvPicPr>
+          <p:nvPr/>
+        </p:nvPicPr>
+        <p:blipFill>
+          <a:blip r:embed="rId2">
+            <a:extLst>
+              <a:ext uri="{28A0092B-C50C-407E-A947-70E740481C1C}">
+                <a14:useLocalDpi xmlns:a14="http://schemas.microsoft.com/office/drawing/2010/main" val="0"/>
+              </a:ext>
+            </a:extLst>
+          </a:blip>
+          <a:srcRect/>
+          <a:stretch>
+            <a:fillRect/>
+          </a:stretch>
+        </p:blipFill>
+        <p:spPr bwMode="auto">
+          <a:xfrm>
+            <a:off x="61645" y="91611"/>
+            <a:ext cx="2519363" cy="2519363"/>
+          </a:xfrm>
+          <a:prstGeom prst="rect">
+            <a:avLst/>
+          </a:prstGeom>
+          <a:noFill/>
+          <a:extLst>
+            <a:ext uri="{909E8E84-426E-40DD-AFC4-6F175D3DCCD1}">
+              <a14:hiddenFill xmlns:a14="http://schemas.microsoft.com/office/drawing/2010/main">
+                <a:solidFill>
+                  <a:srgbClr val="FFFFFF"/>
+                </a:solidFill>
+              </a14:hiddenFill>
+            </a:ext>
+          </a:extLst>
+        </p:spPr>
+      </p:pic>
+      <p:pic>
+        <p:nvPicPr>
+          <p:cNvPr id="5" name="Picture 2" descr="Download Free png Confident - Free people icons - DLPNG.com">
+            <a:extLst>
+              <a:ext uri="{FF2B5EF4-FFF2-40B4-BE49-F238E27FC236}">
+                <a16:creationId xmlns:a16="http://schemas.microsoft.com/office/drawing/2014/main" id="{6D899502-4A9A-4BE6-8B8E-C2D646C4452F}"/>
+              </a:ext>
+            </a:extLst>
+          </p:cNvPr>
+          <p:cNvPicPr>
+            <a:picLocks noChangeAspect="1" noChangeArrowheads="1"/>
+          </p:cNvPicPr>
+          <p:nvPr/>
+        </p:nvPicPr>
+        <p:blipFill>
+          <a:blip r:embed="rId2">
+            <a:extLst>
+              <a:ext uri="{28A0092B-C50C-407E-A947-70E740481C1C}">
+                <a14:useLocalDpi xmlns:a14="http://schemas.microsoft.com/office/drawing/2010/main" val="0"/>
+              </a:ext>
+            </a:extLst>
+          </a:blip>
+          <a:srcRect/>
+          <a:stretch>
+            <a:fillRect/>
+          </a:stretch>
+        </p:blipFill>
+        <p:spPr bwMode="auto">
+          <a:xfrm>
+            <a:off x="9599488" y="4271481"/>
+            <a:ext cx="2519363" cy="2519363"/>
+          </a:xfrm>
+          <a:prstGeom prst="rect">
+            <a:avLst/>
+          </a:prstGeom>
+          <a:noFill/>
+          <a:extLst>
+            <a:ext uri="{909E8E84-426E-40DD-AFC4-6F175D3DCCD1}">
+              <a14:hiddenFill xmlns:a14="http://schemas.microsoft.com/office/drawing/2010/main">
+                <a:solidFill>
+                  <a:srgbClr val="FFFFFF"/>
+                </a:solidFill>
+              </a14:hiddenFill>
+            </a:ext>
+          </a:extLst>
+        </p:spPr>
+      </p:pic>
     </p:spTree>
     <p:extLst>
       <p:ext uri="{BB962C8B-B14F-4D97-AF65-F5344CB8AC3E}">
@@ -3381,6 +3635,8617 @@
   <p:clrMapOvr>
     <a:masterClrMapping/>
   </p:clrMapOvr>
+  <mc:AlternateContent xmlns:mc="http://schemas.openxmlformats.org/markup-compatibility/2006" xmlns:p159="http://schemas.microsoft.com/office/powerpoint/2015/09/main">
+    <mc:Choice Requires="p159">
+      <p:transition>
+        <p159:morph option="byObject"/>
+      </p:transition>
+    </mc:Choice>
+    <mc:Fallback xmlns="">
+      <p:transition>
+        <p:fade/>
+      </p:transition>
+    </mc:Fallback>
+  </mc:AlternateContent>
+</p:sld>
+</file>
+
+<file path=ppt/slides/slide2.xml><?xml version="1.0" encoding="utf-8"?>
+<p:sld xmlns:a="http://schemas.openxmlformats.org/drawingml/2006/main" xmlns:r="http://schemas.openxmlformats.org/officeDocument/2006/relationships" xmlns:p="http://schemas.openxmlformats.org/presentationml/2006/main">
+  <p:cSld>
+    <p:spTree>
+      <p:nvGrpSpPr>
+        <p:cNvPr id="1" name=""/>
+        <p:cNvGrpSpPr/>
+        <p:nvPr/>
+      </p:nvGrpSpPr>
+      <p:grpSpPr>
+        <a:xfrm>
+          <a:off x="0" y="0"/>
+          <a:ext cx="0" cy="0"/>
+          <a:chOff x="0" y="0"/>
+          <a:chExt cx="0" cy="0"/>
+        </a:xfrm>
+      </p:grpSpPr>
+      <p:sp>
+        <p:nvSpPr>
+          <p:cNvPr id="2" name="Title 1">
+            <a:extLst>
+              <a:ext uri="{FF2B5EF4-FFF2-40B4-BE49-F238E27FC236}">
+                <a16:creationId xmlns:a16="http://schemas.microsoft.com/office/drawing/2014/main" id="{ED7B97B1-C86D-4402-803A-C23C1544EED0}"/>
+              </a:ext>
+            </a:extLst>
+          </p:cNvPr>
+          <p:cNvSpPr>
+            <a:spLocks noGrp="1"/>
+          </p:cNvSpPr>
+          <p:nvPr>
+            <p:ph type="title"/>
+          </p:nvPr>
+        </p:nvSpPr>
+        <p:spPr>
+          <a:xfrm>
+            <a:off x="134420" y="51765"/>
+            <a:ext cx="10515600" cy="780444"/>
+          </a:xfrm>
+        </p:spPr>
+        <p:txBody>
+          <a:bodyPr/>
+          <a:lstStyle/>
+          <a:p>
+            <a:r>
+              <a:rPr lang="en-US" b="1" dirty="0"/>
+              <a:t>Points to Note</a:t>
+            </a:r>
+            <a:endParaRPr lang="en-US" dirty="0"/>
+          </a:p>
+        </p:txBody>
+      </p:sp>
+      <mc:AlternateContent xmlns:mc="http://schemas.openxmlformats.org/markup-compatibility/2006">
+        <mc:Choice xmlns:a14="http://schemas.microsoft.com/office/drawing/2010/main" Requires="a14">
+          <p:sp>
+            <p:nvSpPr>
+              <p:cNvPr id="3" name="Content Placeholder 2">
+                <a:extLst>
+                  <a:ext uri="{FF2B5EF4-FFF2-40B4-BE49-F238E27FC236}">
+                    <a16:creationId xmlns:a16="http://schemas.microsoft.com/office/drawing/2014/main" id="{5EABFBC3-EE08-43BD-B066-2FF949D0A11D}"/>
+                  </a:ext>
+                </a:extLst>
+              </p:cNvPr>
+              <p:cNvSpPr>
+                <a:spLocks noGrp="1"/>
+              </p:cNvSpPr>
+              <p:nvPr>
+                <p:ph idx="1"/>
+              </p:nvPr>
+            </p:nvSpPr>
+            <p:spPr>
+              <a:xfrm>
+                <a:off x="97604" y="770562"/>
+                <a:ext cx="11866652" cy="5959011"/>
+              </a:xfrm>
+            </p:spPr>
+            <p:txBody>
+              <a:bodyPr>
+                <a:normAutofit fontScale="92500" lnSpcReduction="20000"/>
+              </a:bodyPr>
+              <a:lstStyle/>
+              <a:p>
+                <a:pPr>
+                  <a:lnSpc>
+                    <a:spcPct val="120000"/>
+                  </a:lnSpc>
+                </a:pPr>
+                <a:r>
+                  <a:rPr lang="en-US" dirty="0"/>
+                  <a:t>T(n) = a T(n/b) + f(n)</a:t>
+                </a:r>
+              </a:p>
+              <a:p>
+                <a:pPr lvl="1">
+                  <a:lnSpc>
+                    <a:spcPct val="120000"/>
+                  </a:lnSpc>
+                </a:pPr>
+                <a:r>
+                  <a:rPr lang="en-US" dirty="0"/>
+                  <a:t>Where a &gt;= 1, b &gt; 1, and f(n) &gt; 0</a:t>
+                </a:r>
+              </a:p>
+              <a:p>
+                <a:pPr>
+                  <a:lnSpc>
+                    <a:spcPct val="120000"/>
+                  </a:lnSpc>
+                </a:pPr>
+                <a:r>
+                  <a:rPr lang="en-US" dirty="0"/>
+                  <a:t>Case 1: </a:t>
+                </a:r>
+              </a:p>
+              <a:p>
+                <a:pPr marL="0" marR="0" indent="0">
+                  <a:lnSpc>
+                    <a:spcPct val="120000"/>
+                  </a:lnSpc>
+                  <a:spcBef>
+                    <a:spcPts val="0"/>
+                  </a:spcBef>
+                  <a:spcAft>
+                    <a:spcPts val="800"/>
+                  </a:spcAft>
+                  <a:buNone/>
+                </a:pPr>
+                <a:r>
+                  <a:rPr lang="en-US" sz="2100" dirty="0">
+                    <a:effectLst/>
+                    <a:latin typeface="Calibri" panose="020F0502020204030204" pitchFamily="34" charset="0"/>
+                    <a:ea typeface="Calibri" panose="020F0502020204030204" pitchFamily="34" charset="0"/>
+                    <a:cs typeface="Times New Roman" panose="02020603050405020304" pitchFamily="18" charset="0"/>
+                  </a:rPr>
+                  <a:t>If </a:t>
+                </a:r>
+                <a14:m>
+                  <m:oMath xmlns:m="http://schemas.openxmlformats.org/officeDocument/2006/math">
+                    <m:r>
+                      <a:rPr lang="en-US" sz="2100" i="1">
+                        <a:effectLst/>
+                        <a:latin typeface="Cambria Math" panose="02040503050406030204" pitchFamily="18" charset="0"/>
+                        <a:ea typeface="Calibri" panose="020F0502020204030204" pitchFamily="34" charset="0"/>
+                        <a:cs typeface="Times New Roman" panose="02020603050405020304" pitchFamily="18" charset="0"/>
+                      </a:rPr>
+                      <m:t>𝑓</m:t>
+                    </m:r>
+                    <m:d>
+                      <m:dPr>
+                        <m:ctrlPr>
+                          <a:rPr lang="en-US" sz="2100" i="1">
+                            <a:effectLst/>
+                            <a:latin typeface="Cambria Math" panose="02040503050406030204" pitchFamily="18" charset="0"/>
+                            <a:ea typeface="Calibri" panose="020F0502020204030204" pitchFamily="34" charset="0"/>
+                            <a:cs typeface="Times New Roman" panose="02020603050405020304" pitchFamily="18" charset="0"/>
+                          </a:rPr>
+                        </m:ctrlPr>
+                      </m:dPr>
+                      <m:e>
+                        <m:r>
+                          <a:rPr lang="en-US" sz="2100" i="1">
+                            <a:effectLst/>
+                            <a:latin typeface="Cambria Math" panose="02040503050406030204" pitchFamily="18" charset="0"/>
+                            <a:ea typeface="Calibri" panose="020F0502020204030204" pitchFamily="34" charset="0"/>
+                            <a:cs typeface="Times New Roman" panose="02020603050405020304" pitchFamily="18" charset="0"/>
+                          </a:rPr>
+                          <m:t>𝑛</m:t>
+                        </m:r>
+                      </m:e>
+                    </m:d>
+                    <m:r>
+                      <a:rPr lang="en-US" sz="2100" i="1">
+                        <a:effectLst/>
+                        <a:latin typeface="Cambria Math" panose="02040503050406030204" pitchFamily="18" charset="0"/>
+                        <a:ea typeface="Calibri" panose="020F0502020204030204" pitchFamily="34" charset="0"/>
+                        <a:cs typeface="Times New Roman" panose="02020603050405020304" pitchFamily="18" charset="0"/>
+                      </a:rPr>
+                      <m:t>=</m:t>
+                    </m:r>
+                    <m:r>
+                      <a:rPr lang="en-US" sz="2100" i="1">
+                        <a:effectLst/>
+                        <a:latin typeface="Cambria Math" panose="02040503050406030204" pitchFamily="18" charset="0"/>
+                        <a:ea typeface="Calibri" panose="020F0502020204030204" pitchFamily="34" charset="0"/>
+                        <a:cs typeface="Times New Roman" panose="02020603050405020304" pitchFamily="18" charset="0"/>
+                      </a:rPr>
+                      <m:t>𝑂</m:t>
+                    </m:r>
+                    <m:r>
+                      <a:rPr lang="en-US" sz="2100" i="1">
+                        <a:effectLst/>
+                        <a:latin typeface="Cambria Math" panose="02040503050406030204" pitchFamily="18" charset="0"/>
+                        <a:ea typeface="Calibri" panose="020F0502020204030204" pitchFamily="34" charset="0"/>
+                        <a:cs typeface="Times New Roman" panose="02020603050405020304" pitchFamily="18" charset="0"/>
+                      </a:rPr>
+                      <m:t>(</m:t>
+                    </m:r>
+                    <m:sSup>
+                      <m:sSupPr>
+                        <m:ctrlPr>
+                          <a:rPr lang="en-US" sz="2100" i="1">
+                            <a:effectLst/>
+                            <a:latin typeface="Cambria Math" panose="02040503050406030204" pitchFamily="18" charset="0"/>
+                            <a:ea typeface="Calibri" panose="020F0502020204030204" pitchFamily="34" charset="0"/>
+                            <a:cs typeface="Times New Roman" panose="02020603050405020304" pitchFamily="18" charset="0"/>
+                          </a:rPr>
+                        </m:ctrlPr>
+                      </m:sSupPr>
+                      <m:e>
+                        <m:r>
+                          <a:rPr lang="en-US" sz="2100" i="1">
+                            <a:effectLst/>
+                            <a:latin typeface="Cambria Math" panose="02040503050406030204" pitchFamily="18" charset="0"/>
+                            <a:ea typeface="Calibri" panose="020F0502020204030204" pitchFamily="34" charset="0"/>
+                            <a:cs typeface="Times New Roman" panose="02020603050405020304" pitchFamily="18" charset="0"/>
+                          </a:rPr>
+                          <m:t>𝑛</m:t>
+                        </m:r>
+                      </m:e>
+                      <m:sup>
+                        <m:func>
+                          <m:funcPr>
+                            <m:ctrlPr>
+                              <a:rPr lang="en-US" sz="2100" i="1">
+                                <a:effectLst/>
+                                <a:latin typeface="Cambria Math" panose="02040503050406030204" pitchFamily="18" charset="0"/>
+                                <a:ea typeface="Calibri" panose="020F0502020204030204" pitchFamily="34" charset="0"/>
+                                <a:cs typeface="Times New Roman" panose="02020603050405020304" pitchFamily="18" charset="0"/>
+                              </a:rPr>
+                            </m:ctrlPr>
+                          </m:funcPr>
+                          <m:fName>
+                            <m:sSub>
+                              <m:sSubPr>
+                                <m:ctrlPr>
+                                  <a:rPr lang="en-US" sz="2100" i="1">
+                                    <a:effectLst/>
+                                    <a:latin typeface="Cambria Math" panose="02040503050406030204" pitchFamily="18" charset="0"/>
+                                    <a:ea typeface="Calibri" panose="020F0502020204030204" pitchFamily="34" charset="0"/>
+                                    <a:cs typeface="Times New Roman" panose="02020603050405020304" pitchFamily="18" charset="0"/>
+                                  </a:rPr>
+                                </m:ctrlPr>
+                              </m:sSubPr>
+                              <m:e>
+                                <m:r>
+                                  <m:rPr>
+                                    <m:sty m:val="p"/>
+                                  </m:rPr>
+                                  <a:rPr lang="en-US" sz="2100">
+                                    <a:effectLst/>
+                                    <a:latin typeface="Cambria Math" panose="02040503050406030204" pitchFamily="18" charset="0"/>
+                                    <a:ea typeface="Calibri" panose="020F0502020204030204" pitchFamily="34" charset="0"/>
+                                    <a:cs typeface="Times New Roman" panose="02020603050405020304" pitchFamily="18" charset="0"/>
+                                  </a:rPr>
+                                  <m:t>log</m:t>
+                                </m:r>
+                              </m:e>
+                              <m:sub>
+                                <m:r>
+                                  <a:rPr lang="en-US" sz="2100" i="1">
+                                    <a:effectLst/>
+                                    <a:latin typeface="Cambria Math" panose="02040503050406030204" pitchFamily="18" charset="0"/>
+                                    <a:ea typeface="Calibri" panose="020F0502020204030204" pitchFamily="34" charset="0"/>
+                                    <a:cs typeface="Times New Roman" panose="02020603050405020304" pitchFamily="18" charset="0"/>
+                                  </a:rPr>
+                                  <m:t>𝑏</m:t>
+                                </m:r>
+                              </m:sub>
+                            </m:sSub>
+                          </m:fName>
+                          <m:e>
+                            <m:r>
+                              <a:rPr lang="en-US" sz="2100" i="1">
+                                <a:effectLst/>
+                                <a:latin typeface="Cambria Math" panose="02040503050406030204" pitchFamily="18" charset="0"/>
+                                <a:ea typeface="Calibri" panose="020F0502020204030204" pitchFamily="34" charset="0"/>
+                                <a:cs typeface="Times New Roman" panose="02020603050405020304" pitchFamily="18" charset="0"/>
+                              </a:rPr>
+                              <m:t>𝑎</m:t>
+                            </m:r>
+                            <m:r>
+                              <a:rPr lang="en-US" sz="2100" i="1">
+                                <a:effectLst/>
+                                <a:latin typeface="Cambria Math" panose="02040503050406030204" pitchFamily="18" charset="0"/>
+                                <a:ea typeface="Calibri" panose="020F0502020204030204" pitchFamily="34" charset="0"/>
+                                <a:cs typeface="Times New Roman" panose="02020603050405020304" pitchFamily="18" charset="0"/>
+                              </a:rPr>
+                              <m:t>−∈</m:t>
+                            </m:r>
+                          </m:e>
+                        </m:func>
+                      </m:sup>
+                    </m:sSup>
+                    <m:r>
+                      <a:rPr lang="en-US" sz="2100" i="1">
+                        <a:effectLst/>
+                        <a:latin typeface="Cambria Math" panose="02040503050406030204" pitchFamily="18" charset="0"/>
+                        <a:ea typeface="Calibri" panose="020F0502020204030204" pitchFamily="34" charset="0"/>
+                        <a:cs typeface="Times New Roman" panose="02020603050405020304" pitchFamily="18" charset="0"/>
+                      </a:rPr>
+                      <m:t>)</m:t>
+                    </m:r>
+                  </m:oMath>
+                </a14:m>
+                <a:r>
+                  <a:rPr lang="en-US" sz="2100" dirty="0">
+                    <a:effectLst/>
+                    <a:latin typeface="Calibri" panose="020F0502020204030204" pitchFamily="34" charset="0"/>
+                    <a:ea typeface="Times New Roman" panose="02020603050405020304" pitchFamily="18" charset="0"/>
+                    <a:cs typeface="Times New Roman" panose="02020603050405020304" pitchFamily="18" charset="0"/>
+                  </a:rPr>
+                  <a:t> for some </a:t>
+                </a:r>
+                <a14:m>
+                  <m:oMath xmlns:m="http://schemas.openxmlformats.org/officeDocument/2006/math">
+                    <m:r>
+                      <a:rPr lang="en-US" sz="2100" i="1">
+                        <a:effectLst/>
+                        <a:latin typeface="Cambria Math" panose="02040503050406030204" pitchFamily="18" charset="0"/>
+                        <a:ea typeface="Calibri" panose="020F0502020204030204" pitchFamily="34" charset="0"/>
+                        <a:cs typeface="Times New Roman" panose="02020603050405020304" pitchFamily="18" charset="0"/>
+                      </a:rPr>
+                      <m:t>∈ &gt;0</m:t>
+                    </m:r>
+                  </m:oMath>
+                </a14:m>
+                <a:r>
+                  <a:rPr lang="en-US" sz="2100" dirty="0">
+                    <a:effectLst/>
+                    <a:latin typeface="Calibri" panose="020F0502020204030204" pitchFamily="34" charset="0"/>
+                    <a:ea typeface="Times New Roman" panose="02020603050405020304" pitchFamily="18" charset="0"/>
+                    <a:cs typeface="Times New Roman" panose="02020603050405020304" pitchFamily="18" charset="0"/>
+                  </a:rPr>
+                  <a:t>, then: T(n) = </a:t>
+                </a:r>
+                <a14:m>
+                  <m:oMath xmlns:m="http://schemas.openxmlformats.org/officeDocument/2006/math">
+                    <m:r>
+                      <a:rPr lang="en-US" sz="2100" i="1">
+                        <a:effectLst/>
+                        <a:latin typeface="Cambria Math" panose="02040503050406030204" pitchFamily="18" charset="0"/>
+                        <a:ea typeface="Times New Roman" panose="02020603050405020304" pitchFamily="18" charset="0"/>
+                        <a:cs typeface="Times New Roman" panose="02020603050405020304" pitchFamily="18" charset="0"/>
+                      </a:rPr>
+                      <m:t>𝜃</m:t>
+                    </m:r>
+                    <m:r>
+                      <a:rPr lang="en-US" sz="2100" i="1">
+                        <a:effectLst/>
+                        <a:latin typeface="Cambria Math" panose="02040503050406030204" pitchFamily="18" charset="0"/>
+                        <a:ea typeface="Times New Roman" panose="02020603050405020304" pitchFamily="18" charset="0"/>
+                        <a:cs typeface="Times New Roman" panose="02020603050405020304" pitchFamily="18" charset="0"/>
+                      </a:rPr>
+                      <m:t>(</m:t>
+                    </m:r>
+                    <m:sSup>
+                      <m:sSupPr>
+                        <m:ctrlPr>
+                          <a:rPr lang="en-US" sz="2100" i="1">
+                            <a:effectLst/>
+                            <a:latin typeface="Cambria Math" panose="02040503050406030204" pitchFamily="18" charset="0"/>
+                            <a:ea typeface="Times New Roman" panose="02020603050405020304" pitchFamily="18" charset="0"/>
+                            <a:cs typeface="Times New Roman" panose="02020603050405020304" pitchFamily="18" charset="0"/>
+                          </a:rPr>
+                        </m:ctrlPr>
+                      </m:sSupPr>
+                      <m:e>
+                        <m:r>
+                          <a:rPr lang="en-US" sz="2100" i="1">
+                            <a:effectLst/>
+                            <a:latin typeface="Cambria Math" panose="02040503050406030204" pitchFamily="18" charset="0"/>
+                            <a:ea typeface="Times New Roman" panose="02020603050405020304" pitchFamily="18" charset="0"/>
+                            <a:cs typeface="Times New Roman" panose="02020603050405020304" pitchFamily="18" charset="0"/>
+                          </a:rPr>
+                          <m:t>𝑛</m:t>
+                        </m:r>
+                      </m:e>
+                      <m:sup>
+                        <m:func>
+                          <m:funcPr>
+                            <m:ctrlPr>
+                              <a:rPr lang="en-US" sz="2100" i="1">
+                                <a:effectLst/>
+                                <a:latin typeface="Cambria Math" panose="02040503050406030204" pitchFamily="18" charset="0"/>
+                                <a:ea typeface="Times New Roman" panose="02020603050405020304" pitchFamily="18" charset="0"/>
+                                <a:cs typeface="Times New Roman" panose="02020603050405020304" pitchFamily="18" charset="0"/>
+                              </a:rPr>
+                            </m:ctrlPr>
+                          </m:funcPr>
+                          <m:fName>
+                            <m:sSub>
+                              <m:sSubPr>
+                                <m:ctrlPr>
+                                  <a:rPr lang="en-US" sz="2100" i="1">
+                                    <a:effectLst/>
+                                    <a:latin typeface="Cambria Math" panose="02040503050406030204" pitchFamily="18" charset="0"/>
+                                    <a:ea typeface="Times New Roman" panose="02020603050405020304" pitchFamily="18" charset="0"/>
+                                    <a:cs typeface="Times New Roman" panose="02020603050405020304" pitchFamily="18" charset="0"/>
+                                  </a:rPr>
+                                </m:ctrlPr>
+                              </m:sSubPr>
+                              <m:e>
+                                <m:r>
+                                  <m:rPr>
+                                    <m:sty m:val="p"/>
+                                  </m:rPr>
+                                  <a:rPr lang="en-US" sz="2100">
+                                    <a:effectLst/>
+                                    <a:latin typeface="Cambria Math" panose="02040503050406030204" pitchFamily="18" charset="0"/>
+                                    <a:ea typeface="Calibri" panose="020F0502020204030204" pitchFamily="34" charset="0"/>
+                                    <a:cs typeface="Times New Roman" panose="02020603050405020304" pitchFamily="18" charset="0"/>
+                                  </a:rPr>
+                                  <m:t>log</m:t>
+                                </m:r>
+                              </m:e>
+                              <m:sub>
+                                <m:r>
+                                  <a:rPr lang="en-US" sz="2100" i="1">
+                                    <a:effectLst/>
+                                    <a:latin typeface="Cambria Math" panose="02040503050406030204" pitchFamily="18" charset="0"/>
+                                    <a:ea typeface="Times New Roman" panose="02020603050405020304" pitchFamily="18" charset="0"/>
+                                    <a:cs typeface="Times New Roman" panose="02020603050405020304" pitchFamily="18" charset="0"/>
+                                  </a:rPr>
+                                  <m:t>𝑏</m:t>
+                                </m:r>
+                              </m:sub>
+                            </m:sSub>
+                          </m:fName>
+                          <m:e>
+                            <m:r>
+                              <a:rPr lang="en-US" sz="2100" i="1">
+                                <a:effectLst/>
+                                <a:latin typeface="Cambria Math" panose="02040503050406030204" pitchFamily="18" charset="0"/>
+                                <a:ea typeface="Times New Roman" panose="02020603050405020304" pitchFamily="18" charset="0"/>
+                                <a:cs typeface="Times New Roman" panose="02020603050405020304" pitchFamily="18" charset="0"/>
+                              </a:rPr>
+                              <m:t>𝑎</m:t>
+                            </m:r>
+                          </m:e>
+                        </m:func>
+                      </m:sup>
+                    </m:sSup>
+                    <m:r>
+                      <a:rPr lang="en-US" sz="2100" i="1">
+                        <a:effectLst/>
+                        <a:latin typeface="Cambria Math" panose="02040503050406030204" pitchFamily="18" charset="0"/>
+                        <a:ea typeface="Times New Roman" panose="02020603050405020304" pitchFamily="18" charset="0"/>
+                        <a:cs typeface="Times New Roman" panose="02020603050405020304" pitchFamily="18" charset="0"/>
+                      </a:rPr>
+                      <m:t>)</m:t>
+                    </m:r>
+                  </m:oMath>
+                </a14:m>
+                <a:r>
+                  <a:rPr lang="en-US" sz="2100" dirty="0">
+                    <a:effectLst/>
+                    <a:latin typeface="Calibri" panose="020F0502020204030204" pitchFamily="34" charset="0"/>
+                    <a:ea typeface="Times New Roman" panose="02020603050405020304" pitchFamily="18" charset="0"/>
+                    <a:cs typeface="Times New Roman" panose="02020603050405020304" pitchFamily="18" charset="0"/>
+                  </a:rPr>
+                  <a:t> </a:t>
+                </a:r>
+                <a:endParaRPr lang="en-US" sz="2100" dirty="0">
+                  <a:effectLst/>
+                  <a:latin typeface="Calibri" panose="020F0502020204030204" pitchFamily="34" charset="0"/>
+                  <a:ea typeface="Calibri" panose="020F0502020204030204" pitchFamily="34" charset="0"/>
+                  <a:cs typeface="Times New Roman" panose="02020603050405020304" pitchFamily="18" charset="0"/>
+                </a:endParaRPr>
+              </a:p>
+              <a:p>
+                <a:pPr marL="0" marR="0" indent="0">
+                  <a:lnSpc>
+                    <a:spcPct val="120000"/>
+                  </a:lnSpc>
+                  <a:spcBef>
+                    <a:spcPts val="0"/>
+                  </a:spcBef>
+                  <a:spcAft>
+                    <a:spcPts val="800"/>
+                  </a:spcAft>
+                  <a:buNone/>
+                </a:pPr>
+                <a:r>
+                  <a:rPr lang="en-US" sz="2100" dirty="0">
+                    <a:effectLst/>
+                    <a:latin typeface="Calibri" panose="020F0502020204030204" pitchFamily="34" charset="0"/>
+                    <a:ea typeface="Times New Roman" panose="02020603050405020304" pitchFamily="18" charset="0"/>
+                    <a:cs typeface="Times New Roman" panose="02020603050405020304" pitchFamily="18" charset="0"/>
+                  </a:rPr>
+                  <a:t>			Or</a:t>
+                </a:r>
+                <a:endParaRPr lang="en-US" sz="2100" dirty="0">
+                  <a:effectLst/>
+                  <a:latin typeface="Calibri" panose="020F0502020204030204" pitchFamily="34" charset="0"/>
+                  <a:ea typeface="Calibri" panose="020F0502020204030204" pitchFamily="34" charset="0"/>
+                  <a:cs typeface="Times New Roman" panose="02020603050405020304" pitchFamily="18" charset="0"/>
+                </a:endParaRPr>
+              </a:p>
+              <a:p>
+                <a:pPr marL="0" marR="0" indent="0">
+                  <a:lnSpc>
+                    <a:spcPct val="120000"/>
+                  </a:lnSpc>
+                  <a:spcBef>
+                    <a:spcPts val="0"/>
+                  </a:spcBef>
+                  <a:spcAft>
+                    <a:spcPts val="800"/>
+                  </a:spcAft>
+                  <a:buNone/>
+                </a:pPr>
+                <a:r>
+                  <a:rPr lang="en-US" sz="2100" dirty="0">
+                    <a:effectLst/>
+                    <a:latin typeface="Calibri" panose="020F0502020204030204" pitchFamily="34" charset="0"/>
+                    <a:ea typeface="Calibri" panose="020F0502020204030204" pitchFamily="34" charset="0"/>
+                    <a:cs typeface="Times New Roman" panose="02020603050405020304" pitchFamily="18" charset="0"/>
+                  </a:rPr>
+                  <a:t>If </a:t>
+                </a:r>
+                <a14:m>
+                  <m:oMath xmlns:m="http://schemas.openxmlformats.org/officeDocument/2006/math">
+                    <m:r>
+                      <a:rPr lang="en-US" sz="2100" i="1">
+                        <a:effectLst/>
+                        <a:latin typeface="Cambria Math" panose="02040503050406030204" pitchFamily="18" charset="0"/>
+                        <a:ea typeface="Calibri" panose="020F0502020204030204" pitchFamily="34" charset="0"/>
+                        <a:cs typeface="Times New Roman" panose="02020603050405020304" pitchFamily="18" charset="0"/>
+                      </a:rPr>
+                      <m:t>𝑓</m:t>
+                    </m:r>
+                    <m:d>
+                      <m:dPr>
+                        <m:ctrlPr>
+                          <a:rPr lang="en-US" sz="2100" i="1">
+                            <a:effectLst/>
+                            <a:latin typeface="Cambria Math" panose="02040503050406030204" pitchFamily="18" charset="0"/>
+                            <a:ea typeface="Calibri" panose="020F0502020204030204" pitchFamily="34" charset="0"/>
+                            <a:cs typeface="Times New Roman" panose="02020603050405020304" pitchFamily="18" charset="0"/>
+                          </a:rPr>
+                        </m:ctrlPr>
+                      </m:dPr>
+                      <m:e>
+                        <m:r>
+                          <a:rPr lang="en-US" sz="2100" i="1">
+                            <a:effectLst/>
+                            <a:latin typeface="Cambria Math" panose="02040503050406030204" pitchFamily="18" charset="0"/>
+                            <a:ea typeface="Calibri" panose="020F0502020204030204" pitchFamily="34" charset="0"/>
+                            <a:cs typeface="Times New Roman" panose="02020603050405020304" pitchFamily="18" charset="0"/>
+                          </a:rPr>
+                          <m:t>𝑛</m:t>
+                        </m:r>
+                      </m:e>
+                    </m:d>
+                    <m:r>
+                      <a:rPr lang="en-US" sz="2100" i="1">
+                        <a:effectLst/>
+                        <a:latin typeface="Cambria Math" panose="02040503050406030204" pitchFamily="18" charset="0"/>
+                        <a:ea typeface="Calibri" panose="020F0502020204030204" pitchFamily="34" charset="0"/>
+                        <a:cs typeface="Times New Roman" panose="02020603050405020304" pitchFamily="18" charset="0"/>
+                      </a:rPr>
+                      <m:t>&lt;</m:t>
+                    </m:r>
+                    <m:r>
+                      <a:rPr lang="en-US" sz="2100" i="1">
+                        <a:effectLst/>
+                        <a:latin typeface="Cambria Math" panose="02040503050406030204" pitchFamily="18" charset="0"/>
+                        <a:ea typeface="Calibri" panose="020F0502020204030204" pitchFamily="34" charset="0"/>
+                        <a:cs typeface="Times New Roman" panose="02020603050405020304" pitchFamily="18" charset="0"/>
+                      </a:rPr>
+                      <m:t>𝑂</m:t>
+                    </m:r>
+                    <m:r>
+                      <a:rPr lang="en-US" sz="2100" i="1">
+                        <a:effectLst/>
+                        <a:latin typeface="Cambria Math" panose="02040503050406030204" pitchFamily="18" charset="0"/>
+                        <a:ea typeface="Calibri" panose="020F0502020204030204" pitchFamily="34" charset="0"/>
+                        <a:cs typeface="Times New Roman" panose="02020603050405020304" pitchFamily="18" charset="0"/>
+                      </a:rPr>
+                      <m:t>(</m:t>
+                    </m:r>
+                    <m:sSup>
+                      <m:sSupPr>
+                        <m:ctrlPr>
+                          <a:rPr lang="en-US" sz="2100" i="1">
+                            <a:effectLst/>
+                            <a:latin typeface="Cambria Math" panose="02040503050406030204" pitchFamily="18" charset="0"/>
+                            <a:ea typeface="Calibri" panose="020F0502020204030204" pitchFamily="34" charset="0"/>
+                            <a:cs typeface="Times New Roman" panose="02020603050405020304" pitchFamily="18" charset="0"/>
+                          </a:rPr>
+                        </m:ctrlPr>
+                      </m:sSupPr>
+                      <m:e>
+                        <m:r>
+                          <a:rPr lang="en-US" sz="2100" i="1">
+                            <a:effectLst/>
+                            <a:latin typeface="Cambria Math" panose="02040503050406030204" pitchFamily="18" charset="0"/>
+                            <a:ea typeface="Calibri" panose="020F0502020204030204" pitchFamily="34" charset="0"/>
+                            <a:cs typeface="Times New Roman" panose="02020603050405020304" pitchFamily="18" charset="0"/>
+                          </a:rPr>
+                          <m:t>𝑛</m:t>
+                        </m:r>
+                      </m:e>
+                      <m:sup>
+                        <m:func>
+                          <m:funcPr>
+                            <m:ctrlPr>
+                              <a:rPr lang="en-US" sz="2100" i="1">
+                                <a:effectLst/>
+                                <a:latin typeface="Cambria Math" panose="02040503050406030204" pitchFamily="18" charset="0"/>
+                                <a:ea typeface="Calibri" panose="020F0502020204030204" pitchFamily="34" charset="0"/>
+                                <a:cs typeface="Times New Roman" panose="02020603050405020304" pitchFamily="18" charset="0"/>
+                              </a:rPr>
+                            </m:ctrlPr>
+                          </m:funcPr>
+                          <m:fName>
+                            <m:sSub>
+                              <m:sSubPr>
+                                <m:ctrlPr>
+                                  <a:rPr lang="en-US" sz="2100" i="1">
+                                    <a:effectLst/>
+                                    <a:latin typeface="Cambria Math" panose="02040503050406030204" pitchFamily="18" charset="0"/>
+                                    <a:ea typeface="Calibri" panose="020F0502020204030204" pitchFamily="34" charset="0"/>
+                                    <a:cs typeface="Times New Roman" panose="02020603050405020304" pitchFamily="18" charset="0"/>
+                                  </a:rPr>
+                                </m:ctrlPr>
+                              </m:sSubPr>
+                              <m:e>
+                                <m:r>
+                                  <m:rPr>
+                                    <m:sty m:val="p"/>
+                                  </m:rPr>
+                                  <a:rPr lang="en-US" sz="2100">
+                                    <a:effectLst/>
+                                    <a:latin typeface="Cambria Math" panose="02040503050406030204" pitchFamily="18" charset="0"/>
+                                    <a:ea typeface="Calibri" panose="020F0502020204030204" pitchFamily="34" charset="0"/>
+                                    <a:cs typeface="Times New Roman" panose="02020603050405020304" pitchFamily="18" charset="0"/>
+                                  </a:rPr>
+                                  <m:t>log</m:t>
+                                </m:r>
+                              </m:e>
+                              <m:sub>
+                                <m:r>
+                                  <a:rPr lang="en-US" sz="2100" i="1">
+                                    <a:effectLst/>
+                                    <a:latin typeface="Cambria Math" panose="02040503050406030204" pitchFamily="18" charset="0"/>
+                                    <a:ea typeface="Calibri" panose="020F0502020204030204" pitchFamily="34" charset="0"/>
+                                    <a:cs typeface="Times New Roman" panose="02020603050405020304" pitchFamily="18" charset="0"/>
+                                  </a:rPr>
+                                  <m:t>𝑏</m:t>
+                                </m:r>
+                              </m:sub>
+                            </m:sSub>
+                          </m:fName>
+                          <m:e>
+                            <m:r>
+                              <a:rPr lang="en-US" sz="2100" i="1">
+                                <a:effectLst/>
+                                <a:latin typeface="Cambria Math" panose="02040503050406030204" pitchFamily="18" charset="0"/>
+                                <a:ea typeface="Calibri" panose="020F0502020204030204" pitchFamily="34" charset="0"/>
+                                <a:cs typeface="Times New Roman" panose="02020603050405020304" pitchFamily="18" charset="0"/>
+                              </a:rPr>
+                              <m:t>𝑎</m:t>
+                            </m:r>
+                          </m:e>
+                        </m:func>
+                      </m:sup>
+                    </m:sSup>
+                    <m:r>
+                      <a:rPr lang="en-US" sz="2100" i="1">
+                        <a:effectLst/>
+                        <a:latin typeface="Cambria Math" panose="02040503050406030204" pitchFamily="18" charset="0"/>
+                        <a:ea typeface="Calibri" panose="020F0502020204030204" pitchFamily="34" charset="0"/>
+                        <a:cs typeface="Times New Roman" panose="02020603050405020304" pitchFamily="18" charset="0"/>
+                      </a:rPr>
+                      <m:t>)</m:t>
+                    </m:r>
+                  </m:oMath>
+                </a14:m>
+                <a:r>
+                  <a:rPr lang="en-US" sz="2100" dirty="0">
+                    <a:effectLst/>
+                    <a:latin typeface="Calibri" panose="020F0502020204030204" pitchFamily="34" charset="0"/>
+                    <a:ea typeface="Times New Roman" panose="02020603050405020304" pitchFamily="18" charset="0"/>
+                    <a:cs typeface="Times New Roman" panose="02020603050405020304" pitchFamily="18" charset="0"/>
+                  </a:rPr>
+                  <a:t> then: T(n) = </a:t>
+                </a:r>
+                <a14:m>
+                  <m:oMath xmlns:m="http://schemas.openxmlformats.org/officeDocument/2006/math">
+                    <m:r>
+                      <a:rPr lang="en-US" sz="2100" i="1">
+                        <a:effectLst/>
+                        <a:latin typeface="Cambria Math" panose="02040503050406030204" pitchFamily="18" charset="0"/>
+                        <a:ea typeface="Times New Roman" panose="02020603050405020304" pitchFamily="18" charset="0"/>
+                        <a:cs typeface="Times New Roman" panose="02020603050405020304" pitchFamily="18" charset="0"/>
+                      </a:rPr>
+                      <m:t>𝜃</m:t>
+                    </m:r>
+                    <m:r>
+                      <a:rPr lang="en-US" sz="2100" i="1">
+                        <a:effectLst/>
+                        <a:latin typeface="Cambria Math" panose="02040503050406030204" pitchFamily="18" charset="0"/>
+                        <a:ea typeface="Times New Roman" panose="02020603050405020304" pitchFamily="18" charset="0"/>
+                        <a:cs typeface="Times New Roman" panose="02020603050405020304" pitchFamily="18" charset="0"/>
+                      </a:rPr>
+                      <m:t>(</m:t>
+                    </m:r>
+                    <m:sSup>
+                      <m:sSupPr>
+                        <m:ctrlPr>
+                          <a:rPr lang="en-US" sz="2100" i="1">
+                            <a:effectLst/>
+                            <a:latin typeface="Cambria Math" panose="02040503050406030204" pitchFamily="18" charset="0"/>
+                            <a:ea typeface="Times New Roman" panose="02020603050405020304" pitchFamily="18" charset="0"/>
+                            <a:cs typeface="Times New Roman" panose="02020603050405020304" pitchFamily="18" charset="0"/>
+                          </a:rPr>
+                        </m:ctrlPr>
+                      </m:sSupPr>
+                      <m:e>
+                        <m:r>
+                          <a:rPr lang="en-US" sz="2100" i="1">
+                            <a:effectLst/>
+                            <a:latin typeface="Cambria Math" panose="02040503050406030204" pitchFamily="18" charset="0"/>
+                            <a:ea typeface="Times New Roman" panose="02020603050405020304" pitchFamily="18" charset="0"/>
+                            <a:cs typeface="Times New Roman" panose="02020603050405020304" pitchFamily="18" charset="0"/>
+                          </a:rPr>
+                          <m:t>𝑛</m:t>
+                        </m:r>
+                      </m:e>
+                      <m:sup>
+                        <m:func>
+                          <m:funcPr>
+                            <m:ctrlPr>
+                              <a:rPr lang="en-US" sz="2100" i="1">
+                                <a:effectLst/>
+                                <a:latin typeface="Cambria Math" panose="02040503050406030204" pitchFamily="18" charset="0"/>
+                                <a:ea typeface="Times New Roman" panose="02020603050405020304" pitchFamily="18" charset="0"/>
+                                <a:cs typeface="Times New Roman" panose="02020603050405020304" pitchFamily="18" charset="0"/>
+                              </a:rPr>
+                            </m:ctrlPr>
+                          </m:funcPr>
+                          <m:fName>
+                            <m:sSub>
+                              <m:sSubPr>
+                                <m:ctrlPr>
+                                  <a:rPr lang="en-US" sz="2100" i="1">
+                                    <a:effectLst/>
+                                    <a:latin typeface="Cambria Math" panose="02040503050406030204" pitchFamily="18" charset="0"/>
+                                    <a:ea typeface="Times New Roman" panose="02020603050405020304" pitchFamily="18" charset="0"/>
+                                    <a:cs typeface="Times New Roman" panose="02020603050405020304" pitchFamily="18" charset="0"/>
+                                  </a:rPr>
+                                </m:ctrlPr>
+                              </m:sSubPr>
+                              <m:e>
+                                <m:r>
+                                  <m:rPr>
+                                    <m:sty m:val="p"/>
+                                  </m:rPr>
+                                  <a:rPr lang="en-US" sz="2100">
+                                    <a:effectLst/>
+                                    <a:latin typeface="Cambria Math" panose="02040503050406030204" pitchFamily="18" charset="0"/>
+                                    <a:ea typeface="Calibri" panose="020F0502020204030204" pitchFamily="34" charset="0"/>
+                                    <a:cs typeface="Times New Roman" panose="02020603050405020304" pitchFamily="18" charset="0"/>
+                                  </a:rPr>
+                                  <m:t>log</m:t>
+                                </m:r>
+                              </m:e>
+                              <m:sub>
+                                <m:r>
+                                  <a:rPr lang="en-US" sz="2100" i="1">
+                                    <a:effectLst/>
+                                    <a:latin typeface="Cambria Math" panose="02040503050406030204" pitchFamily="18" charset="0"/>
+                                    <a:ea typeface="Times New Roman" panose="02020603050405020304" pitchFamily="18" charset="0"/>
+                                    <a:cs typeface="Times New Roman" panose="02020603050405020304" pitchFamily="18" charset="0"/>
+                                  </a:rPr>
+                                  <m:t>𝑏</m:t>
+                                </m:r>
+                              </m:sub>
+                            </m:sSub>
+                          </m:fName>
+                          <m:e>
+                            <m:r>
+                              <a:rPr lang="en-US" sz="2100" i="1">
+                                <a:effectLst/>
+                                <a:latin typeface="Cambria Math" panose="02040503050406030204" pitchFamily="18" charset="0"/>
+                                <a:ea typeface="Times New Roman" panose="02020603050405020304" pitchFamily="18" charset="0"/>
+                                <a:cs typeface="Times New Roman" panose="02020603050405020304" pitchFamily="18" charset="0"/>
+                              </a:rPr>
+                              <m:t>𝑎</m:t>
+                            </m:r>
+                          </m:e>
+                        </m:func>
+                      </m:sup>
+                    </m:sSup>
+                    <m:r>
+                      <a:rPr lang="en-US" sz="2100" i="1">
+                        <a:effectLst/>
+                        <a:latin typeface="Cambria Math" panose="02040503050406030204" pitchFamily="18" charset="0"/>
+                        <a:ea typeface="Times New Roman" panose="02020603050405020304" pitchFamily="18" charset="0"/>
+                        <a:cs typeface="Times New Roman" panose="02020603050405020304" pitchFamily="18" charset="0"/>
+                      </a:rPr>
+                      <m:t>)</m:t>
+                    </m:r>
+                  </m:oMath>
+                </a14:m>
+                <a:r>
+                  <a:rPr lang="en-US" sz="2100" dirty="0">
+                    <a:effectLst/>
+                    <a:latin typeface="Calibri" panose="020F0502020204030204" pitchFamily="34" charset="0"/>
+                    <a:ea typeface="Times New Roman" panose="02020603050405020304" pitchFamily="18" charset="0"/>
+                    <a:cs typeface="Times New Roman" panose="02020603050405020304" pitchFamily="18" charset="0"/>
+                  </a:rPr>
+                  <a:t> </a:t>
+                </a:r>
+              </a:p>
+              <a:p>
+                <a:pPr>
+                  <a:lnSpc>
+                    <a:spcPct val="120000"/>
+                  </a:lnSpc>
+                  <a:spcBef>
+                    <a:spcPts val="0"/>
+                  </a:spcBef>
+                  <a:spcAft>
+                    <a:spcPts val="800"/>
+                  </a:spcAft>
+                </a:pPr>
+                <a:r>
+                  <a:rPr lang="en-US" dirty="0">
+                    <a:effectLst/>
+                    <a:ea typeface="Calibri" panose="020F0502020204030204" pitchFamily="34" charset="0"/>
+                    <a:cs typeface="Times New Roman" panose="02020603050405020304" pitchFamily="18" charset="0"/>
+                  </a:rPr>
+                  <a:t>Case 2: </a:t>
+                </a:r>
+              </a:p>
+              <a:p>
+                <a:pPr marL="0" marR="0" indent="0">
+                  <a:lnSpc>
+                    <a:spcPct val="120000"/>
+                  </a:lnSpc>
+                  <a:spcBef>
+                    <a:spcPts val="0"/>
+                  </a:spcBef>
+                  <a:spcAft>
+                    <a:spcPts val="800"/>
+                  </a:spcAft>
+                  <a:buNone/>
+                </a:pPr>
+                <a:r>
+                  <a:rPr lang="en-US" sz="2100" dirty="0">
+                    <a:effectLst/>
+                    <a:latin typeface="Calibri" panose="020F0502020204030204" pitchFamily="34" charset="0"/>
+                    <a:ea typeface="Calibri" panose="020F0502020204030204" pitchFamily="34" charset="0"/>
+                    <a:cs typeface="Times New Roman" panose="02020603050405020304" pitchFamily="18" charset="0"/>
+                  </a:rPr>
+                  <a:t>If </a:t>
+                </a:r>
+                <a14:m>
+                  <m:oMath xmlns:m="http://schemas.openxmlformats.org/officeDocument/2006/math">
+                    <m:r>
+                      <a:rPr lang="en-US" sz="2100" i="1">
+                        <a:effectLst/>
+                        <a:latin typeface="Cambria Math" panose="02040503050406030204" pitchFamily="18" charset="0"/>
+                        <a:ea typeface="Calibri" panose="020F0502020204030204" pitchFamily="34" charset="0"/>
+                        <a:cs typeface="Times New Roman" panose="02020603050405020304" pitchFamily="18" charset="0"/>
+                      </a:rPr>
+                      <m:t>𝑓</m:t>
+                    </m:r>
+                    <m:d>
+                      <m:dPr>
+                        <m:ctrlPr>
+                          <a:rPr lang="en-US" sz="2100" i="1">
+                            <a:effectLst/>
+                            <a:latin typeface="Cambria Math" panose="02040503050406030204" pitchFamily="18" charset="0"/>
+                            <a:ea typeface="Calibri" panose="020F0502020204030204" pitchFamily="34" charset="0"/>
+                            <a:cs typeface="Times New Roman" panose="02020603050405020304" pitchFamily="18" charset="0"/>
+                          </a:rPr>
+                        </m:ctrlPr>
+                      </m:dPr>
+                      <m:e>
+                        <m:r>
+                          <a:rPr lang="en-US" sz="2100" i="1">
+                            <a:effectLst/>
+                            <a:latin typeface="Cambria Math" panose="02040503050406030204" pitchFamily="18" charset="0"/>
+                            <a:ea typeface="Calibri" panose="020F0502020204030204" pitchFamily="34" charset="0"/>
+                            <a:cs typeface="Times New Roman" panose="02020603050405020304" pitchFamily="18" charset="0"/>
+                          </a:rPr>
+                          <m:t>𝑛</m:t>
+                        </m:r>
+                      </m:e>
+                    </m:d>
+                    <m:r>
+                      <a:rPr lang="en-US" sz="2100" i="1">
+                        <a:effectLst/>
+                        <a:latin typeface="Cambria Math" panose="02040503050406030204" pitchFamily="18" charset="0"/>
+                        <a:ea typeface="Calibri" panose="020F0502020204030204" pitchFamily="34" charset="0"/>
+                        <a:cs typeface="Times New Roman" panose="02020603050405020304" pitchFamily="18" charset="0"/>
+                      </a:rPr>
+                      <m:t>=</m:t>
+                    </m:r>
+                    <m:r>
+                      <a:rPr lang="en-US" sz="2100" i="1">
+                        <a:effectLst/>
+                        <a:latin typeface="Cambria Math" panose="02040503050406030204" pitchFamily="18" charset="0"/>
+                        <a:ea typeface="Calibri" panose="020F0502020204030204" pitchFamily="34" charset="0"/>
+                        <a:cs typeface="Times New Roman" panose="02020603050405020304" pitchFamily="18" charset="0"/>
+                      </a:rPr>
+                      <m:t>𝑂</m:t>
+                    </m:r>
+                    <m:r>
+                      <a:rPr lang="en-US" sz="2100" i="1">
+                        <a:effectLst/>
+                        <a:latin typeface="Cambria Math" panose="02040503050406030204" pitchFamily="18" charset="0"/>
+                        <a:ea typeface="Calibri" panose="020F0502020204030204" pitchFamily="34" charset="0"/>
+                        <a:cs typeface="Times New Roman" panose="02020603050405020304" pitchFamily="18" charset="0"/>
+                      </a:rPr>
+                      <m:t>(</m:t>
+                    </m:r>
+                    <m:sSup>
+                      <m:sSupPr>
+                        <m:ctrlPr>
+                          <a:rPr lang="en-US" sz="2100" i="1">
+                            <a:effectLst/>
+                            <a:latin typeface="Cambria Math" panose="02040503050406030204" pitchFamily="18" charset="0"/>
+                            <a:ea typeface="Calibri" panose="020F0502020204030204" pitchFamily="34" charset="0"/>
+                            <a:cs typeface="Times New Roman" panose="02020603050405020304" pitchFamily="18" charset="0"/>
+                          </a:rPr>
+                        </m:ctrlPr>
+                      </m:sSupPr>
+                      <m:e>
+                        <m:r>
+                          <a:rPr lang="en-US" sz="2100" i="1">
+                            <a:effectLst/>
+                            <a:latin typeface="Cambria Math" panose="02040503050406030204" pitchFamily="18" charset="0"/>
+                            <a:ea typeface="Calibri" panose="020F0502020204030204" pitchFamily="34" charset="0"/>
+                            <a:cs typeface="Times New Roman" panose="02020603050405020304" pitchFamily="18" charset="0"/>
+                          </a:rPr>
+                          <m:t>𝑛</m:t>
+                        </m:r>
+                      </m:e>
+                      <m:sup>
+                        <m:func>
+                          <m:funcPr>
+                            <m:ctrlPr>
+                              <a:rPr lang="en-US" sz="2100" i="1">
+                                <a:effectLst/>
+                                <a:latin typeface="Cambria Math" panose="02040503050406030204" pitchFamily="18" charset="0"/>
+                                <a:ea typeface="Calibri" panose="020F0502020204030204" pitchFamily="34" charset="0"/>
+                                <a:cs typeface="Times New Roman" panose="02020603050405020304" pitchFamily="18" charset="0"/>
+                              </a:rPr>
+                            </m:ctrlPr>
+                          </m:funcPr>
+                          <m:fName>
+                            <m:sSub>
+                              <m:sSubPr>
+                                <m:ctrlPr>
+                                  <a:rPr lang="en-US" sz="2100" i="1">
+                                    <a:effectLst/>
+                                    <a:latin typeface="Cambria Math" panose="02040503050406030204" pitchFamily="18" charset="0"/>
+                                    <a:ea typeface="Calibri" panose="020F0502020204030204" pitchFamily="34" charset="0"/>
+                                    <a:cs typeface="Times New Roman" panose="02020603050405020304" pitchFamily="18" charset="0"/>
+                                  </a:rPr>
+                                </m:ctrlPr>
+                              </m:sSubPr>
+                              <m:e>
+                                <m:r>
+                                  <m:rPr>
+                                    <m:sty m:val="p"/>
+                                  </m:rPr>
+                                  <a:rPr lang="en-US" sz="2100">
+                                    <a:effectLst/>
+                                    <a:latin typeface="Cambria Math" panose="02040503050406030204" pitchFamily="18" charset="0"/>
+                                    <a:ea typeface="Calibri" panose="020F0502020204030204" pitchFamily="34" charset="0"/>
+                                    <a:cs typeface="Times New Roman" panose="02020603050405020304" pitchFamily="18" charset="0"/>
+                                  </a:rPr>
+                                  <m:t>log</m:t>
+                                </m:r>
+                              </m:e>
+                              <m:sub>
+                                <m:r>
+                                  <a:rPr lang="en-US" sz="2100" i="1">
+                                    <a:effectLst/>
+                                    <a:latin typeface="Cambria Math" panose="02040503050406030204" pitchFamily="18" charset="0"/>
+                                    <a:ea typeface="Calibri" panose="020F0502020204030204" pitchFamily="34" charset="0"/>
+                                    <a:cs typeface="Times New Roman" panose="02020603050405020304" pitchFamily="18" charset="0"/>
+                                  </a:rPr>
+                                  <m:t>𝑏</m:t>
+                                </m:r>
+                              </m:sub>
+                            </m:sSub>
+                          </m:fName>
+                          <m:e>
+                            <m:r>
+                              <a:rPr lang="en-US" sz="2100" i="1">
+                                <a:effectLst/>
+                                <a:latin typeface="Cambria Math" panose="02040503050406030204" pitchFamily="18" charset="0"/>
+                                <a:ea typeface="Calibri" panose="020F0502020204030204" pitchFamily="34" charset="0"/>
+                                <a:cs typeface="Times New Roman" panose="02020603050405020304" pitchFamily="18" charset="0"/>
+                              </a:rPr>
+                              <m:t>𝑎</m:t>
+                            </m:r>
+                          </m:e>
+                        </m:func>
+                      </m:sup>
+                    </m:sSup>
+                    <m:r>
+                      <a:rPr lang="en-US" sz="2100" i="1">
+                        <a:effectLst/>
+                        <a:latin typeface="Cambria Math" panose="02040503050406030204" pitchFamily="18" charset="0"/>
+                        <a:ea typeface="Calibri" panose="020F0502020204030204" pitchFamily="34" charset="0"/>
+                        <a:cs typeface="Times New Roman" panose="02020603050405020304" pitchFamily="18" charset="0"/>
+                      </a:rPr>
+                      <m:t>)</m:t>
+                    </m:r>
+                  </m:oMath>
+                </a14:m>
+                <a:r>
+                  <a:rPr lang="en-US" sz="2100" dirty="0">
+                    <a:effectLst/>
+                    <a:latin typeface="Calibri" panose="020F0502020204030204" pitchFamily="34" charset="0"/>
+                    <a:ea typeface="Times New Roman" panose="02020603050405020304" pitchFamily="18" charset="0"/>
+                    <a:cs typeface="Times New Roman" panose="02020603050405020304" pitchFamily="18" charset="0"/>
+                  </a:rPr>
+                  <a:t>, then: T(n) = </a:t>
+                </a:r>
+                <a14:m>
+                  <m:oMath xmlns:m="http://schemas.openxmlformats.org/officeDocument/2006/math">
+                    <m:r>
+                      <a:rPr lang="en-US" sz="2100" i="1">
+                        <a:effectLst/>
+                        <a:latin typeface="Cambria Math" panose="02040503050406030204" pitchFamily="18" charset="0"/>
+                        <a:ea typeface="Times New Roman" panose="02020603050405020304" pitchFamily="18" charset="0"/>
+                        <a:cs typeface="Times New Roman" panose="02020603050405020304" pitchFamily="18" charset="0"/>
+                      </a:rPr>
+                      <m:t>𝜃</m:t>
+                    </m:r>
+                    <m:r>
+                      <a:rPr lang="en-US" sz="2100" i="1">
+                        <a:effectLst/>
+                        <a:latin typeface="Cambria Math" panose="02040503050406030204" pitchFamily="18" charset="0"/>
+                        <a:ea typeface="Times New Roman" panose="02020603050405020304" pitchFamily="18" charset="0"/>
+                        <a:cs typeface="Times New Roman" panose="02020603050405020304" pitchFamily="18" charset="0"/>
+                      </a:rPr>
+                      <m:t>(</m:t>
+                    </m:r>
+                    <m:sSup>
+                      <m:sSupPr>
+                        <m:ctrlPr>
+                          <a:rPr lang="en-US" sz="2100" i="1">
+                            <a:effectLst/>
+                            <a:latin typeface="Cambria Math" panose="02040503050406030204" pitchFamily="18" charset="0"/>
+                            <a:ea typeface="Times New Roman" panose="02020603050405020304" pitchFamily="18" charset="0"/>
+                            <a:cs typeface="Times New Roman" panose="02020603050405020304" pitchFamily="18" charset="0"/>
+                          </a:rPr>
+                        </m:ctrlPr>
+                      </m:sSupPr>
+                      <m:e>
+                        <m:r>
+                          <a:rPr lang="en-US" sz="2100" i="1">
+                            <a:effectLst/>
+                            <a:latin typeface="Cambria Math" panose="02040503050406030204" pitchFamily="18" charset="0"/>
+                            <a:ea typeface="Times New Roman" panose="02020603050405020304" pitchFamily="18" charset="0"/>
+                            <a:cs typeface="Times New Roman" panose="02020603050405020304" pitchFamily="18" charset="0"/>
+                          </a:rPr>
+                          <m:t>𝑛</m:t>
+                        </m:r>
+                      </m:e>
+                      <m:sup>
+                        <m:func>
+                          <m:funcPr>
+                            <m:ctrlPr>
+                              <a:rPr lang="en-US" sz="2100" i="1">
+                                <a:effectLst/>
+                                <a:latin typeface="Cambria Math" panose="02040503050406030204" pitchFamily="18" charset="0"/>
+                                <a:ea typeface="Times New Roman" panose="02020603050405020304" pitchFamily="18" charset="0"/>
+                                <a:cs typeface="Times New Roman" panose="02020603050405020304" pitchFamily="18" charset="0"/>
+                              </a:rPr>
+                            </m:ctrlPr>
+                          </m:funcPr>
+                          <m:fName>
+                            <m:sSub>
+                              <m:sSubPr>
+                                <m:ctrlPr>
+                                  <a:rPr lang="en-US" sz="2100" i="1">
+                                    <a:effectLst/>
+                                    <a:latin typeface="Cambria Math" panose="02040503050406030204" pitchFamily="18" charset="0"/>
+                                    <a:ea typeface="Times New Roman" panose="02020603050405020304" pitchFamily="18" charset="0"/>
+                                    <a:cs typeface="Times New Roman" panose="02020603050405020304" pitchFamily="18" charset="0"/>
+                                  </a:rPr>
+                                </m:ctrlPr>
+                              </m:sSubPr>
+                              <m:e>
+                                <m:r>
+                                  <m:rPr>
+                                    <m:sty m:val="p"/>
+                                  </m:rPr>
+                                  <a:rPr lang="en-US" sz="2100">
+                                    <a:effectLst/>
+                                    <a:latin typeface="Cambria Math" panose="02040503050406030204" pitchFamily="18" charset="0"/>
+                                    <a:ea typeface="Calibri" panose="020F0502020204030204" pitchFamily="34" charset="0"/>
+                                    <a:cs typeface="Times New Roman" panose="02020603050405020304" pitchFamily="18" charset="0"/>
+                                  </a:rPr>
+                                  <m:t>log</m:t>
+                                </m:r>
+                              </m:e>
+                              <m:sub>
+                                <m:r>
+                                  <a:rPr lang="en-US" sz="2100" i="1">
+                                    <a:effectLst/>
+                                    <a:latin typeface="Cambria Math" panose="02040503050406030204" pitchFamily="18" charset="0"/>
+                                    <a:ea typeface="Times New Roman" panose="02020603050405020304" pitchFamily="18" charset="0"/>
+                                    <a:cs typeface="Times New Roman" panose="02020603050405020304" pitchFamily="18" charset="0"/>
+                                  </a:rPr>
+                                  <m:t>𝑏</m:t>
+                                </m:r>
+                              </m:sub>
+                            </m:sSub>
+                          </m:fName>
+                          <m:e>
+                            <m:r>
+                              <a:rPr lang="en-US" sz="2100" i="1">
+                                <a:effectLst/>
+                                <a:latin typeface="Cambria Math" panose="02040503050406030204" pitchFamily="18" charset="0"/>
+                                <a:ea typeface="Times New Roman" panose="02020603050405020304" pitchFamily="18" charset="0"/>
+                                <a:cs typeface="Times New Roman" panose="02020603050405020304" pitchFamily="18" charset="0"/>
+                              </a:rPr>
+                              <m:t>𝑎</m:t>
+                            </m:r>
+                          </m:e>
+                        </m:func>
+                      </m:sup>
+                    </m:sSup>
+                    <m:func>
+                      <m:funcPr>
+                        <m:ctrlPr>
+                          <a:rPr lang="en-US" sz="2100" i="1">
+                            <a:latin typeface="Cambria Math" panose="02040503050406030204" pitchFamily="18" charset="0"/>
+                            <a:ea typeface="Times New Roman" panose="02020603050405020304" pitchFamily="18" charset="0"/>
+                            <a:cs typeface="Times New Roman" panose="02020603050405020304" pitchFamily="18" charset="0"/>
+                          </a:rPr>
+                        </m:ctrlPr>
+                      </m:funcPr>
+                      <m:fName>
+                        <m:sSub>
+                          <m:sSubPr>
+                            <m:ctrlPr>
+                              <a:rPr lang="en-US" sz="2100" i="1">
+                                <a:latin typeface="Cambria Math" panose="02040503050406030204" pitchFamily="18" charset="0"/>
+                                <a:ea typeface="Times New Roman" panose="02020603050405020304" pitchFamily="18" charset="0"/>
+                                <a:cs typeface="Times New Roman" panose="02020603050405020304" pitchFamily="18" charset="0"/>
+                              </a:rPr>
+                            </m:ctrlPr>
+                          </m:sSubPr>
+                          <m:e>
+                            <m:r>
+                              <m:rPr>
+                                <m:sty m:val="p"/>
+                              </m:rPr>
+                              <a:rPr lang="en-US" sz="2100">
+                                <a:latin typeface="Cambria Math" panose="02040503050406030204" pitchFamily="18" charset="0"/>
+                                <a:ea typeface="Calibri" panose="020F0502020204030204" pitchFamily="34" charset="0"/>
+                                <a:cs typeface="Times New Roman" panose="02020603050405020304" pitchFamily="18" charset="0"/>
+                              </a:rPr>
+                              <m:t>log</m:t>
+                            </m:r>
+                          </m:e>
+                          <m:sub>
+                            <m:r>
+                              <a:rPr lang="en-US" sz="2100" i="1">
+                                <a:latin typeface="Cambria Math" panose="02040503050406030204" pitchFamily="18" charset="0"/>
+                                <a:ea typeface="Calibri" panose="020F0502020204030204" pitchFamily="34" charset="0"/>
+                                <a:cs typeface="Times New Roman" panose="02020603050405020304" pitchFamily="18" charset="0"/>
+                              </a:rPr>
+                              <m:t>2</m:t>
+                            </m:r>
+                          </m:sub>
+                        </m:sSub>
+                      </m:fName>
+                      <m:e>
+                        <m:r>
+                          <a:rPr lang="en-US" sz="2100" i="1">
+                            <a:latin typeface="Cambria Math" panose="02040503050406030204" pitchFamily="18" charset="0"/>
+                            <a:ea typeface="Times New Roman" panose="02020603050405020304" pitchFamily="18" charset="0"/>
+                            <a:cs typeface="Times New Roman" panose="02020603050405020304" pitchFamily="18" charset="0"/>
+                          </a:rPr>
+                          <m:t>𝑛</m:t>
+                        </m:r>
+                      </m:e>
+                    </m:func>
+                    <m:r>
+                      <a:rPr lang="en-US" sz="2100" i="1">
+                        <a:effectLst/>
+                        <a:latin typeface="Cambria Math" panose="02040503050406030204" pitchFamily="18" charset="0"/>
+                        <a:ea typeface="Times New Roman" panose="02020603050405020304" pitchFamily="18" charset="0"/>
+                        <a:cs typeface="Times New Roman" panose="02020603050405020304" pitchFamily="18" charset="0"/>
+                      </a:rPr>
+                      <m:t>)</m:t>
+                    </m:r>
+                  </m:oMath>
+                </a14:m>
+                <a:r>
+                  <a:rPr lang="en-US" sz="2100" dirty="0">
+                    <a:effectLst/>
+                    <a:latin typeface="Calibri" panose="020F0502020204030204" pitchFamily="34" charset="0"/>
+                    <a:ea typeface="Times New Roman" panose="02020603050405020304" pitchFamily="18" charset="0"/>
+                    <a:cs typeface="Times New Roman" panose="02020603050405020304" pitchFamily="18" charset="0"/>
+                  </a:rPr>
+                  <a:t> </a:t>
+                </a:r>
+                <a:endParaRPr lang="en-US" sz="2100" dirty="0">
+                  <a:effectLst/>
+                  <a:latin typeface="Calibri" panose="020F0502020204030204" pitchFamily="34" charset="0"/>
+                  <a:ea typeface="Calibri" panose="020F0502020204030204" pitchFamily="34" charset="0"/>
+                  <a:cs typeface="Times New Roman" panose="02020603050405020304" pitchFamily="18" charset="0"/>
+                </a:endParaRPr>
+              </a:p>
+              <a:p>
+                <a:pPr marL="0" marR="0" indent="0">
+                  <a:lnSpc>
+                    <a:spcPct val="120000"/>
+                  </a:lnSpc>
+                  <a:spcBef>
+                    <a:spcPts val="0"/>
+                  </a:spcBef>
+                  <a:spcAft>
+                    <a:spcPts val="800"/>
+                  </a:spcAft>
+                  <a:buNone/>
+                </a:pPr>
+                <a:r>
+                  <a:rPr lang="en-US" sz="2100" dirty="0">
+                    <a:effectLst/>
+                    <a:latin typeface="Calibri" panose="020F0502020204030204" pitchFamily="34" charset="0"/>
+                    <a:ea typeface="Times New Roman" panose="02020603050405020304" pitchFamily="18" charset="0"/>
+                    <a:cs typeface="Times New Roman" panose="02020603050405020304" pitchFamily="18" charset="0"/>
+                  </a:rPr>
+                  <a:t>			Or</a:t>
+                </a:r>
+                <a:endParaRPr lang="en-US" sz="2100" dirty="0">
+                  <a:effectLst/>
+                  <a:latin typeface="Calibri" panose="020F0502020204030204" pitchFamily="34" charset="0"/>
+                  <a:ea typeface="Calibri" panose="020F0502020204030204" pitchFamily="34" charset="0"/>
+                  <a:cs typeface="Times New Roman" panose="02020603050405020304" pitchFamily="18" charset="0"/>
+                </a:endParaRPr>
+              </a:p>
+              <a:p>
+                <a:pPr marL="0" marR="0" indent="0">
+                  <a:lnSpc>
+                    <a:spcPct val="120000"/>
+                  </a:lnSpc>
+                  <a:spcBef>
+                    <a:spcPts val="0"/>
+                  </a:spcBef>
+                  <a:spcAft>
+                    <a:spcPts val="800"/>
+                  </a:spcAft>
+                  <a:buNone/>
+                </a:pPr>
+                <a:r>
+                  <a:rPr lang="en-US" sz="2100" dirty="0">
+                    <a:effectLst/>
+                    <a:latin typeface="Calibri" panose="020F0502020204030204" pitchFamily="34" charset="0"/>
+                    <a:ea typeface="Calibri" panose="020F0502020204030204" pitchFamily="34" charset="0"/>
+                    <a:cs typeface="Times New Roman" panose="02020603050405020304" pitchFamily="18" charset="0"/>
+                  </a:rPr>
+                  <a:t>If </a:t>
+                </a:r>
+                <a14:m>
+                  <m:oMath xmlns:m="http://schemas.openxmlformats.org/officeDocument/2006/math">
+                    <m:r>
+                      <a:rPr lang="en-US" sz="2100" i="1">
+                        <a:effectLst/>
+                        <a:latin typeface="Cambria Math" panose="02040503050406030204" pitchFamily="18" charset="0"/>
+                        <a:ea typeface="Calibri" panose="020F0502020204030204" pitchFamily="34" charset="0"/>
+                        <a:cs typeface="Times New Roman" panose="02020603050405020304" pitchFamily="18" charset="0"/>
+                      </a:rPr>
+                      <m:t>𝑓</m:t>
+                    </m:r>
+                    <m:d>
+                      <m:dPr>
+                        <m:ctrlPr>
+                          <a:rPr lang="en-US" sz="2100" i="1">
+                            <a:effectLst/>
+                            <a:latin typeface="Cambria Math" panose="02040503050406030204" pitchFamily="18" charset="0"/>
+                            <a:ea typeface="Calibri" panose="020F0502020204030204" pitchFamily="34" charset="0"/>
+                            <a:cs typeface="Times New Roman" panose="02020603050405020304" pitchFamily="18" charset="0"/>
+                          </a:rPr>
+                        </m:ctrlPr>
+                      </m:dPr>
+                      <m:e>
+                        <m:r>
+                          <a:rPr lang="en-US" sz="2100" i="1">
+                            <a:effectLst/>
+                            <a:latin typeface="Cambria Math" panose="02040503050406030204" pitchFamily="18" charset="0"/>
+                            <a:ea typeface="Calibri" panose="020F0502020204030204" pitchFamily="34" charset="0"/>
+                            <a:cs typeface="Times New Roman" panose="02020603050405020304" pitchFamily="18" charset="0"/>
+                          </a:rPr>
+                          <m:t>𝑛</m:t>
+                        </m:r>
+                      </m:e>
+                    </m:d>
+                    <m:r>
+                      <a:rPr lang="en-US" sz="2100" b="0" i="1" smtClean="0">
+                        <a:effectLst/>
+                        <a:latin typeface="Cambria Math" panose="02040503050406030204" pitchFamily="18" charset="0"/>
+                        <a:ea typeface="Calibri" panose="020F0502020204030204" pitchFamily="34" charset="0"/>
+                        <a:cs typeface="Times New Roman" panose="02020603050405020304" pitchFamily="18" charset="0"/>
+                      </a:rPr>
+                      <m:t>=</m:t>
+                    </m:r>
+                    <m:r>
+                      <a:rPr lang="en-US" sz="2100" i="1">
+                        <a:effectLst/>
+                        <a:latin typeface="Cambria Math" panose="02040503050406030204" pitchFamily="18" charset="0"/>
+                        <a:ea typeface="Calibri" panose="020F0502020204030204" pitchFamily="34" charset="0"/>
+                        <a:cs typeface="Times New Roman" panose="02020603050405020304" pitchFamily="18" charset="0"/>
+                      </a:rPr>
+                      <m:t>𝑂</m:t>
+                    </m:r>
+                    <m:r>
+                      <a:rPr lang="en-US" sz="2100" i="1">
+                        <a:effectLst/>
+                        <a:latin typeface="Cambria Math" panose="02040503050406030204" pitchFamily="18" charset="0"/>
+                        <a:ea typeface="Calibri" panose="020F0502020204030204" pitchFamily="34" charset="0"/>
+                        <a:cs typeface="Times New Roman" panose="02020603050405020304" pitchFamily="18" charset="0"/>
+                      </a:rPr>
+                      <m:t>(</m:t>
+                    </m:r>
+                    <m:sSup>
+                      <m:sSupPr>
+                        <m:ctrlPr>
+                          <a:rPr lang="en-US" sz="2100" i="1">
+                            <a:effectLst/>
+                            <a:latin typeface="Cambria Math" panose="02040503050406030204" pitchFamily="18" charset="0"/>
+                            <a:ea typeface="Calibri" panose="020F0502020204030204" pitchFamily="34" charset="0"/>
+                            <a:cs typeface="Times New Roman" panose="02020603050405020304" pitchFamily="18" charset="0"/>
+                          </a:rPr>
+                        </m:ctrlPr>
+                      </m:sSupPr>
+                      <m:e>
+                        <m:r>
+                          <a:rPr lang="en-US" sz="2100" i="1">
+                            <a:effectLst/>
+                            <a:latin typeface="Cambria Math" panose="02040503050406030204" pitchFamily="18" charset="0"/>
+                            <a:ea typeface="Calibri" panose="020F0502020204030204" pitchFamily="34" charset="0"/>
+                            <a:cs typeface="Times New Roman" panose="02020603050405020304" pitchFamily="18" charset="0"/>
+                          </a:rPr>
+                          <m:t>𝑛</m:t>
+                        </m:r>
+                      </m:e>
+                      <m:sup>
+                        <m:func>
+                          <m:funcPr>
+                            <m:ctrlPr>
+                              <a:rPr lang="en-US" sz="2100" i="1">
+                                <a:effectLst/>
+                                <a:latin typeface="Cambria Math" panose="02040503050406030204" pitchFamily="18" charset="0"/>
+                                <a:ea typeface="Calibri" panose="020F0502020204030204" pitchFamily="34" charset="0"/>
+                                <a:cs typeface="Times New Roman" panose="02020603050405020304" pitchFamily="18" charset="0"/>
+                              </a:rPr>
+                            </m:ctrlPr>
+                          </m:funcPr>
+                          <m:fName>
+                            <m:sSub>
+                              <m:sSubPr>
+                                <m:ctrlPr>
+                                  <a:rPr lang="en-US" sz="2100" i="1">
+                                    <a:effectLst/>
+                                    <a:latin typeface="Cambria Math" panose="02040503050406030204" pitchFamily="18" charset="0"/>
+                                    <a:ea typeface="Calibri" panose="020F0502020204030204" pitchFamily="34" charset="0"/>
+                                    <a:cs typeface="Times New Roman" panose="02020603050405020304" pitchFamily="18" charset="0"/>
+                                  </a:rPr>
+                                </m:ctrlPr>
+                              </m:sSubPr>
+                              <m:e>
+                                <m:r>
+                                  <m:rPr>
+                                    <m:sty m:val="p"/>
+                                  </m:rPr>
+                                  <a:rPr lang="en-US" sz="2100">
+                                    <a:effectLst/>
+                                    <a:latin typeface="Cambria Math" panose="02040503050406030204" pitchFamily="18" charset="0"/>
+                                    <a:ea typeface="Calibri" panose="020F0502020204030204" pitchFamily="34" charset="0"/>
+                                    <a:cs typeface="Times New Roman" panose="02020603050405020304" pitchFamily="18" charset="0"/>
+                                  </a:rPr>
+                                  <m:t>log</m:t>
+                                </m:r>
+                              </m:e>
+                              <m:sub>
+                                <m:r>
+                                  <a:rPr lang="en-US" sz="2100" i="1">
+                                    <a:effectLst/>
+                                    <a:latin typeface="Cambria Math" panose="02040503050406030204" pitchFamily="18" charset="0"/>
+                                    <a:ea typeface="Calibri" panose="020F0502020204030204" pitchFamily="34" charset="0"/>
+                                    <a:cs typeface="Times New Roman" panose="02020603050405020304" pitchFamily="18" charset="0"/>
+                                  </a:rPr>
+                                  <m:t>𝑏</m:t>
+                                </m:r>
+                              </m:sub>
+                            </m:sSub>
+                          </m:fName>
+                          <m:e>
+                            <m:r>
+                              <a:rPr lang="en-US" sz="2100" i="1">
+                                <a:effectLst/>
+                                <a:latin typeface="Cambria Math" panose="02040503050406030204" pitchFamily="18" charset="0"/>
+                                <a:ea typeface="Calibri" panose="020F0502020204030204" pitchFamily="34" charset="0"/>
+                                <a:cs typeface="Times New Roman" panose="02020603050405020304" pitchFamily="18" charset="0"/>
+                              </a:rPr>
+                              <m:t>𝑎</m:t>
+                            </m:r>
+                          </m:e>
+                        </m:func>
+                      </m:sup>
+                    </m:sSup>
+                    <m:r>
+                      <a:rPr lang="en-US" sz="2100" i="1">
+                        <a:effectLst/>
+                        <a:latin typeface="Cambria Math" panose="02040503050406030204" pitchFamily="18" charset="0"/>
+                        <a:ea typeface="Calibri" panose="020F0502020204030204" pitchFamily="34" charset="0"/>
+                        <a:cs typeface="Times New Roman" panose="02020603050405020304" pitchFamily="18" charset="0"/>
+                      </a:rPr>
+                      <m:t>)</m:t>
+                    </m:r>
+                  </m:oMath>
+                </a14:m>
+                <a:r>
+                  <a:rPr lang="en-US" sz="2100" dirty="0">
+                    <a:effectLst/>
+                    <a:latin typeface="Calibri" panose="020F0502020204030204" pitchFamily="34" charset="0"/>
+                    <a:ea typeface="Times New Roman" panose="02020603050405020304" pitchFamily="18" charset="0"/>
+                    <a:cs typeface="Times New Roman" panose="02020603050405020304" pitchFamily="18" charset="0"/>
+                  </a:rPr>
+                  <a:t> then: T(n) = </a:t>
+                </a:r>
+                <a14:m>
+                  <m:oMath xmlns:m="http://schemas.openxmlformats.org/officeDocument/2006/math">
+                    <m:r>
+                      <a:rPr lang="en-US" sz="2100" i="1">
+                        <a:effectLst/>
+                        <a:latin typeface="Cambria Math" panose="02040503050406030204" pitchFamily="18" charset="0"/>
+                        <a:ea typeface="Times New Roman" panose="02020603050405020304" pitchFamily="18" charset="0"/>
+                        <a:cs typeface="Times New Roman" panose="02020603050405020304" pitchFamily="18" charset="0"/>
+                      </a:rPr>
+                      <m:t>𝜃</m:t>
+                    </m:r>
+                    <m:r>
+                      <a:rPr lang="en-US" sz="2100" i="1">
+                        <a:effectLst/>
+                        <a:latin typeface="Cambria Math" panose="02040503050406030204" pitchFamily="18" charset="0"/>
+                        <a:ea typeface="Times New Roman" panose="02020603050405020304" pitchFamily="18" charset="0"/>
+                        <a:cs typeface="Times New Roman" panose="02020603050405020304" pitchFamily="18" charset="0"/>
+                      </a:rPr>
+                      <m:t>(</m:t>
+                    </m:r>
+                    <m:sSup>
+                      <m:sSupPr>
+                        <m:ctrlPr>
+                          <a:rPr lang="en-US" sz="2100" i="1">
+                            <a:effectLst/>
+                            <a:latin typeface="Cambria Math" panose="02040503050406030204" pitchFamily="18" charset="0"/>
+                            <a:ea typeface="Times New Roman" panose="02020603050405020304" pitchFamily="18" charset="0"/>
+                            <a:cs typeface="Times New Roman" panose="02020603050405020304" pitchFamily="18" charset="0"/>
+                          </a:rPr>
+                        </m:ctrlPr>
+                      </m:sSupPr>
+                      <m:e>
+                        <m:r>
+                          <a:rPr lang="en-US" sz="2100" i="1">
+                            <a:effectLst/>
+                            <a:latin typeface="Cambria Math" panose="02040503050406030204" pitchFamily="18" charset="0"/>
+                            <a:ea typeface="Times New Roman" panose="02020603050405020304" pitchFamily="18" charset="0"/>
+                            <a:cs typeface="Times New Roman" panose="02020603050405020304" pitchFamily="18" charset="0"/>
+                          </a:rPr>
+                          <m:t>𝑛</m:t>
+                        </m:r>
+                      </m:e>
+                      <m:sup>
+                        <m:func>
+                          <m:funcPr>
+                            <m:ctrlPr>
+                              <a:rPr lang="en-US" sz="2100" i="1">
+                                <a:effectLst/>
+                                <a:latin typeface="Cambria Math" panose="02040503050406030204" pitchFamily="18" charset="0"/>
+                                <a:ea typeface="Times New Roman" panose="02020603050405020304" pitchFamily="18" charset="0"/>
+                                <a:cs typeface="Times New Roman" panose="02020603050405020304" pitchFamily="18" charset="0"/>
+                              </a:rPr>
+                            </m:ctrlPr>
+                          </m:funcPr>
+                          <m:fName>
+                            <m:sSub>
+                              <m:sSubPr>
+                                <m:ctrlPr>
+                                  <a:rPr lang="en-US" sz="2100" i="1">
+                                    <a:effectLst/>
+                                    <a:latin typeface="Cambria Math" panose="02040503050406030204" pitchFamily="18" charset="0"/>
+                                    <a:ea typeface="Times New Roman" panose="02020603050405020304" pitchFamily="18" charset="0"/>
+                                    <a:cs typeface="Times New Roman" panose="02020603050405020304" pitchFamily="18" charset="0"/>
+                                  </a:rPr>
+                                </m:ctrlPr>
+                              </m:sSubPr>
+                              <m:e>
+                                <m:r>
+                                  <m:rPr>
+                                    <m:sty m:val="p"/>
+                                  </m:rPr>
+                                  <a:rPr lang="en-US" sz="2100">
+                                    <a:effectLst/>
+                                    <a:latin typeface="Cambria Math" panose="02040503050406030204" pitchFamily="18" charset="0"/>
+                                    <a:ea typeface="Calibri" panose="020F0502020204030204" pitchFamily="34" charset="0"/>
+                                    <a:cs typeface="Times New Roman" panose="02020603050405020304" pitchFamily="18" charset="0"/>
+                                  </a:rPr>
+                                  <m:t>log</m:t>
+                                </m:r>
+                              </m:e>
+                              <m:sub>
+                                <m:r>
+                                  <a:rPr lang="en-US" sz="2100" i="1">
+                                    <a:effectLst/>
+                                    <a:latin typeface="Cambria Math" panose="02040503050406030204" pitchFamily="18" charset="0"/>
+                                    <a:ea typeface="Times New Roman" panose="02020603050405020304" pitchFamily="18" charset="0"/>
+                                    <a:cs typeface="Times New Roman" panose="02020603050405020304" pitchFamily="18" charset="0"/>
+                                  </a:rPr>
+                                  <m:t>𝑏</m:t>
+                                </m:r>
+                              </m:sub>
+                            </m:sSub>
+                          </m:fName>
+                          <m:e>
+                            <m:r>
+                              <a:rPr lang="en-US" sz="2100" i="1">
+                                <a:effectLst/>
+                                <a:latin typeface="Cambria Math" panose="02040503050406030204" pitchFamily="18" charset="0"/>
+                                <a:ea typeface="Times New Roman" panose="02020603050405020304" pitchFamily="18" charset="0"/>
+                                <a:cs typeface="Times New Roman" panose="02020603050405020304" pitchFamily="18" charset="0"/>
+                              </a:rPr>
+                              <m:t>𝑎</m:t>
+                            </m:r>
+                          </m:e>
+                        </m:func>
+                      </m:sup>
+                    </m:sSup>
+                    <m:func>
+                      <m:funcPr>
+                        <m:ctrlPr>
+                          <a:rPr lang="en-US" sz="2100" i="1">
+                            <a:latin typeface="Cambria Math" panose="02040503050406030204" pitchFamily="18" charset="0"/>
+                            <a:ea typeface="Times New Roman" panose="02020603050405020304" pitchFamily="18" charset="0"/>
+                            <a:cs typeface="Times New Roman" panose="02020603050405020304" pitchFamily="18" charset="0"/>
+                          </a:rPr>
+                        </m:ctrlPr>
+                      </m:funcPr>
+                      <m:fName>
+                        <m:sSub>
+                          <m:sSubPr>
+                            <m:ctrlPr>
+                              <a:rPr lang="en-US" sz="2100" i="1">
+                                <a:latin typeface="Cambria Math" panose="02040503050406030204" pitchFamily="18" charset="0"/>
+                                <a:ea typeface="Times New Roman" panose="02020603050405020304" pitchFamily="18" charset="0"/>
+                                <a:cs typeface="Times New Roman" panose="02020603050405020304" pitchFamily="18" charset="0"/>
+                              </a:rPr>
+                            </m:ctrlPr>
+                          </m:sSubPr>
+                          <m:e>
+                            <m:r>
+                              <m:rPr>
+                                <m:sty m:val="p"/>
+                              </m:rPr>
+                              <a:rPr lang="en-US" sz="2100">
+                                <a:latin typeface="Cambria Math" panose="02040503050406030204" pitchFamily="18" charset="0"/>
+                                <a:ea typeface="Calibri" panose="020F0502020204030204" pitchFamily="34" charset="0"/>
+                                <a:cs typeface="Times New Roman" panose="02020603050405020304" pitchFamily="18" charset="0"/>
+                              </a:rPr>
+                              <m:t>log</m:t>
+                            </m:r>
+                          </m:e>
+                          <m:sub>
+                            <m:r>
+                              <a:rPr lang="en-US" sz="2100" i="1">
+                                <a:latin typeface="Cambria Math" panose="02040503050406030204" pitchFamily="18" charset="0"/>
+                                <a:ea typeface="Calibri" panose="020F0502020204030204" pitchFamily="34" charset="0"/>
+                                <a:cs typeface="Times New Roman" panose="02020603050405020304" pitchFamily="18" charset="0"/>
+                              </a:rPr>
+                              <m:t>2</m:t>
+                            </m:r>
+                          </m:sub>
+                        </m:sSub>
+                      </m:fName>
+                      <m:e>
+                        <m:r>
+                          <a:rPr lang="en-US" sz="2100" i="1">
+                            <a:latin typeface="Cambria Math" panose="02040503050406030204" pitchFamily="18" charset="0"/>
+                            <a:ea typeface="Times New Roman" panose="02020603050405020304" pitchFamily="18" charset="0"/>
+                            <a:cs typeface="Times New Roman" panose="02020603050405020304" pitchFamily="18" charset="0"/>
+                          </a:rPr>
+                          <m:t>𝑛</m:t>
+                        </m:r>
+                      </m:e>
+                    </m:func>
+                    <m:r>
+                      <a:rPr lang="en-US" sz="2100" i="1">
+                        <a:effectLst/>
+                        <a:latin typeface="Cambria Math" panose="02040503050406030204" pitchFamily="18" charset="0"/>
+                        <a:ea typeface="Times New Roman" panose="02020603050405020304" pitchFamily="18" charset="0"/>
+                        <a:cs typeface="Times New Roman" panose="02020603050405020304" pitchFamily="18" charset="0"/>
+                      </a:rPr>
+                      <m:t>)</m:t>
+                    </m:r>
+                  </m:oMath>
+                </a14:m>
+                <a:endParaRPr lang="en-US" sz="2100" dirty="0">
+                  <a:effectLst/>
+                  <a:ea typeface="Calibri" panose="020F0502020204030204" pitchFamily="34" charset="0"/>
+                  <a:cs typeface="Times New Roman" panose="02020603050405020304" pitchFamily="18" charset="0"/>
+                </a:endParaRPr>
+              </a:p>
+              <a:p>
+                <a:pPr>
+                  <a:lnSpc>
+                    <a:spcPct val="120000"/>
+                  </a:lnSpc>
+                  <a:spcBef>
+                    <a:spcPts val="0"/>
+                  </a:spcBef>
+                  <a:spcAft>
+                    <a:spcPts val="800"/>
+                  </a:spcAft>
+                </a:pPr>
+                <a:r>
+                  <a:rPr lang="en-US" dirty="0">
+                    <a:ea typeface="Calibri" panose="020F0502020204030204" pitchFamily="34" charset="0"/>
+                    <a:cs typeface="Times New Roman" panose="02020603050405020304" pitchFamily="18" charset="0"/>
+                  </a:rPr>
+                  <a:t>Case 3: </a:t>
+                </a:r>
+              </a:p>
+              <a:p>
+                <a:pPr marL="0" marR="0" indent="0">
+                  <a:lnSpc>
+                    <a:spcPct val="120000"/>
+                  </a:lnSpc>
+                  <a:spcBef>
+                    <a:spcPts val="0"/>
+                  </a:spcBef>
+                  <a:spcAft>
+                    <a:spcPts val="800"/>
+                  </a:spcAft>
+                  <a:buNone/>
+                </a:pPr>
+                <a:r>
+                  <a:rPr lang="en-US" sz="2000" dirty="0">
+                    <a:latin typeface="Calibri" panose="020F0502020204030204" pitchFamily="34" charset="0"/>
+                    <a:ea typeface="Calibri" panose="020F0502020204030204" pitchFamily="34" charset="0"/>
+                    <a:cs typeface="Times New Roman" panose="02020603050405020304" pitchFamily="18" charset="0"/>
+                  </a:rPr>
+                  <a:t>If </a:t>
+                </a:r>
+                <a14:m>
+                  <m:oMath xmlns:m="http://schemas.openxmlformats.org/officeDocument/2006/math">
+                    <m:r>
+                      <a:rPr lang="en-US" sz="2000" i="1">
+                        <a:latin typeface="Cambria Math" panose="02040503050406030204" pitchFamily="18" charset="0"/>
+                        <a:ea typeface="Calibri" panose="020F0502020204030204" pitchFamily="34" charset="0"/>
+                        <a:cs typeface="Times New Roman" panose="02020603050405020304" pitchFamily="18" charset="0"/>
+                      </a:rPr>
+                      <m:t>𝑓</m:t>
+                    </m:r>
+                    <m:d>
+                      <m:dPr>
+                        <m:ctrlPr>
+                          <a:rPr lang="en-US" sz="2000" i="1">
+                            <a:latin typeface="Cambria Math" panose="02040503050406030204" pitchFamily="18" charset="0"/>
+                            <a:ea typeface="Calibri" panose="020F0502020204030204" pitchFamily="34" charset="0"/>
+                            <a:cs typeface="Times New Roman" panose="02020603050405020304" pitchFamily="18" charset="0"/>
+                          </a:rPr>
+                        </m:ctrlPr>
+                      </m:dPr>
+                      <m:e>
+                        <m:r>
+                          <a:rPr lang="en-US" sz="2000" i="1">
+                            <a:latin typeface="Cambria Math" panose="02040503050406030204" pitchFamily="18" charset="0"/>
+                            <a:ea typeface="Calibri" panose="020F0502020204030204" pitchFamily="34" charset="0"/>
+                            <a:cs typeface="Times New Roman" panose="02020603050405020304" pitchFamily="18" charset="0"/>
+                          </a:rPr>
+                          <m:t>𝑛</m:t>
+                        </m:r>
+                      </m:e>
+                    </m:d>
+                    <m:r>
+                      <a:rPr lang="en-US" sz="2000" i="1">
+                        <a:latin typeface="Cambria Math" panose="02040503050406030204" pitchFamily="18" charset="0"/>
+                        <a:ea typeface="Calibri" panose="020F0502020204030204" pitchFamily="34" charset="0"/>
+                        <a:cs typeface="Times New Roman" panose="02020603050405020304" pitchFamily="18" charset="0"/>
+                      </a:rPr>
+                      <m:t>=</m:t>
+                    </m:r>
+                    <m:r>
+                      <a:rPr lang="en-US" sz="2000" i="1">
+                        <a:latin typeface="Cambria Math" panose="02040503050406030204" pitchFamily="18" charset="0"/>
+                        <a:ea typeface="Calibri" panose="020F0502020204030204" pitchFamily="34" charset="0"/>
+                        <a:cs typeface="Times New Roman" panose="02020603050405020304" pitchFamily="18" charset="0"/>
+                      </a:rPr>
+                      <m:t>𝑂</m:t>
+                    </m:r>
+                    <m:r>
+                      <a:rPr lang="en-US" sz="2000" i="1">
+                        <a:latin typeface="Cambria Math" panose="02040503050406030204" pitchFamily="18" charset="0"/>
+                        <a:ea typeface="Calibri" panose="020F0502020204030204" pitchFamily="34" charset="0"/>
+                        <a:cs typeface="Times New Roman" panose="02020603050405020304" pitchFamily="18" charset="0"/>
+                      </a:rPr>
+                      <m:t>(</m:t>
+                    </m:r>
+                    <m:sSup>
+                      <m:sSupPr>
+                        <m:ctrlPr>
+                          <a:rPr lang="en-US" sz="2000" i="1">
+                            <a:latin typeface="Cambria Math" panose="02040503050406030204" pitchFamily="18" charset="0"/>
+                            <a:ea typeface="Calibri" panose="020F0502020204030204" pitchFamily="34" charset="0"/>
+                            <a:cs typeface="Times New Roman" panose="02020603050405020304" pitchFamily="18" charset="0"/>
+                          </a:rPr>
+                        </m:ctrlPr>
+                      </m:sSupPr>
+                      <m:e>
+                        <m:r>
+                          <a:rPr lang="en-US" sz="2000" i="1">
+                            <a:latin typeface="Cambria Math" panose="02040503050406030204" pitchFamily="18" charset="0"/>
+                            <a:ea typeface="Calibri" panose="020F0502020204030204" pitchFamily="34" charset="0"/>
+                            <a:cs typeface="Times New Roman" panose="02020603050405020304" pitchFamily="18" charset="0"/>
+                          </a:rPr>
+                          <m:t>𝑛</m:t>
+                        </m:r>
+                      </m:e>
+                      <m:sup>
+                        <m:func>
+                          <m:funcPr>
+                            <m:ctrlPr>
+                              <a:rPr lang="en-US" sz="2000" i="1">
+                                <a:latin typeface="Cambria Math" panose="02040503050406030204" pitchFamily="18" charset="0"/>
+                                <a:ea typeface="Calibri" panose="020F0502020204030204" pitchFamily="34" charset="0"/>
+                                <a:cs typeface="Times New Roman" panose="02020603050405020304" pitchFamily="18" charset="0"/>
+                              </a:rPr>
+                            </m:ctrlPr>
+                          </m:funcPr>
+                          <m:fName>
+                            <m:sSub>
+                              <m:sSubPr>
+                                <m:ctrlPr>
+                                  <a:rPr lang="en-US" sz="2000" i="1">
+                                    <a:latin typeface="Cambria Math" panose="02040503050406030204" pitchFamily="18" charset="0"/>
+                                    <a:ea typeface="Calibri" panose="020F0502020204030204" pitchFamily="34" charset="0"/>
+                                    <a:cs typeface="Times New Roman" panose="02020603050405020304" pitchFamily="18" charset="0"/>
+                                  </a:rPr>
+                                </m:ctrlPr>
+                              </m:sSubPr>
+                              <m:e>
+                                <m:r>
+                                  <m:rPr>
+                                    <m:sty m:val="p"/>
+                                  </m:rPr>
+                                  <a:rPr lang="en-US" sz="2000">
+                                    <a:latin typeface="Cambria Math" panose="02040503050406030204" pitchFamily="18" charset="0"/>
+                                    <a:ea typeface="Calibri" panose="020F0502020204030204" pitchFamily="34" charset="0"/>
+                                    <a:cs typeface="Times New Roman" panose="02020603050405020304" pitchFamily="18" charset="0"/>
+                                  </a:rPr>
+                                  <m:t>log</m:t>
+                                </m:r>
+                              </m:e>
+                              <m:sub>
+                                <m:r>
+                                  <a:rPr lang="en-US" sz="2000" i="1">
+                                    <a:latin typeface="Cambria Math" panose="02040503050406030204" pitchFamily="18" charset="0"/>
+                                    <a:ea typeface="Calibri" panose="020F0502020204030204" pitchFamily="34" charset="0"/>
+                                    <a:cs typeface="Times New Roman" panose="02020603050405020304" pitchFamily="18" charset="0"/>
+                                  </a:rPr>
+                                  <m:t>𝑏</m:t>
+                                </m:r>
+                              </m:sub>
+                            </m:sSub>
+                          </m:fName>
+                          <m:e>
+                            <m:r>
+                              <a:rPr lang="en-US" sz="2000" i="1">
+                                <a:latin typeface="Cambria Math" panose="02040503050406030204" pitchFamily="18" charset="0"/>
+                                <a:ea typeface="Calibri" panose="020F0502020204030204" pitchFamily="34" charset="0"/>
+                                <a:cs typeface="Times New Roman" panose="02020603050405020304" pitchFamily="18" charset="0"/>
+                              </a:rPr>
+                              <m:t>𝑎</m:t>
+                            </m:r>
+                            <m:r>
+                              <a:rPr lang="en-US" sz="2000" b="0" i="1" smtClean="0">
+                                <a:latin typeface="Cambria Math" panose="02040503050406030204" pitchFamily="18" charset="0"/>
+                                <a:ea typeface="Calibri" panose="020F0502020204030204" pitchFamily="34" charset="0"/>
+                                <a:cs typeface="Times New Roman" panose="02020603050405020304" pitchFamily="18" charset="0"/>
+                              </a:rPr>
+                              <m:t>+</m:t>
+                            </m:r>
+                            <m:r>
+                              <a:rPr lang="en-US" sz="2000" i="1">
+                                <a:latin typeface="Cambria Math" panose="02040503050406030204" pitchFamily="18" charset="0"/>
+                                <a:ea typeface="Calibri" panose="020F0502020204030204" pitchFamily="34" charset="0"/>
+                                <a:cs typeface="Times New Roman" panose="02020603050405020304" pitchFamily="18" charset="0"/>
+                              </a:rPr>
+                              <m:t>∈</m:t>
+                            </m:r>
+                          </m:e>
+                        </m:func>
+                      </m:sup>
+                    </m:sSup>
+                    <m:r>
+                      <a:rPr lang="en-US" sz="2000" i="1">
+                        <a:latin typeface="Cambria Math" panose="02040503050406030204" pitchFamily="18" charset="0"/>
+                        <a:ea typeface="Calibri" panose="020F0502020204030204" pitchFamily="34" charset="0"/>
+                        <a:cs typeface="Times New Roman" panose="02020603050405020304" pitchFamily="18" charset="0"/>
+                      </a:rPr>
+                      <m:t>)</m:t>
+                    </m:r>
+                  </m:oMath>
+                </a14:m>
+                <a:r>
+                  <a:rPr lang="en-US" sz="2000" dirty="0">
+                    <a:latin typeface="Calibri" panose="020F0502020204030204" pitchFamily="34" charset="0"/>
+                    <a:ea typeface="Times New Roman" panose="02020603050405020304" pitchFamily="18" charset="0"/>
+                    <a:cs typeface="Times New Roman" panose="02020603050405020304" pitchFamily="18" charset="0"/>
+                  </a:rPr>
+                  <a:t> for some </a:t>
+                </a:r>
+                <a14:m>
+                  <m:oMath xmlns:m="http://schemas.openxmlformats.org/officeDocument/2006/math">
+                    <m:r>
+                      <a:rPr lang="en-US" sz="2000" i="1">
+                        <a:latin typeface="Cambria Math" panose="02040503050406030204" pitchFamily="18" charset="0"/>
+                        <a:ea typeface="Calibri" panose="020F0502020204030204" pitchFamily="34" charset="0"/>
+                        <a:cs typeface="Times New Roman" panose="02020603050405020304" pitchFamily="18" charset="0"/>
+                      </a:rPr>
+                      <m:t>∈ &gt;0</m:t>
+                    </m:r>
+                  </m:oMath>
+                </a14:m>
+                <a:r>
+                  <a:rPr lang="en-US" sz="2000" dirty="0">
+                    <a:latin typeface="Calibri" panose="020F0502020204030204" pitchFamily="34" charset="0"/>
+                    <a:ea typeface="Times New Roman" panose="02020603050405020304" pitchFamily="18" charset="0"/>
+                    <a:cs typeface="Times New Roman" panose="02020603050405020304" pitchFamily="18" charset="0"/>
+                  </a:rPr>
+                  <a:t> and if a f(n/b)&lt;=c f(n) for c &lt; 1, then: T(n) = </a:t>
+                </a:r>
+                <a14:m>
+                  <m:oMath xmlns:m="http://schemas.openxmlformats.org/officeDocument/2006/math">
+                    <m:r>
+                      <a:rPr lang="en-US" sz="2000" i="1">
+                        <a:latin typeface="Cambria Math" panose="02040503050406030204" pitchFamily="18" charset="0"/>
+                        <a:ea typeface="Times New Roman" panose="02020603050405020304" pitchFamily="18" charset="0"/>
+                        <a:cs typeface="Times New Roman" panose="02020603050405020304" pitchFamily="18" charset="0"/>
+                      </a:rPr>
+                      <m:t>𝜃</m:t>
+                    </m:r>
+                    <m:r>
+                      <a:rPr lang="en-US" sz="2000" i="1">
+                        <a:latin typeface="Cambria Math" panose="02040503050406030204" pitchFamily="18" charset="0"/>
+                        <a:ea typeface="Times New Roman" panose="02020603050405020304" pitchFamily="18" charset="0"/>
+                        <a:cs typeface="Times New Roman" panose="02020603050405020304" pitchFamily="18" charset="0"/>
+                      </a:rPr>
+                      <m:t>(</m:t>
+                    </m:r>
+                    <m:r>
+                      <a:rPr lang="en-US" sz="2000" b="0" i="1" smtClean="0">
+                        <a:latin typeface="Cambria Math" panose="02040503050406030204" pitchFamily="18" charset="0"/>
+                        <a:ea typeface="Times New Roman" panose="02020603050405020304" pitchFamily="18" charset="0"/>
+                        <a:cs typeface="Times New Roman" panose="02020603050405020304" pitchFamily="18" charset="0"/>
+                      </a:rPr>
+                      <m:t>𝑓</m:t>
+                    </m:r>
+                    <m:r>
+                      <a:rPr lang="en-US" sz="2000" b="0" i="1" smtClean="0">
+                        <a:latin typeface="Cambria Math" panose="02040503050406030204" pitchFamily="18" charset="0"/>
+                        <a:ea typeface="Times New Roman" panose="02020603050405020304" pitchFamily="18" charset="0"/>
+                        <a:cs typeface="Times New Roman" panose="02020603050405020304" pitchFamily="18" charset="0"/>
+                      </a:rPr>
+                      <m:t>(</m:t>
+                    </m:r>
+                    <m:r>
+                      <a:rPr lang="en-US" sz="2000" b="0" i="1" smtClean="0">
+                        <a:latin typeface="Cambria Math" panose="02040503050406030204" pitchFamily="18" charset="0"/>
+                        <a:ea typeface="Times New Roman" panose="02020603050405020304" pitchFamily="18" charset="0"/>
+                        <a:cs typeface="Times New Roman" panose="02020603050405020304" pitchFamily="18" charset="0"/>
+                      </a:rPr>
+                      <m:t>𝑛</m:t>
+                    </m:r>
+                    <m:r>
+                      <a:rPr lang="en-US" sz="2000" b="0" i="1" smtClean="0">
+                        <a:latin typeface="Cambria Math" panose="02040503050406030204" pitchFamily="18" charset="0"/>
+                        <a:ea typeface="Times New Roman" panose="02020603050405020304" pitchFamily="18" charset="0"/>
+                        <a:cs typeface="Times New Roman" panose="02020603050405020304" pitchFamily="18" charset="0"/>
+                      </a:rPr>
+                      <m:t>))</m:t>
+                    </m:r>
+                  </m:oMath>
+                </a14:m>
+                <a:r>
+                  <a:rPr lang="en-US" sz="2000" dirty="0">
+                    <a:latin typeface="Calibri" panose="020F0502020204030204" pitchFamily="34" charset="0"/>
+                    <a:ea typeface="Times New Roman" panose="02020603050405020304" pitchFamily="18" charset="0"/>
+                    <a:cs typeface="Times New Roman" panose="02020603050405020304" pitchFamily="18" charset="0"/>
+                  </a:rPr>
+                  <a:t> </a:t>
+                </a:r>
+                <a:endParaRPr lang="en-US" sz="2000" dirty="0">
+                  <a:latin typeface="Calibri" panose="020F0502020204030204" pitchFamily="34" charset="0"/>
+                  <a:ea typeface="Calibri" panose="020F0502020204030204" pitchFamily="34" charset="0"/>
+                  <a:cs typeface="Times New Roman" panose="02020603050405020304" pitchFamily="18" charset="0"/>
+                </a:endParaRPr>
+              </a:p>
+              <a:p>
+                <a:pPr marL="0" marR="0" indent="0">
+                  <a:lnSpc>
+                    <a:spcPct val="120000"/>
+                  </a:lnSpc>
+                  <a:spcBef>
+                    <a:spcPts val="0"/>
+                  </a:spcBef>
+                  <a:spcAft>
+                    <a:spcPts val="800"/>
+                  </a:spcAft>
+                  <a:buNone/>
+                </a:pPr>
+                <a:r>
+                  <a:rPr lang="en-US" sz="1900" dirty="0">
+                    <a:effectLst/>
+                    <a:latin typeface="Calibri" panose="020F0502020204030204" pitchFamily="34" charset="0"/>
+                    <a:ea typeface="Times New Roman" panose="02020603050405020304" pitchFamily="18" charset="0"/>
+                    <a:cs typeface="Times New Roman" panose="02020603050405020304" pitchFamily="18" charset="0"/>
+                  </a:rPr>
+                  <a:t>			Or</a:t>
+                </a:r>
+                <a:endParaRPr lang="en-US" sz="1900" dirty="0">
+                  <a:effectLst/>
+                  <a:latin typeface="Calibri" panose="020F0502020204030204" pitchFamily="34" charset="0"/>
+                  <a:ea typeface="Calibri" panose="020F0502020204030204" pitchFamily="34" charset="0"/>
+                  <a:cs typeface="Times New Roman" panose="02020603050405020304" pitchFamily="18" charset="0"/>
+                </a:endParaRPr>
+              </a:p>
+              <a:p>
+                <a:pPr marL="0" marR="0" indent="0">
+                  <a:lnSpc>
+                    <a:spcPct val="120000"/>
+                  </a:lnSpc>
+                  <a:spcBef>
+                    <a:spcPts val="0"/>
+                  </a:spcBef>
+                  <a:spcAft>
+                    <a:spcPts val="800"/>
+                  </a:spcAft>
+                  <a:buNone/>
+                </a:pPr>
+                <a:r>
+                  <a:rPr lang="en-US" sz="2100" dirty="0">
+                    <a:effectLst/>
+                    <a:latin typeface="Calibri" panose="020F0502020204030204" pitchFamily="34" charset="0"/>
+                    <a:ea typeface="Calibri" panose="020F0502020204030204" pitchFamily="34" charset="0"/>
+                    <a:cs typeface="Times New Roman" panose="02020603050405020304" pitchFamily="18" charset="0"/>
+                  </a:rPr>
+                  <a:t>If </a:t>
+                </a:r>
+                <a14:m>
+                  <m:oMath xmlns:m="http://schemas.openxmlformats.org/officeDocument/2006/math">
+                    <m:r>
+                      <a:rPr lang="en-US" sz="2100" i="1">
+                        <a:effectLst/>
+                        <a:latin typeface="Cambria Math" panose="02040503050406030204" pitchFamily="18" charset="0"/>
+                        <a:ea typeface="Calibri" panose="020F0502020204030204" pitchFamily="34" charset="0"/>
+                        <a:cs typeface="Times New Roman" panose="02020603050405020304" pitchFamily="18" charset="0"/>
+                      </a:rPr>
+                      <m:t>𝑓</m:t>
+                    </m:r>
+                    <m:d>
+                      <m:dPr>
+                        <m:ctrlPr>
+                          <a:rPr lang="en-US" sz="2100" i="1">
+                            <a:effectLst/>
+                            <a:latin typeface="Cambria Math" panose="02040503050406030204" pitchFamily="18" charset="0"/>
+                            <a:ea typeface="Calibri" panose="020F0502020204030204" pitchFamily="34" charset="0"/>
+                            <a:cs typeface="Times New Roman" panose="02020603050405020304" pitchFamily="18" charset="0"/>
+                          </a:rPr>
+                        </m:ctrlPr>
+                      </m:dPr>
+                      <m:e>
+                        <m:r>
+                          <a:rPr lang="en-US" sz="2100" i="1">
+                            <a:effectLst/>
+                            <a:latin typeface="Cambria Math" panose="02040503050406030204" pitchFamily="18" charset="0"/>
+                            <a:ea typeface="Calibri" panose="020F0502020204030204" pitchFamily="34" charset="0"/>
+                            <a:cs typeface="Times New Roman" panose="02020603050405020304" pitchFamily="18" charset="0"/>
+                          </a:rPr>
+                          <m:t>𝑛</m:t>
+                        </m:r>
+                      </m:e>
+                    </m:d>
+                    <m:r>
+                      <a:rPr lang="en-US" sz="2100" b="0" i="1" smtClean="0">
+                        <a:effectLst/>
+                        <a:latin typeface="Cambria Math" panose="02040503050406030204" pitchFamily="18" charset="0"/>
+                        <a:ea typeface="Calibri" panose="020F0502020204030204" pitchFamily="34" charset="0"/>
+                        <a:cs typeface="Times New Roman" panose="02020603050405020304" pitchFamily="18" charset="0"/>
+                      </a:rPr>
+                      <m:t>&gt;</m:t>
+                    </m:r>
+                    <m:r>
+                      <a:rPr lang="en-US" sz="2100" i="1">
+                        <a:effectLst/>
+                        <a:latin typeface="Cambria Math" panose="02040503050406030204" pitchFamily="18" charset="0"/>
+                        <a:ea typeface="Calibri" panose="020F0502020204030204" pitchFamily="34" charset="0"/>
+                        <a:cs typeface="Times New Roman" panose="02020603050405020304" pitchFamily="18" charset="0"/>
+                      </a:rPr>
+                      <m:t>𝑂</m:t>
+                    </m:r>
+                    <m:r>
+                      <a:rPr lang="en-US" sz="2100" i="1">
+                        <a:effectLst/>
+                        <a:latin typeface="Cambria Math" panose="02040503050406030204" pitchFamily="18" charset="0"/>
+                        <a:ea typeface="Calibri" panose="020F0502020204030204" pitchFamily="34" charset="0"/>
+                        <a:cs typeface="Times New Roman" panose="02020603050405020304" pitchFamily="18" charset="0"/>
+                      </a:rPr>
+                      <m:t>(</m:t>
+                    </m:r>
+                    <m:sSup>
+                      <m:sSupPr>
+                        <m:ctrlPr>
+                          <a:rPr lang="en-US" sz="2100" i="1">
+                            <a:effectLst/>
+                            <a:latin typeface="Cambria Math" panose="02040503050406030204" pitchFamily="18" charset="0"/>
+                            <a:ea typeface="Calibri" panose="020F0502020204030204" pitchFamily="34" charset="0"/>
+                            <a:cs typeface="Times New Roman" panose="02020603050405020304" pitchFamily="18" charset="0"/>
+                          </a:rPr>
+                        </m:ctrlPr>
+                      </m:sSupPr>
+                      <m:e>
+                        <m:r>
+                          <a:rPr lang="en-US" sz="2100" i="1">
+                            <a:effectLst/>
+                            <a:latin typeface="Cambria Math" panose="02040503050406030204" pitchFamily="18" charset="0"/>
+                            <a:ea typeface="Calibri" panose="020F0502020204030204" pitchFamily="34" charset="0"/>
+                            <a:cs typeface="Times New Roman" panose="02020603050405020304" pitchFamily="18" charset="0"/>
+                          </a:rPr>
+                          <m:t>𝑛</m:t>
+                        </m:r>
+                      </m:e>
+                      <m:sup>
+                        <m:func>
+                          <m:funcPr>
+                            <m:ctrlPr>
+                              <a:rPr lang="en-US" sz="2100" i="1">
+                                <a:effectLst/>
+                                <a:latin typeface="Cambria Math" panose="02040503050406030204" pitchFamily="18" charset="0"/>
+                                <a:ea typeface="Calibri" panose="020F0502020204030204" pitchFamily="34" charset="0"/>
+                                <a:cs typeface="Times New Roman" panose="02020603050405020304" pitchFamily="18" charset="0"/>
+                              </a:rPr>
+                            </m:ctrlPr>
+                          </m:funcPr>
+                          <m:fName>
+                            <m:sSub>
+                              <m:sSubPr>
+                                <m:ctrlPr>
+                                  <a:rPr lang="en-US" sz="2100" i="1">
+                                    <a:effectLst/>
+                                    <a:latin typeface="Cambria Math" panose="02040503050406030204" pitchFamily="18" charset="0"/>
+                                    <a:ea typeface="Calibri" panose="020F0502020204030204" pitchFamily="34" charset="0"/>
+                                    <a:cs typeface="Times New Roman" panose="02020603050405020304" pitchFamily="18" charset="0"/>
+                                  </a:rPr>
+                                </m:ctrlPr>
+                              </m:sSubPr>
+                              <m:e>
+                                <m:r>
+                                  <m:rPr>
+                                    <m:sty m:val="p"/>
+                                  </m:rPr>
+                                  <a:rPr lang="en-US" sz="2100">
+                                    <a:effectLst/>
+                                    <a:latin typeface="Cambria Math" panose="02040503050406030204" pitchFamily="18" charset="0"/>
+                                    <a:ea typeface="Calibri" panose="020F0502020204030204" pitchFamily="34" charset="0"/>
+                                    <a:cs typeface="Times New Roman" panose="02020603050405020304" pitchFamily="18" charset="0"/>
+                                  </a:rPr>
+                                  <m:t>log</m:t>
+                                </m:r>
+                              </m:e>
+                              <m:sub>
+                                <m:r>
+                                  <a:rPr lang="en-US" sz="2100" i="1">
+                                    <a:effectLst/>
+                                    <a:latin typeface="Cambria Math" panose="02040503050406030204" pitchFamily="18" charset="0"/>
+                                    <a:ea typeface="Calibri" panose="020F0502020204030204" pitchFamily="34" charset="0"/>
+                                    <a:cs typeface="Times New Roman" panose="02020603050405020304" pitchFamily="18" charset="0"/>
+                                  </a:rPr>
+                                  <m:t>𝑏</m:t>
+                                </m:r>
+                              </m:sub>
+                            </m:sSub>
+                          </m:fName>
+                          <m:e>
+                            <m:r>
+                              <a:rPr lang="en-US" sz="2100" i="1">
+                                <a:effectLst/>
+                                <a:latin typeface="Cambria Math" panose="02040503050406030204" pitchFamily="18" charset="0"/>
+                                <a:ea typeface="Calibri" panose="020F0502020204030204" pitchFamily="34" charset="0"/>
+                                <a:cs typeface="Times New Roman" panose="02020603050405020304" pitchFamily="18" charset="0"/>
+                              </a:rPr>
+                              <m:t>𝑎</m:t>
+                            </m:r>
+                          </m:e>
+                        </m:func>
+                      </m:sup>
+                    </m:sSup>
+                    <m:r>
+                      <a:rPr lang="en-US" sz="2100" i="1">
+                        <a:effectLst/>
+                        <a:latin typeface="Cambria Math" panose="02040503050406030204" pitchFamily="18" charset="0"/>
+                        <a:ea typeface="Calibri" panose="020F0502020204030204" pitchFamily="34" charset="0"/>
+                        <a:cs typeface="Times New Roman" panose="02020603050405020304" pitchFamily="18" charset="0"/>
+                      </a:rPr>
+                      <m:t>)</m:t>
+                    </m:r>
+                  </m:oMath>
+                </a14:m>
+                <a:r>
+                  <a:rPr lang="en-US" sz="2100" dirty="0">
+                    <a:effectLst/>
+                    <a:latin typeface="Calibri" panose="020F0502020204030204" pitchFamily="34" charset="0"/>
+                    <a:ea typeface="Times New Roman" panose="02020603050405020304" pitchFamily="18" charset="0"/>
+                    <a:cs typeface="Times New Roman" panose="02020603050405020304" pitchFamily="18" charset="0"/>
+                  </a:rPr>
+                  <a:t> </a:t>
+                </a:r>
+                <a:r>
+                  <a:rPr lang="en-US" sz="2100" dirty="0">
+                    <a:latin typeface="Calibri" panose="020F0502020204030204" pitchFamily="34" charset="0"/>
+                    <a:ea typeface="Times New Roman" panose="02020603050405020304" pitchFamily="18" charset="0"/>
+                    <a:cs typeface="Times New Roman" panose="02020603050405020304" pitchFamily="18" charset="0"/>
+                  </a:rPr>
+                  <a:t>and if a f(n/b)&lt;=c f(n) for c &lt; 1, then: T(n) = </a:t>
+                </a:r>
+                <a14:m>
+                  <m:oMath xmlns:m="http://schemas.openxmlformats.org/officeDocument/2006/math">
+                    <m:r>
+                      <a:rPr lang="en-US" sz="2100" i="1">
+                        <a:latin typeface="Cambria Math" panose="02040503050406030204" pitchFamily="18" charset="0"/>
+                        <a:ea typeface="Times New Roman" panose="02020603050405020304" pitchFamily="18" charset="0"/>
+                        <a:cs typeface="Times New Roman" panose="02020603050405020304" pitchFamily="18" charset="0"/>
+                      </a:rPr>
+                      <m:t>𝜃</m:t>
+                    </m:r>
+                    <m:r>
+                      <a:rPr lang="en-US" sz="2100" i="1">
+                        <a:latin typeface="Cambria Math" panose="02040503050406030204" pitchFamily="18" charset="0"/>
+                        <a:ea typeface="Times New Roman" panose="02020603050405020304" pitchFamily="18" charset="0"/>
+                        <a:cs typeface="Times New Roman" panose="02020603050405020304" pitchFamily="18" charset="0"/>
+                      </a:rPr>
+                      <m:t>(</m:t>
+                    </m:r>
+                    <m:r>
+                      <a:rPr lang="en-US" sz="2100" i="1">
+                        <a:latin typeface="Cambria Math" panose="02040503050406030204" pitchFamily="18" charset="0"/>
+                        <a:ea typeface="Times New Roman" panose="02020603050405020304" pitchFamily="18" charset="0"/>
+                        <a:cs typeface="Times New Roman" panose="02020603050405020304" pitchFamily="18" charset="0"/>
+                      </a:rPr>
+                      <m:t>𝑓</m:t>
+                    </m:r>
+                    <m:r>
+                      <a:rPr lang="en-US" sz="2100" i="1">
+                        <a:latin typeface="Cambria Math" panose="02040503050406030204" pitchFamily="18" charset="0"/>
+                        <a:ea typeface="Times New Roman" panose="02020603050405020304" pitchFamily="18" charset="0"/>
+                        <a:cs typeface="Times New Roman" panose="02020603050405020304" pitchFamily="18" charset="0"/>
+                      </a:rPr>
+                      <m:t>(</m:t>
+                    </m:r>
+                    <m:r>
+                      <a:rPr lang="en-US" sz="2100" i="1">
+                        <a:latin typeface="Cambria Math" panose="02040503050406030204" pitchFamily="18" charset="0"/>
+                        <a:ea typeface="Times New Roman" panose="02020603050405020304" pitchFamily="18" charset="0"/>
+                        <a:cs typeface="Times New Roman" panose="02020603050405020304" pitchFamily="18" charset="0"/>
+                      </a:rPr>
+                      <m:t>𝑛</m:t>
+                    </m:r>
+                    <m:r>
+                      <a:rPr lang="en-US" sz="2100" i="1">
+                        <a:latin typeface="Cambria Math" panose="02040503050406030204" pitchFamily="18" charset="0"/>
+                        <a:ea typeface="Times New Roman" panose="02020603050405020304" pitchFamily="18" charset="0"/>
+                        <a:cs typeface="Times New Roman" panose="02020603050405020304" pitchFamily="18" charset="0"/>
+                      </a:rPr>
+                      <m:t>))</m:t>
+                    </m:r>
+                  </m:oMath>
+                </a14:m>
+                <a:r>
+                  <a:rPr lang="en-US" sz="2100" dirty="0">
+                    <a:latin typeface="Calibri" panose="020F0502020204030204" pitchFamily="34" charset="0"/>
+                    <a:ea typeface="Times New Roman" panose="02020603050405020304" pitchFamily="18" charset="0"/>
+                    <a:cs typeface="Times New Roman" panose="02020603050405020304" pitchFamily="18" charset="0"/>
+                  </a:rPr>
+                  <a:t> </a:t>
+                </a:r>
+                <a:endParaRPr lang="en-US" sz="2100" dirty="0">
+                  <a:effectLst/>
+                  <a:ea typeface="Calibri" panose="020F0502020204030204" pitchFamily="34" charset="0"/>
+                  <a:cs typeface="Times New Roman" panose="02020603050405020304" pitchFamily="18" charset="0"/>
+                </a:endParaRPr>
+              </a:p>
+            </p:txBody>
+          </p:sp>
+        </mc:Choice>
+        <mc:Fallback>
+          <p:sp>
+            <p:nvSpPr>
+              <p:cNvPr id="3" name="Content Placeholder 2">
+                <a:extLst>
+                  <a:ext uri="{FF2B5EF4-FFF2-40B4-BE49-F238E27FC236}">
+                    <a16:creationId xmlns:a16="http://schemas.microsoft.com/office/drawing/2014/main" id="{5EABFBC3-EE08-43BD-B066-2FF949D0A11D}"/>
+                  </a:ext>
+                </a:extLst>
+              </p:cNvPr>
+              <p:cNvSpPr>
+                <a:spLocks noGrp="1" noRot="1" noChangeAspect="1" noMove="1" noResize="1" noEditPoints="1" noAdjustHandles="1" noChangeArrowheads="1" noChangeShapeType="1" noTextEdit="1"/>
+              </p:cNvSpPr>
+              <p:nvPr>
+                <p:ph idx="1"/>
+              </p:nvPr>
+            </p:nvSpPr>
+            <p:spPr>
+              <a:xfrm>
+                <a:off x="97604" y="770562"/>
+                <a:ext cx="11866652" cy="5959011"/>
+              </a:xfrm>
+              <a:blipFill>
+                <a:blip r:embed="rId2"/>
+                <a:stretch>
+                  <a:fillRect l="-770" t="-818" b="-613"/>
+                </a:stretch>
+              </a:blipFill>
+            </p:spPr>
+            <p:txBody>
+              <a:bodyPr/>
+              <a:lstStyle/>
+              <a:p>
+                <a:r>
+                  <a:rPr lang="en-US">
+                    <a:noFill/>
+                  </a:rPr>
+                  <a:t> </a:t>
+                </a:r>
+              </a:p>
+            </p:txBody>
+          </p:sp>
+        </mc:Fallback>
+      </mc:AlternateContent>
+    </p:spTree>
+    <p:extLst>
+      <p:ext uri="{BB962C8B-B14F-4D97-AF65-F5344CB8AC3E}">
+        <p14:creationId xmlns:p14="http://schemas.microsoft.com/office/powerpoint/2010/main" val="1275998323"/>
+      </p:ext>
+    </p:extLst>
+  </p:cSld>
+  <p:clrMapOvr>
+    <a:masterClrMapping/>
+  </p:clrMapOvr>
+  <mc:AlternateContent xmlns:mc="http://schemas.openxmlformats.org/markup-compatibility/2006" xmlns:p159="http://schemas.microsoft.com/office/powerpoint/2015/09/main">
+    <mc:Choice Requires="p159">
+      <p:transition>
+        <p159:morph option="byObject"/>
+      </p:transition>
+    </mc:Choice>
+    <mc:Fallback xmlns="">
+      <p:transition>
+        <p:fade/>
+      </p:transition>
+    </mc:Fallback>
+  </mc:AlternateContent>
+</p:sld>
+</file>
+
+<file path=ppt/slides/slide3.xml><?xml version="1.0" encoding="utf-8"?>
+<p:sld xmlns:a="http://schemas.openxmlformats.org/drawingml/2006/main" xmlns:r="http://schemas.openxmlformats.org/officeDocument/2006/relationships" xmlns:p="http://schemas.openxmlformats.org/presentationml/2006/main">
+  <p:cSld>
+    <p:spTree>
+      <p:nvGrpSpPr>
+        <p:cNvPr id="1" name=""/>
+        <p:cNvGrpSpPr/>
+        <p:nvPr/>
+      </p:nvGrpSpPr>
+      <p:grpSpPr>
+        <a:xfrm>
+          <a:off x="0" y="0"/>
+          <a:ext cx="0" cy="0"/>
+          <a:chOff x="0" y="0"/>
+          <a:chExt cx="0" cy="0"/>
+        </a:xfrm>
+      </p:grpSpPr>
+      <p:sp>
+        <p:nvSpPr>
+          <p:cNvPr id="2" name="Title 1">
+            <a:extLst>
+              <a:ext uri="{FF2B5EF4-FFF2-40B4-BE49-F238E27FC236}">
+                <a16:creationId xmlns:a16="http://schemas.microsoft.com/office/drawing/2014/main" id="{ED7B97B1-C86D-4402-803A-C23C1544EED0}"/>
+              </a:ext>
+            </a:extLst>
+          </p:cNvPr>
+          <p:cNvSpPr>
+            <a:spLocks noGrp="1"/>
+          </p:cNvSpPr>
+          <p:nvPr>
+            <p:ph type="title"/>
+          </p:nvPr>
+        </p:nvSpPr>
+        <p:spPr>
+          <a:xfrm>
+            <a:off x="134420" y="51765"/>
+            <a:ext cx="10515600" cy="780444"/>
+          </a:xfrm>
+        </p:spPr>
+        <p:txBody>
+          <a:bodyPr/>
+          <a:lstStyle/>
+          <a:p>
+            <a:r>
+              <a:rPr lang="en-US" b="1" dirty="0"/>
+              <a:t>Points to Note</a:t>
+            </a:r>
+            <a:endParaRPr lang="en-US" dirty="0"/>
+          </a:p>
+        </p:txBody>
+      </p:sp>
+      <mc:AlternateContent xmlns:mc="http://schemas.openxmlformats.org/markup-compatibility/2006">
+        <mc:Choice xmlns:a14="http://schemas.microsoft.com/office/drawing/2010/main" Requires="a14">
+          <p:sp>
+            <p:nvSpPr>
+              <p:cNvPr id="3" name="Content Placeholder 2">
+                <a:extLst>
+                  <a:ext uri="{FF2B5EF4-FFF2-40B4-BE49-F238E27FC236}">
+                    <a16:creationId xmlns:a16="http://schemas.microsoft.com/office/drawing/2014/main" id="{5EABFBC3-EE08-43BD-B066-2FF949D0A11D}"/>
+                  </a:ext>
+                </a:extLst>
+              </p:cNvPr>
+              <p:cNvSpPr>
+                <a:spLocks noGrp="1"/>
+              </p:cNvSpPr>
+              <p:nvPr>
+                <p:ph idx="1"/>
+              </p:nvPr>
+            </p:nvSpPr>
+            <p:spPr>
+              <a:xfrm>
+                <a:off x="97604" y="770562"/>
+                <a:ext cx="11866652" cy="5959011"/>
+              </a:xfrm>
+            </p:spPr>
+            <p:txBody>
+              <a:bodyPr>
+                <a:normAutofit fontScale="92500" lnSpcReduction="20000"/>
+              </a:bodyPr>
+              <a:lstStyle/>
+              <a:p>
+                <a:pPr>
+                  <a:lnSpc>
+                    <a:spcPct val="120000"/>
+                  </a:lnSpc>
+                </a:pPr>
+                <a:r>
+                  <a:rPr lang="en-US" dirty="0"/>
+                  <a:t>T(n) = a T(n/b) + f(n)</a:t>
+                </a:r>
+              </a:p>
+              <a:p>
+                <a:pPr lvl="1">
+                  <a:lnSpc>
+                    <a:spcPct val="120000"/>
+                  </a:lnSpc>
+                </a:pPr>
+                <a:r>
+                  <a:rPr lang="en-US" dirty="0"/>
+                  <a:t>Where a &gt;= 1, b &gt; 1, and f(n) &gt; 0</a:t>
+                </a:r>
+              </a:p>
+              <a:p>
+                <a:pPr>
+                  <a:lnSpc>
+                    <a:spcPct val="120000"/>
+                  </a:lnSpc>
+                </a:pPr>
+                <a:r>
+                  <a:rPr lang="en-US" dirty="0"/>
+                  <a:t>Case 1: </a:t>
+                </a:r>
+              </a:p>
+              <a:p>
+                <a:pPr marL="0" marR="0" indent="0">
+                  <a:lnSpc>
+                    <a:spcPct val="120000"/>
+                  </a:lnSpc>
+                  <a:spcBef>
+                    <a:spcPts val="0"/>
+                  </a:spcBef>
+                  <a:spcAft>
+                    <a:spcPts val="800"/>
+                  </a:spcAft>
+                  <a:buNone/>
+                </a:pPr>
+                <a:r>
+                  <a:rPr lang="en-US" sz="2100" dirty="0">
+                    <a:effectLst/>
+                    <a:latin typeface="Calibri" panose="020F0502020204030204" pitchFamily="34" charset="0"/>
+                    <a:ea typeface="Calibri" panose="020F0502020204030204" pitchFamily="34" charset="0"/>
+                    <a:cs typeface="Times New Roman" panose="02020603050405020304" pitchFamily="18" charset="0"/>
+                  </a:rPr>
+                  <a:t>If </a:t>
+                </a:r>
+                <a14:m>
+                  <m:oMath xmlns:m="http://schemas.openxmlformats.org/officeDocument/2006/math">
+                    <m:r>
+                      <a:rPr lang="en-US" sz="2100" i="1">
+                        <a:effectLst/>
+                        <a:latin typeface="Cambria Math" panose="02040503050406030204" pitchFamily="18" charset="0"/>
+                        <a:ea typeface="Calibri" panose="020F0502020204030204" pitchFamily="34" charset="0"/>
+                        <a:cs typeface="Times New Roman" panose="02020603050405020304" pitchFamily="18" charset="0"/>
+                      </a:rPr>
+                      <m:t>𝑓</m:t>
+                    </m:r>
+                    <m:d>
+                      <m:dPr>
+                        <m:ctrlPr>
+                          <a:rPr lang="en-US" sz="2100" i="1">
+                            <a:effectLst/>
+                            <a:latin typeface="Cambria Math" panose="02040503050406030204" pitchFamily="18" charset="0"/>
+                            <a:ea typeface="Calibri" panose="020F0502020204030204" pitchFamily="34" charset="0"/>
+                            <a:cs typeface="Times New Roman" panose="02020603050405020304" pitchFamily="18" charset="0"/>
+                          </a:rPr>
+                        </m:ctrlPr>
+                      </m:dPr>
+                      <m:e>
+                        <m:r>
+                          <a:rPr lang="en-US" sz="2100" i="1">
+                            <a:effectLst/>
+                            <a:latin typeface="Cambria Math" panose="02040503050406030204" pitchFamily="18" charset="0"/>
+                            <a:ea typeface="Calibri" panose="020F0502020204030204" pitchFamily="34" charset="0"/>
+                            <a:cs typeface="Times New Roman" panose="02020603050405020304" pitchFamily="18" charset="0"/>
+                          </a:rPr>
+                          <m:t>𝑛</m:t>
+                        </m:r>
+                      </m:e>
+                    </m:d>
+                    <m:r>
+                      <a:rPr lang="en-US" sz="2100" i="1">
+                        <a:effectLst/>
+                        <a:latin typeface="Cambria Math" panose="02040503050406030204" pitchFamily="18" charset="0"/>
+                        <a:ea typeface="Calibri" panose="020F0502020204030204" pitchFamily="34" charset="0"/>
+                        <a:cs typeface="Times New Roman" panose="02020603050405020304" pitchFamily="18" charset="0"/>
+                      </a:rPr>
+                      <m:t>=</m:t>
+                    </m:r>
+                    <m:r>
+                      <a:rPr lang="en-US" sz="2100" i="1">
+                        <a:effectLst/>
+                        <a:latin typeface="Cambria Math" panose="02040503050406030204" pitchFamily="18" charset="0"/>
+                        <a:ea typeface="Calibri" panose="020F0502020204030204" pitchFamily="34" charset="0"/>
+                        <a:cs typeface="Times New Roman" panose="02020603050405020304" pitchFamily="18" charset="0"/>
+                      </a:rPr>
+                      <m:t>𝑂</m:t>
+                    </m:r>
+                    <m:r>
+                      <a:rPr lang="en-US" sz="2100" i="1">
+                        <a:effectLst/>
+                        <a:latin typeface="Cambria Math" panose="02040503050406030204" pitchFamily="18" charset="0"/>
+                        <a:ea typeface="Calibri" panose="020F0502020204030204" pitchFamily="34" charset="0"/>
+                        <a:cs typeface="Times New Roman" panose="02020603050405020304" pitchFamily="18" charset="0"/>
+                      </a:rPr>
+                      <m:t>(</m:t>
+                    </m:r>
+                    <m:sSup>
+                      <m:sSupPr>
+                        <m:ctrlPr>
+                          <a:rPr lang="en-US" sz="2100" i="1">
+                            <a:effectLst/>
+                            <a:latin typeface="Cambria Math" panose="02040503050406030204" pitchFamily="18" charset="0"/>
+                            <a:ea typeface="Calibri" panose="020F0502020204030204" pitchFamily="34" charset="0"/>
+                            <a:cs typeface="Times New Roman" panose="02020603050405020304" pitchFamily="18" charset="0"/>
+                          </a:rPr>
+                        </m:ctrlPr>
+                      </m:sSupPr>
+                      <m:e>
+                        <m:r>
+                          <a:rPr lang="en-US" sz="2100" i="1">
+                            <a:effectLst/>
+                            <a:latin typeface="Cambria Math" panose="02040503050406030204" pitchFamily="18" charset="0"/>
+                            <a:ea typeface="Calibri" panose="020F0502020204030204" pitchFamily="34" charset="0"/>
+                            <a:cs typeface="Times New Roman" panose="02020603050405020304" pitchFamily="18" charset="0"/>
+                          </a:rPr>
+                          <m:t>𝑛</m:t>
+                        </m:r>
+                      </m:e>
+                      <m:sup>
+                        <m:func>
+                          <m:funcPr>
+                            <m:ctrlPr>
+                              <a:rPr lang="en-US" sz="2100" i="1">
+                                <a:effectLst/>
+                                <a:latin typeface="Cambria Math" panose="02040503050406030204" pitchFamily="18" charset="0"/>
+                                <a:ea typeface="Calibri" panose="020F0502020204030204" pitchFamily="34" charset="0"/>
+                                <a:cs typeface="Times New Roman" panose="02020603050405020304" pitchFamily="18" charset="0"/>
+                              </a:rPr>
+                            </m:ctrlPr>
+                          </m:funcPr>
+                          <m:fName>
+                            <m:sSub>
+                              <m:sSubPr>
+                                <m:ctrlPr>
+                                  <a:rPr lang="en-US" sz="2100" i="1">
+                                    <a:effectLst/>
+                                    <a:latin typeface="Cambria Math" panose="02040503050406030204" pitchFamily="18" charset="0"/>
+                                    <a:ea typeface="Calibri" panose="020F0502020204030204" pitchFamily="34" charset="0"/>
+                                    <a:cs typeface="Times New Roman" panose="02020603050405020304" pitchFamily="18" charset="0"/>
+                                  </a:rPr>
+                                </m:ctrlPr>
+                              </m:sSubPr>
+                              <m:e>
+                                <m:r>
+                                  <m:rPr>
+                                    <m:sty m:val="p"/>
+                                  </m:rPr>
+                                  <a:rPr lang="en-US" sz="2100">
+                                    <a:effectLst/>
+                                    <a:latin typeface="Cambria Math" panose="02040503050406030204" pitchFamily="18" charset="0"/>
+                                    <a:ea typeface="Calibri" panose="020F0502020204030204" pitchFamily="34" charset="0"/>
+                                    <a:cs typeface="Times New Roman" panose="02020603050405020304" pitchFamily="18" charset="0"/>
+                                  </a:rPr>
+                                  <m:t>log</m:t>
+                                </m:r>
+                              </m:e>
+                              <m:sub>
+                                <m:r>
+                                  <a:rPr lang="en-US" sz="2100" i="1">
+                                    <a:effectLst/>
+                                    <a:latin typeface="Cambria Math" panose="02040503050406030204" pitchFamily="18" charset="0"/>
+                                    <a:ea typeface="Calibri" panose="020F0502020204030204" pitchFamily="34" charset="0"/>
+                                    <a:cs typeface="Times New Roman" panose="02020603050405020304" pitchFamily="18" charset="0"/>
+                                  </a:rPr>
+                                  <m:t>𝑏</m:t>
+                                </m:r>
+                              </m:sub>
+                            </m:sSub>
+                          </m:fName>
+                          <m:e>
+                            <m:r>
+                              <a:rPr lang="en-US" sz="2100" i="1">
+                                <a:effectLst/>
+                                <a:latin typeface="Cambria Math" panose="02040503050406030204" pitchFamily="18" charset="0"/>
+                                <a:ea typeface="Calibri" panose="020F0502020204030204" pitchFamily="34" charset="0"/>
+                                <a:cs typeface="Times New Roman" panose="02020603050405020304" pitchFamily="18" charset="0"/>
+                              </a:rPr>
+                              <m:t>𝑎</m:t>
+                            </m:r>
+                            <m:r>
+                              <a:rPr lang="en-US" sz="2100" i="1">
+                                <a:effectLst/>
+                                <a:latin typeface="Cambria Math" panose="02040503050406030204" pitchFamily="18" charset="0"/>
+                                <a:ea typeface="Calibri" panose="020F0502020204030204" pitchFamily="34" charset="0"/>
+                                <a:cs typeface="Times New Roman" panose="02020603050405020304" pitchFamily="18" charset="0"/>
+                              </a:rPr>
+                              <m:t>−∈</m:t>
+                            </m:r>
+                          </m:e>
+                        </m:func>
+                      </m:sup>
+                    </m:sSup>
+                    <m:r>
+                      <a:rPr lang="en-US" sz="2100" i="1">
+                        <a:effectLst/>
+                        <a:latin typeface="Cambria Math" panose="02040503050406030204" pitchFamily="18" charset="0"/>
+                        <a:ea typeface="Calibri" panose="020F0502020204030204" pitchFamily="34" charset="0"/>
+                        <a:cs typeface="Times New Roman" panose="02020603050405020304" pitchFamily="18" charset="0"/>
+                      </a:rPr>
+                      <m:t>)</m:t>
+                    </m:r>
+                  </m:oMath>
+                </a14:m>
+                <a:r>
+                  <a:rPr lang="en-US" sz="2100" dirty="0">
+                    <a:effectLst/>
+                    <a:latin typeface="Calibri" panose="020F0502020204030204" pitchFamily="34" charset="0"/>
+                    <a:ea typeface="Times New Roman" panose="02020603050405020304" pitchFamily="18" charset="0"/>
+                    <a:cs typeface="Times New Roman" panose="02020603050405020304" pitchFamily="18" charset="0"/>
+                  </a:rPr>
+                  <a:t> for some </a:t>
+                </a:r>
+                <a14:m>
+                  <m:oMath xmlns:m="http://schemas.openxmlformats.org/officeDocument/2006/math">
+                    <m:r>
+                      <a:rPr lang="en-US" sz="2100" i="1">
+                        <a:effectLst/>
+                        <a:latin typeface="Cambria Math" panose="02040503050406030204" pitchFamily="18" charset="0"/>
+                        <a:ea typeface="Calibri" panose="020F0502020204030204" pitchFamily="34" charset="0"/>
+                        <a:cs typeface="Times New Roman" panose="02020603050405020304" pitchFamily="18" charset="0"/>
+                      </a:rPr>
+                      <m:t>∈ &gt;0</m:t>
+                    </m:r>
+                  </m:oMath>
+                </a14:m>
+                <a:r>
+                  <a:rPr lang="en-US" sz="2100" dirty="0">
+                    <a:effectLst/>
+                    <a:latin typeface="Calibri" panose="020F0502020204030204" pitchFamily="34" charset="0"/>
+                    <a:ea typeface="Times New Roman" panose="02020603050405020304" pitchFamily="18" charset="0"/>
+                    <a:cs typeface="Times New Roman" panose="02020603050405020304" pitchFamily="18" charset="0"/>
+                  </a:rPr>
+                  <a:t>, then: T(n) = </a:t>
+                </a:r>
+                <a14:m>
+                  <m:oMath xmlns:m="http://schemas.openxmlformats.org/officeDocument/2006/math">
+                    <m:r>
+                      <a:rPr lang="en-US" sz="2100" i="1">
+                        <a:effectLst/>
+                        <a:latin typeface="Cambria Math" panose="02040503050406030204" pitchFamily="18" charset="0"/>
+                        <a:ea typeface="Times New Roman" panose="02020603050405020304" pitchFamily="18" charset="0"/>
+                        <a:cs typeface="Times New Roman" panose="02020603050405020304" pitchFamily="18" charset="0"/>
+                      </a:rPr>
+                      <m:t>𝜃</m:t>
+                    </m:r>
+                    <m:r>
+                      <a:rPr lang="en-US" sz="2100" i="1">
+                        <a:effectLst/>
+                        <a:latin typeface="Cambria Math" panose="02040503050406030204" pitchFamily="18" charset="0"/>
+                        <a:ea typeface="Times New Roman" panose="02020603050405020304" pitchFamily="18" charset="0"/>
+                        <a:cs typeface="Times New Roman" panose="02020603050405020304" pitchFamily="18" charset="0"/>
+                      </a:rPr>
+                      <m:t>(</m:t>
+                    </m:r>
+                    <m:sSup>
+                      <m:sSupPr>
+                        <m:ctrlPr>
+                          <a:rPr lang="en-US" sz="2100" i="1">
+                            <a:effectLst/>
+                            <a:latin typeface="Cambria Math" panose="02040503050406030204" pitchFamily="18" charset="0"/>
+                            <a:ea typeface="Times New Roman" panose="02020603050405020304" pitchFamily="18" charset="0"/>
+                            <a:cs typeface="Times New Roman" panose="02020603050405020304" pitchFamily="18" charset="0"/>
+                          </a:rPr>
+                        </m:ctrlPr>
+                      </m:sSupPr>
+                      <m:e>
+                        <m:r>
+                          <a:rPr lang="en-US" sz="2100" i="1">
+                            <a:effectLst/>
+                            <a:latin typeface="Cambria Math" panose="02040503050406030204" pitchFamily="18" charset="0"/>
+                            <a:ea typeface="Times New Roman" panose="02020603050405020304" pitchFamily="18" charset="0"/>
+                            <a:cs typeface="Times New Roman" panose="02020603050405020304" pitchFamily="18" charset="0"/>
+                          </a:rPr>
+                          <m:t>𝑛</m:t>
+                        </m:r>
+                      </m:e>
+                      <m:sup>
+                        <m:func>
+                          <m:funcPr>
+                            <m:ctrlPr>
+                              <a:rPr lang="en-US" sz="2100" i="1">
+                                <a:effectLst/>
+                                <a:latin typeface="Cambria Math" panose="02040503050406030204" pitchFamily="18" charset="0"/>
+                                <a:ea typeface="Times New Roman" panose="02020603050405020304" pitchFamily="18" charset="0"/>
+                                <a:cs typeface="Times New Roman" panose="02020603050405020304" pitchFamily="18" charset="0"/>
+                              </a:rPr>
+                            </m:ctrlPr>
+                          </m:funcPr>
+                          <m:fName>
+                            <m:sSub>
+                              <m:sSubPr>
+                                <m:ctrlPr>
+                                  <a:rPr lang="en-US" sz="2100" i="1">
+                                    <a:effectLst/>
+                                    <a:latin typeface="Cambria Math" panose="02040503050406030204" pitchFamily="18" charset="0"/>
+                                    <a:ea typeface="Times New Roman" panose="02020603050405020304" pitchFamily="18" charset="0"/>
+                                    <a:cs typeface="Times New Roman" panose="02020603050405020304" pitchFamily="18" charset="0"/>
+                                  </a:rPr>
+                                </m:ctrlPr>
+                              </m:sSubPr>
+                              <m:e>
+                                <m:r>
+                                  <m:rPr>
+                                    <m:sty m:val="p"/>
+                                  </m:rPr>
+                                  <a:rPr lang="en-US" sz="2100">
+                                    <a:effectLst/>
+                                    <a:latin typeface="Cambria Math" panose="02040503050406030204" pitchFamily="18" charset="0"/>
+                                    <a:ea typeface="Calibri" panose="020F0502020204030204" pitchFamily="34" charset="0"/>
+                                    <a:cs typeface="Times New Roman" panose="02020603050405020304" pitchFamily="18" charset="0"/>
+                                  </a:rPr>
+                                  <m:t>log</m:t>
+                                </m:r>
+                              </m:e>
+                              <m:sub>
+                                <m:r>
+                                  <a:rPr lang="en-US" sz="2100" i="1">
+                                    <a:effectLst/>
+                                    <a:latin typeface="Cambria Math" panose="02040503050406030204" pitchFamily="18" charset="0"/>
+                                    <a:ea typeface="Times New Roman" panose="02020603050405020304" pitchFamily="18" charset="0"/>
+                                    <a:cs typeface="Times New Roman" panose="02020603050405020304" pitchFamily="18" charset="0"/>
+                                  </a:rPr>
+                                  <m:t>𝑏</m:t>
+                                </m:r>
+                              </m:sub>
+                            </m:sSub>
+                          </m:fName>
+                          <m:e>
+                            <m:r>
+                              <a:rPr lang="en-US" sz="2100" i="1">
+                                <a:effectLst/>
+                                <a:latin typeface="Cambria Math" panose="02040503050406030204" pitchFamily="18" charset="0"/>
+                                <a:ea typeface="Times New Roman" panose="02020603050405020304" pitchFamily="18" charset="0"/>
+                                <a:cs typeface="Times New Roman" panose="02020603050405020304" pitchFamily="18" charset="0"/>
+                              </a:rPr>
+                              <m:t>𝑎</m:t>
+                            </m:r>
+                          </m:e>
+                        </m:func>
+                      </m:sup>
+                    </m:sSup>
+                    <m:r>
+                      <a:rPr lang="en-US" sz="2100" i="1">
+                        <a:effectLst/>
+                        <a:latin typeface="Cambria Math" panose="02040503050406030204" pitchFamily="18" charset="0"/>
+                        <a:ea typeface="Times New Roman" panose="02020603050405020304" pitchFamily="18" charset="0"/>
+                        <a:cs typeface="Times New Roman" panose="02020603050405020304" pitchFamily="18" charset="0"/>
+                      </a:rPr>
+                      <m:t>)</m:t>
+                    </m:r>
+                  </m:oMath>
+                </a14:m>
+                <a:r>
+                  <a:rPr lang="en-US" sz="2100" dirty="0">
+                    <a:effectLst/>
+                    <a:latin typeface="Calibri" panose="020F0502020204030204" pitchFamily="34" charset="0"/>
+                    <a:ea typeface="Times New Roman" panose="02020603050405020304" pitchFamily="18" charset="0"/>
+                    <a:cs typeface="Times New Roman" panose="02020603050405020304" pitchFamily="18" charset="0"/>
+                  </a:rPr>
+                  <a:t> </a:t>
+                </a:r>
+                <a:endParaRPr lang="en-US" sz="2100" dirty="0">
+                  <a:effectLst/>
+                  <a:latin typeface="Calibri" panose="020F0502020204030204" pitchFamily="34" charset="0"/>
+                  <a:ea typeface="Calibri" panose="020F0502020204030204" pitchFamily="34" charset="0"/>
+                  <a:cs typeface="Times New Roman" panose="02020603050405020304" pitchFamily="18" charset="0"/>
+                </a:endParaRPr>
+              </a:p>
+              <a:p>
+                <a:pPr marL="0" marR="0" indent="0">
+                  <a:lnSpc>
+                    <a:spcPct val="120000"/>
+                  </a:lnSpc>
+                  <a:spcBef>
+                    <a:spcPts val="0"/>
+                  </a:spcBef>
+                  <a:spcAft>
+                    <a:spcPts val="800"/>
+                  </a:spcAft>
+                  <a:buNone/>
+                </a:pPr>
+                <a:r>
+                  <a:rPr lang="en-US" sz="2100" dirty="0">
+                    <a:effectLst/>
+                    <a:latin typeface="Calibri" panose="020F0502020204030204" pitchFamily="34" charset="0"/>
+                    <a:ea typeface="Times New Roman" panose="02020603050405020304" pitchFamily="18" charset="0"/>
+                    <a:cs typeface="Times New Roman" panose="02020603050405020304" pitchFamily="18" charset="0"/>
+                  </a:rPr>
+                  <a:t>			Or</a:t>
+                </a:r>
+                <a:endParaRPr lang="en-US" sz="2100" dirty="0">
+                  <a:effectLst/>
+                  <a:latin typeface="Calibri" panose="020F0502020204030204" pitchFamily="34" charset="0"/>
+                  <a:ea typeface="Calibri" panose="020F0502020204030204" pitchFamily="34" charset="0"/>
+                  <a:cs typeface="Times New Roman" panose="02020603050405020304" pitchFamily="18" charset="0"/>
+                </a:endParaRPr>
+              </a:p>
+              <a:p>
+                <a:pPr marL="0" marR="0" indent="0">
+                  <a:lnSpc>
+                    <a:spcPct val="120000"/>
+                  </a:lnSpc>
+                  <a:spcBef>
+                    <a:spcPts val="0"/>
+                  </a:spcBef>
+                  <a:spcAft>
+                    <a:spcPts val="800"/>
+                  </a:spcAft>
+                  <a:buNone/>
+                </a:pPr>
+                <a:r>
+                  <a:rPr lang="en-US" sz="2100" dirty="0">
+                    <a:effectLst/>
+                    <a:latin typeface="Calibri" panose="020F0502020204030204" pitchFamily="34" charset="0"/>
+                    <a:ea typeface="Calibri" panose="020F0502020204030204" pitchFamily="34" charset="0"/>
+                    <a:cs typeface="Times New Roman" panose="02020603050405020304" pitchFamily="18" charset="0"/>
+                  </a:rPr>
+                  <a:t>If </a:t>
+                </a:r>
+                <a14:m>
+                  <m:oMath xmlns:m="http://schemas.openxmlformats.org/officeDocument/2006/math">
+                    <m:r>
+                      <a:rPr lang="en-US" sz="2100" i="1">
+                        <a:effectLst/>
+                        <a:latin typeface="Cambria Math" panose="02040503050406030204" pitchFamily="18" charset="0"/>
+                        <a:ea typeface="Calibri" panose="020F0502020204030204" pitchFamily="34" charset="0"/>
+                        <a:cs typeface="Times New Roman" panose="02020603050405020304" pitchFamily="18" charset="0"/>
+                      </a:rPr>
+                      <m:t>𝑓</m:t>
+                    </m:r>
+                    <m:d>
+                      <m:dPr>
+                        <m:ctrlPr>
+                          <a:rPr lang="en-US" sz="2100" i="1">
+                            <a:effectLst/>
+                            <a:latin typeface="Cambria Math" panose="02040503050406030204" pitchFamily="18" charset="0"/>
+                            <a:ea typeface="Calibri" panose="020F0502020204030204" pitchFamily="34" charset="0"/>
+                            <a:cs typeface="Times New Roman" panose="02020603050405020304" pitchFamily="18" charset="0"/>
+                          </a:rPr>
+                        </m:ctrlPr>
+                      </m:dPr>
+                      <m:e>
+                        <m:r>
+                          <a:rPr lang="en-US" sz="2100" i="1">
+                            <a:effectLst/>
+                            <a:latin typeface="Cambria Math" panose="02040503050406030204" pitchFamily="18" charset="0"/>
+                            <a:ea typeface="Calibri" panose="020F0502020204030204" pitchFamily="34" charset="0"/>
+                            <a:cs typeface="Times New Roman" panose="02020603050405020304" pitchFamily="18" charset="0"/>
+                          </a:rPr>
+                          <m:t>𝑛</m:t>
+                        </m:r>
+                      </m:e>
+                    </m:d>
+                    <m:r>
+                      <a:rPr lang="en-US" sz="2100" i="1">
+                        <a:effectLst/>
+                        <a:latin typeface="Cambria Math" panose="02040503050406030204" pitchFamily="18" charset="0"/>
+                        <a:ea typeface="Calibri" panose="020F0502020204030204" pitchFamily="34" charset="0"/>
+                        <a:cs typeface="Times New Roman" panose="02020603050405020304" pitchFamily="18" charset="0"/>
+                      </a:rPr>
+                      <m:t>&lt;</m:t>
+                    </m:r>
+                    <m:r>
+                      <a:rPr lang="en-US" sz="2100" i="1">
+                        <a:effectLst/>
+                        <a:latin typeface="Cambria Math" panose="02040503050406030204" pitchFamily="18" charset="0"/>
+                        <a:ea typeface="Calibri" panose="020F0502020204030204" pitchFamily="34" charset="0"/>
+                        <a:cs typeface="Times New Roman" panose="02020603050405020304" pitchFamily="18" charset="0"/>
+                      </a:rPr>
+                      <m:t>𝑂</m:t>
+                    </m:r>
+                    <m:r>
+                      <a:rPr lang="en-US" sz="2100" i="1">
+                        <a:effectLst/>
+                        <a:latin typeface="Cambria Math" panose="02040503050406030204" pitchFamily="18" charset="0"/>
+                        <a:ea typeface="Calibri" panose="020F0502020204030204" pitchFamily="34" charset="0"/>
+                        <a:cs typeface="Times New Roman" panose="02020603050405020304" pitchFamily="18" charset="0"/>
+                      </a:rPr>
+                      <m:t>(</m:t>
+                    </m:r>
+                    <m:sSup>
+                      <m:sSupPr>
+                        <m:ctrlPr>
+                          <a:rPr lang="en-US" sz="2100" i="1">
+                            <a:effectLst/>
+                            <a:latin typeface="Cambria Math" panose="02040503050406030204" pitchFamily="18" charset="0"/>
+                            <a:ea typeface="Calibri" panose="020F0502020204030204" pitchFamily="34" charset="0"/>
+                            <a:cs typeface="Times New Roman" panose="02020603050405020304" pitchFamily="18" charset="0"/>
+                          </a:rPr>
+                        </m:ctrlPr>
+                      </m:sSupPr>
+                      <m:e>
+                        <m:r>
+                          <a:rPr lang="en-US" sz="2100" i="1">
+                            <a:effectLst/>
+                            <a:latin typeface="Cambria Math" panose="02040503050406030204" pitchFamily="18" charset="0"/>
+                            <a:ea typeface="Calibri" panose="020F0502020204030204" pitchFamily="34" charset="0"/>
+                            <a:cs typeface="Times New Roman" panose="02020603050405020304" pitchFamily="18" charset="0"/>
+                          </a:rPr>
+                          <m:t>𝑛</m:t>
+                        </m:r>
+                      </m:e>
+                      <m:sup>
+                        <m:func>
+                          <m:funcPr>
+                            <m:ctrlPr>
+                              <a:rPr lang="en-US" sz="2100" i="1">
+                                <a:effectLst/>
+                                <a:latin typeface="Cambria Math" panose="02040503050406030204" pitchFamily="18" charset="0"/>
+                                <a:ea typeface="Calibri" panose="020F0502020204030204" pitchFamily="34" charset="0"/>
+                                <a:cs typeface="Times New Roman" panose="02020603050405020304" pitchFamily="18" charset="0"/>
+                              </a:rPr>
+                            </m:ctrlPr>
+                          </m:funcPr>
+                          <m:fName>
+                            <m:sSub>
+                              <m:sSubPr>
+                                <m:ctrlPr>
+                                  <a:rPr lang="en-US" sz="2100" i="1">
+                                    <a:effectLst/>
+                                    <a:latin typeface="Cambria Math" panose="02040503050406030204" pitchFamily="18" charset="0"/>
+                                    <a:ea typeface="Calibri" panose="020F0502020204030204" pitchFamily="34" charset="0"/>
+                                    <a:cs typeface="Times New Roman" panose="02020603050405020304" pitchFamily="18" charset="0"/>
+                                  </a:rPr>
+                                </m:ctrlPr>
+                              </m:sSubPr>
+                              <m:e>
+                                <m:r>
+                                  <m:rPr>
+                                    <m:sty m:val="p"/>
+                                  </m:rPr>
+                                  <a:rPr lang="en-US" sz="2100">
+                                    <a:effectLst/>
+                                    <a:latin typeface="Cambria Math" panose="02040503050406030204" pitchFamily="18" charset="0"/>
+                                    <a:ea typeface="Calibri" panose="020F0502020204030204" pitchFamily="34" charset="0"/>
+                                    <a:cs typeface="Times New Roman" panose="02020603050405020304" pitchFamily="18" charset="0"/>
+                                  </a:rPr>
+                                  <m:t>log</m:t>
+                                </m:r>
+                              </m:e>
+                              <m:sub>
+                                <m:r>
+                                  <a:rPr lang="en-US" sz="2100" i="1">
+                                    <a:effectLst/>
+                                    <a:latin typeface="Cambria Math" panose="02040503050406030204" pitchFamily="18" charset="0"/>
+                                    <a:ea typeface="Calibri" panose="020F0502020204030204" pitchFamily="34" charset="0"/>
+                                    <a:cs typeface="Times New Roman" panose="02020603050405020304" pitchFamily="18" charset="0"/>
+                                  </a:rPr>
+                                  <m:t>𝑏</m:t>
+                                </m:r>
+                              </m:sub>
+                            </m:sSub>
+                          </m:fName>
+                          <m:e>
+                            <m:r>
+                              <a:rPr lang="en-US" sz="2100" i="1">
+                                <a:effectLst/>
+                                <a:latin typeface="Cambria Math" panose="02040503050406030204" pitchFamily="18" charset="0"/>
+                                <a:ea typeface="Calibri" panose="020F0502020204030204" pitchFamily="34" charset="0"/>
+                                <a:cs typeface="Times New Roman" panose="02020603050405020304" pitchFamily="18" charset="0"/>
+                              </a:rPr>
+                              <m:t>𝑎</m:t>
+                            </m:r>
+                          </m:e>
+                        </m:func>
+                      </m:sup>
+                    </m:sSup>
+                    <m:r>
+                      <a:rPr lang="en-US" sz="2100" i="1">
+                        <a:effectLst/>
+                        <a:latin typeface="Cambria Math" panose="02040503050406030204" pitchFamily="18" charset="0"/>
+                        <a:ea typeface="Calibri" panose="020F0502020204030204" pitchFamily="34" charset="0"/>
+                        <a:cs typeface="Times New Roman" panose="02020603050405020304" pitchFamily="18" charset="0"/>
+                      </a:rPr>
+                      <m:t>)</m:t>
+                    </m:r>
+                  </m:oMath>
+                </a14:m>
+                <a:r>
+                  <a:rPr lang="en-US" sz="2100" dirty="0">
+                    <a:effectLst/>
+                    <a:latin typeface="Calibri" panose="020F0502020204030204" pitchFamily="34" charset="0"/>
+                    <a:ea typeface="Times New Roman" panose="02020603050405020304" pitchFamily="18" charset="0"/>
+                    <a:cs typeface="Times New Roman" panose="02020603050405020304" pitchFamily="18" charset="0"/>
+                  </a:rPr>
+                  <a:t> then: T(n) = </a:t>
+                </a:r>
+                <a14:m>
+                  <m:oMath xmlns:m="http://schemas.openxmlformats.org/officeDocument/2006/math">
+                    <m:r>
+                      <a:rPr lang="en-US" sz="2100" i="1">
+                        <a:effectLst/>
+                        <a:latin typeface="Cambria Math" panose="02040503050406030204" pitchFamily="18" charset="0"/>
+                        <a:ea typeface="Times New Roman" panose="02020603050405020304" pitchFamily="18" charset="0"/>
+                        <a:cs typeface="Times New Roman" panose="02020603050405020304" pitchFamily="18" charset="0"/>
+                      </a:rPr>
+                      <m:t>𝜃</m:t>
+                    </m:r>
+                    <m:r>
+                      <a:rPr lang="en-US" sz="2100" i="1">
+                        <a:effectLst/>
+                        <a:latin typeface="Cambria Math" panose="02040503050406030204" pitchFamily="18" charset="0"/>
+                        <a:ea typeface="Times New Roman" panose="02020603050405020304" pitchFamily="18" charset="0"/>
+                        <a:cs typeface="Times New Roman" panose="02020603050405020304" pitchFamily="18" charset="0"/>
+                      </a:rPr>
+                      <m:t>(</m:t>
+                    </m:r>
+                    <m:sSup>
+                      <m:sSupPr>
+                        <m:ctrlPr>
+                          <a:rPr lang="en-US" sz="2100" i="1">
+                            <a:effectLst/>
+                            <a:latin typeface="Cambria Math" panose="02040503050406030204" pitchFamily="18" charset="0"/>
+                            <a:ea typeface="Times New Roman" panose="02020603050405020304" pitchFamily="18" charset="0"/>
+                            <a:cs typeface="Times New Roman" panose="02020603050405020304" pitchFamily="18" charset="0"/>
+                          </a:rPr>
+                        </m:ctrlPr>
+                      </m:sSupPr>
+                      <m:e>
+                        <m:r>
+                          <a:rPr lang="en-US" sz="2100" i="1">
+                            <a:effectLst/>
+                            <a:latin typeface="Cambria Math" panose="02040503050406030204" pitchFamily="18" charset="0"/>
+                            <a:ea typeface="Times New Roman" panose="02020603050405020304" pitchFamily="18" charset="0"/>
+                            <a:cs typeface="Times New Roman" panose="02020603050405020304" pitchFamily="18" charset="0"/>
+                          </a:rPr>
+                          <m:t>𝑛</m:t>
+                        </m:r>
+                      </m:e>
+                      <m:sup>
+                        <m:func>
+                          <m:funcPr>
+                            <m:ctrlPr>
+                              <a:rPr lang="en-US" sz="2100" i="1">
+                                <a:effectLst/>
+                                <a:latin typeface="Cambria Math" panose="02040503050406030204" pitchFamily="18" charset="0"/>
+                                <a:ea typeface="Times New Roman" panose="02020603050405020304" pitchFamily="18" charset="0"/>
+                                <a:cs typeface="Times New Roman" panose="02020603050405020304" pitchFamily="18" charset="0"/>
+                              </a:rPr>
+                            </m:ctrlPr>
+                          </m:funcPr>
+                          <m:fName>
+                            <m:sSub>
+                              <m:sSubPr>
+                                <m:ctrlPr>
+                                  <a:rPr lang="en-US" sz="2100" i="1">
+                                    <a:effectLst/>
+                                    <a:latin typeface="Cambria Math" panose="02040503050406030204" pitchFamily="18" charset="0"/>
+                                    <a:ea typeface="Times New Roman" panose="02020603050405020304" pitchFamily="18" charset="0"/>
+                                    <a:cs typeface="Times New Roman" panose="02020603050405020304" pitchFamily="18" charset="0"/>
+                                  </a:rPr>
+                                </m:ctrlPr>
+                              </m:sSubPr>
+                              <m:e>
+                                <m:r>
+                                  <m:rPr>
+                                    <m:sty m:val="p"/>
+                                  </m:rPr>
+                                  <a:rPr lang="en-US" sz="2100">
+                                    <a:effectLst/>
+                                    <a:latin typeface="Cambria Math" panose="02040503050406030204" pitchFamily="18" charset="0"/>
+                                    <a:ea typeface="Calibri" panose="020F0502020204030204" pitchFamily="34" charset="0"/>
+                                    <a:cs typeface="Times New Roman" panose="02020603050405020304" pitchFamily="18" charset="0"/>
+                                  </a:rPr>
+                                  <m:t>log</m:t>
+                                </m:r>
+                              </m:e>
+                              <m:sub>
+                                <m:r>
+                                  <a:rPr lang="en-US" sz="2100" i="1">
+                                    <a:effectLst/>
+                                    <a:latin typeface="Cambria Math" panose="02040503050406030204" pitchFamily="18" charset="0"/>
+                                    <a:ea typeface="Times New Roman" panose="02020603050405020304" pitchFamily="18" charset="0"/>
+                                    <a:cs typeface="Times New Roman" panose="02020603050405020304" pitchFamily="18" charset="0"/>
+                                  </a:rPr>
+                                  <m:t>𝑏</m:t>
+                                </m:r>
+                              </m:sub>
+                            </m:sSub>
+                          </m:fName>
+                          <m:e>
+                            <m:r>
+                              <a:rPr lang="en-US" sz="2100" i="1">
+                                <a:effectLst/>
+                                <a:latin typeface="Cambria Math" panose="02040503050406030204" pitchFamily="18" charset="0"/>
+                                <a:ea typeface="Times New Roman" panose="02020603050405020304" pitchFamily="18" charset="0"/>
+                                <a:cs typeface="Times New Roman" panose="02020603050405020304" pitchFamily="18" charset="0"/>
+                              </a:rPr>
+                              <m:t>𝑎</m:t>
+                            </m:r>
+                          </m:e>
+                        </m:func>
+                      </m:sup>
+                    </m:sSup>
+                    <m:r>
+                      <a:rPr lang="en-US" sz="2100" i="1">
+                        <a:effectLst/>
+                        <a:latin typeface="Cambria Math" panose="02040503050406030204" pitchFamily="18" charset="0"/>
+                        <a:ea typeface="Times New Roman" panose="02020603050405020304" pitchFamily="18" charset="0"/>
+                        <a:cs typeface="Times New Roman" panose="02020603050405020304" pitchFamily="18" charset="0"/>
+                      </a:rPr>
+                      <m:t>)</m:t>
+                    </m:r>
+                  </m:oMath>
+                </a14:m>
+                <a:r>
+                  <a:rPr lang="en-US" sz="2100" dirty="0">
+                    <a:effectLst/>
+                    <a:latin typeface="Calibri" panose="020F0502020204030204" pitchFamily="34" charset="0"/>
+                    <a:ea typeface="Times New Roman" panose="02020603050405020304" pitchFamily="18" charset="0"/>
+                    <a:cs typeface="Times New Roman" panose="02020603050405020304" pitchFamily="18" charset="0"/>
+                  </a:rPr>
+                  <a:t> </a:t>
+                </a:r>
+              </a:p>
+              <a:p>
+                <a:pPr>
+                  <a:lnSpc>
+                    <a:spcPct val="120000"/>
+                  </a:lnSpc>
+                  <a:spcBef>
+                    <a:spcPts val="0"/>
+                  </a:spcBef>
+                  <a:spcAft>
+                    <a:spcPts val="800"/>
+                  </a:spcAft>
+                </a:pPr>
+                <a:r>
+                  <a:rPr lang="en-US" dirty="0">
+                    <a:effectLst/>
+                    <a:ea typeface="Calibri" panose="020F0502020204030204" pitchFamily="34" charset="0"/>
+                    <a:cs typeface="Times New Roman" panose="02020603050405020304" pitchFamily="18" charset="0"/>
+                  </a:rPr>
+                  <a:t>Case 2: </a:t>
+                </a:r>
+              </a:p>
+              <a:p>
+                <a:pPr marL="0" marR="0" indent="0">
+                  <a:lnSpc>
+                    <a:spcPct val="120000"/>
+                  </a:lnSpc>
+                  <a:spcBef>
+                    <a:spcPts val="0"/>
+                  </a:spcBef>
+                  <a:spcAft>
+                    <a:spcPts val="800"/>
+                  </a:spcAft>
+                  <a:buNone/>
+                </a:pPr>
+                <a:r>
+                  <a:rPr lang="en-US" sz="2100" dirty="0">
+                    <a:effectLst/>
+                    <a:latin typeface="Calibri" panose="020F0502020204030204" pitchFamily="34" charset="0"/>
+                    <a:ea typeface="Calibri" panose="020F0502020204030204" pitchFamily="34" charset="0"/>
+                    <a:cs typeface="Times New Roman" panose="02020603050405020304" pitchFamily="18" charset="0"/>
+                  </a:rPr>
+                  <a:t>If </a:t>
+                </a:r>
+                <a14:m>
+                  <m:oMath xmlns:m="http://schemas.openxmlformats.org/officeDocument/2006/math">
+                    <m:r>
+                      <a:rPr lang="en-US" sz="2100" i="1">
+                        <a:effectLst/>
+                        <a:latin typeface="Cambria Math" panose="02040503050406030204" pitchFamily="18" charset="0"/>
+                        <a:ea typeface="Calibri" panose="020F0502020204030204" pitchFamily="34" charset="0"/>
+                        <a:cs typeface="Times New Roman" panose="02020603050405020304" pitchFamily="18" charset="0"/>
+                      </a:rPr>
+                      <m:t>𝑓</m:t>
+                    </m:r>
+                    <m:d>
+                      <m:dPr>
+                        <m:ctrlPr>
+                          <a:rPr lang="en-US" sz="2100" i="1">
+                            <a:effectLst/>
+                            <a:latin typeface="Cambria Math" panose="02040503050406030204" pitchFamily="18" charset="0"/>
+                            <a:ea typeface="Calibri" panose="020F0502020204030204" pitchFamily="34" charset="0"/>
+                            <a:cs typeface="Times New Roman" panose="02020603050405020304" pitchFamily="18" charset="0"/>
+                          </a:rPr>
+                        </m:ctrlPr>
+                      </m:dPr>
+                      <m:e>
+                        <m:r>
+                          <a:rPr lang="en-US" sz="2100" i="1">
+                            <a:effectLst/>
+                            <a:latin typeface="Cambria Math" panose="02040503050406030204" pitchFamily="18" charset="0"/>
+                            <a:ea typeface="Calibri" panose="020F0502020204030204" pitchFamily="34" charset="0"/>
+                            <a:cs typeface="Times New Roman" panose="02020603050405020304" pitchFamily="18" charset="0"/>
+                          </a:rPr>
+                          <m:t>𝑛</m:t>
+                        </m:r>
+                      </m:e>
+                    </m:d>
+                    <m:r>
+                      <a:rPr lang="en-US" sz="2100" i="1">
+                        <a:effectLst/>
+                        <a:latin typeface="Cambria Math" panose="02040503050406030204" pitchFamily="18" charset="0"/>
+                        <a:ea typeface="Calibri" panose="020F0502020204030204" pitchFamily="34" charset="0"/>
+                        <a:cs typeface="Times New Roman" panose="02020603050405020304" pitchFamily="18" charset="0"/>
+                      </a:rPr>
+                      <m:t>=</m:t>
+                    </m:r>
+                    <m:r>
+                      <a:rPr lang="en-US" sz="2100" i="1">
+                        <a:effectLst/>
+                        <a:latin typeface="Cambria Math" panose="02040503050406030204" pitchFamily="18" charset="0"/>
+                        <a:ea typeface="Calibri" panose="020F0502020204030204" pitchFamily="34" charset="0"/>
+                        <a:cs typeface="Times New Roman" panose="02020603050405020304" pitchFamily="18" charset="0"/>
+                      </a:rPr>
+                      <m:t>𝑂</m:t>
+                    </m:r>
+                    <m:r>
+                      <a:rPr lang="en-US" sz="2100" i="1">
+                        <a:effectLst/>
+                        <a:latin typeface="Cambria Math" panose="02040503050406030204" pitchFamily="18" charset="0"/>
+                        <a:ea typeface="Calibri" panose="020F0502020204030204" pitchFamily="34" charset="0"/>
+                        <a:cs typeface="Times New Roman" panose="02020603050405020304" pitchFamily="18" charset="0"/>
+                      </a:rPr>
+                      <m:t>(</m:t>
+                    </m:r>
+                    <m:sSup>
+                      <m:sSupPr>
+                        <m:ctrlPr>
+                          <a:rPr lang="en-US" sz="2100" i="1">
+                            <a:effectLst/>
+                            <a:latin typeface="Cambria Math" panose="02040503050406030204" pitchFamily="18" charset="0"/>
+                            <a:ea typeface="Calibri" panose="020F0502020204030204" pitchFamily="34" charset="0"/>
+                            <a:cs typeface="Times New Roman" panose="02020603050405020304" pitchFamily="18" charset="0"/>
+                          </a:rPr>
+                        </m:ctrlPr>
+                      </m:sSupPr>
+                      <m:e>
+                        <m:r>
+                          <a:rPr lang="en-US" sz="2100" i="1">
+                            <a:effectLst/>
+                            <a:latin typeface="Cambria Math" panose="02040503050406030204" pitchFamily="18" charset="0"/>
+                            <a:ea typeface="Calibri" panose="020F0502020204030204" pitchFamily="34" charset="0"/>
+                            <a:cs typeface="Times New Roman" panose="02020603050405020304" pitchFamily="18" charset="0"/>
+                          </a:rPr>
+                          <m:t>𝑛</m:t>
+                        </m:r>
+                      </m:e>
+                      <m:sup>
+                        <m:func>
+                          <m:funcPr>
+                            <m:ctrlPr>
+                              <a:rPr lang="en-US" sz="2100" i="1">
+                                <a:effectLst/>
+                                <a:latin typeface="Cambria Math" panose="02040503050406030204" pitchFamily="18" charset="0"/>
+                                <a:ea typeface="Calibri" panose="020F0502020204030204" pitchFamily="34" charset="0"/>
+                                <a:cs typeface="Times New Roman" panose="02020603050405020304" pitchFamily="18" charset="0"/>
+                              </a:rPr>
+                            </m:ctrlPr>
+                          </m:funcPr>
+                          <m:fName>
+                            <m:sSub>
+                              <m:sSubPr>
+                                <m:ctrlPr>
+                                  <a:rPr lang="en-US" sz="2100" i="1">
+                                    <a:effectLst/>
+                                    <a:latin typeface="Cambria Math" panose="02040503050406030204" pitchFamily="18" charset="0"/>
+                                    <a:ea typeface="Calibri" panose="020F0502020204030204" pitchFamily="34" charset="0"/>
+                                    <a:cs typeface="Times New Roman" panose="02020603050405020304" pitchFamily="18" charset="0"/>
+                                  </a:rPr>
+                                </m:ctrlPr>
+                              </m:sSubPr>
+                              <m:e>
+                                <m:r>
+                                  <m:rPr>
+                                    <m:sty m:val="p"/>
+                                  </m:rPr>
+                                  <a:rPr lang="en-US" sz="2100">
+                                    <a:effectLst/>
+                                    <a:latin typeface="Cambria Math" panose="02040503050406030204" pitchFamily="18" charset="0"/>
+                                    <a:ea typeface="Calibri" panose="020F0502020204030204" pitchFamily="34" charset="0"/>
+                                    <a:cs typeface="Times New Roman" panose="02020603050405020304" pitchFamily="18" charset="0"/>
+                                  </a:rPr>
+                                  <m:t>log</m:t>
+                                </m:r>
+                              </m:e>
+                              <m:sub>
+                                <m:r>
+                                  <a:rPr lang="en-US" sz="2100" i="1">
+                                    <a:effectLst/>
+                                    <a:latin typeface="Cambria Math" panose="02040503050406030204" pitchFamily="18" charset="0"/>
+                                    <a:ea typeface="Calibri" panose="020F0502020204030204" pitchFamily="34" charset="0"/>
+                                    <a:cs typeface="Times New Roman" panose="02020603050405020304" pitchFamily="18" charset="0"/>
+                                  </a:rPr>
+                                  <m:t>𝑏</m:t>
+                                </m:r>
+                              </m:sub>
+                            </m:sSub>
+                          </m:fName>
+                          <m:e>
+                            <m:r>
+                              <a:rPr lang="en-US" sz="2100" i="1">
+                                <a:effectLst/>
+                                <a:latin typeface="Cambria Math" panose="02040503050406030204" pitchFamily="18" charset="0"/>
+                                <a:ea typeface="Calibri" panose="020F0502020204030204" pitchFamily="34" charset="0"/>
+                                <a:cs typeface="Times New Roman" panose="02020603050405020304" pitchFamily="18" charset="0"/>
+                              </a:rPr>
+                              <m:t>𝑎</m:t>
+                            </m:r>
+                          </m:e>
+                        </m:func>
+                      </m:sup>
+                    </m:sSup>
+                    <m:r>
+                      <a:rPr lang="en-US" sz="2100" i="1">
+                        <a:effectLst/>
+                        <a:latin typeface="Cambria Math" panose="02040503050406030204" pitchFamily="18" charset="0"/>
+                        <a:ea typeface="Calibri" panose="020F0502020204030204" pitchFamily="34" charset="0"/>
+                        <a:cs typeface="Times New Roman" panose="02020603050405020304" pitchFamily="18" charset="0"/>
+                      </a:rPr>
+                      <m:t>)</m:t>
+                    </m:r>
+                  </m:oMath>
+                </a14:m>
+                <a:r>
+                  <a:rPr lang="en-US" sz="2100" dirty="0">
+                    <a:effectLst/>
+                    <a:latin typeface="Calibri" panose="020F0502020204030204" pitchFamily="34" charset="0"/>
+                    <a:ea typeface="Times New Roman" panose="02020603050405020304" pitchFamily="18" charset="0"/>
+                    <a:cs typeface="Times New Roman" panose="02020603050405020304" pitchFamily="18" charset="0"/>
+                  </a:rPr>
+                  <a:t>, then: T(n) = </a:t>
+                </a:r>
+                <a14:m>
+                  <m:oMath xmlns:m="http://schemas.openxmlformats.org/officeDocument/2006/math">
+                    <m:r>
+                      <a:rPr lang="en-US" sz="2100" i="1">
+                        <a:effectLst/>
+                        <a:latin typeface="Cambria Math" panose="02040503050406030204" pitchFamily="18" charset="0"/>
+                        <a:ea typeface="Times New Roman" panose="02020603050405020304" pitchFamily="18" charset="0"/>
+                        <a:cs typeface="Times New Roman" panose="02020603050405020304" pitchFamily="18" charset="0"/>
+                      </a:rPr>
+                      <m:t>𝜃</m:t>
+                    </m:r>
+                    <m:r>
+                      <a:rPr lang="en-US" sz="2100" i="1">
+                        <a:effectLst/>
+                        <a:latin typeface="Cambria Math" panose="02040503050406030204" pitchFamily="18" charset="0"/>
+                        <a:ea typeface="Times New Roman" panose="02020603050405020304" pitchFamily="18" charset="0"/>
+                        <a:cs typeface="Times New Roman" panose="02020603050405020304" pitchFamily="18" charset="0"/>
+                      </a:rPr>
+                      <m:t>(</m:t>
+                    </m:r>
+                    <m:sSup>
+                      <m:sSupPr>
+                        <m:ctrlPr>
+                          <a:rPr lang="en-US" sz="2100" i="1">
+                            <a:effectLst/>
+                            <a:latin typeface="Cambria Math" panose="02040503050406030204" pitchFamily="18" charset="0"/>
+                            <a:ea typeface="Times New Roman" panose="02020603050405020304" pitchFamily="18" charset="0"/>
+                            <a:cs typeface="Times New Roman" panose="02020603050405020304" pitchFamily="18" charset="0"/>
+                          </a:rPr>
+                        </m:ctrlPr>
+                      </m:sSupPr>
+                      <m:e>
+                        <m:r>
+                          <a:rPr lang="en-US" sz="2100" i="1">
+                            <a:effectLst/>
+                            <a:latin typeface="Cambria Math" panose="02040503050406030204" pitchFamily="18" charset="0"/>
+                            <a:ea typeface="Times New Roman" panose="02020603050405020304" pitchFamily="18" charset="0"/>
+                            <a:cs typeface="Times New Roman" panose="02020603050405020304" pitchFamily="18" charset="0"/>
+                          </a:rPr>
+                          <m:t>𝑛</m:t>
+                        </m:r>
+                      </m:e>
+                      <m:sup>
+                        <m:func>
+                          <m:funcPr>
+                            <m:ctrlPr>
+                              <a:rPr lang="en-US" sz="2100" i="1">
+                                <a:effectLst/>
+                                <a:latin typeface="Cambria Math" panose="02040503050406030204" pitchFamily="18" charset="0"/>
+                                <a:ea typeface="Times New Roman" panose="02020603050405020304" pitchFamily="18" charset="0"/>
+                                <a:cs typeface="Times New Roman" panose="02020603050405020304" pitchFamily="18" charset="0"/>
+                              </a:rPr>
+                            </m:ctrlPr>
+                          </m:funcPr>
+                          <m:fName>
+                            <m:sSub>
+                              <m:sSubPr>
+                                <m:ctrlPr>
+                                  <a:rPr lang="en-US" sz="2100" i="1">
+                                    <a:effectLst/>
+                                    <a:latin typeface="Cambria Math" panose="02040503050406030204" pitchFamily="18" charset="0"/>
+                                    <a:ea typeface="Times New Roman" panose="02020603050405020304" pitchFamily="18" charset="0"/>
+                                    <a:cs typeface="Times New Roman" panose="02020603050405020304" pitchFamily="18" charset="0"/>
+                                  </a:rPr>
+                                </m:ctrlPr>
+                              </m:sSubPr>
+                              <m:e>
+                                <m:r>
+                                  <m:rPr>
+                                    <m:sty m:val="p"/>
+                                  </m:rPr>
+                                  <a:rPr lang="en-US" sz="2100">
+                                    <a:effectLst/>
+                                    <a:latin typeface="Cambria Math" panose="02040503050406030204" pitchFamily="18" charset="0"/>
+                                    <a:ea typeface="Calibri" panose="020F0502020204030204" pitchFamily="34" charset="0"/>
+                                    <a:cs typeface="Times New Roman" panose="02020603050405020304" pitchFamily="18" charset="0"/>
+                                  </a:rPr>
+                                  <m:t>log</m:t>
+                                </m:r>
+                              </m:e>
+                              <m:sub>
+                                <m:r>
+                                  <a:rPr lang="en-US" sz="2100" i="1">
+                                    <a:effectLst/>
+                                    <a:latin typeface="Cambria Math" panose="02040503050406030204" pitchFamily="18" charset="0"/>
+                                    <a:ea typeface="Times New Roman" panose="02020603050405020304" pitchFamily="18" charset="0"/>
+                                    <a:cs typeface="Times New Roman" panose="02020603050405020304" pitchFamily="18" charset="0"/>
+                                  </a:rPr>
+                                  <m:t>𝑏</m:t>
+                                </m:r>
+                              </m:sub>
+                            </m:sSub>
+                          </m:fName>
+                          <m:e>
+                            <m:r>
+                              <a:rPr lang="en-US" sz="2100" i="1">
+                                <a:effectLst/>
+                                <a:latin typeface="Cambria Math" panose="02040503050406030204" pitchFamily="18" charset="0"/>
+                                <a:ea typeface="Times New Roman" panose="02020603050405020304" pitchFamily="18" charset="0"/>
+                                <a:cs typeface="Times New Roman" panose="02020603050405020304" pitchFamily="18" charset="0"/>
+                              </a:rPr>
+                              <m:t>𝑎</m:t>
+                            </m:r>
+                          </m:e>
+                        </m:func>
+                      </m:sup>
+                    </m:sSup>
+                    <m:func>
+                      <m:funcPr>
+                        <m:ctrlPr>
+                          <a:rPr lang="en-US" sz="2100" i="1">
+                            <a:latin typeface="Cambria Math" panose="02040503050406030204" pitchFamily="18" charset="0"/>
+                            <a:ea typeface="Times New Roman" panose="02020603050405020304" pitchFamily="18" charset="0"/>
+                            <a:cs typeface="Times New Roman" panose="02020603050405020304" pitchFamily="18" charset="0"/>
+                          </a:rPr>
+                        </m:ctrlPr>
+                      </m:funcPr>
+                      <m:fName>
+                        <m:sSub>
+                          <m:sSubPr>
+                            <m:ctrlPr>
+                              <a:rPr lang="en-US" sz="2100" i="1">
+                                <a:latin typeface="Cambria Math" panose="02040503050406030204" pitchFamily="18" charset="0"/>
+                                <a:ea typeface="Times New Roman" panose="02020603050405020304" pitchFamily="18" charset="0"/>
+                                <a:cs typeface="Times New Roman" panose="02020603050405020304" pitchFamily="18" charset="0"/>
+                              </a:rPr>
+                            </m:ctrlPr>
+                          </m:sSubPr>
+                          <m:e>
+                            <m:r>
+                              <m:rPr>
+                                <m:sty m:val="p"/>
+                              </m:rPr>
+                              <a:rPr lang="en-US" sz="2100">
+                                <a:latin typeface="Cambria Math" panose="02040503050406030204" pitchFamily="18" charset="0"/>
+                                <a:ea typeface="Calibri" panose="020F0502020204030204" pitchFamily="34" charset="0"/>
+                                <a:cs typeface="Times New Roman" panose="02020603050405020304" pitchFamily="18" charset="0"/>
+                              </a:rPr>
+                              <m:t>log</m:t>
+                            </m:r>
+                          </m:e>
+                          <m:sub>
+                            <m:r>
+                              <a:rPr lang="en-US" sz="2100" b="0" i="1" smtClean="0">
+                                <a:latin typeface="Cambria Math" panose="02040503050406030204" pitchFamily="18" charset="0"/>
+                                <a:ea typeface="Calibri" panose="020F0502020204030204" pitchFamily="34" charset="0"/>
+                                <a:cs typeface="Times New Roman" panose="02020603050405020304" pitchFamily="18" charset="0"/>
+                              </a:rPr>
+                              <m:t>2</m:t>
+                            </m:r>
+                          </m:sub>
+                        </m:sSub>
+                      </m:fName>
+                      <m:e>
+                        <m:r>
+                          <a:rPr lang="en-US" sz="2100" b="0" i="1" smtClean="0">
+                            <a:latin typeface="Cambria Math" panose="02040503050406030204" pitchFamily="18" charset="0"/>
+                            <a:ea typeface="Times New Roman" panose="02020603050405020304" pitchFamily="18" charset="0"/>
+                            <a:cs typeface="Times New Roman" panose="02020603050405020304" pitchFamily="18" charset="0"/>
+                          </a:rPr>
+                          <m:t>𝑛</m:t>
+                        </m:r>
+                      </m:e>
+                    </m:func>
+                    <m:r>
+                      <a:rPr lang="en-US" sz="2100" i="1">
+                        <a:effectLst/>
+                        <a:latin typeface="Cambria Math" panose="02040503050406030204" pitchFamily="18" charset="0"/>
+                        <a:ea typeface="Times New Roman" panose="02020603050405020304" pitchFamily="18" charset="0"/>
+                        <a:cs typeface="Times New Roman" panose="02020603050405020304" pitchFamily="18" charset="0"/>
+                      </a:rPr>
+                      <m:t>)</m:t>
+                    </m:r>
+                  </m:oMath>
+                </a14:m>
+                <a:r>
+                  <a:rPr lang="en-US" sz="2100" dirty="0">
+                    <a:effectLst/>
+                    <a:latin typeface="Calibri" panose="020F0502020204030204" pitchFamily="34" charset="0"/>
+                    <a:ea typeface="Times New Roman" panose="02020603050405020304" pitchFamily="18" charset="0"/>
+                    <a:cs typeface="Times New Roman" panose="02020603050405020304" pitchFamily="18" charset="0"/>
+                  </a:rPr>
+                  <a:t> </a:t>
+                </a:r>
+                <a:endParaRPr lang="en-US" sz="2100" dirty="0">
+                  <a:effectLst/>
+                  <a:latin typeface="Calibri" panose="020F0502020204030204" pitchFamily="34" charset="0"/>
+                  <a:ea typeface="Calibri" panose="020F0502020204030204" pitchFamily="34" charset="0"/>
+                  <a:cs typeface="Times New Roman" panose="02020603050405020304" pitchFamily="18" charset="0"/>
+                </a:endParaRPr>
+              </a:p>
+              <a:p>
+                <a:pPr marL="0" marR="0" indent="0">
+                  <a:lnSpc>
+                    <a:spcPct val="120000"/>
+                  </a:lnSpc>
+                  <a:spcBef>
+                    <a:spcPts val="0"/>
+                  </a:spcBef>
+                  <a:spcAft>
+                    <a:spcPts val="800"/>
+                  </a:spcAft>
+                  <a:buNone/>
+                </a:pPr>
+                <a:r>
+                  <a:rPr lang="en-US" sz="2100" dirty="0">
+                    <a:effectLst/>
+                    <a:latin typeface="Calibri" panose="020F0502020204030204" pitchFamily="34" charset="0"/>
+                    <a:ea typeface="Times New Roman" panose="02020603050405020304" pitchFamily="18" charset="0"/>
+                    <a:cs typeface="Times New Roman" panose="02020603050405020304" pitchFamily="18" charset="0"/>
+                  </a:rPr>
+                  <a:t>			Or</a:t>
+                </a:r>
+                <a:endParaRPr lang="en-US" sz="2100" dirty="0">
+                  <a:effectLst/>
+                  <a:latin typeface="Calibri" panose="020F0502020204030204" pitchFamily="34" charset="0"/>
+                  <a:ea typeface="Calibri" panose="020F0502020204030204" pitchFamily="34" charset="0"/>
+                  <a:cs typeface="Times New Roman" panose="02020603050405020304" pitchFamily="18" charset="0"/>
+                </a:endParaRPr>
+              </a:p>
+              <a:p>
+                <a:pPr marL="0" marR="0" indent="0">
+                  <a:lnSpc>
+                    <a:spcPct val="120000"/>
+                  </a:lnSpc>
+                  <a:spcBef>
+                    <a:spcPts val="0"/>
+                  </a:spcBef>
+                  <a:spcAft>
+                    <a:spcPts val="800"/>
+                  </a:spcAft>
+                  <a:buNone/>
+                </a:pPr>
+                <a:r>
+                  <a:rPr lang="en-US" sz="2100" dirty="0">
+                    <a:effectLst/>
+                    <a:latin typeface="Calibri" panose="020F0502020204030204" pitchFamily="34" charset="0"/>
+                    <a:ea typeface="Calibri" panose="020F0502020204030204" pitchFamily="34" charset="0"/>
+                    <a:cs typeface="Times New Roman" panose="02020603050405020304" pitchFamily="18" charset="0"/>
+                  </a:rPr>
+                  <a:t>If </a:t>
+                </a:r>
+                <a14:m>
+                  <m:oMath xmlns:m="http://schemas.openxmlformats.org/officeDocument/2006/math">
+                    <m:r>
+                      <a:rPr lang="en-US" sz="2100" i="1">
+                        <a:effectLst/>
+                        <a:latin typeface="Cambria Math" panose="02040503050406030204" pitchFamily="18" charset="0"/>
+                        <a:ea typeface="Calibri" panose="020F0502020204030204" pitchFamily="34" charset="0"/>
+                        <a:cs typeface="Times New Roman" panose="02020603050405020304" pitchFamily="18" charset="0"/>
+                      </a:rPr>
+                      <m:t>𝑓</m:t>
+                    </m:r>
+                    <m:d>
+                      <m:dPr>
+                        <m:ctrlPr>
+                          <a:rPr lang="en-US" sz="2100" i="1">
+                            <a:effectLst/>
+                            <a:latin typeface="Cambria Math" panose="02040503050406030204" pitchFamily="18" charset="0"/>
+                            <a:ea typeface="Calibri" panose="020F0502020204030204" pitchFamily="34" charset="0"/>
+                            <a:cs typeface="Times New Roman" panose="02020603050405020304" pitchFamily="18" charset="0"/>
+                          </a:rPr>
+                        </m:ctrlPr>
+                      </m:dPr>
+                      <m:e>
+                        <m:r>
+                          <a:rPr lang="en-US" sz="2100" i="1">
+                            <a:effectLst/>
+                            <a:latin typeface="Cambria Math" panose="02040503050406030204" pitchFamily="18" charset="0"/>
+                            <a:ea typeface="Calibri" panose="020F0502020204030204" pitchFamily="34" charset="0"/>
+                            <a:cs typeface="Times New Roman" panose="02020603050405020304" pitchFamily="18" charset="0"/>
+                          </a:rPr>
+                          <m:t>𝑛</m:t>
+                        </m:r>
+                      </m:e>
+                    </m:d>
+                    <m:r>
+                      <a:rPr lang="en-US" sz="2100" b="0" i="1" smtClean="0">
+                        <a:effectLst/>
+                        <a:latin typeface="Cambria Math" panose="02040503050406030204" pitchFamily="18" charset="0"/>
+                        <a:ea typeface="Calibri" panose="020F0502020204030204" pitchFamily="34" charset="0"/>
+                        <a:cs typeface="Times New Roman" panose="02020603050405020304" pitchFamily="18" charset="0"/>
+                      </a:rPr>
+                      <m:t>=</m:t>
+                    </m:r>
+                    <m:r>
+                      <a:rPr lang="en-US" sz="2100" i="1">
+                        <a:effectLst/>
+                        <a:latin typeface="Cambria Math" panose="02040503050406030204" pitchFamily="18" charset="0"/>
+                        <a:ea typeface="Calibri" panose="020F0502020204030204" pitchFamily="34" charset="0"/>
+                        <a:cs typeface="Times New Roman" panose="02020603050405020304" pitchFamily="18" charset="0"/>
+                      </a:rPr>
+                      <m:t>𝑂</m:t>
+                    </m:r>
+                    <m:r>
+                      <a:rPr lang="en-US" sz="2100" i="1">
+                        <a:effectLst/>
+                        <a:latin typeface="Cambria Math" panose="02040503050406030204" pitchFamily="18" charset="0"/>
+                        <a:ea typeface="Calibri" panose="020F0502020204030204" pitchFamily="34" charset="0"/>
+                        <a:cs typeface="Times New Roman" panose="02020603050405020304" pitchFamily="18" charset="0"/>
+                      </a:rPr>
+                      <m:t>(</m:t>
+                    </m:r>
+                    <m:sSup>
+                      <m:sSupPr>
+                        <m:ctrlPr>
+                          <a:rPr lang="en-US" sz="2100" i="1">
+                            <a:effectLst/>
+                            <a:latin typeface="Cambria Math" panose="02040503050406030204" pitchFamily="18" charset="0"/>
+                            <a:ea typeface="Calibri" panose="020F0502020204030204" pitchFamily="34" charset="0"/>
+                            <a:cs typeface="Times New Roman" panose="02020603050405020304" pitchFamily="18" charset="0"/>
+                          </a:rPr>
+                        </m:ctrlPr>
+                      </m:sSupPr>
+                      <m:e>
+                        <m:r>
+                          <a:rPr lang="en-US" sz="2100" i="1">
+                            <a:effectLst/>
+                            <a:latin typeface="Cambria Math" panose="02040503050406030204" pitchFamily="18" charset="0"/>
+                            <a:ea typeface="Calibri" panose="020F0502020204030204" pitchFamily="34" charset="0"/>
+                            <a:cs typeface="Times New Roman" panose="02020603050405020304" pitchFamily="18" charset="0"/>
+                          </a:rPr>
+                          <m:t>𝑛</m:t>
+                        </m:r>
+                      </m:e>
+                      <m:sup>
+                        <m:func>
+                          <m:funcPr>
+                            <m:ctrlPr>
+                              <a:rPr lang="en-US" sz="2100" i="1">
+                                <a:effectLst/>
+                                <a:latin typeface="Cambria Math" panose="02040503050406030204" pitchFamily="18" charset="0"/>
+                                <a:ea typeface="Calibri" panose="020F0502020204030204" pitchFamily="34" charset="0"/>
+                                <a:cs typeface="Times New Roman" panose="02020603050405020304" pitchFamily="18" charset="0"/>
+                              </a:rPr>
+                            </m:ctrlPr>
+                          </m:funcPr>
+                          <m:fName>
+                            <m:sSub>
+                              <m:sSubPr>
+                                <m:ctrlPr>
+                                  <a:rPr lang="en-US" sz="2100" i="1">
+                                    <a:effectLst/>
+                                    <a:latin typeface="Cambria Math" panose="02040503050406030204" pitchFamily="18" charset="0"/>
+                                    <a:ea typeface="Calibri" panose="020F0502020204030204" pitchFamily="34" charset="0"/>
+                                    <a:cs typeface="Times New Roman" panose="02020603050405020304" pitchFamily="18" charset="0"/>
+                                  </a:rPr>
+                                </m:ctrlPr>
+                              </m:sSubPr>
+                              <m:e>
+                                <m:r>
+                                  <m:rPr>
+                                    <m:sty m:val="p"/>
+                                  </m:rPr>
+                                  <a:rPr lang="en-US" sz="2100">
+                                    <a:effectLst/>
+                                    <a:latin typeface="Cambria Math" panose="02040503050406030204" pitchFamily="18" charset="0"/>
+                                    <a:ea typeface="Calibri" panose="020F0502020204030204" pitchFamily="34" charset="0"/>
+                                    <a:cs typeface="Times New Roman" panose="02020603050405020304" pitchFamily="18" charset="0"/>
+                                  </a:rPr>
+                                  <m:t>log</m:t>
+                                </m:r>
+                              </m:e>
+                              <m:sub>
+                                <m:r>
+                                  <a:rPr lang="en-US" sz="2100" i="1">
+                                    <a:effectLst/>
+                                    <a:latin typeface="Cambria Math" panose="02040503050406030204" pitchFamily="18" charset="0"/>
+                                    <a:ea typeface="Calibri" panose="020F0502020204030204" pitchFamily="34" charset="0"/>
+                                    <a:cs typeface="Times New Roman" panose="02020603050405020304" pitchFamily="18" charset="0"/>
+                                  </a:rPr>
+                                  <m:t>𝑏</m:t>
+                                </m:r>
+                              </m:sub>
+                            </m:sSub>
+                          </m:fName>
+                          <m:e>
+                            <m:r>
+                              <a:rPr lang="en-US" sz="2100" i="1">
+                                <a:effectLst/>
+                                <a:latin typeface="Cambria Math" panose="02040503050406030204" pitchFamily="18" charset="0"/>
+                                <a:ea typeface="Calibri" panose="020F0502020204030204" pitchFamily="34" charset="0"/>
+                                <a:cs typeface="Times New Roman" panose="02020603050405020304" pitchFamily="18" charset="0"/>
+                              </a:rPr>
+                              <m:t>𝑎</m:t>
+                            </m:r>
+                          </m:e>
+                        </m:func>
+                      </m:sup>
+                    </m:sSup>
+                    <m:r>
+                      <a:rPr lang="en-US" sz="2100" i="1">
+                        <a:effectLst/>
+                        <a:latin typeface="Cambria Math" panose="02040503050406030204" pitchFamily="18" charset="0"/>
+                        <a:ea typeface="Calibri" panose="020F0502020204030204" pitchFamily="34" charset="0"/>
+                        <a:cs typeface="Times New Roman" panose="02020603050405020304" pitchFamily="18" charset="0"/>
+                      </a:rPr>
+                      <m:t>)</m:t>
+                    </m:r>
+                  </m:oMath>
+                </a14:m>
+                <a:r>
+                  <a:rPr lang="en-US" sz="2100" dirty="0">
+                    <a:effectLst/>
+                    <a:latin typeface="Calibri" panose="020F0502020204030204" pitchFamily="34" charset="0"/>
+                    <a:ea typeface="Times New Roman" panose="02020603050405020304" pitchFamily="18" charset="0"/>
+                    <a:cs typeface="Times New Roman" panose="02020603050405020304" pitchFamily="18" charset="0"/>
+                  </a:rPr>
+                  <a:t> then: T(n) = </a:t>
+                </a:r>
+                <a14:m>
+                  <m:oMath xmlns:m="http://schemas.openxmlformats.org/officeDocument/2006/math">
+                    <m:r>
+                      <a:rPr lang="en-US" sz="2100" i="1">
+                        <a:effectLst/>
+                        <a:latin typeface="Cambria Math" panose="02040503050406030204" pitchFamily="18" charset="0"/>
+                        <a:ea typeface="Times New Roman" panose="02020603050405020304" pitchFamily="18" charset="0"/>
+                        <a:cs typeface="Times New Roman" panose="02020603050405020304" pitchFamily="18" charset="0"/>
+                      </a:rPr>
+                      <m:t>𝜃</m:t>
+                    </m:r>
+                    <m:r>
+                      <a:rPr lang="en-US" sz="2100" i="1">
+                        <a:effectLst/>
+                        <a:latin typeface="Cambria Math" panose="02040503050406030204" pitchFamily="18" charset="0"/>
+                        <a:ea typeface="Times New Roman" panose="02020603050405020304" pitchFamily="18" charset="0"/>
+                        <a:cs typeface="Times New Roman" panose="02020603050405020304" pitchFamily="18" charset="0"/>
+                      </a:rPr>
+                      <m:t>(</m:t>
+                    </m:r>
+                    <m:sSup>
+                      <m:sSupPr>
+                        <m:ctrlPr>
+                          <a:rPr lang="en-US" sz="2100" i="1">
+                            <a:effectLst/>
+                            <a:latin typeface="Cambria Math" panose="02040503050406030204" pitchFamily="18" charset="0"/>
+                            <a:ea typeface="Times New Roman" panose="02020603050405020304" pitchFamily="18" charset="0"/>
+                            <a:cs typeface="Times New Roman" panose="02020603050405020304" pitchFamily="18" charset="0"/>
+                          </a:rPr>
+                        </m:ctrlPr>
+                      </m:sSupPr>
+                      <m:e>
+                        <m:r>
+                          <a:rPr lang="en-US" sz="2100" i="1">
+                            <a:effectLst/>
+                            <a:latin typeface="Cambria Math" panose="02040503050406030204" pitchFamily="18" charset="0"/>
+                            <a:ea typeface="Times New Roman" panose="02020603050405020304" pitchFamily="18" charset="0"/>
+                            <a:cs typeface="Times New Roman" panose="02020603050405020304" pitchFamily="18" charset="0"/>
+                          </a:rPr>
+                          <m:t>𝑛</m:t>
+                        </m:r>
+                      </m:e>
+                      <m:sup>
+                        <m:func>
+                          <m:funcPr>
+                            <m:ctrlPr>
+                              <a:rPr lang="en-US" sz="2100" i="1">
+                                <a:effectLst/>
+                                <a:latin typeface="Cambria Math" panose="02040503050406030204" pitchFamily="18" charset="0"/>
+                                <a:ea typeface="Times New Roman" panose="02020603050405020304" pitchFamily="18" charset="0"/>
+                                <a:cs typeface="Times New Roman" panose="02020603050405020304" pitchFamily="18" charset="0"/>
+                              </a:rPr>
+                            </m:ctrlPr>
+                          </m:funcPr>
+                          <m:fName>
+                            <m:sSub>
+                              <m:sSubPr>
+                                <m:ctrlPr>
+                                  <a:rPr lang="en-US" sz="2100" i="1">
+                                    <a:effectLst/>
+                                    <a:latin typeface="Cambria Math" panose="02040503050406030204" pitchFamily="18" charset="0"/>
+                                    <a:ea typeface="Times New Roman" panose="02020603050405020304" pitchFamily="18" charset="0"/>
+                                    <a:cs typeface="Times New Roman" panose="02020603050405020304" pitchFamily="18" charset="0"/>
+                                  </a:rPr>
+                                </m:ctrlPr>
+                              </m:sSubPr>
+                              <m:e>
+                                <m:r>
+                                  <m:rPr>
+                                    <m:sty m:val="p"/>
+                                  </m:rPr>
+                                  <a:rPr lang="en-US" sz="2100">
+                                    <a:effectLst/>
+                                    <a:latin typeface="Cambria Math" panose="02040503050406030204" pitchFamily="18" charset="0"/>
+                                    <a:ea typeface="Calibri" panose="020F0502020204030204" pitchFamily="34" charset="0"/>
+                                    <a:cs typeface="Times New Roman" panose="02020603050405020304" pitchFamily="18" charset="0"/>
+                                  </a:rPr>
+                                  <m:t>log</m:t>
+                                </m:r>
+                              </m:e>
+                              <m:sub>
+                                <m:r>
+                                  <a:rPr lang="en-US" sz="2100" i="1">
+                                    <a:effectLst/>
+                                    <a:latin typeface="Cambria Math" panose="02040503050406030204" pitchFamily="18" charset="0"/>
+                                    <a:ea typeface="Times New Roman" panose="02020603050405020304" pitchFamily="18" charset="0"/>
+                                    <a:cs typeface="Times New Roman" panose="02020603050405020304" pitchFamily="18" charset="0"/>
+                                  </a:rPr>
+                                  <m:t>𝑏</m:t>
+                                </m:r>
+                              </m:sub>
+                            </m:sSub>
+                          </m:fName>
+                          <m:e>
+                            <m:r>
+                              <a:rPr lang="en-US" sz="2100" i="1">
+                                <a:effectLst/>
+                                <a:latin typeface="Cambria Math" panose="02040503050406030204" pitchFamily="18" charset="0"/>
+                                <a:ea typeface="Times New Roman" panose="02020603050405020304" pitchFamily="18" charset="0"/>
+                                <a:cs typeface="Times New Roman" panose="02020603050405020304" pitchFamily="18" charset="0"/>
+                              </a:rPr>
+                              <m:t>𝑎</m:t>
+                            </m:r>
+                          </m:e>
+                        </m:func>
+                      </m:sup>
+                    </m:sSup>
+                    <m:func>
+                      <m:funcPr>
+                        <m:ctrlPr>
+                          <a:rPr lang="en-US" sz="2100" i="1">
+                            <a:latin typeface="Cambria Math" panose="02040503050406030204" pitchFamily="18" charset="0"/>
+                            <a:ea typeface="Times New Roman" panose="02020603050405020304" pitchFamily="18" charset="0"/>
+                            <a:cs typeface="Times New Roman" panose="02020603050405020304" pitchFamily="18" charset="0"/>
+                          </a:rPr>
+                        </m:ctrlPr>
+                      </m:funcPr>
+                      <m:fName>
+                        <m:sSub>
+                          <m:sSubPr>
+                            <m:ctrlPr>
+                              <a:rPr lang="en-US" sz="2100" i="1">
+                                <a:latin typeface="Cambria Math" panose="02040503050406030204" pitchFamily="18" charset="0"/>
+                                <a:ea typeface="Times New Roman" panose="02020603050405020304" pitchFamily="18" charset="0"/>
+                                <a:cs typeface="Times New Roman" panose="02020603050405020304" pitchFamily="18" charset="0"/>
+                              </a:rPr>
+                            </m:ctrlPr>
+                          </m:sSubPr>
+                          <m:e>
+                            <m:r>
+                              <m:rPr>
+                                <m:sty m:val="p"/>
+                              </m:rPr>
+                              <a:rPr lang="en-US" sz="2100">
+                                <a:latin typeface="Cambria Math" panose="02040503050406030204" pitchFamily="18" charset="0"/>
+                                <a:ea typeface="Calibri" panose="020F0502020204030204" pitchFamily="34" charset="0"/>
+                                <a:cs typeface="Times New Roman" panose="02020603050405020304" pitchFamily="18" charset="0"/>
+                              </a:rPr>
+                              <m:t>log</m:t>
+                            </m:r>
+                          </m:e>
+                          <m:sub>
+                            <m:r>
+                              <a:rPr lang="en-US" sz="2100" i="1">
+                                <a:latin typeface="Cambria Math" panose="02040503050406030204" pitchFamily="18" charset="0"/>
+                                <a:ea typeface="Calibri" panose="020F0502020204030204" pitchFamily="34" charset="0"/>
+                                <a:cs typeface="Times New Roman" panose="02020603050405020304" pitchFamily="18" charset="0"/>
+                              </a:rPr>
+                              <m:t>2</m:t>
+                            </m:r>
+                          </m:sub>
+                        </m:sSub>
+                      </m:fName>
+                      <m:e>
+                        <m:r>
+                          <a:rPr lang="en-US" sz="2100" i="1">
+                            <a:latin typeface="Cambria Math" panose="02040503050406030204" pitchFamily="18" charset="0"/>
+                            <a:ea typeface="Times New Roman" panose="02020603050405020304" pitchFamily="18" charset="0"/>
+                            <a:cs typeface="Times New Roman" panose="02020603050405020304" pitchFamily="18" charset="0"/>
+                          </a:rPr>
+                          <m:t>𝑛</m:t>
+                        </m:r>
+                      </m:e>
+                    </m:func>
+                    <m:r>
+                      <a:rPr lang="en-US" sz="2100" i="1">
+                        <a:effectLst/>
+                        <a:latin typeface="Cambria Math" panose="02040503050406030204" pitchFamily="18" charset="0"/>
+                        <a:ea typeface="Times New Roman" panose="02020603050405020304" pitchFamily="18" charset="0"/>
+                        <a:cs typeface="Times New Roman" panose="02020603050405020304" pitchFamily="18" charset="0"/>
+                      </a:rPr>
+                      <m:t>)</m:t>
+                    </m:r>
+                  </m:oMath>
+                </a14:m>
+                <a:endParaRPr lang="en-US" sz="2100" dirty="0">
+                  <a:effectLst/>
+                  <a:ea typeface="Calibri" panose="020F0502020204030204" pitchFamily="34" charset="0"/>
+                  <a:cs typeface="Times New Roman" panose="02020603050405020304" pitchFamily="18" charset="0"/>
+                </a:endParaRPr>
+              </a:p>
+              <a:p>
+                <a:pPr>
+                  <a:lnSpc>
+                    <a:spcPct val="120000"/>
+                  </a:lnSpc>
+                  <a:spcBef>
+                    <a:spcPts val="0"/>
+                  </a:spcBef>
+                  <a:spcAft>
+                    <a:spcPts val="800"/>
+                  </a:spcAft>
+                </a:pPr>
+                <a:r>
+                  <a:rPr lang="en-US" dirty="0">
+                    <a:ea typeface="Calibri" panose="020F0502020204030204" pitchFamily="34" charset="0"/>
+                    <a:cs typeface="Times New Roman" panose="02020603050405020304" pitchFamily="18" charset="0"/>
+                  </a:rPr>
+                  <a:t>Case 3: </a:t>
+                </a:r>
+              </a:p>
+              <a:p>
+                <a:pPr marL="0" marR="0" indent="0">
+                  <a:lnSpc>
+                    <a:spcPct val="120000"/>
+                  </a:lnSpc>
+                  <a:spcBef>
+                    <a:spcPts val="0"/>
+                  </a:spcBef>
+                  <a:spcAft>
+                    <a:spcPts val="800"/>
+                  </a:spcAft>
+                  <a:buNone/>
+                </a:pPr>
+                <a:r>
+                  <a:rPr lang="en-US" sz="2000" dirty="0">
+                    <a:latin typeface="Calibri" panose="020F0502020204030204" pitchFamily="34" charset="0"/>
+                    <a:ea typeface="Calibri" panose="020F0502020204030204" pitchFamily="34" charset="0"/>
+                    <a:cs typeface="Times New Roman" panose="02020603050405020304" pitchFamily="18" charset="0"/>
+                  </a:rPr>
+                  <a:t>If </a:t>
+                </a:r>
+                <a14:m>
+                  <m:oMath xmlns:m="http://schemas.openxmlformats.org/officeDocument/2006/math">
+                    <m:r>
+                      <a:rPr lang="en-US" sz="2000" i="1">
+                        <a:latin typeface="Cambria Math" panose="02040503050406030204" pitchFamily="18" charset="0"/>
+                        <a:ea typeface="Calibri" panose="020F0502020204030204" pitchFamily="34" charset="0"/>
+                        <a:cs typeface="Times New Roman" panose="02020603050405020304" pitchFamily="18" charset="0"/>
+                      </a:rPr>
+                      <m:t>𝑓</m:t>
+                    </m:r>
+                    <m:d>
+                      <m:dPr>
+                        <m:ctrlPr>
+                          <a:rPr lang="en-US" sz="2000" i="1">
+                            <a:latin typeface="Cambria Math" panose="02040503050406030204" pitchFamily="18" charset="0"/>
+                            <a:ea typeface="Calibri" panose="020F0502020204030204" pitchFamily="34" charset="0"/>
+                            <a:cs typeface="Times New Roman" panose="02020603050405020304" pitchFamily="18" charset="0"/>
+                          </a:rPr>
+                        </m:ctrlPr>
+                      </m:dPr>
+                      <m:e>
+                        <m:r>
+                          <a:rPr lang="en-US" sz="2000" i="1">
+                            <a:latin typeface="Cambria Math" panose="02040503050406030204" pitchFamily="18" charset="0"/>
+                            <a:ea typeface="Calibri" panose="020F0502020204030204" pitchFamily="34" charset="0"/>
+                            <a:cs typeface="Times New Roman" panose="02020603050405020304" pitchFamily="18" charset="0"/>
+                          </a:rPr>
+                          <m:t>𝑛</m:t>
+                        </m:r>
+                      </m:e>
+                    </m:d>
+                    <m:r>
+                      <a:rPr lang="en-US" sz="2000" i="1">
+                        <a:latin typeface="Cambria Math" panose="02040503050406030204" pitchFamily="18" charset="0"/>
+                        <a:ea typeface="Calibri" panose="020F0502020204030204" pitchFamily="34" charset="0"/>
+                        <a:cs typeface="Times New Roman" panose="02020603050405020304" pitchFamily="18" charset="0"/>
+                      </a:rPr>
+                      <m:t>=</m:t>
+                    </m:r>
+                    <m:r>
+                      <a:rPr lang="en-US" sz="2000" i="1">
+                        <a:latin typeface="Cambria Math" panose="02040503050406030204" pitchFamily="18" charset="0"/>
+                        <a:ea typeface="Calibri" panose="020F0502020204030204" pitchFamily="34" charset="0"/>
+                        <a:cs typeface="Times New Roman" panose="02020603050405020304" pitchFamily="18" charset="0"/>
+                      </a:rPr>
+                      <m:t>𝑂</m:t>
+                    </m:r>
+                    <m:r>
+                      <a:rPr lang="en-US" sz="2000" i="1">
+                        <a:latin typeface="Cambria Math" panose="02040503050406030204" pitchFamily="18" charset="0"/>
+                        <a:ea typeface="Calibri" panose="020F0502020204030204" pitchFamily="34" charset="0"/>
+                        <a:cs typeface="Times New Roman" panose="02020603050405020304" pitchFamily="18" charset="0"/>
+                      </a:rPr>
+                      <m:t>(</m:t>
+                    </m:r>
+                    <m:sSup>
+                      <m:sSupPr>
+                        <m:ctrlPr>
+                          <a:rPr lang="en-US" sz="2000" i="1">
+                            <a:latin typeface="Cambria Math" panose="02040503050406030204" pitchFamily="18" charset="0"/>
+                            <a:ea typeface="Calibri" panose="020F0502020204030204" pitchFamily="34" charset="0"/>
+                            <a:cs typeface="Times New Roman" panose="02020603050405020304" pitchFamily="18" charset="0"/>
+                          </a:rPr>
+                        </m:ctrlPr>
+                      </m:sSupPr>
+                      <m:e>
+                        <m:r>
+                          <a:rPr lang="en-US" sz="2000" i="1">
+                            <a:latin typeface="Cambria Math" panose="02040503050406030204" pitchFamily="18" charset="0"/>
+                            <a:ea typeface="Calibri" panose="020F0502020204030204" pitchFamily="34" charset="0"/>
+                            <a:cs typeface="Times New Roman" panose="02020603050405020304" pitchFamily="18" charset="0"/>
+                          </a:rPr>
+                          <m:t>𝑛</m:t>
+                        </m:r>
+                      </m:e>
+                      <m:sup>
+                        <m:func>
+                          <m:funcPr>
+                            <m:ctrlPr>
+                              <a:rPr lang="en-US" sz="2000" i="1">
+                                <a:latin typeface="Cambria Math" panose="02040503050406030204" pitchFamily="18" charset="0"/>
+                                <a:ea typeface="Calibri" panose="020F0502020204030204" pitchFamily="34" charset="0"/>
+                                <a:cs typeface="Times New Roman" panose="02020603050405020304" pitchFamily="18" charset="0"/>
+                              </a:rPr>
+                            </m:ctrlPr>
+                          </m:funcPr>
+                          <m:fName>
+                            <m:sSub>
+                              <m:sSubPr>
+                                <m:ctrlPr>
+                                  <a:rPr lang="en-US" sz="2000" i="1">
+                                    <a:latin typeface="Cambria Math" panose="02040503050406030204" pitchFamily="18" charset="0"/>
+                                    <a:ea typeface="Calibri" panose="020F0502020204030204" pitchFamily="34" charset="0"/>
+                                    <a:cs typeface="Times New Roman" panose="02020603050405020304" pitchFamily="18" charset="0"/>
+                                  </a:rPr>
+                                </m:ctrlPr>
+                              </m:sSubPr>
+                              <m:e>
+                                <m:r>
+                                  <m:rPr>
+                                    <m:sty m:val="p"/>
+                                  </m:rPr>
+                                  <a:rPr lang="en-US" sz="2000">
+                                    <a:latin typeface="Cambria Math" panose="02040503050406030204" pitchFamily="18" charset="0"/>
+                                    <a:ea typeface="Calibri" panose="020F0502020204030204" pitchFamily="34" charset="0"/>
+                                    <a:cs typeface="Times New Roman" panose="02020603050405020304" pitchFamily="18" charset="0"/>
+                                  </a:rPr>
+                                  <m:t>log</m:t>
+                                </m:r>
+                              </m:e>
+                              <m:sub>
+                                <m:r>
+                                  <a:rPr lang="en-US" sz="2000" i="1">
+                                    <a:latin typeface="Cambria Math" panose="02040503050406030204" pitchFamily="18" charset="0"/>
+                                    <a:ea typeface="Calibri" panose="020F0502020204030204" pitchFamily="34" charset="0"/>
+                                    <a:cs typeface="Times New Roman" panose="02020603050405020304" pitchFamily="18" charset="0"/>
+                                  </a:rPr>
+                                  <m:t>𝑏</m:t>
+                                </m:r>
+                              </m:sub>
+                            </m:sSub>
+                          </m:fName>
+                          <m:e>
+                            <m:r>
+                              <a:rPr lang="en-US" sz="2000" i="1">
+                                <a:latin typeface="Cambria Math" panose="02040503050406030204" pitchFamily="18" charset="0"/>
+                                <a:ea typeface="Calibri" panose="020F0502020204030204" pitchFamily="34" charset="0"/>
+                                <a:cs typeface="Times New Roman" panose="02020603050405020304" pitchFamily="18" charset="0"/>
+                              </a:rPr>
+                              <m:t>𝑎</m:t>
+                            </m:r>
+                            <m:r>
+                              <a:rPr lang="en-US" sz="2000" b="0" i="1" smtClean="0">
+                                <a:latin typeface="Cambria Math" panose="02040503050406030204" pitchFamily="18" charset="0"/>
+                                <a:ea typeface="Calibri" panose="020F0502020204030204" pitchFamily="34" charset="0"/>
+                                <a:cs typeface="Times New Roman" panose="02020603050405020304" pitchFamily="18" charset="0"/>
+                              </a:rPr>
+                              <m:t>+</m:t>
+                            </m:r>
+                            <m:r>
+                              <a:rPr lang="en-US" sz="2000" i="1">
+                                <a:latin typeface="Cambria Math" panose="02040503050406030204" pitchFamily="18" charset="0"/>
+                                <a:ea typeface="Calibri" panose="020F0502020204030204" pitchFamily="34" charset="0"/>
+                                <a:cs typeface="Times New Roman" panose="02020603050405020304" pitchFamily="18" charset="0"/>
+                              </a:rPr>
+                              <m:t>∈</m:t>
+                            </m:r>
+                          </m:e>
+                        </m:func>
+                      </m:sup>
+                    </m:sSup>
+                    <m:r>
+                      <a:rPr lang="en-US" sz="2000" i="1">
+                        <a:latin typeface="Cambria Math" panose="02040503050406030204" pitchFamily="18" charset="0"/>
+                        <a:ea typeface="Calibri" panose="020F0502020204030204" pitchFamily="34" charset="0"/>
+                        <a:cs typeface="Times New Roman" panose="02020603050405020304" pitchFamily="18" charset="0"/>
+                      </a:rPr>
+                      <m:t>)</m:t>
+                    </m:r>
+                  </m:oMath>
+                </a14:m>
+                <a:r>
+                  <a:rPr lang="en-US" sz="2000" dirty="0">
+                    <a:latin typeface="Calibri" panose="020F0502020204030204" pitchFamily="34" charset="0"/>
+                    <a:ea typeface="Times New Roman" panose="02020603050405020304" pitchFamily="18" charset="0"/>
+                    <a:cs typeface="Times New Roman" panose="02020603050405020304" pitchFamily="18" charset="0"/>
+                  </a:rPr>
+                  <a:t> for some </a:t>
+                </a:r>
+                <a14:m>
+                  <m:oMath xmlns:m="http://schemas.openxmlformats.org/officeDocument/2006/math">
+                    <m:r>
+                      <a:rPr lang="en-US" sz="2000" i="1">
+                        <a:latin typeface="Cambria Math" panose="02040503050406030204" pitchFamily="18" charset="0"/>
+                        <a:ea typeface="Calibri" panose="020F0502020204030204" pitchFamily="34" charset="0"/>
+                        <a:cs typeface="Times New Roman" panose="02020603050405020304" pitchFamily="18" charset="0"/>
+                      </a:rPr>
+                      <m:t>∈ &gt;0</m:t>
+                    </m:r>
+                  </m:oMath>
+                </a14:m>
+                <a:r>
+                  <a:rPr lang="en-US" sz="2000" dirty="0">
+                    <a:latin typeface="Calibri" panose="020F0502020204030204" pitchFamily="34" charset="0"/>
+                    <a:ea typeface="Times New Roman" panose="02020603050405020304" pitchFamily="18" charset="0"/>
+                    <a:cs typeface="Times New Roman" panose="02020603050405020304" pitchFamily="18" charset="0"/>
+                  </a:rPr>
+                  <a:t> and if a f(n/b)&lt;=c f(n) for c &lt; 1, then: T(n) = </a:t>
+                </a:r>
+                <a14:m>
+                  <m:oMath xmlns:m="http://schemas.openxmlformats.org/officeDocument/2006/math">
+                    <m:r>
+                      <a:rPr lang="en-US" sz="2000" i="1">
+                        <a:latin typeface="Cambria Math" panose="02040503050406030204" pitchFamily="18" charset="0"/>
+                        <a:ea typeface="Times New Roman" panose="02020603050405020304" pitchFamily="18" charset="0"/>
+                        <a:cs typeface="Times New Roman" panose="02020603050405020304" pitchFamily="18" charset="0"/>
+                      </a:rPr>
+                      <m:t>𝜃</m:t>
+                    </m:r>
+                    <m:r>
+                      <a:rPr lang="en-US" sz="2000" i="1">
+                        <a:latin typeface="Cambria Math" panose="02040503050406030204" pitchFamily="18" charset="0"/>
+                        <a:ea typeface="Times New Roman" panose="02020603050405020304" pitchFamily="18" charset="0"/>
+                        <a:cs typeface="Times New Roman" panose="02020603050405020304" pitchFamily="18" charset="0"/>
+                      </a:rPr>
+                      <m:t>(</m:t>
+                    </m:r>
+                    <m:r>
+                      <a:rPr lang="en-US" sz="2000" b="0" i="1" smtClean="0">
+                        <a:latin typeface="Cambria Math" panose="02040503050406030204" pitchFamily="18" charset="0"/>
+                        <a:ea typeface="Times New Roman" panose="02020603050405020304" pitchFamily="18" charset="0"/>
+                        <a:cs typeface="Times New Roman" panose="02020603050405020304" pitchFamily="18" charset="0"/>
+                      </a:rPr>
+                      <m:t>𝑓</m:t>
+                    </m:r>
+                    <m:r>
+                      <a:rPr lang="en-US" sz="2000" b="0" i="1" smtClean="0">
+                        <a:latin typeface="Cambria Math" panose="02040503050406030204" pitchFamily="18" charset="0"/>
+                        <a:ea typeface="Times New Roman" panose="02020603050405020304" pitchFamily="18" charset="0"/>
+                        <a:cs typeface="Times New Roman" panose="02020603050405020304" pitchFamily="18" charset="0"/>
+                      </a:rPr>
+                      <m:t>(</m:t>
+                    </m:r>
+                    <m:r>
+                      <a:rPr lang="en-US" sz="2000" b="0" i="1" smtClean="0">
+                        <a:latin typeface="Cambria Math" panose="02040503050406030204" pitchFamily="18" charset="0"/>
+                        <a:ea typeface="Times New Roman" panose="02020603050405020304" pitchFamily="18" charset="0"/>
+                        <a:cs typeface="Times New Roman" panose="02020603050405020304" pitchFamily="18" charset="0"/>
+                      </a:rPr>
+                      <m:t>𝑛</m:t>
+                    </m:r>
+                    <m:r>
+                      <a:rPr lang="en-US" sz="2000" b="0" i="1" smtClean="0">
+                        <a:latin typeface="Cambria Math" panose="02040503050406030204" pitchFamily="18" charset="0"/>
+                        <a:ea typeface="Times New Roman" panose="02020603050405020304" pitchFamily="18" charset="0"/>
+                        <a:cs typeface="Times New Roman" panose="02020603050405020304" pitchFamily="18" charset="0"/>
+                      </a:rPr>
+                      <m:t>))</m:t>
+                    </m:r>
+                  </m:oMath>
+                </a14:m>
+                <a:r>
+                  <a:rPr lang="en-US" sz="2000" dirty="0">
+                    <a:latin typeface="Calibri" panose="020F0502020204030204" pitchFamily="34" charset="0"/>
+                    <a:ea typeface="Times New Roman" panose="02020603050405020304" pitchFamily="18" charset="0"/>
+                    <a:cs typeface="Times New Roman" panose="02020603050405020304" pitchFamily="18" charset="0"/>
+                  </a:rPr>
+                  <a:t> </a:t>
+                </a:r>
+                <a:endParaRPr lang="en-US" sz="2000" dirty="0">
+                  <a:latin typeface="Calibri" panose="020F0502020204030204" pitchFamily="34" charset="0"/>
+                  <a:ea typeface="Calibri" panose="020F0502020204030204" pitchFamily="34" charset="0"/>
+                  <a:cs typeface="Times New Roman" panose="02020603050405020304" pitchFamily="18" charset="0"/>
+                </a:endParaRPr>
+              </a:p>
+              <a:p>
+                <a:pPr marL="0" marR="0" indent="0">
+                  <a:lnSpc>
+                    <a:spcPct val="120000"/>
+                  </a:lnSpc>
+                  <a:spcBef>
+                    <a:spcPts val="0"/>
+                  </a:spcBef>
+                  <a:spcAft>
+                    <a:spcPts val="800"/>
+                  </a:spcAft>
+                  <a:buNone/>
+                </a:pPr>
+                <a:r>
+                  <a:rPr lang="en-US" sz="1900" dirty="0">
+                    <a:effectLst/>
+                    <a:latin typeface="Calibri" panose="020F0502020204030204" pitchFamily="34" charset="0"/>
+                    <a:ea typeface="Times New Roman" panose="02020603050405020304" pitchFamily="18" charset="0"/>
+                    <a:cs typeface="Times New Roman" panose="02020603050405020304" pitchFamily="18" charset="0"/>
+                  </a:rPr>
+                  <a:t>			Or</a:t>
+                </a:r>
+                <a:endParaRPr lang="en-US" sz="1900" dirty="0">
+                  <a:effectLst/>
+                  <a:latin typeface="Calibri" panose="020F0502020204030204" pitchFamily="34" charset="0"/>
+                  <a:ea typeface="Calibri" panose="020F0502020204030204" pitchFamily="34" charset="0"/>
+                  <a:cs typeface="Times New Roman" panose="02020603050405020304" pitchFamily="18" charset="0"/>
+                </a:endParaRPr>
+              </a:p>
+              <a:p>
+                <a:pPr marL="0" marR="0" indent="0">
+                  <a:lnSpc>
+                    <a:spcPct val="120000"/>
+                  </a:lnSpc>
+                  <a:spcBef>
+                    <a:spcPts val="0"/>
+                  </a:spcBef>
+                  <a:spcAft>
+                    <a:spcPts val="800"/>
+                  </a:spcAft>
+                  <a:buNone/>
+                </a:pPr>
+                <a:r>
+                  <a:rPr lang="en-US" sz="2100" dirty="0">
+                    <a:effectLst/>
+                    <a:latin typeface="Calibri" panose="020F0502020204030204" pitchFamily="34" charset="0"/>
+                    <a:ea typeface="Calibri" panose="020F0502020204030204" pitchFamily="34" charset="0"/>
+                    <a:cs typeface="Times New Roman" panose="02020603050405020304" pitchFamily="18" charset="0"/>
+                  </a:rPr>
+                  <a:t>If </a:t>
+                </a:r>
+                <a14:m>
+                  <m:oMath xmlns:m="http://schemas.openxmlformats.org/officeDocument/2006/math">
+                    <m:r>
+                      <a:rPr lang="en-US" sz="2100" i="1">
+                        <a:effectLst/>
+                        <a:latin typeface="Cambria Math" panose="02040503050406030204" pitchFamily="18" charset="0"/>
+                        <a:ea typeface="Calibri" panose="020F0502020204030204" pitchFamily="34" charset="0"/>
+                        <a:cs typeface="Times New Roman" panose="02020603050405020304" pitchFamily="18" charset="0"/>
+                      </a:rPr>
+                      <m:t>𝑓</m:t>
+                    </m:r>
+                    <m:d>
+                      <m:dPr>
+                        <m:ctrlPr>
+                          <a:rPr lang="en-US" sz="2100" i="1">
+                            <a:effectLst/>
+                            <a:latin typeface="Cambria Math" panose="02040503050406030204" pitchFamily="18" charset="0"/>
+                            <a:ea typeface="Calibri" panose="020F0502020204030204" pitchFamily="34" charset="0"/>
+                            <a:cs typeface="Times New Roman" panose="02020603050405020304" pitchFamily="18" charset="0"/>
+                          </a:rPr>
+                        </m:ctrlPr>
+                      </m:dPr>
+                      <m:e>
+                        <m:r>
+                          <a:rPr lang="en-US" sz="2100" i="1">
+                            <a:effectLst/>
+                            <a:latin typeface="Cambria Math" panose="02040503050406030204" pitchFamily="18" charset="0"/>
+                            <a:ea typeface="Calibri" panose="020F0502020204030204" pitchFamily="34" charset="0"/>
+                            <a:cs typeface="Times New Roman" panose="02020603050405020304" pitchFamily="18" charset="0"/>
+                          </a:rPr>
+                          <m:t>𝑛</m:t>
+                        </m:r>
+                      </m:e>
+                    </m:d>
+                    <m:r>
+                      <a:rPr lang="en-US" sz="2100" b="0" i="1" smtClean="0">
+                        <a:effectLst/>
+                        <a:latin typeface="Cambria Math" panose="02040503050406030204" pitchFamily="18" charset="0"/>
+                        <a:ea typeface="Calibri" panose="020F0502020204030204" pitchFamily="34" charset="0"/>
+                        <a:cs typeface="Times New Roman" panose="02020603050405020304" pitchFamily="18" charset="0"/>
+                      </a:rPr>
+                      <m:t>&gt;</m:t>
+                    </m:r>
+                    <m:r>
+                      <a:rPr lang="en-US" sz="2100" i="1">
+                        <a:effectLst/>
+                        <a:latin typeface="Cambria Math" panose="02040503050406030204" pitchFamily="18" charset="0"/>
+                        <a:ea typeface="Calibri" panose="020F0502020204030204" pitchFamily="34" charset="0"/>
+                        <a:cs typeface="Times New Roman" panose="02020603050405020304" pitchFamily="18" charset="0"/>
+                      </a:rPr>
+                      <m:t>𝑂</m:t>
+                    </m:r>
+                    <m:r>
+                      <a:rPr lang="en-US" sz="2100" i="1">
+                        <a:effectLst/>
+                        <a:latin typeface="Cambria Math" panose="02040503050406030204" pitchFamily="18" charset="0"/>
+                        <a:ea typeface="Calibri" panose="020F0502020204030204" pitchFamily="34" charset="0"/>
+                        <a:cs typeface="Times New Roman" panose="02020603050405020304" pitchFamily="18" charset="0"/>
+                      </a:rPr>
+                      <m:t>(</m:t>
+                    </m:r>
+                    <m:sSup>
+                      <m:sSupPr>
+                        <m:ctrlPr>
+                          <a:rPr lang="en-US" sz="2100" i="1">
+                            <a:effectLst/>
+                            <a:latin typeface="Cambria Math" panose="02040503050406030204" pitchFamily="18" charset="0"/>
+                            <a:ea typeface="Calibri" panose="020F0502020204030204" pitchFamily="34" charset="0"/>
+                            <a:cs typeface="Times New Roman" panose="02020603050405020304" pitchFamily="18" charset="0"/>
+                          </a:rPr>
+                        </m:ctrlPr>
+                      </m:sSupPr>
+                      <m:e>
+                        <m:r>
+                          <a:rPr lang="en-US" sz="2100" i="1">
+                            <a:effectLst/>
+                            <a:latin typeface="Cambria Math" panose="02040503050406030204" pitchFamily="18" charset="0"/>
+                            <a:ea typeface="Calibri" panose="020F0502020204030204" pitchFamily="34" charset="0"/>
+                            <a:cs typeface="Times New Roman" panose="02020603050405020304" pitchFamily="18" charset="0"/>
+                          </a:rPr>
+                          <m:t>𝑛</m:t>
+                        </m:r>
+                      </m:e>
+                      <m:sup>
+                        <m:func>
+                          <m:funcPr>
+                            <m:ctrlPr>
+                              <a:rPr lang="en-US" sz="2100" i="1">
+                                <a:effectLst/>
+                                <a:latin typeface="Cambria Math" panose="02040503050406030204" pitchFamily="18" charset="0"/>
+                                <a:ea typeface="Calibri" panose="020F0502020204030204" pitchFamily="34" charset="0"/>
+                                <a:cs typeface="Times New Roman" panose="02020603050405020304" pitchFamily="18" charset="0"/>
+                              </a:rPr>
+                            </m:ctrlPr>
+                          </m:funcPr>
+                          <m:fName>
+                            <m:sSub>
+                              <m:sSubPr>
+                                <m:ctrlPr>
+                                  <a:rPr lang="en-US" sz="2100" i="1">
+                                    <a:effectLst/>
+                                    <a:latin typeface="Cambria Math" panose="02040503050406030204" pitchFamily="18" charset="0"/>
+                                    <a:ea typeface="Calibri" panose="020F0502020204030204" pitchFamily="34" charset="0"/>
+                                    <a:cs typeface="Times New Roman" panose="02020603050405020304" pitchFamily="18" charset="0"/>
+                                  </a:rPr>
+                                </m:ctrlPr>
+                              </m:sSubPr>
+                              <m:e>
+                                <m:r>
+                                  <m:rPr>
+                                    <m:sty m:val="p"/>
+                                  </m:rPr>
+                                  <a:rPr lang="en-US" sz="2100">
+                                    <a:effectLst/>
+                                    <a:latin typeface="Cambria Math" panose="02040503050406030204" pitchFamily="18" charset="0"/>
+                                    <a:ea typeface="Calibri" panose="020F0502020204030204" pitchFamily="34" charset="0"/>
+                                    <a:cs typeface="Times New Roman" panose="02020603050405020304" pitchFamily="18" charset="0"/>
+                                  </a:rPr>
+                                  <m:t>log</m:t>
+                                </m:r>
+                              </m:e>
+                              <m:sub>
+                                <m:r>
+                                  <a:rPr lang="en-US" sz="2100" i="1">
+                                    <a:effectLst/>
+                                    <a:latin typeface="Cambria Math" panose="02040503050406030204" pitchFamily="18" charset="0"/>
+                                    <a:ea typeface="Calibri" panose="020F0502020204030204" pitchFamily="34" charset="0"/>
+                                    <a:cs typeface="Times New Roman" panose="02020603050405020304" pitchFamily="18" charset="0"/>
+                                  </a:rPr>
+                                  <m:t>𝑏</m:t>
+                                </m:r>
+                              </m:sub>
+                            </m:sSub>
+                          </m:fName>
+                          <m:e>
+                            <m:r>
+                              <a:rPr lang="en-US" sz="2100" i="1">
+                                <a:effectLst/>
+                                <a:latin typeface="Cambria Math" panose="02040503050406030204" pitchFamily="18" charset="0"/>
+                                <a:ea typeface="Calibri" panose="020F0502020204030204" pitchFamily="34" charset="0"/>
+                                <a:cs typeface="Times New Roman" panose="02020603050405020304" pitchFamily="18" charset="0"/>
+                              </a:rPr>
+                              <m:t>𝑎</m:t>
+                            </m:r>
+                          </m:e>
+                        </m:func>
+                      </m:sup>
+                    </m:sSup>
+                    <m:r>
+                      <a:rPr lang="en-US" sz="2100" i="1">
+                        <a:effectLst/>
+                        <a:latin typeface="Cambria Math" panose="02040503050406030204" pitchFamily="18" charset="0"/>
+                        <a:ea typeface="Calibri" panose="020F0502020204030204" pitchFamily="34" charset="0"/>
+                        <a:cs typeface="Times New Roman" panose="02020603050405020304" pitchFamily="18" charset="0"/>
+                      </a:rPr>
+                      <m:t>)</m:t>
+                    </m:r>
+                  </m:oMath>
+                </a14:m>
+                <a:r>
+                  <a:rPr lang="en-US" sz="2100" dirty="0">
+                    <a:effectLst/>
+                    <a:latin typeface="Calibri" panose="020F0502020204030204" pitchFamily="34" charset="0"/>
+                    <a:ea typeface="Times New Roman" panose="02020603050405020304" pitchFamily="18" charset="0"/>
+                    <a:cs typeface="Times New Roman" panose="02020603050405020304" pitchFamily="18" charset="0"/>
+                  </a:rPr>
+                  <a:t> </a:t>
+                </a:r>
+                <a:r>
+                  <a:rPr lang="en-US" sz="2100" dirty="0">
+                    <a:latin typeface="Calibri" panose="020F0502020204030204" pitchFamily="34" charset="0"/>
+                    <a:ea typeface="Times New Roman" panose="02020603050405020304" pitchFamily="18" charset="0"/>
+                    <a:cs typeface="Times New Roman" panose="02020603050405020304" pitchFamily="18" charset="0"/>
+                  </a:rPr>
+                  <a:t>and if a f(n/b)&lt;=c f(n) for c &lt; 1, then: T(n) = </a:t>
+                </a:r>
+                <a14:m>
+                  <m:oMath xmlns:m="http://schemas.openxmlformats.org/officeDocument/2006/math">
+                    <m:r>
+                      <a:rPr lang="en-US" sz="2100" i="1">
+                        <a:latin typeface="Cambria Math" panose="02040503050406030204" pitchFamily="18" charset="0"/>
+                        <a:ea typeface="Times New Roman" panose="02020603050405020304" pitchFamily="18" charset="0"/>
+                        <a:cs typeface="Times New Roman" panose="02020603050405020304" pitchFamily="18" charset="0"/>
+                      </a:rPr>
+                      <m:t>𝜃</m:t>
+                    </m:r>
+                    <m:r>
+                      <a:rPr lang="en-US" sz="2100" i="1">
+                        <a:latin typeface="Cambria Math" panose="02040503050406030204" pitchFamily="18" charset="0"/>
+                        <a:ea typeface="Times New Roman" panose="02020603050405020304" pitchFamily="18" charset="0"/>
+                        <a:cs typeface="Times New Roman" panose="02020603050405020304" pitchFamily="18" charset="0"/>
+                      </a:rPr>
+                      <m:t>(</m:t>
+                    </m:r>
+                    <m:r>
+                      <a:rPr lang="en-US" sz="2100" i="1">
+                        <a:latin typeface="Cambria Math" panose="02040503050406030204" pitchFamily="18" charset="0"/>
+                        <a:ea typeface="Times New Roman" panose="02020603050405020304" pitchFamily="18" charset="0"/>
+                        <a:cs typeface="Times New Roman" panose="02020603050405020304" pitchFamily="18" charset="0"/>
+                      </a:rPr>
+                      <m:t>𝑓</m:t>
+                    </m:r>
+                    <m:r>
+                      <a:rPr lang="en-US" sz="2100" i="1">
+                        <a:latin typeface="Cambria Math" panose="02040503050406030204" pitchFamily="18" charset="0"/>
+                        <a:ea typeface="Times New Roman" panose="02020603050405020304" pitchFamily="18" charset="0"/>
+                        <a:cs typeface="Times New Roman" panose="02020603050405020304" pitchFamily="18" charset="0"/>
+                      </a:rPr>
+                      <m:t>(</m:t>
+                    </m:r>
+                    <m:r>
+                      <a:rPr lang="en-US" sz="2100" i="1">
+                        <a:latin typeface="Cambria Math" panose="02040503050406030204" pitchFamily="18" charset="0"/>
+                        <a:ea typeface="Times New Roman" panose="02020603050405020304" pitchFamily="18" charset="0"/>
+                        <a:cs typeface="Times New Roman" panose="02020603050405020304" pitchFamily="18" charset="0"/>
+                      </a:rPr>
+                      <m:t>𝑛</m:t>
+                    </m:r>
+                    <m:r>
+                      <a:rPr lang="en-US" sz="2100" i="1">
+                        <a:latin typeface="Cambria Math" panose="02040503050406030204" pitchFamily="18" charset="0"/>
+                        <a:ea typeface="Times New Roman" panose="02020603050405020304" pitchFamily="18" charset="0"/>
+                        <a:cs typeface="Times New Roman" panose="02020603050405020304" pitchFamily="18" charset="0"/>
+                      </a:rPr>
+                      <m:t>))</m:t>
+                    </m:r>
+                  </m:oMath>
+                </a14:m>
+                <a:r>
+                  <a:rPr lang="en-US" sz="2100" dirty="0">
+                    <a:latin typeface="Calibri" panose="020F0502020204030204" pitchFamily="34" charset="0"/>
+                    <a:ea typeface="Times New Roman" panose="02020603050405020304" pitchFamily="18" charset="0"/>
+                    <a:cs typeface="Times New Roman" panose="02020603050405020304" pitchFamily="18" charset="0"/>
+                  </a:rPr>
+                  <a:t> </a:t>
+                </a:r>
+                <a:endParaRPr lang="en-US" sz="2100" dirty="0">
+                  <a:effectLst/>
+                  <a:ea typeface="Calibri" panose="020F0502020204030204" pitchFamily="34" charset="0"/>
+                  <a:cs typeface="Times New Roman" panose="02020603050405020304" pitchFamily="18" charset="0"/>
+                </a:endParaRPr>
+              </a:p>
+            </p:txBody>
+          </p:sp>
+        </mc:Choice>
+        <mc:Fallback>
+          <p:sp>
+            <p:nvSpPr>
+              <p:cNvPr id="3" name="Content Placeholder 2">
+                <a:extLst>
+                  <a:ext uri="{FF2B5EF4-FFF2-40B4-BE49-F238E27FC236}">
+                    <a16:creationId xmlns:a16="http://schemas.microsoft.com/office/drawing/2014/main" id="{5EABFBC3-EE08-43BD-B066-2FF949D0A11D}"/>
+                  </a:ext>
+                </a:extLst>
+              </p:cNvPr>
+              <p:cNvSpPr>
+                <a:spLocks noGrp="1" noRot="1" noChangeAspect="1" noMove="1" noResize="1" noEditPoints="1" noAdjustHandles="1" noChangeArrowheads="1" noChangeShapeType="1" noTextEdit="1"/>
+              </p:cNvSpPr>
+              <p:nvPr>
+                <p:ph idx="1"/>
+              </p:nvPr>
+            </p:nvSpPr>
+            <p:spPr>
+              <a:xfrm>
+                <a:off x="97604" y="770562"/>
+                <a:ext cx="11866652" cy="5959011"/>
+              </a:xfrm>
+              <a:blipFill>
+                <a:blip r:embed="rId2"/>
+                <a:stretch>
+                  <a:fillRect l="-770" t="-818" b="-613"/>
+                </a:stretch>
+              </a:blipFill>
+            </p:spPr>
+            <p:txBody>
+              <a:bodyPr/>
+              <a:lstStyle/>
+              <a:p>
+                <a:r>
+                  <a:rPr lang="en-US">
+                    <a:noFill/>
+                  </a:rPr>
+                  <a:t> </a:t>
+                </a:r>
+              </a:p>
+            </p:txBody>
+          </p:sp>
+        </mc:Fallback>
+      </mc:AlternateContent>
+      <p:sp>
+        <p:nvSpPr>
+          <p:cNvPr id="4" name="Rectangle: Rounded Corners 3">
+            <a:extLst>
+              <a:ext uri="{FF2B5EF4-FFF2-40B4-BE49-F238E27FC236}">
+                <a16:creationId xmlns:a16="http://schemas.microsoft.com/office/drawing/2014/main" id="{969F8241-EF8E-4ECD-8D98-CA9ABD224258}"/>
+              </a:ext>
+            </a:extLst>
+          </p:cNvPr>
+          <p:cNvSpPr/>
+          <p:nvPr/>
+        </p:nvSpPr>
+        <p:spPr>
+          <a:xfrm>
+            <a:off x="134420" y="2917861"/>
+            <a:ext cx="4432443" cy="359595"/>
+          </a:xfrm>
+          <a:prstGeom prst="roundRect">
+            <a:avLst/>
+          </a:prstGeom>
+          <a:noFill/>
+          <a:ln w="28575">
+            <a:solidFill>
+              <a:srgbClr val="FF0000"/>
+            </a:solidFill>
+          </a:ln>
+        </p:spPr>
+        <p:style>
+          <a:lnRef idx="2">
+            <a:schemeClr val="accent1">
+              <a:shade val="50000"/>
+            </a:schemeClr>
+          </a:lnRef>
+          <a:fillRef idx="1">
+            <a:schemeClr val="accent1"/>
+          </a:fillRef>
+          <a:effectRef idx="0">
+            <a:schemeClr val="accent1"/>
+          </a:effectRef>
+          <a:fontRef idx="minor">
+            <a:schemeClr val="lt1"/>
+          </a:fontRef>
+        </p:style>
+        <p:txBody>
+          <a:bodyPr rtlCol="0" anchor="ctr"/>
+          <a:lstStyle/>
+          <a:p>
+            <a:pPr algn="ctr"/>
+            <a:endParaRPr lang="en-US"/>
+          </a:p>
+        </p:txBody>
+      </p:sp>
+      <p:sp>
+        <p:nvSpPr>
+          <p:cNvPr id="5" name="Rectangle: Rounded Corners 4">
+            <a:extLst>
+              <a:ext uri="{FF2B5EF4-FFF2-40B4-BE49-F238E27FC236}">
+                <a16:creationId xmlns:a16="http://schemas.microsoft.com/office/drawing/2014/main" id="{64DE5C9E-4C07-4EFA-8490-80F0252056E5}"/>
+              </a:ext>
+            </a:extLst>
+          </p:cNvPr>
+          <p:cNvSpPr/>
+          <p:nvPr/>
+        </p:nvSpPr>
+        <p:spPr>
+          <a:xfrm>
+            <a:off x="134419" y="4593404"/>
+            <a:ext cx="5110538" cy="410111"/>
+          </a:xfrm>
+          <a:prstGeom prst="roundRect">
+            <a:avLst/>
+          </a:prstGeom>
+          <a:noFill/>
+          <a:ln w="28575">
+            <a:solidFill>
+              <a:srgbClr val="FF0000"/>
+            </a:solidFill>
+          </a:ln>
+        </p:spPr>
+        <p:style>
+          <a:lnRef idx="2">
+            <a:schemeClr val="accent1">
+              <a:shade val="50000"/>
+            </a:schemeClr>
+          </a:lnRef>
+          <a:fillRef idx="1">
+            <a:schemeClr val="accent1"/>
+          </a:fillRef>
+          <a:effectRef idx="0">
+            <a:schemeClr val="accent1"/>
+          </a:effectRef>
+          <a:fontRef idx="minor">
+            <a:schemeClr val="lt1"/>
+          </a:fontRef>
+        </p:style>
+        <p:txBody>
+          <a:bodyPr rtlCol="0" anchor="ctr"/>
+          <a:lstStyle/>
+          <a:p>
+            <a:pPr algn="ctr"/>
+            <a:endParaRPr lang="en-US"/>
+          </a:p>
+        </p:txBody>
+      </p:sp>
+      <p:sp>
+        <p:nvSpPr>
+          <p:cNvPr id="6" name="Rectangle: Rounded Corners 5">
+            <a:extLst>
+              <a:ext uri="{FF2B5EF4-FFF2-40B4-BE49-F238E27FC236}">
+                <a16:creationId xmlns:a16="http://schemas.microsoft.com/office/drawing/2014/main" id="{33AFFB1C-1B99-4923-AC9A-104C7124E8B9}"/>
+              </a:ext>
+            </a:extLst>
+          </p:cNvPr>
+          <p:cNvSpPr/>
+          <p:nvPr/>
+        </p:nvSpPr>
+        <p:spPr>
+          <a:xfrm>
+            <a:off x="134419" y="6315181"/>
+            <a:ext cx="7298935" cy="359595"/>
+          </a:xfrm>
+          <a:prstGeom prst="roundRect">
+            <a:avLst/>
+          </a:prstGeom>
+          <a:noFill/>
+          <a:ln w="28575">
+            <a:solidFill>
+              <a:srgbClr val="FF0000"/>
+            </a:solidFill>
+          </a:ln>
+        </p:spPr>
+        <p:style>
+          <a:lnRef idx="2">
+            <a:schemeClr val="accent1">
+              <a:shade val="50000"/>
+            </a:schemeClr>
+          </a:lnRef>
+          <a:fillRef idx="1">
+            <a:schemeClr val="accent1"/>
+          </a:fillRef>
+          <a:effectRef idx="0">
+            <a:schemeClr val="accent1"/>
+          </a:effectRef>
+          <a:fontRef idx="minor">
+            <a:schemeClr val="lt1"/>
+          </a:fontRef>
+        </p:style>
+        <p:txBody>
+          <a:bodyPr rtlCol="0" anchor="ctr"/>
+          <a:lstStyle/>
+          <a:p>
+            <a:pPr algn="ctr"/>
+            <a:endParaRPr lang="en-US"/>
+          </a:p>
+        </p:txBody>
+      </p:sp>
+    </p:spTree>
+    <p:extLst>
+      <p:ext uri="{BB962C8B-B14F-4D97-AF65-F5344CB8AC3E}">
+        <p14:creationId xmlns:p14="http://schemas.microsoft.com/office/powerpoint/2010/main" val="2158705891"/>
+      </p:ext>
+    </p:extLst>
+  </p:cSld>
+  <p:clrMapOvr>
+    <a:masterClrMapping/>
+  </p:clrMapOvr>
+  <mc:AlternateContent xmlns:mc="http://schemas.openxmlformats.org/markup-compatibility/2006" xmlns:p159="http://schemas.microsoft.com/office/powerpoint/2015/09/main">
+    <mc:Choice Requires="p159">
+      <p:transition>
+        <p159:morph option="byObject"/>
+      </p:transition>
+    </mc:Choice>
+    <mc:Fallback xmlns="">
+      <p:transition>
+        <p:fade/>
+      </p:transition>
+    </mc:Fallback>
+  </mc:AlternateContent>
+</p:sld>
+</file>
+
+<file path=ppt/slides/slide4.xml><?xml version="1.0" encoding="utf-8"?>
+<p:sld xmlns:a="http://schemas.openxmlformats.org/drawingml/2006/main" xmlns:r="http://schemas.openxmlformats.org/officeDocument/2006/relationships" xmlns:p="http://schemas.openxmlformats.org/presentationml/2006/main">
+  <p:cSld>
+    <p:spTree>
+      <p:nvGrpSpPr>
+        <p:cNvPr id="1" name=""/>
+        <p:cNvGrpSpPr/>
+        <p:nvPr/>
+      </p:nvGrpSpPr>
+      <p:grpSpPr>
+        <a:xfrm>
+          <a:off x="0" y="0"/>
+          <a:ext cx="0" cy="0"/>
+          <a:chOff x="0" y="0"/>
+          <a:chExt cx="0" cy="0"/>
+        </a:xfrm>
+      </p:grpSpPr>
+      <p:sp>
+        <p:nvSpPr>
+          <p:cNvPr id="2" name="Title 1">
+            <a:extLst>
+              <a:ext uri="{FF2B5EF4-FFF2-40B4-BE49-F238E27FC236}">
+                <a16:creationId xmlns:a16="http://schemas.microsoft.com/office/drawing/2014/main" id="{ED7B97B1-C86D-4402-803A-C23C1544EED0}"/>
+              </a:ext>
+            </a:extLst>
+          </p:cNvPr>
+          <p:cNvSpPr>
+            <a:spLocks noGrp="1"/>
+          </p:cNvSpPr>
+          <p:nvPr>
+            <p:ph type="title"/>
+          </p:nvPr>
+        </p:nvSpPr>
+        <p:spPr>
+          <a:xfrm>
+            <a:off x="837344" y="51765"/>
+            <a:ext cx="9812676" cy="780444"/>
+          </a:xfrm>
+        </p:spPr>
+        <p:txBody>
+          <a:bodyPr/>
+          <a:lstStyle/>
+          <a:p>
+            <a:r>
+              <a:rPr lang="en-US" b="1" dirty="0"/>
+              <a:t>Points to Note</a:t>
+            </a:r>
+            <a:endParaRPr lang="en-US" dirty="0"/>
+          </a:p>
+        </p:txBody>
+      </p:sp>
+      <mc:AlternateContent xmlns:mc="http://schemas.openxmlformats.org/markup-compatibility/2006">
+        <mc:Choice xmlns:a14="http://schemas.microsoft.com/office/drawing/2010/main" Requires="a14">
+          <p:sp>
+            <p:nvSpPr>
+              <p:cNvPr id="3" name="Content Placeholder 2">
+                <a:extLst>
+                  <a:ext uri="{FF2B5EF4-FFF2-40B4-BE49-F238E27FC236}">
+                    <a16:creationId xmlns:a16="http://schemas.microsoft.com/office/drawing/2014/main" id="{5EABFBC3-EE08-43BD-B066-2FF949D0A11D}"/>
+                  </a:ext>
+                </a:extLst>
+              </p:cNvPr>
+              <p:cNvSpPr>
+                <a:spLocks noGrp="1"/>
+              </p:cNvSpPr>
+              <p:nvPr>
+                <p:ph idx="1"/>
+              </p:nvPr>
+            </p:nvSpPr>
+            <p:spPr>
+              <a:xfrm>
+                <a:off x="1053100" y="1500027"/>
+                <a:ext cx="9596920" cy="4849402"/>
+              </a:xfrm>
+            </p:spPr>
+            <p:txBody>
+              <a:bodyPr>
+                <a:normAutofit/>
+              </a:bodyPr>
+              <a:lstStyle/>
+              <a:p>
+                <a:pPr>
+                  <a:lnSpc>
+                    <a:spcPct val="120000"/>
+                  </a:lnSpc>
+                </a:pPr>
+                <a:r>
+                  <a:rPr lang="en-US" dirty="0"/>
+                  <a:t>T(n) = a T(n/b) + f(n)</a:t>
+                </a:r>
+              </a:p>
+              <a:p>
+                <a:pPr lvl="1">
+                  <a:lnSpc>
+                    <a:spcPct val="120000"/>
+                  </a:lnSpc>
+                </a:pPr>
+                <a:r>
+                  <a:rPr lang="en-US" dirty="0"/>
+                  <a:t>Where a &gt;= 1, b &gt; 1, and f(n) &gt; 0</a:t>
+                </a:r>
+              </a:p>
+              <a:p>
+                <a:pPr>
+                  <a:lnSpc>
+                    <a:spcPct val="120000"/>
+                  </a:lnSpc>
+                </a:pPr>
+                <a:r>
+                  <a:rPr lang="en-US" dirty="0"/>
+                  <a:t>Case 1: </a:t>
+                </a:r>
+              </a:p>
+              <a:p>
+                <a:pPr marL="0" marR="0" indent="0">
+                  <a:lnSpc>
+                    <a:spcPct val="120000"/>
+                  </a:lnSpc>
+                  <a:spcBef>
+                    <a:spcPts val="0"/>
+                  </a:spcBef>
+                  <a:spcAft>
+                    <a:spcPts val="800"/>
+                  </a:spcAft>
+                  <a:buNone/>
+                </a:pPr>
+                <a:r>
+                  <a:rPr lang="en-US" sz="2100" dirty="0">
+                    <a:effectLst/>
+                    <a:latin typeface="Calibri" panose="020F0502020204030204" pitchFamily="34" charset="0"/>
+                    <a:ea typeface="Calibri" panose="020F0502020204030204" pitchFamily="34" charset="0"/>
+                    <a:cs typeface="Times New Roman" panose="02020603050405020304" pitchFamily="18" charset="0"/>
+                  </a:rPr>
+                  <a:t>If </a:t>
+                </a:r>
+                <a14:m>
+                  <m:oMath xmlns:m="http://schemas.openxmlformats.org/officeDocument/2006/math">
+                    <m:r>
+                      <a:rPr lang="en-US" sz="2100" i="1">
+                        <a:effectLst/>
+                        <a:latin typeface="Cambria Math" panose="02040503050406030204" pitchFamily="18" charset="0"/>
+                        <a:ea typeface="Calibri" panose="020F0502020204030204" pitchFamily="34" charset="0"/>
+                        <a:cs typeface="Times New Roman" panose="02020603050405020304" pitchFamily="18" charset="0"/>
+                      </a:rPr>
+                      <m:t>𝑓</m:t>
+                    </m:r>
+                    <m:d>
+                      <m:dPr>
+                        <m:ctrlPr>
+                          <a:rPr lang="en-US" sz="2100" i="1">
+                            <a:effectLst/>
+                            <a:latin typeface="Cambria Math" panose="02040503050406030204" pitchFamily="18" charset="0"/>
+                            <a:ea typeface="Calibri" panose="020F0502020204030204" pitchFamily="34" charset="0"/>
+                            <a:cs typeface="Times New Roman" panose="02020603050405020304" pitchFamily="18" charset="0"/>
+                          </a:rPr>
+                        </m:ctrlPr>
+                      </m:dPr>
+                      <m:e>
+                        <m:r>
+                          <a:rPr lang="en-US" sz="2100" i="1">
+                            <a:effectLst/>
+                            <a:latin typeface="Cambria Math" panose="02040503050406030204" pitchFamily="18" charset="0"/>
+                            <a:ea typeface="Calibri" panose="020F0502020204030204" pitchFamily="34" charset="0"/>
+                            <a:cs typeface="Times New Roman" panose="02020603050405020304" pitchFamily="18" charset="0"/>
+                          </a:rPr>
+                          <m:t>𝑛</m:t>
+                        </m:r>
+                      </m:e>
+                    </m:d>
+                    <m:r>
+                      <a:rPr lang="en-US" sz="2100" i="1">
+                        <a:effectLst/>
+                        <a:latin typeface="Cambria Math" panose="02040503050406030204" pitchFamily="18" charset="0"/>
+                        <a:ea typeface="Calibri" panose="020F0502020204030204" pitchFamily="34" charset="0"/>
+                        <a:cs typeface="Times New Roman" panose="02020603050405020304" pitchFamily="18" charset="0"/>
+                      </a:rPr>
+                      <m:t>&lt;</m:t>
+                    </m:r>
+                    <m:r>
+                      <a:rPr lang="en-US" sz="2100" i="1">
+                        <a:effectLst/>
+                        <a:latin typeface="Cambria Math" panose="02040503050406030204" pitchFamily="18" charset="0"/>
+                        <a:ea typeface="Calibri" panose="020F0502020204030204" pitchFamily="34" charset="0"/>
+                        <a:cs typeface="Times New Roman" panose="02020603050405020304" pitchFamily="18" charset="0"/>
+                      </a:rPr>
+                      <m:t>𝑂</m:t>
+                    </m:r>
+                    <m:r>
+                      <a:rPr lang="en-US" sz="2100" i="1">
+                        <a:effectLst/>
+                        <a:latin typeface="Cambria Math" panose="02040503050406030204" pitchFamily="18" charset="0"/>
+                        <a:ea typeface="Calibri" panose="020F0502020204030204" pitchFamily="34" charset="0"/>
+                        <a:cs typeface="Times New Roman" panose="02020603050405020304" pitchFamily="18" charset="0"/>
+                      </a:rPr>
+                      <m:t>(</m:t>
+                    </m:r>
+                    <m:sSup>
+                      <m:sSupPr>
+                        <m:ctrlPr>
+                          <a:rPr lang="en-US" sz="2100" i="1">
+                            <a:effectLst/>
+                            <a:latin typeface="Cambria Math" panose="02040503050406030204" pitchFamily="18" charset="0"/>
+                            <a:ea typeface="Calibri" panose="020F0502020204030204" pitchFamily="34" charset="0"/>
+                            <a:cs typeface="Times New Roman" panose="02020603050405020304" pitchFamily="18" charset="0"/>
+                          </a:rPr>
+                        </m:ctrlPr>
+                      </m:sSupPr>
+                      <m:e>
+                        <m:r>
+                          <a:rPr lang="en-US" sz="2100" i="1">
+                            <a:effectLst/>
+                            <a:latin typeface="Cambria Math" panose="02040503050406030204" pitchFamily="18" charset="0"/>
+                            <a:ea typeface="Calibri" panose="020F0502020204030204" pitchFamily="34" charset="0"/>
+                            <a:cs typeface="Times New Roman" panose="02020603050405020304" pitchFamily="18" charset="0"/>
+                          </a:rPr>
+                          <m:t>𝑛</m:t>
+                        </m:r>
+                      </m:e>
+                      <m:sup>
+                        <m:func>
+                          <m:funcPr>
+                            <m:ctrlPr>
+                              <a:rPr lang="en-US" sz="2100" i="1">
+                                <a:effectLst/>
+                                <a:latin typeface="Cambria Math" panose="02040503050406030204" pitchFamily="18" charset="0"/>
+                                <a:ea typeface="Calibri" panose="020F0502020204030204" pitchFamily="34" charset="0"/>
+                                <a:cs typeface="Times New Roman" panose="02020603050405020304" pitchFamily="18" charset="0"/>
+                              </a:rPr>
+                            </m:ctrlPr>
+                          </m:funcPr>
+                          <m:fName>
+                            <m:sSub>
+                              <m:sSubPr>
+                                <m:ctrlPr>
+                                  <a:rPr lang="en-US" sz="2100" i="1">
+                                    <a:effectLst/>
+                                    <a:latin typeface="Cambria Math" panose="02040503050406030204" pitchFamily="18" charset="0"/>
+                                    <a:ea typeface="Calibri" panose="020F0502020204030204" pitchFamily="34" charset="0"/>
+                                    <a:cs typeface="Times New Roman" panose="02020603050405020304" pitchFamily="18" charset="0"/>
+                                  </a:rPr>
+                                </m:ctrlPr>
+                              </m:sSubPr>
+                              <m:e>
+                                <m:r>
+                                  <m:rPr>
+                                    <m:sty m:val="p"/>
+                                  </m:rPr>
+                                  <a:rPr lang="en-US" sz="2100">
+                                    <a:effectLst/>
+                                    <a:latin typeface="Cambria Math" panose="02040503050406030204" pitchFamily="18" charset="0"/>
+                                    <a:ea typeface="Calibri" panose="020F0502020204030204" pitchFamily="34" charset="0"/>
+                                    <a:cs typeface="Times New Roman" panose="02020603050405020304" pitchFamily="18" charset="0"/>
+                                  </a:rPr>
+                                  <m:t>log</m:t>
+                                </m:r>
+                              </m:e>
+                              <m:sub>
+                                <m:r>
+                                  <a:rPr lang="en-US" sz="2100" i="1">
+                                    <a:effectLst/>
+                                    <a:latin typeface="Cambria Math" panose="02040503050406030204" pitchFamily="18" charset="0"/>
+                                    <a:ea typeface="Calibri" panose="020F0502020204030204" pitchFamily="34" charset="0"/>
+                                    <a:cs typeface="Times New Roman" panose="02020603050405020304" pitchFamily="18" charset="0"/>
+                                  </a:rPr>
+                                  <m:t>𝑏</m:t>
+                                </m:r>
+                              </m:sub>
+                            </m:sSub>
+                          </m:fName>
+                          <m:e>
+                            <m:r>
+                              <a:rPr lang="en-US" sz="2100" i="1">
+                                <a:effectLst/>
+                                <a:latin typeface="Cambria Math" panose="02040503050406030204" pitchFamily="18" charset="0"/>
+                                <a:ea typeface="Calibri" panose="020F0502020204030204" pitchFamily="34" charset="0"/>
+                                <a:cs typeface="Times New Roman" panose="02020603050405020304" pitchFamily="18" charset="0"/>
+                              </a:rPr>
+                              <m:t>𝑎</m:t>
+                            </m:r>
+                          </m:e>
+                        </m:func>
+                      </m:sup>
+                    </m:sSup>
+                    <m:r>
+                      <a:rPr lang="en-US" sz="2100" i="1">
+                        <a:effectLst/>
+                        <a:latin typeface="Cambria Math" panose="02040503050406030204" pitchFamily="18" charset="0"/>
+                        <a:ea typeface="Calibri" panose="020F0502020204030204" pitchFamily="34" charset="0"/>
+                        <a:cs typeface="Times New Roman" panose="02020603050405020304" pitchFamily="18" charset="0"/>
+                      </a:rPr>
+                      <m:t>)</m:t>
+                    </m:r>
+                  </m:oMath>
+                </a14:m>
+                <a:r>
+                  <a:rPr lang="en-US" sz="2100" dirty="0">
+                    <a:effectLst/>
+                    <a:latin typeface="Calibri" panose="020F0502020204030204" pitchFamily="34" charset="0"/>
+                    <a:ea typeface="Times New Roman" panose="02020603050405020304" pitchFamily="18" charset="0"/>
+                    <a:cs typeface="Times New Roman" panose="02020603050405020304" pitchFamily="18" charset="0"/>
+                  </a:rPr>
+                  <a:t> then: T(n) = </a:t>
+                </a:r>
+                <a14:m>
+                  <m:oMath xmlns:m="http://schemas.openxmlformats.org/officeDocument/2006/math">
+                    <m:r>
+                      <a:rPr lang="en-US" sz="2100" i="1">
+                        <a:effectLst/>
+                        <a:latin typeface="Cambria Math" panose="02040503050406030204" pitchFamily="18" charset="0"/>
+                        <a:ea typeface="Times New Roman" panose="02020603050405020304" pitchFamily="18" charset="0"/>
+                        <a:cs typeface="Times New Roman" panose="02020603050405020304" pitchFamily="18" charset="0"/>
+                      </a:rPr>
+                      <m:t>𝜃</m:t>
+                    </m:r>
+                    <m:r>
+                      <a:rPr lang="en-US" sz="2100" i="1">
+                        <a:effectLst/>
+                        <a:latin typeface="Cambria Math" panose="02040503050406030204" pitchFamily="18" charset="0"/>
+                        <a:ea typeface="Times New Roman" panose="02020603050405020304" pitchFamily="18" charset="0"/>
+                        <a:cs typeface="Times New Roman" panose="02020603050405020304" pitchFamily="18" charset="0"/>
+                      </a:rPr>
+                      <m:t>(</m:t>
+                    </m:r>
+                    <m:sSup>
+                      <m:sSupPr>
+                        <m:ctrlPr>
+                          <a:rPr lang="en-US" sz="2100" i="1">
+                            <a:effectLst/>
+                            <a:latin typeface="Cambria Math" panose="02040503050406030204" pitchFamily="18" charset="0"/>
+                            <a:ea typeface="Times New Roman" panose="02020603050405020304" pitchFamily="18" charset="0"/>
+                            <a:cs typeface="Times New Roman" panose="02020603050405020304" pitchFamily="18" charset="0"/>
+                          </a:rPr>
+                        </m:ctrlPr>
+                      </m:sSupPr>
+                      <m:e>
+                        <m:r>
+                          <a:rPr lang="en-US" sz="2100" i="1">
+                            <a:effectLst/>
+                            <a:latin typeface="Cambria Math" panose="02040503050406030204" pitchFamily="18" charset="0"/>
+                            <a:ea typeface="Times New Roman" panose="02020603050405020304" pitchFamily="18" charset="0"/>
+                            <a:cs typeface="Times New Roman" panose="02020603050405020304" pitchFamily="18" charset="0"/>
+                          </a:rPr>
+                          <m:t>𝑛</m:t>
+                        </m:r>
+                      </m:e>
+                      <m:sup>
+                        <m:func>
+                          <m:funcPr>
+                            <m:ctrlPr>
+                              <a:rPr lang="en-US" sz="2100" i="1">
+                                <a:effectLst/>
+                                <a:latin typeface="Cambria Math" panose="02040503050406030204" pitchFamily="18" charset="0"/>
+                                <a:ea typeface="Times New Roman" panose="02020603050405020304" pitchFamily="18" charset="0"/>
+                                <a:cs typeface="Times New Roman" panose="02020603050405020304" pitchFamily="18" charset="0"/>
+                              </a:rPr>
+                            </m:ctrlPr>
+                          </m:funcPr>
+                          <m:fName>
+                            <m:sSub>
+                              <m:sSubPr>
+                                <m:ctrlPr>
+                                  <a:rPr lang="en-US" sz="2100" i="1">
+                                    <a:effectLst/>
+                                    <a:latin typeface="Cambria Math" panose="02040503050406030204" pitchFamily="18" charset="0"/>
+                                    <a:ea typeface="Times New Roman" panose="02020603050405020304" pitchFamily="18" charset="0"/>
+                                    <a:cs typeface="Times New Roman" panose="02020603050405020304" pitchFamily="18" charset="0"/>
+                                  </a:rPr>
+                                </m:ctrlPr>
+                              </m:sSubPr>
+                              <m:e>
+                                <m:r>
+                                  <m:rPr>
+                                    <m:sty m:val="p"/>
+                                  </m:rPr>
+                                  <a:rPr lang="en-US" sz="2100">
+                                    <a:effectLst/>
+                                    <a:latin typeface="Cambria Math" panose="02040503050406030204" pitchFamily="18" charset="0"/>
+                                    <a:ea typeface="Calibri" panose="020F0502020204030204" pitchFamily="34" charset="0"/>
+                                    <a:cs typeface="Times New Roman" panose="02020603050405020304" pitchFamily="18" charset="0"/>
+                                  </a:rPr>
+                                  <m:t>log</m:t>
+                                </m:r>
+                              </m:e>
+                              <m:sub>
+                                <m:r>
+                                  <a:rPr lang="en-US" sz="2100" i="1">
+                                    <a:effectLst/>
+                                    <a:latin typeface="Cambria Math" panose="02040503050406030204" pitchFamily="18" charset="0"/>
+                                    <a:ea typeface="Times New Roman" panose="02020603050405020304" pitchFamily="18" charset="0"/>
+                                    <a:cs typeface="Times New Roman" panose="02020603050405020304" pitchFamily="18" charset="0"/>
+                                  </a:rPr>
+                                  <m:t>𝑏</m:t>
+                                </m:r>
+                              </m:sub>
+                            </m:sSub>
+                          </m:fName>
+                          <m:e>
+                            <m:r>
+                              <a:rPr lang="en-US" sz="2100" i="1">
+                                <a:effectLst/>
+                                <a:latin typeface="Cambria Math" panose="02040503050406030204" pitchFamily="18" charset="0"/>
+                                <a:ea typeface="Times New Roman" panose="02020603050405020304" pitchFamily="18" charset="0"/>
+                                <a:cs typeface="Times New Roman" panose="02020603050405020304" pitchFamily="18" charset="0"/>
+                              </a:rPr>
+                              <m:t>𝑎</m:t>
+                            </m:r>
+                          </m:e>
+                        </m:func>
+                      </m:sup>
+                    </m:sSup>
+                    <m:r>
+                      <a:rPr lang="en-US" sz="2100" i="1">
+                        <a:effectLst/>
+                        <a:latin typeface="Cambria Math" panose="02040503050406030204" pitchFamily="18" charset="0"/>
+                        <a:ea typeface="Times New Roman" panose="02020603050405020304" pitchFamily="18" charset="0"/>
+                        <a:cs typeface="Times New Roman" panose="02020603050405020304" pitchFamily="18" charset="0"/>
+                      </a:rPr>
+                      <m:t>)</m:t>
+                    </m:r>
+                  </m:oMath>
+                </a14:m>
+                <a:r>
+                  <a:rPr lang="en-US" sz="2100" dirty="0">
+                    <a:effectLst/>
+                    <a:latin typeface="Calibri" panose="020F0502020204030204" pitchFamily="34" charset="0"/>
+                    <a:ea typeface="Times New Roman" panose="02020603050405020304" pitchFamily="18" charset="0"/>
+                    <a:cs typeface="Times New Roman" panose="02020603050405020304" pitchFamily="18" charset="0"/>
+                  </a:rPr>
+                  <a:t> </a:t>
+                </a:r>
+              </a:p>
+              <a:p>
+                <a:pPr>
+                  <a:lnSpc>
+                    <a:spcPct val="120000"/>
+                  </a:lnSpc>
+                  <a:spcBef>
+                    <a:spcPts val="0"/>
+                  </a:spcBef>
+                  <a:spcAft>
+                    <a:spcPts val="800"/>
+                  </a:spcAft>
+                </a:pPr>
+                <a:r>
+                  <a:rPr lang="en-US" dirty="0">
+                    <a:effectLst/>
+                    <a:ea typeface="Calibri" panose="020F0502020204030204" pitchFamily="34" charset="0"/>
+                    <a:cs typeface="Times New Roman" panose="02020603050405020304" pitchFamily="18" charset="0"/>
+                  </a:rPr>
+                  <a:t>Case 2: </a:t>
+                </a:r>
+              </a:p>
+              <a:p>
+                <a:pPr marL="0" marR="0" indent="0">
+                  <a:lnSpc>
+                    <a:spcPct val="120000"/>
+                  </a:lnSpc>
+                  <a:spcBef>
+                    <a:spcPts val="0"/>
+                  </a:spcBef>
+                  <a:spcAft>
+                    <a:spcPts val="800"/>
+                  </a:spcAft>
+                  <a:buNone/>
+                </a:pPr>
+                <a:r>
+                  <a:rPr lang="en-US" sz="2100" dirty="0">
+                    <a:effectLst/>
+                    <a:latin typeface="Calibri" panose="020F0502020204030204" pitchFamily="34" charset="0"/>
+                    <a:ea typeface="Calibri" panose="020F0502020204030204" pitchFamily="34" charset="0"/>
+                    <a:cs typeface="Times New Roman" panose="02020603050405020304" pitchFamily="18" charset="0"/>
+                  </a:rPr>
+                  <a:t>If </a:t>
+                </a:r>
+                <a14:m>
+                  <m:oMath xmlns:m="http://schemas.openxmlformats.org/officeDocument/2006/math">
+                    <m:r>
+                      <a:rPr lang="en-US" sz="2100" i="1">
+                        <a:effectLst/>
+                        <a:latin typeface="Cambria Math" panose="02040503050406030204" pitchFamily="18" charset="0"/>
+                        <a:ea typeface="Calibri" panose="020F0502020204030204" pitchFamily="34" charset="0"/>
+                        <a:cs typeface="Times New Roman" panose="02020603050405020304" pitchFamily="18" charset="0"/>
+                      </a:rPr>
+                      <m:t>𝑓</m:t>
+                    </m:r>
+                    <m:d>
+                      <m:dPr>
+                        <m:ctrlPr>
+                          <a:rPr lang="en-US" sz="2100" i="1">
+                            <a:effectLst/>
+                            <a:latin typeface="Cambria Math" panose="02040503050406030204" pitchFamily="18" charset="0"/>
+                            <a:ea typeface="Calibri" panose="020F0502020204030204" pitchFamily="34" charset="0"/>
+                            <a:cs typeface="Times New Roman" panose="02020603050405020304" pitchFamily="18" charset="0"/>
+                          </a:rPr>
+                        </m:ctrlPr>
+                      </m:dPr>
+                      <m:e>
+                        <m:r>
+                          <a:rPr lang="en-US" sz="2100" i="1">
+                            <a:effectLst/>
+                            <a:latin typeface="Cambria Math" panose="02040503050406030204" pitchFamily="18" charset="0"/>
+                            <a:ea typeface="Calibri" panose="020F0502020204030204" pitchFamily="34" charset="0"/>
+                            <a:cs typeface="Times New Roman" panose="02020603050405020304" pitchFamily="18" charset="0"/>
+                          </a:rPr>
+                          <m:t>𝑛</m:t>
+                        </m:r>
+                      </m:e>
+                    </m:d>
+                    <m:r>
+                      <a:rPr lang="en-US" sz="2100" b="0" i="1" smtClean="0">
+                        <a:effectLst/>
+                        <a:latin typeface="Cambria Math" panose="02040503050406030204" pitchFamily="18" charset="0"/>
+                        <a:ea typeface="Calibri" panose="020F0502020204030204" pitchFamily="34" charset="0"/>
+                        <a:cs typeface="Times New Roman" panose="02020603050405020304" pitchFamily="18" charset="0"/>
+                      </a:rPr>
+                      <m:t>=</m:t>
+                    </m:r>
+                    <m:r>
+                      <a:rPr lang="en-US" sz="2100" i="1">
+                        <a:effectLst/>
+                        <a:latin typeface="Cambria Math" panose="02040503050406030204" pitchFamily="18" charset="0"/>
+                        <a:ea typeface="Calibri" panose="020F0502020204030204" pitchFamily="34" charset="0"/>
+                        <a:cs typeface="Times New Roman" panose="02020603050405020304" pitchFamily="18" charset="0"/>
+                      </a:rPr>
+                      <m:t>𝑂</m:t>
+                    </m:r>
+                    <m:r>
+                      <a:rPr lang="en-US" sz="2100" i="1">
+                        <a:effectLst/>
+                        <a:latin typeface="Cambria Math" panose="02040503050406030204" pitchFamily="18" charset="0"/>
+                        <a:ea typeface="Calibri" panose="020F0502020204030204" pitchFamily="34" charset="0"/>
+                        <a:cs typeface="Times New Roman" panose="02020603050405020304" pitchFamily="18" charset="0"/>
+                      </a:rPr>
+                      <m:t>(</m:t>
+                    </m:r>
+                    <m:sSup>
+                      <m:sSupPr>
+                        <m:ctrlPr>
+                          <a:rPr lang="en-US" sz="2100" i="1">
+                            <a:effectLst/>
+                            <a:latin typeface="Cambria Math" panose="02040503050406030204" pitchFamily="18" charset="0"/>
+                            <a:ea typeface="Calibri" panose="020F0502020204030204" pitchFamily="34" charset="0"/>
+                            <a:cs typeface="Times New Roman" panose="02020603050405020304" pitchFamily="18" charset="0"/>
+                          </a:rPr>
+                        </m:ctrlPr>
+                      </m:sSupPr>
+                      <m:e>
+                        <m:r>
+                          <a:rPr lang="en-US" sz="2100" i="1">
+                            <a:effectLst/>
+                            <a:latin typeface="Cambria Math" panose="02040503050406030204" pitchFamily="18" charset="0"/>
+                            <a:ea typeface="Calibri" panose="020F0502020204030204" pitchFamily="34" charset="0"/>
+                            <a:cs typeface="Times New Roman" panose="02020603050405020304" pitchFamily="18" charset="0"/>
+                          </a:rPr>
+                          <m:t>𝑛</m:t>
+                        </m:r>
+                      </m:e>
+                      <m:sup>
+                        <m:func>
+                          <m:funcPr>
+                            <m:ctrlPr>
+                              <a:rPr lang="en-US" sz="2100" i="1">
+                                <a:effectLst/>
+                                <a:latin typeface="Cambria Math" panose="02040503050406030204" pitchFamily="18" charset="0"/>
+                                <a:ea typeface="Calibri" panose="020F0502020204030204" pitchFamily="34" charset="0"/>
+                                <a:cs typeface="Times New Roman" panose="02020603050405020304" pitchFamily="18" charset="0"/>
+                              </a:rPr>
+                            </m:ctrlPr>
+                          </m:funcPr>
+                          <m:fName>
+                            <m:sSub>
+                              <m:sSubPr>
+                                <m:ctrlPr>
+                                  <a:rPr lang="en-US" sz="2100" i="1">
+                                    <a:effectLst/>
+                                    <a:latin typeface="Cambria Math" panose="02040503050406030204" pitchFamily="18" charset="0"/>
+                                    <a:ea typeface="Calibri" panose="020F0502020204030204" pitchFamily="34" charset="0"/>
+                                    <a:cs typeface="Times New Roman" panose="02020603050405020304" pitchFamily="18" charset="0"/>
+                                  </a:rPr>
+                                </m:ctrlPr>
+                              </m:sSubPr>
+                              <m:e>
+                                <m:r>
+                                  <m:rPr>
+                                    <m:sty m:val="p"/>
+                                  </m:rPr>
+                                  <a:rPr lang="en-US" sz="2100">
+                                    <a:effectLst/>
+                                    <a:latin typeface="Cambria Math" panose="02040503050406030204" pitchFamily="18" charset="0"/>
+                                    <a:ea typeface="Calibri" panose="020F0502020204030204" pitchFamily="34" charset="0"/>
+                                    <a:cs typeface="Times New Roman" panose="02020603050405020304" pitchFamily="18" charset="0"/>
+                                  </a:rPr>
+                                  <m:t>log</m:t>
+                                </m:r>
+                              </m:e>
+                              <m:sub>
+                                <m:r>
+                                  <a:rPr lang="en-US" sz="2100" i="1">
+                                    <a:effectLst/>
+                                    <a:latin typeface="Cambria Math" panose="02040503050406030204" pitchFamily="18" charset="0"/>
+                                    <a:ea typeface="Calibri" panose="020F0502020204030204" pitchFamily="34" charset="0"/>
+                                    <a:cs typeface="Times New Roman" panose="02020603050405020304" pitchFamily="18" charset="0"/>
+                                  </a:rPr>
+                                  <m:t>𝑏</m:t>
+                                </m:r>
+                              </m:sub>
+                            </m:sSub>
+                          </m:fName>
+                          <m:e>
+                            <m:r>
+                              <a:rPr lang="en-US" sz="2100" i="1">
+                                <a:effectLst/>
+                                <a:latin typeface="Cambria Math" panose="02040503050406030204" pitchFamily="18" charset="0"/>
+                                <a:ea typeface="Calibri" panose="020F0502020204030204" pitchFamily="34" charset="0"/>
+                                <a:cs typeface="Times New Roman" panose="02020603050405020304" pitchFamily="18" charset="0"/>
+                              </a:rPr>
+                              <m:t>𝑎</m:t>
+                            </m:r>
+                          </m:e>
+                        </m:func>
+                      </m:sup>
+                    </m:sSup>
+                    <m:r>
+                      <a:rPr lang="en-US" sz="2100" i="1">
+                        <a:effectLst/>
+                        <a:latin typeface="Cambria Math" panose="02040503050406030204" pitchFamily="18" charset="0"/>
+                        <a:ea typeface="Calibri" panose="020F0502020204030204" pitchFamily="34" charset="0"/>
+                        <a:cs typeface="Times New Roman" panose="02020603050405020304" pitchFamily="18" charset="0"/>
+                      </a:rPr>
+                      <m:t>)</m:t>
+                    </m:r>
+                  </m:oMath>
+                </a14:m>
+                <a:r>
+                  <a:rPr lang="en-US" sz="2100" dirty="0">
+                    <a:effectLst/>
+                    <a:latin typeface="Calibri" panose="020F0502020204030204" pitchFamily="34" charset="0"/>
+                    <a:ea typeface="Times New Roman" panose="02020603050405020304" pitchFamily="18" charset="0"/>
+                    <a:cs typeface="Times New Roman" panose="02020603050405020304" pitchFamily="18" charset="0"/>
+                  </a:rPr>
+                  <a:t> then: T(n) = </a:t>
+                </a:r>
+                <a14:m>
+                  <m:oMath xmlns:m="http://schemas.openxmlformats.org/officeDocument/2006/math">
+                    <m:r>
+                      <a:rPr lang="en-US" sz="2100" i="1">
+                        <a:effectLst/>
+                        <a:latin typeface="Cambria Math" panose="02040503050406030204" pitchFamily="18" charset="0"/>
+                        <a:ea typeface="Times New Roman" panose="02020603050405020304" pitchFamily="18" charset="0"/>
+                        <a:cs typeface="Times New Roman" panose="02020603050405020304" pitchFamily="18" charset="0"/>
+                      </a:rPr>
+                      <m:t>𝜃</m:t>
+                    </m:r>
+                    <m:r>
+                      <a:rPr lang="en-US" sz="2100" i="1">
+                        <a:effectLst/>
+                        <a:latin typeface="Cambria Math" panose="02040503050406030204" pitchFamily="18" charset="0"/>
+                        <a:ea typeface="Times New Roman" panose="02020603050405020304" pitchFamily="18" charset="0"/>
+                        <a:cs typeface="Times New Roman" panose="02020603050405020304" pitchFamily="18" charset="0"/>
+                      </a:rPr>
+                      <m:t>(</m:t>
+                    </m:r>
+                    <m:sSup>
+                      <m:sSupPr>
+                        <m:ctrlPr>
+                          <a:rPr lang="en-US" sz="2100" i="1">
+                            <a:effectLst/>
+                            <a:latin typeface="Cambria Math" panose="02040503050406030204" pitchFamily="18" charset="0"/>
+                            <a:ea typeface="Times New Roman" panose="02020603050405020304" pitchFamily="18" charset="0"/>
+                            <a:cs typeface="Times New Roman" panose="02020603050405020304" pitchFamily="18" charset="0"/>
+                          </a:rPr>
+                        </m:ctrlPr>
+                      </m:sSupPr>
+                      <m:e>
+                        <m:r>
+                          <a:rPr lang="en-US" sz="2100" i="1">
+                            <a:effectLst/>
+                            <a:latin typeface="Cambria Math" panose="02040503050406030204" pitchFamily="18" charset="0"/>
+                            <a:ea typeface="Times New Roman" panose="02020603050405020304" pitchFamily="18" charset="0"/>
+                            <a:cs typeface="Times New Roman" panose="02020603050405020304" pitchFamily="18" charset="0"/>
+                          </a:rPr>
+                          <m:t>𝑛</m:t>
+                        </m:r>
+                      </m:e>
+                      <m:sup>
+                        <m:func>
+                          <m:funcPr>
+                            <m:ctrlPr>
+                              <a:rPr lang="en-US" sz="2100" i="1">
+                                <a:effectLst/>
+                                <a:latin typeface="Cambria Math" panose="02040503050406030204" pitchFamily="18" charset="0"/>
+                                <a:ea typeface="Times New Roman" panose="02020603050405020304" pitchFamily="18" charset="0"/>
+                                <a:cs typeface="Times New Roman" panose="02020603050405020304" pitchFamily="18" charset="0"/>
+                              </a:rPr>
+                            </m:ctrlPr>
+                          </m:funcPr>
+                          <m:fName>
+                            <m:sSub>
+                              <m:sSubPr>
+                                <m:ctrlPr>
+                                  <a:rPr lang="en-US" sz="2100" i="1">
+                                    <a:effectLst/>
+                                    <a:latin typeface="Cambria Math" panose="02040503050406030204" pitchFamily="18" charset="0"/>
+                                    <a:ea typeface="Times New Roman" panose="02020603050405020304" pitchFamily="18" charset="0"/>
+                                    <a:cs typeface="Times New Roman" panose="02020603050405020304" pitchFamily="18" charset="0"/>
+                                  </a:rPr>
+                                </m:ctrlPr>
+                              </m:sSubPr>
+                              <m:e>
+                                <m:r>
+                                  <m:rPr>
+                                    <m:sty m:val="p"/>
+                                  </m:rPr>
+                                  <a:rPr lang="en-US" sz="2100">
+                                    <a:effectLst/>
+                                    <a:latin typeface="Cambria Math" panose="02040503050406030204" pitchFamily="18" charset="0"/>
+                                    <a:ea typeface="Calibri" panose="020F0502020204030204" pitchFamily="34" charset="0"/>
+                                    <a:cs typeface="Times New Roman" panose="02020603050405020304" pitchFamily="18" charset="0"/>
+                                  </a:rPr>
+                                  <m:t>log</m:t>
+                                </m:r>
+                              </m:e>
+                              <m:sub>
+                                <m:r>
+                                  <a:rPr lang="en-US" sz="2100" i="1">
+                                    <a:effectLst/>
+                                    <a:latin typeface="Cambria Math" panose="02040503050406030204" pitchFamily="18" charset="0"/>
+                                    <a:ea typeface="Times New Roman" panose="02020603050405020304" pitchFamily="18" charset="0"/>
+                                    <a:cs typeface="Times New Roman" panose="02020603050405020304" pitchFamily="18" charset="0"/>
+                                  </a:rPr>
+                                  <m:t>𝑏</m:t>
+                                </m:r>
+                              </m:sub>
+                            </m:sSub>
+                          </m:fName>
+                          <m:e>
+                            <m:r>
+                              <a:rPr lang="en-US" sz="2100" i="1">
+                                <a:effectLst/>
+                                <a:latin typeface="Cambria Math" panose="02040503050406030204" pitchFamily="18" charset="0"/>
+                                <a:ea typeface="Times New Roman" panose="02020603050405020304" pitchFamily="18" charset="0"/>
+                                <a:cs typeface="Times New Roman" panose="02020603050405020304" pitchFamily="18" charset="0"/>
+                              </a:rPr>
+                              <m:t>𝑎</m:t>
+                            </m:r>
+                          </m:e>
+                        </m:func>
+                      </m:sup>
+                    </m:sSup>
+                    <m:func>
+                      <m:funcPr>
+                        <m:ctrlPr>
+                          <a:rPr lang="en-US" sz="2100" i="1">
+                            <a:latin typeface="Cambria Math" panose="02040503050406030204" pitchFamily="18" charset="0"/>
+                            <a:ea typeface="Times New Roman" panose="02020603050405020304" pitchFamily="18" charset="0"/>
+                            <a:cs typeface="Times New Roman" panose="02020603050405020304" pitchFamily="18" charset="0"/>
+                          </a:rPr>
+                        </m:ctrlPr>
+                      </m:funcPr>
+                      <m:fName>
+                        <m:sSub>
+                          <m:sSubPr>
+                            <m:ctrlPr>
+                              <a:rPr lang="en-US" sz="2100" i="1">
+                                <a:latin typeface="Cambria Math" panose="02040503050406030204" pitchFamily="18" charset="0"/>
+                                <a:ea typeface="Times New Roman" panose="02020603050405020304" pitchFamily="18" charset="0"/>
+                                <a:cs typeface="Times New Roman" panose="02020603050405020304" pitchFamily="18" charset="0"/>
+                              </a:rPr>
+                            </m:ctrlPr>
+                          </m:sSubPr>
+                          <m:e>
+                            <m:r>
+                              <m:rPr>
+                                <m:sty m:val="p"/>
+                              </m:rPr>
+                              <a:rPr lang="en-US" sz="2100">
+                                <a:latin typeface="Cambria Math" panose="02040503050406030204" pitchFamily="18" charset="0"/>
+                                <a:ea typeface="Calibri" panose="020F0502020204030204" pitchFamily="34" charset="0"/>
+                                <a:cs typeface="Times New Roman" panose="02020603050405020304" pitchFamily="18" charset="0"/>
+                              </a:rPr>
+                              <m:t>log</m:t>
+                            </m:r>
+                          </m:e>
+                          <m:sub>
+                            <m:r>
+                              <a:rPr lang="en-US" sz="2100" i="1">
+                                <a:latin typeface="Cambria Math" panose="02040503050406030204" pitchFamily="18" charset="0"/>
+                                <a:ea typeface="Calibri" panose="020F0502020204030204" pitchFamily="34" charset="0"/>
+                                <a:cs typeface="Times New Roman" panose="02020603050405020304" pitchFamily="18" charset="0"/>
+                              </a:rPr>
+                              <m:t>2</m:t>
+                            </m:r>
+                          </m:sub>
+                        </m:sSub>
+                      </m:fName>
+                      <m:e>
+                        <m:r>
+                          <a:rPr lang="en-US" sz="2100" i="1">
+                            <a:latin typeface="Cambria Math" panose="02040503050406030204" pitchFamily="18" charset="0"/>
+                            <a:ea typeface="Times New Roman" panose="02020603050405020304" pitchFamily="18" charset="0"/>
+                            <a:cs typeface="Times New Roman" panose="02020603050405020304" pitchFamily="18" charset="0"/>
+                          </a:rPr>
+                          <m:t>𝑛</m:t>
+                        </m:r>
+                      </m:e>
+                    </m:func>
+                    <m:r>
+                      <a:rPr lang="en-US" sz="2100" i="1">
+                        <a:effectLst/>
+                        <a:latin typeface="Cambria Math" panose="02040503050406030204" pitchFamily="18" charset="0"/>
+                        <a:ea typeface="Times New Roman" panose="02020603050405020304" pitchFamily="18" charset="0"/>
+                        <a:cs typeface="Times New Roman" panose="02020603050405020304" pitchFamily="18" charset="0"/>
+                      </a:rPr>
+                      <m:t>)</m:t>
+                    </m:r>
+                  </m:oMath>
+                </a14:m>
+                <a:endParaRPr lang="en-US" sz="2100" dirty="0">
+                  <a:effectLst/>
+                  <a:ea typeface="Calibri" panose="020F0502020204030204" pitchFamily="34" charset="0"/>
+                  <a:cs typeface="Times New Roman" panose="02020603050405020304" pitchFamily="18" charset="0"/>
+                </a:endParaRPr>
+              </a:p>
+              <a:p>
+                <a:pPr>
+                  <a:lnSpc>
+                    <a:spcPct val="120000"/>
+                  </a:lnSpc>
+                  <a:spcBef>
+                    <a:spcPts val="0"/>
+                  </a:spcBef>
+                  <a:spcAft>
+                    <a:spcPts val="800"/>
+                  </a:spcAft>
+                </a:pPr>
+                <a:r>
+                  <a:rPr lang="en-US" dirty="0">
+                    <a:ea typeface="Calibri" panose="020F0502020204030204" pitchFamily="34" charset="0"/>
+                    <a:cs typeface="Times New Roman" panose="02020603050405020304" pitchFamily="18" charset="0"/>
+                  </a:rPr>
+                  <a:t>Case 3: </a:t>
+                </a:r>
+              </a:p>
+              <a:p>
+                <a:pPr marL="0" marR="0" indent="0">
+                  <a:lnSpc>
+                    <a:spcPct val="120000"/>
+                  </a:lnSpc>
+                  <a:spcBef>
+                    <a:spcPts val="0"/>
+                  </a:spcBef>
+                  <a:spcAft>
+                    <a:spcPts val="800"/>
+                  </a:spcAft>
+                  <a:buNone/>
+                </a:pPr>
+                <a:r>
+                  <a:rPr lang="en-US" sz="2100" dirty="0">
+                    <a:effectLst/>
+                    <a:latin typeface="Calibri" panose="020F0502020204030204" pitchFamily="34" charset="0"/>
+                    <a:ea typeface="Calibri" panose="020F0502020204030204" pitchFamily="34" charset="0"/>
+                    <a:cs typeface="Times New Roman" panose="02020603050405020304" pitchFamily="18" charset="0"/>
+                  </a:rPr>
+                  <a:t>If </a:t>
+                </a:r>
+                <a14:m>
+                  <m:oMath xmlns:m="http://schemas.openxmlformats.org/officeDocument/2006/math">
+                    <m:r>
+                      <a:rPr lang="en-US" sz="2100" i="1">
+                        <a:effectLst/>
+                        <a:latin typeface="Cambria Math" panose="02040503050406030204" pitchFamily="18" charset="0"/>
+                        <a:ea typeface="Calibri" panose="020F0502020204030204" pitchFamily="34" charset="0"/>
+                        <a:cs typeface="Times New Roman" panose="02020603050405020304" pitchFamily="18" charset="0"/>
+                      </a:rPr>
+                      <m:t>𝑓</m:t>
+                    </m:r>
+                    <m:d>
+                      <m:dPr>
+                        <m:ctrlPr>
+                          <a:rPr lang="en-US" sz="2100" i="1">
+                            <a:effectLst/>
+                            <a:latin typeface="Cambria Math" panose="02040503050406030204" pitchFamily="18" charset="0"/>
+                            <a:ea typeface="Calibri" panose="020F0502020204030204" pitchFamily="34" charset="0"/>
+                            <a:cs typeface="Times New Roman" panose="02020603050405020304" pitchFamily="18" charset="0"/>
+                          </a:rPr>
+                        </m:ctrlPr>
+                      </m:dPr>
+                      <m:e>
+                        <m:r>
+                          <a:rPr lang="en-US" sz="2100" i="1">
+                            <a:effectLst/>
+                            <a:latin typeface="Cambria Math" panose="02040503050406030204" pitchFamily="18" charset="0"/>
+                            <a:ea typeface="Calibri" panose="020F0502020204030204" pitchFamily="34" charset="0"/>
+                            <a:cs typeface="Times New Roman" panose="02020603050405020304" pitchFamily="18" charset="0"/>
+                          </a:rPr>
+                          <m:t>𝑛</m:t>
+                        </m:r>
+                      </m:e>
+                    </m:d>
+                    <m:r>
+                      <a:rPr lang="en-US" sz="2100" b="0" i="1" smtClean="0">
+                        <a:effectLst/>
+                        <a:latin typeface="Cambria Math" panose="02040503050406030204" pitchFamily="18" charset="0"/>
+                        <a:ea typeface="Calibri" panose="020F0502020204030204" pitchFamily="34" charset="0"/>
+                        <a:cs typeface="Times New Roman" panose="02020603050405020304" pitchFamily="18" charset="0"/>
+                      </a:rPr>
+                      <m:t>&gt;</m:t>
+                    </m:r>
+                    <m:r>
+                      <a:rPr lang="en-US" sz="2100" i="1">
+                        <a:effectLst/>
+                        <a:latin typeface="Cambria Math" panose="02040503050406030204" pitchFamily="18" charset="0"/>
+                        <a:ea typeface="Calibri" panose="020F0502020204030204" pitchFamily="34" charset="0"/>
+                        <a:cs typeface="Times New Roman" panose="02020603050405020304" pitchFamily="18" charset="0"/>
+                      </a:rPr>
+                      <m:t>𝑂</m:t>
+                    </m:r>
+                    <m:r>
+                      <a:rPr lang="en-US" sz="2100" i="1">
+                        <a:effectLst/>
+                        <a:latin typeface="Cambria Math" panose="02040503050406030204" pitchFamily="18" charset="0"/>
+                        <a:ea typeface="Calibri" panose="020F0502020204030204" pitchFamily="34" charset="0"/>
+                        <a:cs typeface="Times New Roman" panose="02020603050405020304" pitchFamily="18" charset="0"/>
+                      </a:rPr>
+                      <m:t>(</m:t>
+                    </m:r>
+                    <m:sSup>
+                      <m:sSupPr>
+                        <m:ctrlPr>
+                          <a:rPr lang="en-US" sz="2100" i="1">
+                            <a:effectLst/>
+                            <a:latin typeface="Cambria Math" panose="02040503050406030204" pitchFamily="18" charset="0"/>
+                            <a:ea typeface="Calibri" panose="020F0502020204030204" pitchFamily="34" charset="0"/>
+                            <a:cs typeface="Times New Roman" panose="02020603050405020304" pitchFamily="18" charset="0"/>
+                          </a:rPr>
+                        </m:ctrlPr>
+                      </m:sSupPr>
+                      <m:e>
+                        <m:r>
+                          <a:rPr lang="en-US" sz="2100" i="1">
+                            <a:effectLst/>
+                            <a:latin typeface="Cambria Math" panose="02040503050406030204" pitchFamily="18" charset="0"/>
+                            <a:ea typeface="Calibri" panose="020F0502020204030204" pitchFamily="34" charset="0"/>
+                            <a:cs typeface="Times New Roman" panose="02020603050405020304" pitchFamily="18" charset="0"/>
+                          </a:rPr>
+                          <m:t>𝑛</m:t>
+                        </m:r>
+                      </m:e>
+                      <m:sup>
+                        <m:func>
+                          <m:funcPr>
+                            <m:ctrlPr>
+                              <a:rPr lang="en-US" sz="2100" i="1">
+                                <a:effectLst/>
+                                <a:latin typeface="Cambria Math" panose="02040503050406030204" pitchFamily="18" charset="0"/>
+                                <a:ea typeface="Calibri" panose="020F0502020204030204" pitchFamily="34" charset="0"/>
+                                <a:cs typeface="Times New Roman" panose="02020603050405020304" pitchFamily="18" charset="0"/>
+                              </a:rPr>
+                            </m:ctrlPr>
+                          </m:funcPr>
+                          <m:fName>
+                            <m:sSub>
+                              <m:sSubPr>
+                                <m:ctrlPr>
+                                  <a:rPr lang="en-US" sz="2100" i="1">
+                                    <a:effectLst/>
+                                    <a:latin typeface="Cambria Math" panose="02040503050406030204" pitchFamily="18" charset="0"/>
+                                    <a:ea typeface="Calibri" panose="020F0502020204030204" pitchFamily="34" charset="0"/>
+                                    <a:cs typeface="Times New Roman" panose="02020603050405020304" pitchFamily="18" charset="0"/>
+                                  </a:rPr>
+                                </m:ctrlPr>
+                              </m:sSubPr>
+                              <m:e>
+                                <m:r>
+                                  <m:rPr>
+                                    <m:sty m:val="p"/>
+                                  </m:rPr>
+                                  <a:rPr lang="en-US" sz="2100">
+                                    <a:effectLst/>
+                                    <a:latin typeface="Cambria Math" panose="02040503050406030204" pitchFamily="18" charset="0"/>
+                                    <a:ea typeface="Calibri" panose="020F0502020204030204" pitchFamily="34" charset="0"/>
+                                    <a:cs typeface="Times New Roman" panose="02020603050405020304" pitchFamily="18" charset="0"/>
+                                  </a:rPr>
+                                  <m:t>log</m:t>
+                                </m:r>
+                              </m:e>
+                              <m:sub>
+                                <m:r>
+                                  <a:rPr lang="en-US" sz="2100" i="1">
+                                    <a:effectLst/>
+                                    <a:latin typeface="Cambria Math" panose="02040503050406030204" pitchFamily="18" charset="0"/>
+                                    <a:ea typeface="Calibri" panose="020F0502020204030204" pitchFamily="34" charset="0"/>
+                                    <a:cs typeface="Times New Roman" panose="02020603050405020304" pitchFamily="18" charset="0"/>
+                                  </a:rPr>
+                                  <m:t>𝑏</m:t>
+                                </m:r>
+                              </m:sub>
+                            </m:sSub>
+                          </m:fName>
+                          <m:e>
+                            <m:r>
+                              <a:rPr lang="en-US" sz="2100" i="1">
+                                <a:effectLst/>
+                                <a:latin typeface="Cambria Math" panose="02040503050406030204" pitchFamily="18" charset="0"/>
+                                <a:ea typeface="Calibri" panose="020F0502020204030204" pitchFamily="34" charset="0"/>
+                                <a:cs typeface="Times New Roman" panose="02020603050405020304" pitchFamily="18" charset="0"/>
+                              </a:rPr>
+                              <m:t>𝑎</m:t>
+                            </m:r>
+                          </m:e>
+                        </m:func>
+                      </m:sup>
+                    </m:sSup>
+                    <m:r>
+                      <a:rPr lang="en-US" sz="2100" i="1">
+                        <a:effectLst/>
+                        <a:latin typeface="Cambria Math" panose="02040503050406030204" pitchFamily="18" charset="0"/>
+                        <a:ea typeface="Calibri" panose="020F0502020204030204" pitchFamily="34" charset="0"/>
+                        <a:cs typeface="Times New Roman" panose="02020603050405020304" pitchFamily="18" charset="0"/>
+                      </a:rPr>
+                      <m:t>)</m:t>
+                    </m:r>
+                  </m:oMath>
+                </a14:m>
+                <a:r>
+                  <a:rPr lang="en-US" sz="2100" dirty="0">
+                    <a:effectLst/>
+                    <a:latin typeface="Calibri" panose="020F0502020204030204" pitchFamily="34" charset="0"/>
+                    <a:ea typeface="Times New Roman" panose="02020603050405020304" pitchFamily="18" charset="0"/>
+                    <a:cs typeface="Times New Roman" panose="02020603050405020304" pitchFamily="18" charset="0"/>
+                  </a:rPr>
+                  <a:t> </a:t>
+                </a:r>
+                <a:r>
+                  <a:rPr lang="en-US" sz="2100" dirty="0">
+                    <a:latin typeface="Calibri" panose="020F0502020204030204" pitchFamily="34" charset="0"/>
+                    <a:ea typeface="Times New Roman" panose="02020603050405020304" pitchFamily="18" charset="0"/>
+                    <a:cs typeface="Times New Roman" panose="02020603050405020304" pitchFamily="18" charset="0"/>
+                  </a:rPr>
+                  <a:t>and if a f(n/b)&lt;=c f(n) for c &lt; 1, then: T(n) = </a:t>
+                </a:r>
+                <a14:m>
+                  <m:oMath xmlns:m="http://schemas.openxmlformats.org/officeDocument/2006/math">
+                    <m:r>
+                      <a:rPr lang="en-US" sz="2100" i="1">
+                        <a:latin typeface="Cambria Math" panose="02040503050406030204" pitchFamily="18" charset="0"/>
+                        <a:ea typeface="Times New Roman" panose="02020603050405020304" pitchFamily="18" charset="0"/>
+                        <a:cs typeface="Times New Roman" panose="02020603050405020304" pitchFamily="18" charset="0"/>
+                      </a:rPr>
+                      <m:t>𝜃</m:t>
+                    </m:r>
+                    <m:r>
+                      <a:rPr lang="en-US" sz="2100" i="1">
+                        <a:latin typeface="Cambria Math" panose="02040503050406030204" pitchFamily="18" charset="0"/>
+                        <a:ea typeface="Times New Roman" panose="02020603050405020304" pitchFamily="18" charset="0"/>
+                        <a:cs typeface="Times New Roman" panose="02020603050405020304" pitchFamily="18" charset="0"/>
+                      </a:rPr>
+                      <m:t>(</m:t>
+                    </m:r>
+                    <m:r>
+                      <a:rPr lang="en-US" sz="2100" i="1">
+                        <a:latin typeface="Cambria Math" panose="02040503050406030204" pitchFamily="18" charset="0"/>
+                        <a:ea typeface="Times New Roman" panose="02020603050405020304" pitchFamily="18" charset="0"/>
+                        <a:cs typeface="Times New Roman" panose="02020603050405020304" pitchFamily="18" charset="0"/>
+                      </a:rPr>
+                      <m:t>𝑓</m:t>
+                    </m:r>
+                    <m:r>
+                      <a:rPr lang="en-US" sz="2100" i="1">
+                        <a:latin typeface="Cambria Math" panose="02040503050406030204" pitchFamily="18" charset="0"/>
+                        <a:ea typeface="Times New Roman" panose="02020603050405020304" pitchFamily="18" charset="0"/>
+                        <a:cs typeface="Times New Roman" panose="02020603050405020304" pitchFamily="18" charset="0"/>
+                      </a:rPr>
+                      <m:t>(</m:t>
+                    </m:r>
+                    <m:r>
+                      <a:rPr lang="en-US" sz="2100" i="1">
+                        <a:latin typeface="Cambria Math" panose="02040503050406030204" pitchFamily="18" charset="0"/>
+                        <a:ea typeface="Times New Roman" panose="02020603050405020304" pitchFamily="18" charset="0"/>
+                        <a:cs typeface="Times New Roman" panose="02020603050405020304" pitchFamily="18" charset="0"/>
+                      </a:rPr>
+                      <m:t>𝑛</m:t>
+                    </m:r>
+                    <m:r>
+                      <a:rPr lang="en-US" sz="2100" i="1">
+                        <a:latin typeface="Cambria Math" panose="02040503050406030204" pitchFamily="18" charset="0"/>
+                        <a:ea typeface="Times New Roman" panose="02020603050405020304" pitchFamily="18" charset="0"/>
+                        <a:cs typeface="Times New Roman" panose="02020603050405020304" pitchFamily="18" charset="0"/>
+                      </a:rPr>
+                      <m:t>))</m:t>
+                    </m:r>
+                  </m:oMath>
+                </a14:m>
+                <a:r>
+                  <a:rPr lang="en-US" sz="2100" dirty="0">
+                    <a:latin typeface="Calibri" panose="020F0502020204030204" pitchFamily="34" charset="0"/>
+                    <a:ea typeface="Times New Roman" panose="02020603050405020304" pitchFamily="18" charset="0"/>
+                    <a:cs typeface="Times New Roman" panose="02020603050405020304" pitchFamily="18" charset="0"/>
+                  </a:rPr>
+                  <a:t> </a:t>
+                </a:r>
+                <a:endParaRPr lang="en-US" sz="2100" dirty="0">
+                  <a:effectLst/>
+                  <a:ea typeface="Calibri" panose="020F0502020204030204" pitchFamily="34" charset="0"/>
+                  <a:cs typeface="Times New Roman" panose="02020603050405020304" pitchFamily="18" charset="0"/>
+                </a:endParaRPr>
+              </a:p>
+            </p:txBody>
+          </p:sp>
+        </mc:Choice>
+        <mc:Fallback>
+          <p:sp>
+            <p:nvSpPr>
+              <p:cNvPr id="3" name="Content Placeholder 2">
+                <a:extLst>
+                  <a:ext uri="{FF2B5EF4-FFF2-40B4-BE49-F238E27FC236}">
+                    <a16:creationId xmlns:a16="http://schemas.microsoft.com/office/drawing/2014/main" id="{5EABFBC3-EE08-43BD-B066-2FF949D0A11D}"/>
+                  </a:ext>
+                </a:extLst>
+              </p:cNvPr>
+              <p:cNvSpPr>
+                <a:spLocks noGrp="1" noRot="1" noChangeAspect="1" noMove="1" noResize="1" noEditPoints="1" noAdjustHandles="1" noChangeArrowheads="1" noChangeShapeType="1" noTextEdit="1"/>
+              </p:cNvSpPr>
+              <p:nvPr>
+                <p:ph idx="1"/>
+              </p:nvPr>
+            </p:nvSpPr>
+            <p:spPr>
+              <a:xfrm>
+                <a:off x="1053100" y="1500027"/>
+                <a:ext cx="9596920" cy="4849402"/>
+              </a:xfrm>
+              <a:blipFill>
+                <a:blip r:embed="rId2"/>
+                <a:stretch>
+                  <a:fillRect l="-1144" t="-126"/>
+                </a:stretch>
+              </a:blipFill>
+            </p:spPr>
+            <p:txBody>
+              <a:bodyPr/>
+              <a:lstStyle/>
+              <a:p>
+                <a:r>
+                  <a:rPr lang="en-US">
+                    <a:noFill/>
+                  </a:rPr>
+                  <a:t> </a:t>
+                </a:r>
+              </a:p>
+            </p:txBody>
+          </p:sp>
+        </mc:Fallback>
+      </mc:AlternateContent>
+    </p:spTree>
+    <p:extLst>
+      <p:ext uri="{BB962C8B-B14F-4D97-AF65-F5344CB8AC3E}">
+        <p14:creationId xmlns:p14="http://schemas.microsoft.com/office/powerpoint/2010/main" val="1082108433"/>
+      </p:ext>
+    </p:extLst>
+  </p:cSld>
+  <p:clrMapOvr>
+    <a:masterClrMapping/>
+  </p:clrMapOvr>
+  <mc:AlternateContent xmlns:mc="http://schemas.openxmlformats.org/markup-compatibility/2006" xmlns:p159="http://schemas.microsoft.com/office/powerpoint/2015/09/main">
+    <mc:Choice Requires="p159">
+      <p:transition>
+        <p159:morph option="byObject"/>
+      </p:transition>
+    </mc:Choice>
+    <mc:Fallback xmlns="">
+      <p:transition>
+        <p:fade/>
+      </p:transition>
+    </mc:Fallback>
+  </mc:AlternateContent>
+</p:sld>
+</file>
+
+<file path=ppt/slides/slide5.xml><?xml version="1.0" encoding="utf-8"?>
+<p:sld xmlns:a="http://schemas.openxmlformats.org/drawingml/2006/main" xmlns:r="http://schemas.openxmlformats.org/officeDocument/2006/relationships" xmlns:p="http://schemas.openxmlformats.org/presentationml/2006/main">
+  <p:cSld>
+    <p:spTree>
+      <p:nvGrpSpPr>
+        <p:cNvPr id="1" name=""/>
+        <p:cNvGrpSpPr/>
+        <p:nvPr/>
+      </p:nvGrpSpPr>
+      <p:grpSpPr>
+        <a:xfrm>
+          <a:off x="0" y="0"/>
+          <a:ext cx="0" cy="0"/>
+          <a:chOff x="0" y="0"/>
+          <a:chExt cx="0" cy="0"/>
+        </a:xfrm>
+      </p:grpSpPr>
+      <p:sp>
+        <p:nvSpPr>
+          <p:cNvPr id="2" name="Title 1">
+            <a:extLst>
+              <a:ext uri="{FF2B5EF4-FFF2-40B4-BE49-F238E27FC236}">
+                <a16:creationId xmlns:a16="http://schemas.microsoft.com/office/drawing/2014/main" id="{29BF2851-8F4E-4745-B9CC-59CE02B3EF6B}"/>
+              </a:ext>
+            </a:extLst>
+          </p:cNvPr>
+          <p:cNvSpPr>
+            <a:spLocks noGrp="1"/>
+          </p:cNvSpPr>
+          <p:nvPr>
+            <p:ph type="title"/>
+          </p:nvPr>
+        </p:nvSpPr>
+        <p:spPr/>
+        <p:txBody>
+          <a:bodyPr/>
+          <a:lstStyle/>
+          <a:p>
+            <a:r>
+              <a:rPr lang="en-US" b="1" dirty="0"/>
+              <a:t>Example 1 - </a:t>
+            </a:r>
+            <a:r>
+              <a:rPr lang="pt-BR" b="1" dirty="0"/>
+              <a:t>T(n) = n + 2T(n/2)</a:t>
+            </a:r>
+            <a:endParaRPr lang="en-US" dirty="0"/>
+          </a:p>
+        </p:txBody>
+      </p:sp>
+      <p:sp>
+        <p:nvSpPr>
+          <p:cNvPr id="4" name="Content Placeholder 3">
+            <a:extLst>
+              <a:ext uri="{FF2B5EF4-FFF2-40B4-BE49-F238E27FC236}">
+                <a16:creationId xmlns:a16="http://schemas.microsoft.com/office/drawing/2014/main" id="{EDED9010-D4EF-4E8A-B8F1-23CCF5E7342D}"/>
+              </a:ext>
+            </a:extLst>
+          </p:cNvPr>
+          <p:cNvSpPr>
+            <a:spLocks noGrp="1"/>
+          </p:cNvSpPr>
+          <p:nvPr>
+            <p:ph sz="half" idx="1"/>
+          </p:nvPr>
+        </p:nvSpPr>
+        <p:spPr>
+          <a:xfrm>
+            <a:off x="838199" y="1825625"/>
+            <a:ext cx="3887913" cy="676132"/>
+          </a:xfrm>
+        </p:spPr>
+        <p:txBody>
+          <a:bodyPr>
+            <a:normAutofit fontScale="62500" lnSpcReduction="20000"/>
+          </a:bodyPr>
+          <a:lstStyle/>
+          <a:p>
+            <a:pPr marL="0" indent="0">
+              <a:lnSpc>
+                <a:spcPct val="220000"/>
+              </a:lnSpc>
+              <a:buNone/>
+            </a:pPr>
+            <a:r>
+              <a:rPr lang="en-US" dirty="0"/>
+              <a:t>a = 2, b = 2, f(n) = n</a:t>
+            </a:r>
+          </a:p>
+          <a:p>
+            <a:pPr marL="0" indent="0">
+              <a:lnSpc>
+                <a:spcPct val="220000"/>
+              </a:lnSpc>
+              <a:buNone/>
+            </a:pPr>
+            <a:endParaRPr lang="en-US" dirty="0"/>
+          </a:p>
+        </p:txBody>
+      </p:sp>
+      <mc:AlternateContent xmlns:mc="http://schemas.openxmlformats.org/markup-compatibility/2006">
+        <mc:Choice xmlns:a14="http://schemas.microsoft.com/office/drawing/2010/main" Requires="a14">
+          <p:sp>
+            <p:nvSpPr>
+              <p:cNvPr id="6" name="Content Placeholder 2">
+                <a:extLst>
+                  <a:ext uri="{FF2B5EF4-FFF2-40B4-BE49-F238E27FC236}">
+                    <a16:creationId xmlns:a16="http://schemas.microsoft.com/office/drawing/2014/main" id="{52E00B7E-BDC0-4105-8D80-BA4937D7E7FD}"/>
+                  </a:ext>
+                </a:extLst>
+              </p:cNvPr>
+              <p:cNvSpPr>
+                <a:spLocks noGrp="1"/>
+              </p:cNvSpPr>
+              <p:nvPr>
+                <p:ph sz="half" idx="2"/>
+              </p:nvPr>
+            </p:nvSpPr>
+            <p:spPr>
+              <a:xfrm>
+                <a:off x="7859730" y="1825624"/>
+                <a:ext cx="4109663" cy="3326866"/>
+              </a:xfrm>
+            </p:spPr>
+            <p:txBody>
+              <a:bodyPr>
+                <a:normAutofit fontScale="62500" lnSpcReduction="20000"/>
+              </a:bodyPr>
+              <a:lstStyle/>
+              <a:p>
+                <a:pPr>
+                  <a:lnSpc>
+                    <a:spcPct val="120000"/>
+                  </a:lnSpc>
+                </a:pPr>
+                <a:r>
+                  <a:rPr lang="en-US" dirty="0"/>
+                  <a:t>T(n) = a T(n/b) + f(n)</a:t>
+                </a:r>
+              </a:p>
+              <a:p>
+                <a:pPr lvl="1">
+                  <a:lnSpc>
+                    <a:spcPct val="120000"/>
+                  </a:lnSpc>
+                </a:pPr>
+                <a:r>
+                  <a:rPr lang="en-US" dirty="0"/>
+                  <a:t>Where a &gt;= 1, b &gt; 1, and f(n) &gt; 0</a:t>
+                </a:r>
+              </a:p>
+              <a:p>
+                <a:pPr>
+                  <a:lnSpc>
+                    <a:spcPct val="120000"/>
+                  </a:lnSpc>
+                </a:pPr>
+                <a:r>
+                  <a:rPr lang="en-US" dirty="0"/>
+                  <a:t>Case 1: </a:t>
+                </a:r>
+              </a:p>
+              <a:p>
+                <a:pPr marL="0" marR="0" indent="0">
+                  <a:lnSpc>
+                    <a:spcPct val="120000"/>
+                  </a:lnSpc>
+                  <a:spcBef>
+                    <a:spcPts val="0"/>
+                  </a:spcBef>
+                  <a:spcAft>
+                    <a:spcPts val="800"/>
+                  </a:spcAft>
+                  <a:buNone/>
+                </a:pPr>
+                <a:r>
+                  <a:rPr lang="en-US" sz="2100" dirty="0">
+                    <a:effectLst/>
+                    <a:latin typeface="Calibri" panose="020F0502020204030204" pitchFamily="34" charset="0"/>
+                    <a:ea typeface="Calibri" panose="020F0502020204030204" pitchFamily="34" charset="0"/>
+                    <a:cs typeface="Times New Roman" panose="02020603050405020304" pitchFamily="18" charset="0"/>
+                  </a:rPr>
+                  <a:t>If </a:t>
+                </a:r>
+                <a14:m>
+                  <m:oMath xmlns:m="http://schemas.openxmlformats.org/officeDocument/2006/math">
+                    <m:r>
+                      <a:rPr lang="en-US" sz="2100" i="1">
+                        <a:effectLst/>
+                        <a:latin typeface="Cambria Math" panose="02040503050406030204" pitchFamily="18" charset="0"/>
+                        <a:ea typeface="Calibri" panose="020F0502020204030204" pitchFamily="34" charset="0"/>
+                        <a:cs typeface="Times New Roman" panose="02020603050405020304" pitchFamily="18" charset="0"/>
+                      </a:rPr>
+                      <m:t>𝑓</m:t>
+                    </m:r>
+                    <m:d>
+                      <m:dPr>
+                        <m:ctrlPr>
+                          <a:rPr lang="en-US" sz="2100" i="1">
+                            <a:effectLst/>
+                            <a:latin typeface="Cambria Math" panose="02040503050406030204" pitchFamily="18" charset="0"/>
+                            <a:ea typeface="Calibri" panose="020F0502020204030204" pitchFamily="34" charset="0"/>
+                            <a:cs typeface="Times New Roman" panose="02020603050405020304" pitchFamily="18" charset="0"/>
+                          </a:rPr>
+                        </m:ctrlPr>
+                      </m:dPr>
+                      <m:e>
+                        <m:r>
+                          <a:rPr lang="en-US" sz="2100" i="1">
+                            <a:effectLst/>
+                            <a:latin typeface="Cambria Math" panose="02040503050406030204" pitchFamily="18" charset="0"/>
+                            <a:ea typeface="Calibri" panose="020F0502020204030204" pitchFamily="34" charset="0"/>
+                            <a:cs typeface="Times New Roman" panose="02020603050405020304" pitchFamily="18" charset="0"/>
+                          </a:rPr>
+                          <m:t>𝑛</m:t>
+                        </m:r>
+                      </m:e>
+                    </m:d>
+                    <m:r>
+                      <a:rPr lang="en-US" sz="2100" i="1">
+                        <a:effectLst/>
+                        <a:latin typeface="Cambria Math" panose="02040503050406030204" pitchFamily="18" charset="0"/>
+                        <a:ea typeface="Calibri" panose="020F0502020204030204" pitchFamily="34" charset="0"/>
+                        <a:cs typeface="Times New Roman" panose="02020603050405020304" pitchFamily="18" charset="0"/>
+                      </a:rPr>
+                      <m:t>&lt;</m:t>
+                    </m:r>
+                    <m:r>
+                      <a:rPr lang="en-US" sz="2100" i="1">
+                        <a:effectLst/>
+                        <a:latin typeface="Cambria Math" panose="02040503050406030204" pitchFamily="18" charset="0"/>
+                        <a:ea typeface="Calibri" panose="020F0502020204030204" pitchFamily="34" charset="0"/>
+                        <a:cs typeface="Times New Roman" panose="02020603050405020304" pitchFamily="18" charset="0"/>
+                      </a:rPr>
+                      <m:t>𝑂</m:t>
+                    </m:r>
+                    <m:r>
+                      <a:rPr lang="en-US" sz="2100" i="1">
+                        <a:effectLst/>
+                        <a:latin typeface="Cambria Math" panose="02040503050406030204" pitchFamily="18" charset="0"/>
+                        <a:ea typeface="Calibri" panose="020F0502020204030204" pitchFamily="34" charset="0"/>
+                        <a:cs typeface="Times New Roman" panose="02020603050405020304" pitchFamily="18" charset="0"/>
+                      </a:rPr>
+                      <m:t>(</m:t>
+                    </m:r>
+                    <m:sSup>
+                      <m:sSupPr>
+                        <m:ctrlPr>
+                          <a:rPr lang="en-US" sz="2100" i="1">
+                            <a:effectLst/>
+                            <a:latin typeface="Cambria Math" panose="02040503050406030204" pitchFamily="18" charset="0"/>
+                            <a:ea typeface="Calibri" panose="020F0502020204030204" pitchFamily="34" charset="0"/>
+                            <a:cs typeface="Times New Roman" panose="02020603050405020304" pitchFamily="18" charset="0"/>
+                          </a:rPr>
+                        </m:ctrlPr>
+                      </m:sSupPr>
+                      <m:e>
+                        <m:r>
+                          <a:rPr lang="en-US" sz="2100" i="1">
+                            <a:effectLst/>
+                            <a:latin typeface="Cambria Math" panose="02040503050406030204" pitchFamily="18" charset="0"/>
+                            <a:ea typeface="Calibri" panose="020F0502020204030204" pitchFamily="34" charset="0"/>
+                            <a:cs typeface="Times New Roman" panose="02020603050405020304" pitchFamily="18" charset="0"/>
+                          </a:rPr>
+                          <m:t>𝑛</m:t>
+                        </m:r>
+                      </m:e>
+                      <m:sup>
+                        <m:func>
+                          <m:funcPr>
+                            <m:ctrlPr>
+                              <a:rPr lang="en-US" sz="2100" i="1">
+                                <a:effectLst/>
+                                <a:latin typeface="Cambria Math" panose="02040503050406030204" pitchFamily="18" charset="0"/>
+                                <a:ea typeface="Calibri" panose="020F0502020204030204" pitchFamily="34" charset="0"/>
+                                <a:cs typeface="Times New Roman" panose="02020603050405020304" pitchFamily="18" charset="0"/>
+                              </a:rPr>
+                            </m:ctrlPr>
+                          </m:funcPr>
+                          <m:fName>
+                            <m:sSub>
+                              <m:sSubPr>
+                                <m:ctrlPr>
+                                  <a:rPr lang="en-US" sz="2100" i="1">
+                                    <a:effectLst/>
+                                    <a:latin typeface="Cambria Math" panose="02040503050406030204" pitchFamily="18" charset="0"/>
+                                    <a:ea typeface="Calibri" panose="020F0502020204030204" pitchFamily="34" charset="0"/>
+                                    <a:cs typeface="Times New Roman" panose="02020603050405020304" pitchFamily="18" charset="0"/>
+                                  </a:rPr>
+                                </m:ctrlPr>
+                              </m:sSubPr>
+                              <m:e>
+                                <m:r>
+                                  <m:rPr>
+                                    <m:sty m:val="p"/>
+                                  </m:rPr>
+                                  <a:rPr lang="en-US" sz="2100">
+                                    <a:effectLst/>
+                                    <a:latin typeface="Cambria Math" panose="02040503050406030204" pitchFamily="18" charset="0"/>
+                                    <a:ea typeface="Calibri" panose="020F0502020204030204" pitchFamily="34" charset="0"/>
+                                    <a:cs typeface="Times New Roman" panose="02020603050405020304" pitchFamily="18" charset="0"/>
+                                  </a:rPr>
+                                  <m:t>log</m:t>
+                                </m:r>
+                              </m:e>
+                              <m:sub>
+                                <m:r>
+                                  <a:rPr lang="en-US" sz="2100" i="1">
+                                    <a:effectLst/>
+                                    <a:latin typeface="Cambria Math" panose="02040503050406030204" pitchFamily="18" charset="0"/>
+                                    <a:ea typeface="Calibri" panose="020F0502020204030204" pitchFamily="34" charset="0"/>
+                                    <a:cs typeface="Times New Roman" panose="02020603050405020304" pitchFamily="18" charset="0"/>
+                                  </a:rPr>
+                                  <m:t>𝑏</m:t>
+                                </m:r>
+                              </m:sub>
+                            </m:sSub>
+                          </m:fName>
+                          <m:e>
+                            <m:r>
+                              <a:rPr lang="en-US" sz="2100" i="1">
+                                <a:effectLst/>
+                                <a:latin typeface="Cambria Math" panose="02040503050406030204" pitchFamily="18" charset="0"/>
+                                <a:ea typeface="Calibri" panose="020F0502020204030204" pitchFamily="34" charset="0"/>
+                                <a:cs typeface="Times New Roman" panose="02020603050405020304" pitchFamily="18" charset="0"/>
+                              </a:rPr>
+                              <m:t>𝑎</m:t>
+                            </m:r>
+                          </m:e>
+                        </m:func>
+                      </m:sup>
+                    </m:sSup>
+                    <m:r>
+                      <a:rPr lang="en-US" sz="2100" i="1">
+                        <a:effectLst/>
+                        <a:latin typeface="Cambria Math" panose="02040503050406030204" pitchFamily="18" charset="0"/>
+                        <a:ea typeface="Calibri" panose="020F0502020204030204" pitchFamily="34" charset="0"/>
+                        <a:cs typeface="Times New Roman" panose="02020603050405020304" pitchFamily="18" charset="0"/>
+                      </a:rPr>
+                      <m:t>)</m:t>
+                    </m:r>
+                  </m:oMath>
+                </a14:m>
+                <a:r>
+                  <a:rPr lang="en-US" sz="2100" dirty="0">
+                    <a:effectLst/>
+                    <a:latin typeface="Calibri" panose="020F0502020204030204" pitchFamily="34" charset="0"/>
+                    <a:ea typeface="Times New Roman" panose="02020603050405020304" pitchFamily="18" charset="0"/>
+                    <a:cs typeface="Times New Roman" panose="02020603050405020304" pitchFamily="18" charset="0"/>
+                  </a:rPr>
+                  <a:t> then: T(n) = </a:t>
+                </a:r>
+                <a14:m>
+                  <m:oMath xmlns:m="http://schemas.openxmlformats.org/officeDocument/2006/math">
+                    <m:r>
+                      <a:rPr lang="en-US" sz="2100" i="1">
+                        <a:effectLst/>
+                        <a:latin typeface="Cambria Math" panose="02040503050406030204" pitchFamily="18" charset="0"/>
+                        <a:ea typeface="Times New Roman" panose="02020603050405020304" pitchFamily="18" charset="0"/>
+                        <a:cs typeface="Times New Roman" panose="02020603050405020304" pitchFamily="18" charset="0"/>
+                      </a:rPr>
+                      <m:t>𝜃</m:t>
+                    </m:r>
+                    <m:r>
+                      <a:rPr lang="en-US" sz="2100" i="1">
+                        <a:effectLst/>
+                        <a:latin typeface="Cambria Math" panose="02040503050406030204" pitchFamily="18" charset="0"/>
+                        <a:ea typeface="Times New Roman" panose="02020603050405020304" pitchFamily="18" charset="0"/>
+                        <a:cs typeface="Times New Roman" panose="02020603050405020304" pitchFamily="18" charset="0"/>
+                      </a:rPr>
+                      <m:t>(</m:t>
+                    </m:r>
+                    <m:sSup>
+                      <m:sSupPr>
+                        <m:ctrlPr>
+                          <a:rPr lang="en-US" sz="2100" i="1">
+                            <a:effectLst/>
+                            <a:latin typeface="Cambria Math" panose="02040503050406030204" pitchFamily="18" charset="0"/>
+                            <a:ea typeface="Times New Roman" panose="02020603050405020304" pitchFamily="18" charset="0"/>
+                            <a:cs typeface="Times New Roman" panose="02020603050405020304" pitchFamily="18" charset="0"/>
+                          </a:rPr>
+                        </m:ctrlPr>
+                      </m:sSupPr>
+                      <m:e>
+                        <m:r>
+                          <a:rPr lang="en-US" sz="2100" i="1">
+                            <a:effectLst/>
+                            <a:latin typeface="Cambria Math" panose="02040503050406030204" pitchFamily="18" charset="0"/>
+                            <a:ea typeface="Times New Roman" panose="02020603050405020304" pitchFamily="18" charset="0"/>
+                            <a:cs typeface="Times New Roman" panose="02020603050405020304" pitchFamily="18" charset="0"/>
+                          </a:rPr>
+                          <m:t>𝑛</m:t>
+                        </m:r>
+                      </m:e>
+                      <m:sup>
+                        <m:func>
+                          <m:funcPr>
+                            <m:ctrlPr>
+                              <a:rPr lang="en-US" sz="2100" i="1">
+                                <a:effectLst/>
+                                <a:latin typeface="Cambria Math" panose="02040503050406030204" pitchFamily="18" charset="0"/>
+                                <a:ea typeface="Times New Roman" panose="02020603050405020304" pitchFamily="18" charset="0"/>
+                                <a:cs typeface="Times New Roman" panose="02020603050405020304" pitchFamily="18" charset="0"/>
+                              </a:rPr>
+                            </m:ctrlPr>
+                          </m:funcPr>
+                          <m:fName>
+                            <m:sSub>
+                              <m:sSubPr>
+                                <m:ctrlPr>
+                                  <a:rPr lang="en-US" sz="2100" i="1">
+                                    <a:effectLst/>
+                                    <a:latin typeface="Cambria Math" panose="02040503050406030204" pitchFamily="18" charset="0"/>
+                                    <a:ea typeface="Times New Roman" panose="02020603050405020304" pitchFamily="18" charset="0"/>
+                                    <a:cs typeface="Times New Roman" panose="02020603050405020304" pitchFamily="18" charset="0"/>
+                                  </a:rPr>
+                                </m:ctrlPr>
+                              </m:sSubPr>
+                              <m:e>
+                                <m:r>
+                                  <m:rPr>
+                                    <m:sty m:val="p"/>
+                                  </m:rPr>
+                                  <a:rPr lang="en-US" sz="2100">
+                                    <a:effectLst/>
+                                    <a:latin typeface="Cambria Math" panose="02040503050406030204" pitchFamily="18" charset="0"/>
+                                    <a:ea typeface="Calibri" panose="020F0502020204030204" pitchFamily="34" charset="0"/>
+                                    <a:cs typeface="Times New Roman" panose="02020603050405020304" pitchFamily="18" charset="0"/>
+                                  </a:rPr>
+                                  <m:t>log</m:t>
+                                </m:r>
+                              </m:e>
+                              <m:sub>
+                                <m:r>
+                                  <a:rPr lang="en-US" sz="2100" i="1">
+                                    <a:effectLst/>
+                                    <a:latin typeface="Cambria Math" panose="02040503050406030204" pitchFamily="18" charset="0"/>
+                                    <a:ea typeface="Times New Roman" panose="02020603050405020304" pitchFamily="18" charset="0"/>
+                                    <a:cs typeface="Times New Roman" panose="02020603050405020304" pitchFamily="18" charset="0"/>
+                                  </a:rPr>
+                                  <m:t>𝑏</m:t>
+                                </m:r>
+                              </m:sub>
+                            </m:sSub>
+                          </m:fName>
+                          <m:e>
+                            <m:r>
+                              <a:rPr lang="en-US" sz="2100" i="1">
+                                <a:effectLst/>
+                                <a:latin typeface="Cambria Math" panose="02040503050406030204" pitchFamily="18" charset="0"/>
+                                <a:ea typeface="Times New Roman" panose="02020603050405020304" pitchFamily="18" charset="0"/>
+                                <a:cs typeface="Times New Roman" panose="02020603050405020304" pitchFamily="18" charset="0"/>
+                              </a:rPr>
+                              <m:t>𝑎</m:t>
+                            </m:r>
+                          </m:e>
+                        </m:func>
+                      </m:sup>
+                    </m:sSup>
+                    <m:r>
+                      <a:rPr lang="en-US" sz="2100" i="1">
+                        <a:effectLst/>
+                        <a:latin typeface="Cambria Math" panose="02040503050406030204" pitchFamily="18" charset="0"/>
+                        <a:ea typeface="Times New Roman" panose="02020603050405020304" pitchFamily="18" charset="0"/>
+                        <a:cs typeface="Times New Roman" panose="02020603050405020304" pitchFamily="18" charset="0"/>
+                      </a:rPr>
+                      <m:t>)</m:t>
+                    </m:r>
+                  </m:oMath>
+                </a14:m>
+                <a:r>
+                  <a:rPr lang="en-US" sz="2100" dirty="0">
+                    <a:effectLst/>
+                    <a:latin typeface="Calibri" panose="020F0502020204030204" pitchFamily="34" charset="0"/>
+                    <a:ea typeface="Times New Roman" panose="02020603050405020304" pitchFamily="18" charset="0"/>
+                    <a:cs typeface="Times New Roman" panose="02020603050405020304" pitchFamily="18" charset="0"/>
+                  </a:rPr>
+                  <a:t> </a:t>
+                </a:r>
+              </a:p>
+              <a:p>
+                <a:pPr>
+                  <a:lnSpc>
+                    <a:spcPct val="120000"/>
+                  </a:lnSpc>
+                  <a:spcBef>
+                    <a:spcPts val="0"/>
+                  </a:spcBef>
+                  <a:spcAft>
+                    <a:spcPts val="800"/>
+                  </a:spcAft>
+                </a:pPr>
+                <a:r>
+                  <a:rPr lang="en-US" dirty="0">
+                    <a:solidFill>
+                      <a:srgbClr val="FF0000"/>
+                    </a:solidFill>
+                    <a:effectLst/>
+                    <a:ea typeface="Calibri" panose="020F0502020204030204" pitchFamily="34" charset="0"/>
+                    <a:cs typeface="Times New Roman" panose="02020603050405020304" pitchFamily="18" charset="0"/>
+                  </a:rPr>
+                  <a:t>Case 2: </a:t>
+                </a:r>
+              </a:p>
+              <a:p>
+                <a:pPr marL="0" marR="0" indent="0">
+                  <a:lnSpc>
+                    <a:spcPct val="120000"/>
+                  </a:lnSpc>
+                  <a:spcBef>
+                    <a:spcPts val="0"/>
+                  </a:spcBef>
+                  <a:spcAft>
+                    <a:spcPts val="800"/>
+                  </a:spcAft>
+                  <a:buNone/>
+                </a:pPr>
+                <a:r>
+                  <a:rPr lang="en-US" sz="2100" dirty="0">
+                    <a:solidFill>
+                      <a:srgbClr val="FF0000"/>
+                    </a:solidFill>
+                    <a:effectLst/>
+                    <a:latin typeface="Calibri" panose="020F0502020204030204" pitchFamily="34" charset="0"/>
+                    <a:ea typeface="Calibri" panose="020F0502020204030204" pitchFamily="34" charset="0"/>
+                    <a:cs typeface="Times New Roman" panose="02020603050405020304" pitchFamily="18" charset="0"/>
+                  </a:rPr>
+                  <a:t>If </a:t>
+                </a:r>
+                <a14:m>
+                  <m:oMath xmlns:m="http://schemas.openxmlformats.org/officeDocument/2006/math">
+                    <m:r>
+                      <a:rPr lang="en-US" sz="2100" i="1">
+                        <a:solidFill>
+                          <a:srgbClr val="FF0000"/>
+                        </a:solidFill>
+                        <a:effectLst/>
+                        <a:latin typeface="Cambria Math" panose="02040503050406030204" pitchFamily="18" charset="0"/>
+                        <a:ea typeface="Calibri" panose="020F0502020204030204" pitchFamily="34" charset="0"/>
+                        <a:cs typeface="Times New Roman" panose="02020603050405020304" pitchFamily="18" charset="0"/>
+                      </a:rPr>
+                      <m:t>𝑓</m:t>
+                    </m:r>
+                    <m:d>
+                      <m:dPr>
+                        <m:ctrlPr>
+                          <a:rPr lang="en-US" sz="2100" i="1">
+                            <a:solidFill>
+                              <a:srgbClr val="FF0000"/>
+                            </a:solidFill>
+                            <a:effectLst/>
+                            <a:latin typeface="Cambria Math" panose="02040503050406030204" pitchFamily="18" charset="0"/>
+                            <a:ea typeface="Calibri" panose="020F0502020204030204" pitchFamily="34" charset="0"/>
+                            <a:cs typeface="Times New Roman" panose="02020603050405020304" pitchFamily="18" charset="0"/>
+                          </a:rPr>
+                        </m:ctrlPr>
+                      </m:dPr>
+                      <m:e>
+                        <m:r>
+                          <a:rPr lang="en-US" sz="2100" i="1">
+                            <a:solidFill>
+                              <a:srgbClr val="FF0000"/>
+                            </a:solidFill>
+                            <a:effectLst/>
+                            <a:latin typeface="Cambria Math" panose="02040503050406030204" pitchFamily="18" charset="0"/>
+                            <a:ea typeface="Calibri" panose="020F0502020204030204" pitchFamily="34" charset="0"/>
+                            <a:cs typeface="Times New Roman" panose="02020603050405020304" pitchFamily="18" charset="0"/>
+                          </a:rPr>
+                          <m:t>𝑛</m:t>
+                        </m:r>
+                      </m:e>
+                    </m:d>
+                    <m:r>
+                      <a:rPr lang="en-US" sz="2100" b="0" i="1" smtClean="0">
+                        <a:solidFill>
+                          <a:srgbClr val="FF0000"/>
+                        </a:solidFill>
+                        <a:effectLst/>
+                        <a:latin typeface="Cambria Math" panose="02040503050406030204" pitchFamily="18" charset="0"/>
+                        <a:ea typeface="Calibri" panose="020F0502020204030204" pitchFamily="34" charset="0"/>
+                        <a:cs typeface="Times New Roman" panose="02020603050405020304" pitchFamily="18" charset="0"/>
+                      </a:rPr>
+                      <m:t>=</m:t>
+                    </m:r>
+                    <m:r>
+                      <a:rPr lang="en-US" sz="2100" i="1">
+                        <a:solidFill>
+                          <a:srgbClr val="FF0000"/>
+                        </a:solidFill>
+                        <a:effectLst/>
+                        <a:latin typeface="Cambria Math" panose="02040503050406030204" pitchFamily="18" charset="0"/>
+                        <a:ea typeface="Calibri" panose="020F0502020204030204" pitchFamily="34" charset="0"/>
+                        <a:cs typeface="Times New Roman" panose="02020603050405020304" pitchFamily="18" charset="0"/>
+                      </a:rPr>
+                      <m:t>𝑂</m:t>
+                    </m:r>
+                    <m:r>
+                      <a:rPr lang="en-US" sz="2100" i="1">
+                        <a:solidFill>
+                          <a:srgbClr val="FF0000"/>
+                        </a:solidFill>
+                        <a:effectLst/>
+                        <a:latin typeface="Cambria Math" panose="02040503050406030204" pitchFamily="18" charset="0"/>
+                        <a:ea typeface="Calibri" panose="020F0502020204030204" pitchFamily="34" charset="0"/>
+                        <a:cs typeface="Times New Roman" panose="02020603050405020304" pitchFamily="18" charset="0"/>
+                      </a:rPr>
+                      <m:t>(</m:t>
+                    </m:r>
+                    <m:sSup>
+                      <m:sSupPr>
+                        <m:ctrlPr>
+                          <a:rPr lang="en-US" sz="2100" i="1">
+                            <a:solidFill>
+                              <a:srgbClr val="FF0000"/>
+                            </a:solidFill>
+                            <a:effectLst/>
+                            <a:latin typeface="Cambria Math" panose="02040503050406030204" pitchFamily="18" charset="0"/>
+                            <a:ea typeface="Calibri" panose="020F0502020204030204" pitchFamily="34" charset="0"/>
+                            <a:cs typeface="Times New Roman" panose="02020603050405020304" pitchFamily="18" charset="0"/>
+                          </a:rPr>
+                        </m:ctrlPr>
+                      </m:sSupPr>
+                      <m:e>
+                        <m:r>
+                          <a:rPr lang="en-US" sz="2100" i="1">
+                            <a:solidFill>
+                              <a:srgbClr val="FF0000"/>
+                            </a:solidFill>
+                            <a:effectLst/>
+                            <a:latin typeface="Cambria Math" panose="02040503050406030204" pitchFamily="18" charset="0"/>
+                            <a:ea typeface="Calibri" panose="020F0502020204030204" pitchFamily="34" charset="0"/>
+                            <a:cs typeface="Times New Roman" panose="02020603050405020304" pitchFamily="18" charset="0"/>
+                          </a:rPr>
+                          <m:t>𝑛</m:t>
+                        </m:r>
+                      </m:e>
+                      <m:sup>
+                        <m:func>
+                          <m:funcPr>
+                            <m:ctrlPr>
+                              <a:rPr lang="en-US" sz="2100" i="1">
+                                <a:solidFill>
+                                  <a:srgbClr val="FF0000"/>
+                                </a:solidFill>
+                                <a:effectLst/>
+                                <a:latin typeface="Cambria Math" panose="02040503050406030204" pitchFamily="18" charset="0"/>
+                                <a:ea typeface="Calibri" panose="020F0502020204030204" pitchFamily="34" charset="0"/>
+                                <a:cs typeface="Times New Roman" panose="02020603050405020304" pitchFamily="18" charset="0"/>
+                              </a:rPr>
+                            </m:ctrlPr>
+                          </m:funcPr>
+                          <m:fName>
+                            <m:sSub>
+                              <m:sSubPr>
+                                <m:ctrlPr>
+                                  <a:rPr lang="en-US" sz="2100" i="1">
+                                    <a:solidFill>
+                                      <a:srgbClr val="FF0000"/>
+                                    </a:solidFill>
+                                    <a:effectLst/>
+                                    <a:latin typeface="Cambria Math" panose="02040503050406030204" pitchFamily="18" charset="0"/>
+                                    <a:ea typeface="Calibri" panose="020F0502020204030204" pitchFamily="34" charset="0"/>
+                                    <a:cs typeface="Times New Roman" panose="02020603050405020304" pitchFamily="18" charset="0"/>
+                                  </a:rPr>
+                                </m:ctrlPr>
+                              </m:sSubPr>
+                              <m:e>
+                                <m:r>
+                                  <m:rPr>
+                                    <m:sty m:val="p"/>
+                                  </m:rPr>
+                                  <a:rPr lang="en-US" sz="2100">
+                                    <a:solidFill>
+                                      <a:srgbClr val="FF0000"/>
+                                    </a:solidFill>
+                                    <a:effectLst/>
+                                    <a:latin typeface="Cambria Math" panose="02040503050406030204" pitchFamily="18" charset="0"/>
+                                    <a:ea typeface="Calibri" panose="020F0502020204030204" pitchFamily="34" charset="0"/>
+                                    <a:cs typeface="Times New Roman" panose="02020603050405020304" pitchFamily="18" charset="0"/>
+                                  </a:rPr>
+                                  <m:t>log</m:t>
+                                </m:r>
+                              </m:e>
+                              <m:sub>
+                                <m:r>
+                                  <a:rPr lang="en-US" sz="2100" i="1">
+                                    <a:solidFill>
+                                      <a:srgbClr val="FF0000"/>
+                                    </a:solidFill>
+                                    <a:effectLst/>
+                                    <a:latin typeface="Cambria Math" panose="02040503050406030204" pitchFamily="18" charset="0"/>
+                                    <a:ea typeface="Calibri" panose="020F0502020204030204" pitchFamily="34" charset="0"/>
+                                    <a:cs typeface="Times New Roman" panose="02020603050405020304" pitchFamily="18" charset="0"/>
+                                  </a:rPr>
+                                  <m:t>𝑏</m:t>
+                                </m:r>
+                              </m:sub>
+                            </m:sSub>
+                          </m:fName>
+                          <m:e>
+                            <m:r>
+                              <a:rPr lang="en-US" sz="2100" i="1">
+                                <a:solidFill>
+                                  <a:srgbClr val="FF0000"/>
+                                </a:solidFill>
+                                <a:effectLst/>
+                                <a:latin typeface="Cambria Math" panose="02040503050406030204" pitchFamily="18" charset="0"/>
+                                <a:ea typeface="Calibri" panose="020F0502020204030204" pitchFamily="34" charset="0"/>
+                                <a:cs typeface="Times New Roman" panose="02020603050405020304" pitchFamily="18" charset="0"/>
+                              </a:rPr>
+                              <m:t>𝑎</m:t>
+                            </m:r>
+                          </m:e>
+                        </m:func>
+                      </m:sup>
+                    </m:sSup>
+                    <m:r>
+                      <a:rPr lang="en-US" sz="2100" i="1">
+                        <a:solidFill>
+                          <a:srgbClr val="FF0000"/>
+                        </a:solidFill>
+                        <a:effectLst/>
+                        <a:latin typeface="Cambria Math" panose="02040503050406030204" pitchFamily="18" charset="0"/>
+                        <a:ea typeface="Calibri" panose="020F0502020204030204" pitchFamily="34" charset="0"/>
+                        <a:cs typeface="Times New Roman" panose="02020603050405020304" pitchFamily="18" charset="0"/>
+                      </a:rPr>
+                      <m:t>)</m:t>
+                    </m:r>
+                  </m:oMath>
+                </a14:m>
+                <a:r>
+                  <a:rPr lang="en-US" sz="2100" dirty="0">
+                    <a:solidFill>
+                      <a:srgbClr val="FF0000"/>
+                    </a:solidFill>
+                    <a:effectLst/>
+                    <a:latin typeface="Calibri" panose="020F0502020204030204" pitchFamily="34" charset="0"/>
+                    <a:ea typeface="Times New Roman" panose="02020603050405020304" pitchFamily="18" charset="0"/>
+                    <a:cs typeface="Times New Roman" panose="02020603050405020304" pitchFamily="18" charset="0"/>
+                  </a:rPr>
+                  <a:t> then: T(n) = </a:t>
+                </a:r>
+                <a14:m>
+                  <m:oMath xmlns:m="http://schemas.openxmlformats.org/officeDocument/2006/math">
+                    <m:r>
+                      <a:rPr lang="en-US" sz="2100" i="1">
+                        <a:solidFill>
+                          <a:srgbClr val="FF0000"/>
+                        </a:solidFill>
+                        <a:effectLst/>
+                        <a:latin typeface="Cambria Math" panose="02040503050406030204" pitchFamily="18" charset="0"/>
+                        <a:ea typeface="Times New Roman" panose="02020603050405020304" pitchFamily="18" charset="0"/>
+                        <a:cs typeface="Times New Roman" panose="02020603050405020304" pitchFamily="18" charset="0"/>
+                      </a:rPr>
+                      <m:t>𝜃</m:t>
+                    </m:r>
+                    <m:r>
+                      <a:rPr lang="en-US" sz="2100" i="1">
+                        <a:solidFill>
+                          <a:srgbClr val="FF0000"/>
+                        </a:solidFill>
+                        <a:effectLst/>
+                        <a:latin typeface="Cambria Math" panose="02040503050406030204" pitchFamily="18" charset="0"/>
+                        <a:ea typeface="Times New Roman" panose="02020603050405020304" pitchFamily="18" charset="0"/>
+                        <a:cs typeface="Times New Roman" panose="02020603050405020304" pitchFamily="18" charset="0"/>
+                      </a:rPr>
+                      <m:t>(</m:t>
+                    </m:r>
+                    <m:sSup>
+                      <m:sSupPr>
+                        <m:ctrlPr>
+                          <a:rPr lang="en-US" sz="2100" i="1">
+                            <a:solidFill>
+                              <a:srgbClr val="FF0000"/>
+                            </a:solidFill>
+                            <a:effectLst/>
+                            <a:latin typeface="Cambria Math" panose="02040503050406030204" pitchFamily="18" charset="0"/>
+                            <a:ea typeface="Times New Roman" panose="02020603050405020304" pitchFamily="18" charset="0"/>
+                            <a:cs typeface="Times New Roman" panose="02020603050405020304" pitchFamily="18" charset="0"/>
+                          </a:rPr>
+                        </m:ctrlPr>
+                      </m:sSupPr>
+                      <m:e>
+                        <m:r>
+                          <a:rPr lang="en-US" sz="2100" i="1">
+                            <a:solidFill>
+                              <a:srgbClr val="FF0000"/>
+                            </a:solidFill>
+                            <a:effectLst/>
+                            <a:latin typeface="Cambria Math" panose="02040503050406030204" pitchFamily="18" charset="0"/>
+                            <a:ea typeface="Times New Roman" panose="02020603050405020304" pitchFamily="18" charset="0"/>
+                            <a:cs typeface="Times New Roman" panose="02020603050405020304" pitchFamily="18" charset="0"/>
+                          </a:rPr>
+                          <m:t>𝑛</m:t>
+                        </m:r>
+                      </m:e>
+                      <m:sup>
+                        <m:func>
+                          <m:funcPr>
+                            <m:ctrlPr>
+                              <a:rPr lang="en-US" sz="2100" i="1">
+                                <a:solidFill>
+                                  <a:srgbClr val="FF0000"/>
+                                </a:solidFill>
+                                <a:effectLst/>
+                                <a:latin typeface="Cambria Math" panose="02040503050406030204" pitchFamily="18" charset="0"/>
+                                <a:ea typeface="Times New Roman" panose="02020603050405020304" pitchFamily="18" charset="0"/>
+                                <a:cs typeface="Times New Roman" panose="02020603050405020304" pitchFamily="18" charset="0"/>
+                              </a:rPr>
+                            </m:ctrlPr>
+                          </m:funcPr>
+                          <m:fName>
+                            <m:sSub>
+                              <m:sSubPr>
+                                <m:ctrlPr>
+                                  <a:rPr lang="en-US" sz="2100" i="1">
+                                    <a:solidFill>
+                                      <a:srgbClr val="FF0000"/>
+                                    </a:solidFill>
+                                    <a:effectLst/>
+                                    <a:latin typeface="Cambria Math" panose="02040503050406030204" pitchFamily="18" charset="0"/>
+                                    <a:ea typeface="Times New Roman" panose="02020603050405020304" pitchFamily="18" charset="0"/>
+                                    <a:cs typeface="Times New Roman" panose="02020603050405020304" pitchFamily="18" charset="0"/>
+                                  </a:rPr>
+                                </m:ctrlPr>
+                              </m:sSubPr>
+                              <m:e>
+                                <m:r>
+                                  <m:rPr>
+                                    <m:sty m:val="p"/>
+                                  </m:rPr>
+                                  <a:rPr lang="en-US" sz="2100">
+                                    <a:solidFill>
+                                      <a:srgbClr val="FF0000"/>
+                                    </a:solidFill>
+                                    <a:effectLst/>
+                                    <a:latin typeface="Cambria Math" panose="02040503050406030204" pitchFamily="18" charset="0"/>
+                                    <a:ea typeface="Calibri" panose="020F0502020204030204" pitchFamily="34" charset="0"/>
+                                    <a:cs typeface="Times New Roman" panose="02020603050405020304" pitchFamily="18" charset="0"/>
+                                  </a:rPr>
+                                  <m:t>log</m:t>
+                                </m:r>
+                              </m:e>
+                              <m:sub>
+                                <m:r>
+                                  <a:rPr lang="en-US" sz="2100" i="1">
+                                    <a:solidFill>
+                                      <a:srgbClr val="FF0000"/>
+                                    </a:solidFill>
+                                    <a:effectLst/>
+                                    <a:latin typeface="Cambria Math" panose="02040503050406030204" pitchFamily="18" charset="0"/>
+                                    <a:ea typeface="Times New Roman" panose="02020603050405020304" pitchFamily="18" charset="0"/>
+                                    <a:cs typeface="Times New Roman" panose="02020603050405020304" pitchFamily="18" charset="0"/>
+                                  </a:rPr>
+                                  <m:t>𝑏</m:t>
+                                </m:r>
+                              </m:sub>
+                            </m:sSub>
+                          </m:fName>
+                          <m:e>
+                            <m:r>
+                              <a:rPr lang="en-US" sz="2100" i="1">
+                                <a:solidFill>
+                                  <a:srgbClr val="FF0000"/>
+                                </a:solidFill>
+                                <a:effectLst/>
+                                <a:latin typeface="Cambria Math" panose="02040503050406030204" pitchFamily="18" charset="0"/>
+                                <a:ea typeface="Times New Roman" panose="02020603050405020304" pitchFamily="18" charset="0"/>
+                                <a:cs typeface="Times New Roman" panose="02020603050405020304" pitchFamily="18" charset="0"/>
+                              </a:rPr>
+                              <m:t>𝑎</m:t>
+                            </m:r>
+                          </m:e>
+                        </m:func>
+                      </m:sup>
+                    </m:sSup>
+                    <m:func>
+                      <m:funcPr>
+                        <m:ctrlPr>
+                          <a:rPr lang="en-US" sz="2100" i="1" smtClean="0">
+                            <a:solidFill>
+                              <a:srgbClr val="FF0000"/>
+                            </a:solidFill>
+                            <a:latin typeface="Cambria Math" panose="02040503050406030204" pitchFamily="18" charset="0"/>
+                            <a:ea typeface="Times New Roman" panose="02020603050405020304" pitchFamily="18" charset="0"/>
+                            <a:cs typeface="Times New Roman" panose="02020603050405020304" pitchFamily="18" charset="0"/>
+                          </a:rPr>
+                        </m:ctrlPr>
+                      </m:funcPr>
+                      <m:fName>
+                        <m:sSub>
+                          <m:sSubPr>
+                            <m:ctrlPr>
+                              <a:rPr lang="en-US" sz="2100" i="1">
+                                <a:solidFill>
+                                  <a:srgbClr val="FF0000"/>
+                                </a:solidFill>
+                                <a:latin typeface="Cambria Math" panose="02040503050406030204" pitchFamily="18" charset="0"/>
+                                <a:ea typeface="Times New Roman" panose="02020603050405020304" pitchFamily="18" charset="0"/>
+                                <a:cs typeface="Times New Roman" panose="02020603050405020304" pitchFamily="18" charset="0"/>
+                              </a:rPr>
+                            </m:ctrlPr>
+                          </m:sSubPr>
+                          <m:e>
+                            <m:r>
+                              <m:rPr>
+                                <m:sty m:val="p"/>
+                              </m:rPr>
+                              <a:rPr lang="en-US" sz="2100">
+                                <a:solidFill>
+                                  <a:srgbClr val="FF0000"/>
+                                </a:solidFill>
+                                <a:latin typeface="Cambria Math" panose="02040503050406030204" pitchFamily="18" charset="0"/>
+                                <a:ea typeface="Calibri" panose="020F0502020204030204" pitchFamily="34" charset="0"/>
+                                <a:cs typeface="Times New Roman" panose="02020603050405020304" pitchFamily="18" charset="0"/>
+                              </a:rPr>
+                              <m:t>log</m:t>
+                            </m:r>
+                          </m:e>
+                          <m:sub>
+                            <m:r>
+                              <a:rPr lang="en-US" sz="2100" i="1">
+                                <a:solidFill>
+                                  <a:srgbClr val="FF0000"/>
+                                </a:solidFill>
+                                <a:latin typeface="Cambria Math" panose="02040503050406030204" pitchFamily="18" charset="0"/>
+                                <a:ea typeface="Calibri" panose="020F0502020204030204" pitchFamily="34" charset="0"/>
+                                <a:cs typeface="Times New Roman" panose="02020603050405020304" pitchFamily="18" charset="0"/>
+                              </a:rPr>
+                              <m:t>2</m:t>
+                            </m:r>
+                          </m:sub>
+                        </m:sSub>
+                      </m:fName>
+                      <m:e>
+                        <m:r>
+                          <a:rPr lang="en-US" sz="2100" i="1">
+                            <a:solidFill>
+                              <a:srgbClr val="FF0000"/>
+                            </a:solidFill>
+                            <a:latin typeface="Cambria Math" panose="02040503050406030204" pitchFamily="18" charset="0"/>
+                            <a:ea typeface="Times New Roman" panose="02020603050405020304" pitchFamily="18" charset="0"/>
+                            <a:cs typeface="Times New Roman" panose="02020603050405020304" pitchFamily="18" charset="0"/>
+                          </a:rPr>
+                          <m:t>𝑛</m:t>
+                        </m:r>
+                      </m:e>
+                    </m:func>
+                    <m:r>
+                      <a:rPr lang="en-US" sz="2100" i="1">
+                        <a:solidFill>
+                          <a:srgbClr val="FF0000"/>
+                        </a:solidFill>
+                        <a:effectLst/>
+                        <a:latin typeface="Cambria Math" panose="02040503050406030204" pitchFamily="18" charset="0"/>
+                        <a:ea typeface="Times New Roman" panose="02020603050405020304" pitchFamily="18" charset="0"/>
+                        <a:cs typeface="Times New Roman" panose="02020603050405020304" pitchFamily="18" charset="0"/>
+                      </a:rPr>
+                      <m:t>)</m:t>
+                    </m:r>
+                  </m:oMath>
+                </a14:m>
+                <a:endParaRPr lang="en-US" sz="2100" dirty="0">
+                  <a:solidFill>
+                    <a:srgbClr val="FF0000"/>
+                  </a:solidFill>
+                  <a:effectLst/>
+                  <a:ea typeface="Calibri" panose="020F0502020204030204" pitchFamily="34" charset="0"/>
+                  <a:cs typeface="Times New Roman" panose="02020603050405020304" pitchFamily="18" charset="0"/>
+                </a:endParaRPr>
+              </a:p>
+              <a:p>
+                <a:pPr>
+                  <a:lnSpc>
+                    <a:spcPct val="120000"/>
+                  </a:lnSpc>
+                  <a:spcBef>
+                    <a:spcPts val="0"/>
+                  </a:spcBef>
+                  <a:spcAft>
+                    <a:spcPts val="800"/>
+                  </a:spcAft>
+                </a:pPr>
+                <a:r>
+                  <a:rPr lang="en-US" dirty="0">
+                    <a:ea typeface="Calibri" panose="020F0502020204030204" pitchFamily="34" charset="0"/>
+                    <a:cs typeface="Times New Roman" panose="02020603050405020304" pitchFamily="18" charset="0"/>
+                  </a:rPr>
+                  <a:t>Case 3: </a:t>
+                </a:r>
+              </a:p>
+              <a:p>
+                <a:pPr marL="0" marR="0" indent="0">
+                  <a:lnSpc>
+                    <a:spcPct val="120000"/>
+                  </a:lnSpc>
+                  <a:spcBef>
+                    <a:spcPts val="0"/>
+                  </a:spcBef>
+                  <a:spcAft>
+                    <a:spcPts val="800"/>
+                  </a:spcAft>
+                  <a:buNone/>
+                </a:pPr>
+                <a:r>
+                  <a:rPr lang="en-US" sz="2100" dirty="0">
+                    <a:effectLst/>
+                    <a:latin typeface="Calibri" panose="020F0502020204030204" pitchFamily="34" charset="0"/>
+                    <a:ea typeface="Calibri" panose="020F0502020204030204" pitchFamily="34" charset="0"/>
+                    <a:cs typeface="Times New Roman" panose="02020603050405020304" pitchFamily="18" charset="0"/>
+                  </a:rPr>
+                  <a:t>If </a:t>
+                </a:r>
+                <a14:m>
+                  <m:oMath xmlns:m="http://schemas.openxmlformats.org/officeDocument/2006/math">
+                    <m:r>
+                      <a:rPr lang="en-US" sz="2100" i="1">
+                        <a:effectLst/>
+                        <a:latin typeface="Cambria Math" panose="02040503050406030204" pitchFamily="18" charset="0"/>
+                        <a:ea typeface="Calibri" panose="020F0502020204030204" pitchFamily="34" charset="0"/>
+                        <a:cs typeface="Times New Roman" panose="02020603050405020304" pitchFamily="18" charset="0"/>
+                      </a:rPr>
+                      <m:t>𝑓</m:t>
+                    </m:r>
+                    <m:d>
+                      <m:dPr>
+                        <m:ctrlPr>
+                          <a:rPr lang="en-US" sz="2100" i="1">
+                            <a:effectLst/>
+                            <a:latin typeface="Cambria Math" panose="02040503050406030204" pitchFamily="18" charset="0"/>
+                            <a:ea typeface="Calibri" panose="020F0502020204030204" pitchFamily="34" charset="0"/>
+                            <a:cs typeface="Times New Roman" panose="02020603050405020304" pitchFamily="18" charset="0"/>
+                          </a:rPr>
+                        </m:ctrlPr>
+                      </m:dPr>
+                      <m:e>
+                        <m:r>
+                          <a:rPr lang="en-US" sz="2100" i="1">
+                            <a:effectLst/>
+                            <a:latin typeface="Cambria Math" panose="02040503050406030204" pitchFamily="18" charset="0"/>
+                            <a:ea typeface="Calibri" panose="020F0502020204030204" pitchFamily="34" charset="0"/>
+                            <a:cs typeface="Times New Roman" panose="02020603050405020304" pitchFamily="18" charset="0"/>
+                          </a:rPr>
+                          <m:t>𝑛</m:t>
+                        </m:r>
+                      </m:e>
+                    </m:d>
+                    <m:r>
+                      <a:rPr lang="en-US" sz="2100" b="0" i="1" smtClean="0">
+                        <a:effectLst/>
+                        <a:latin typeface="Cambria Math" panose="02040503050406030204" pitchFamily="18" charset="0"/>
+                        <a:ea typeface="Calibri" panose="020F0502020204030204" pitchFamily="34" charset="0"/>
+                        <a:cs typeface="Times New Roman" panose="02020603050405020304" pitchFamily="18" charset="0"/>
+                      </a:rPr>
+                      <m:t>&gt;</m:t>
+                    </m:r>
+                    <m:r>
+                      <a:rPr lang="en-US" sz="2100" i="1">
+                        <a:effectLst/>
+                        <a:latin typeface="Cambria Math" panose="02040503050406030204" pitchFamily="18" charset="0"/>
+                        <a:ea typeface="Calibri" panose="020F0502020204030204" pitchFamily="34" charset="0"/>
+                        <a:cs typeface="Times New Roman" panose="02020603050405020304" pitchFamily="18" charset="0"/>
+                      </a:rPr>
+                      <m:t>𝑂</m:t>
+                    </m:r>
+                    <m:r>
+                      <a:rPr lang="en-US" sz="2100" i="1">
+                        <a:effectLst/>
+                        <a:latin typeface="Cambria Math" panose="02040503050406030204" pitchFamily="18" charset="0"/>
+                        <a:ea typeface="Calibri" panose="020F0502020204030204" pitchFamily="34" charset="0"/>
+                        <a:cs typeface="Times New Roman" panose="02020603050405020304" pitchFamily="18" charset="0"/>
+                      </a:rPr>
+                      <m:t>(</m:t>
+                    </m:r>
+                    <m:sSup>
+                      <m:sSupPr>
+                        <m:ctrlPr>
+                          <a:rPr lang="en-US" sz="2100" i="1">
+                            <a:effectLst/>
+                            <a:latin typeface="Cambria Math" panose="02040503050406030204" pitchFamily="18" charset="0"/>
+                            <a:ea typeface="Calibri" panose="020F0502020204030204" pitchFamily="34" charset="0"/>
+                            <a:cs typeface="Times New Roman" panose="02020603050405020304" pitchFamily="18" charset="0"/>
+                          </a:rPr>
+                        </m:ctrlPr>
+                      </m:sSupPr>
+                      <m:e>
+                        <m:r>
+                          <a:rPr lang="en-US" sz="2100" i="1">
+                            <a:effectLst/>
+                            <a:latin typeface="Cambria Math" panose="02040503050406030204" pitchFamily="18" charset="0"/>
+                            <a:ea typeface="Calibri" panose="020F0502020204030204" pitchFamily="34" charset="0"/>
+                            <a:cs typeface="Times New Roman" panose="02020603050405020304" pitchFamily="18" charset="0"/>
+                          </a:rPr>
+                          <m:t>𝑛</m:t>
+                        </m:r>
+                      </m:e>
+                      <m:sup>
+                        <m:func>
+                          <m:funcPr>
+                            <m:ctrlPr>
+                              <a:rPr lang="en-US" sz="2100" i="1">
+                                <a:effectLst/>
+                                <a:latin typeface="Cambria Math" panose="02040503050406030204" pitchFamily="18" charset="0"/>
+                                <a:ea typeface="Calibri" panose="020F0502020204030204" pitchFamily="34" charset="0"/>
+                                <a:cs typeface="Times New Roman" panose="02020603050405020304" pitchFamily="18" charset="0"/>
+                              </a:rPr>
+                            </m:ctrlPr>
+                          </m:funcPr>
+                          <m:fName>
+                            <m:sSub>
+                              <m:sSubPr>
+                                <m:ctrlPr>
+                                  <a:rPr lang="en-US" sz="2100" i="1">
+                                    <a:effectLst/>
+                                    <a:latin typeface="Cambria Math" panose="02040503050406030204" pitchFamily="18" charset="0"/>
+                                    <a:ea typeface="Calibri" panose="020F0502020204030204" pitchFamily="34" charset="0"/>
+                                    <a:cs typeface="Times New Roman" panose="02020603050405020304" pitchFamily="18" charset="0"/>
+                                  </a:rPr>
+                                </m:ctrlPr>
+                              </m:sSubPr>
+                              <m:e>
+                                <m:r>
+                                  <m:rPr>
+                                    <m:sty m:val="p"/>
+                                  </m:rPr>
+                                  <a:rPr lang="en-US" sz="2100">
+                                    <a:effectLst/>
+                                    <a:latin typeface="Cambria Math" panose="02040503050406030204" pitchFamily="18" charset="0"/>
+                                    <a:ea typeface="Calibri" panose="020F0502020204030204" pitchFamily="34" charset="0"/>
+                                    <a:cs typeface="Times New Roman" panose="02020603050405020304" pitchFamily="18" charset="0"/>
+                                  </a:rPr>
+                                  <m:t>log</m:t>
+                                </m:r>
+                              </m:e>
+                              <m:sub>
+                                <m:r>
+                                  <a:rPr lang="en-US" sz="2100" i="1">
+                                    <a:effectLst/>
+                                    <a:latin typeface="Cambria Math" panose="02040503050406030204" pitchFamily="18" charset="0"/>
+                                    <a:ea typeface="Calibri" panose="020F0502020204030204" pitchFamily="34" charset="0"/>
+                                    <a:cs typeface="Times New Roman" panose="02020603050405020304" pitchFamily="18" charset="0"/>
+                                  </a:rPr>
+                                  <m:t>𝑏</m:t>
+                                </m:r>
+                              </m:sub>
+                            </m:sSub>
+                          </m:fName>
+                          <m:e>
+                            <m:r>
+                              <a:rPr lang="en-US" sz="2100" i="1">
+                                <a:effectLst/>
+                                <a:latin typeface="Cambria Math" panose="02040503050406030204" pitchFamily="18" charset="0"/>
+                                <a:ea typeface="Calibri" panose="020F0502020204030204" pitchFamily="34" charset="0"/>
+                                <a:cs typeface="Times New Roman" panose="02020603050405020304" pitchFamily="18" charset="0"/>
+                              </a:rPr>
+                              <m:t>𝑎</m:t>
+                            </m:r>
+                          </m:e>
+                        </m:func>
+                      </m:sup>
+                    </m:sSup>
+                    <m:r>
+                      <a:rPr lang="en-US" sz="2100" i="1">
+                        <a:effectLst/>
+                        <a:latin typeface="Cambria Math" panose="02040503050406030204" pitchFamily="18" charset="0"/>
+                        <a:ea typeface="Calibri" panose="020F0502020204030204" pitchFamily="34" charset="0"/>
+                        <a:cs typeface="Times New Roman" panose="02020603050405020304" pitchFamily="18" charset="0"/>
+                      </a:rPr>
+                      <m:t>)</m:t>
+                    </m:r>
+                  </m:oMath>
+                </a14:m>
+                <a:r>
+                  <a:rPr lang="en-US" sz="2100" dirty="0">
+                    <a:effectLst/>
+                    <a:latin typeface="Calibri" panose="020F0502020204030204" pitchFamily="34" charset="0"/>
+                    <a:ea typeface="Times New Roman" panose="02020603050405020304" pitchFamily="18" charset="0"/>
+                    <a:cs typeface="Times New Roman" panose="02020603050405020304" pitchFamily="18" charset="0"/>
+                  </a:rPr>
+                  <a:t> </a:t>
+                </a:r>
+                <a:r>
+                  <a:rPr lang="en-US" sz="2100" dirty="0">
+                    <a:latin typeface="Calibri" panose="020F0502020204030204" pitchFamily="34" charset="0"/>
+                    <a:ea typeface="Times New Roman" panose="02020603050405020304" pitchFamily="18" charset="0"/>
+                    <a:cs typeface="Times New Roman" panose="02020603050405020304" pitchFamily="18" charset="0"/>
+                  </a:rPr>
+                  <a:t>and if a f(n/b)&lt;=c f(n) for c &lt; 1, then: T(n) = </a:t>
+                </a:r>
+                <a14:m>
+                  <m:oMath xmlns:m="http://schemas.openxmlformats.org/officeDocument/2006/math">
+                    <m:r>
+                      <a:rPr lang="en-US" sz="2100" i="1">
+                        <a:latin typeface="Cambria Math" panose="02040503050406030204" pitchFamily="18" charset="0"/>
+                        <a:ea typeface="Times New Roman" panose="02020603050405020304" pitchFamily="18" charset="0"/>
+                        <a:cs typeface="Times New Roman" panose="02020603050405020304" pitchFamily="18" charset="0"/>
+                      </a:rPr>
+                      <m:t>𝜃</m:t>
+                    </m:r>
+                    <m:r>
+                      <a:rPr lang="en-US" sz="2100" i="1">
+                        <a:latin typeface="Cambria Math" panose="02040503050406030204" pitchFamily="18" charset="0"/>
+                        <a:ea typeface="Times New Roman" panose="02020603050405020304" pitchFamily="18" charset="0"/>
+                        <a:cs typeface="Times New Roman" panose="02020603050405020304" pitchFamily="18" charset="0"/>
+                      </a:rPr>
+                      <m:t>(</m:t>
+                    </m:r>
+                    <m:r>
+                      <a:rPr lang="en-US" sz="2100" i="1">
+                        <a:latin typeface="Cambria Math" panose="02040503050406030204" pitchFamily="18" charset="0"/>
+                        <a:ea typeface="Times New Roman" panose="02020603050405020304" pitchFamily="18" charset="0"/>
+                        <a:cs typeface="Times New Roman" panose="02020603050405020304" pitchFamily="18" charset="0"/>
+                      </a:rPr>
+                      <m:t>𝑓</m:t>
+                    </m:r>
+                    <m:r>
+                      <a:rPr lang="en-US" sz="2100" i="1">
+                        <a:latin typeface="Cambria Math" panose="02040503050406030204" pitchFamily="18" charset="0"/>
+                        <a:ea typeface="Times New Roman" panose="02020603050405020304" pitchFamily="18" charset="0"/>
+                        <a:cs typeface="Times New Roman" panose="02020603050405020304" pitchFamily="18" charset="0"/>
+                      </a:rPr>
+                      <m:t>(</m:t>
+                    </m:r>
+                    <m:r>
+                      <a:rPr lang="en-US" sz="2100" i="1">
+                        <a:latin typeface="Cambria Math" panose="02040503050406030204" pitchFamily="18" charset="0"/>
+                        <a:ea typeface="Times New Roman" panose="02020603050405020304" pitchFamily="18" charset="0"/>
+                        <a:cs typeface="Times New Roman" panose="02020603050405020304" pitchFamily="18" charset="0"/>
+                      </a:rPr>
+                      <m:t>𝑛</m:t>
+                    </m:r>
+                    <m:r>
+                      <a:rPr lang="en-US" sz="2100" i="1">
+                        <a:latin typeface="Cambria Math" panose="02040503050406030204" pitchFamily="18" charset="0"/>
+                        <a:ea typeface="Times New Roman" panose="02020603050405020304" pitchFamily="18" charset="0"/>
+                        <a:cs typeface="Times New Roman" panose="02020603050405020304" pitchFamily="18" charset="0"/>
+                      </a:rPr>
+                      <m:t>))</m:t>
+                    </m:r>
+                  </m:oMath>
+                </a14:m>
+                <a:r>
+                  <a:rPr lang="en-US" sz="2100" dirty="0">
+                    <a:latin typeface="Calibri" panose="020F0502020204030204" pitchFamily="34" charset="0"/>
+                    <a:ea typeface="Times New Roman" panose="02020603050405020304" pitchFamily="18" charset="0"/>
+                    <a:cs typeface="Times New Roman" panose="02020603050405020304" pitchFamily="18" charset="0"/>
+                  </a:rPr>
+                  <a:t> </a:t>
+                </a:r>
+                <a:endParaRPr lang="en-US" sz="2100" dirty="0">
+                  <a:effectLst/>
+                  <a:ea typeface="Calibri" panose="020F0502020204030204" pitchFamily="34" charset="0"/>
+                  <a:cs typeface="Times New Roman" panose="02020603050405020304" pitchFamily="18" charset="0"/>
+                </a:endParaRPr>
+              </a:p>
+            </p:txBody>
+          </p:sp>
+        </mc:Choice>
+        <mc:Fallback>
+          <p:sp>
+            <p:nvSpPr>
+              <p:cNvPr id="6" name="Content Placeholder 2">
+                <a:extLst>
+                  <a:ext uri="{FF2B5EF4-FFF2-40B4-BE49-F238E27FC236}">
+                    <a16:creationId xmlns:a16="http://schemas.microsoft.com/office/drawing/2014/main" id="{52E00B7E-BDC0-4105-8D80-BA4937D7E7FD}"/>
+                  </a:ext>
+                </a:extLst>
+              </p:cNvPr>
+              <p:cNvSpPr>
+                <a:spLocks noGrp="1" noRot="1" noChangeAspect="1" noMove="1" noResize="1" noEditPoints="1" noAdjustHandles="1" noChangeArrowheads="1" noChangeShapeType="1" noTextEdit="1"/>
+              </p:cNvSpPr>
+              <p:nvPr>
+                <p:ph sz="half" idx="2"/>
+              </p:nvPr>
+            </p:nvSpPr>
+            <p:spPr>
+              <a:xfrm>
+                <a:off x="7859730" y="1825624"/>
+                <a:ext cx="4109663" cy="3326866"/>
+              </a:xfrm>
+              <a:blipFill>
+                <a:blip r:embed="rId2"/>
+                <a:stretch>
+                  <a:fillRect l="-890" t="-916"/>
+                </a:stretch>
+              </a:blipFill>
+            </p:spPr>
+            <p:txBody>
+              <a:bodyPr/>
+              <a:lstStyle/>
+              <a:p>
+                <a:r>
+                  <a:rPr lang="en-US">
+                    <a:noFill/>
+                  </a:rPr>
+                  <a:t> </a:t>
+                </a:r>
+              </a:p>
+            </p:txBody>
+          </p:sp>
+        </mc:Fallback>
+      </mc:AlternateContent>
+      <mc:AlternateContent xmlns:mc="http://schemas.openxmlformats.org/markup-compatibility/2006">
+        <mc:Choice xmlns:a14="http://schemas.microsoft.com/office/drawing/2010/main" Requires="a14">
+          <p:sp>
+            <p:nvSpPr>
+              <p:cNvPr id="8" name="TextBox 7">
+                <a:extLst>
+                  <a:ext uri="{FF2B5EF4-FFF2-40B4-BE49-F238E27FC236}">
+                    <a16:creationId xmlns:a16="http://schemas.microsoft.com/office/drawing/2014/main" id="{C1B5F536-0B2C-4FA9-AD2E-1EC1D3900939}"/>
+                  </a:ext>
+                </a:extLst>
+              </p:cNvPr>
+              <p:cNvSpPr txBox="1"/>
+              <p:nvPr/>
+            </p:nvSpPr>
+            <p:spPr>
+              <a:xfrm>
+                <a:off x="801384" y="2295799"/>
+                <a:ext cx="3861891" cy="681790"/>
+              </a:xfrm>
+              <a:prstGeom prst="rect">
+                <a:avLst/>
+              </a:prstGeom>
+              <a:noFill/>
+            </p:spPr>
+            <p:txBody>
+              <a:bodyPr wrap="none" rtlCol="0">
+                <a:spAutoFit/>
+              </a:bodyPr>
+              <a:lstStyle/>
+              <a:p>
+                <a:pPr marL="0" indent="0">
+                  <a:lnSpc>
+                    <a:spcPct val="220000"/>
+                  </a:lnSpc>
+                  <a:buNone/>
+                </a:pPr>
+                <a14:m>
+                  <m:oMath xmlns:m="http://schemas.openxmlformats.org/officeDocument/2006/math">
+                    <m:r>
+                      <a:rPr lang="en-US" sz="1800" i="1" smtClean="0">
+                        <a:effectLst/>
+                        <a:latin typeface="Cambria Math" panose="02040503050406030204" pitchFamily="18" charset="0"/>
+                        <a:ea typeface="Calibri" panose="020F0502020204030204" pitchFamily="34" charset="0"/>
+                        <a:cs typeface="Times New Roman" panose="02020603050405020304" pitchFamily="18" charset="0"/>
+                      </a:rPr>
+                      <m:t>𝑂</m:t>
+                    </m:r>
+                    <m:r>
+                      <a:rPr lang="en-US" sz="1800" i="1" smtClean="0">
+                        <a:effectLst/>
+                        <a:latin typeface="Cambria Math" panose="02040503050406030204" pitchFamily="18" charset="0"/>
+                        <a:ea typeface="Calibri" panose="020F0502020204030204" pitchFamily="34" charset="0"/>
+                        <a:cs typeface="Times New Roman" panose="02020603050405020304" pitchFamily="18" charset="0"/>
+                      </a:rPr>
+                      <m:t>(</m:t>
+                    </m:r>
+                    <m:sSup>
+                      <m:sSupPr>
+                        <m:ctrlPr>
+                          <a:rPr lang="en-US" sz="1800" i="1">
+                            <a:effectLst/>
+                            <a:latin typeface="Cambria Math" panose="02040503050406030204" pitchFamily="18" charset="0"/>
+                            <a:ea typeface="Calibri" panose="020F0502020204030204" pitchFamily="34" charset="0"/>
+                            <a:cs typeface="Times New Roman" panose="02020603050405020304" pitchFamily="18" charset="0"/>
+                          </a:rPr>
+                        </m:ctrlPr>
+                      </m:sSupPr>
+                      <m:e>
+                        <m:r>
+                          <a:rPr lang="en-US" sz="1800" i="1">
+                            <a:effectLst/>
+                            <a:latin typeface="Cambria Math" panose="02040503050406030204" pitchFamily="18" charset="0"/>
+                            <a:ea typeface="Calibri" panose="020F0502020204030204" pitchFamily="34" charset="0"/>
+                            <a:cs typeface="Times New Roman" panose="02020603050405020304" pitchFamily="18" charset="0"/>
+                          </a:rPr>
+                          <m:t>𝑛</m:t>
+                        </m:r>
+                      </m:e>
+                      <m:sup>
+                        <m:func>
+                          <m:funcPr>
+                            <m:ctrlPr>
+                              <a:rPr lang="en-US" sz="1800" i="1">
+                                <a:effectLst/>
+                                <a:latin typeface="Cambria Math" panose="02040503050406030204" pitchFamily="18" charset="0"/>
+                                <a:ea typeface="Calibri" panose="020F0502020204030204" pitchFamily="34" charset="0"/>
+                                <a:cs typeface="Times New Roman" panose="02020603050405020304" pitchFamily="18" charset="0"/>
+                              </a:rPr>
+                            </m:ctrlPr>
+                          </m:funcPr>
+                          <m:fName>
+                            <m:sSub>
+                              <m:sSubPr>
+                                <m:ctrlPr>
+                                  <a:rPr lang="en-US" sz="1800" i="1">
+                                    <a:effectLst/>
+                                    <a:latin typeface="Cambria Math" panose="02040503050406030204" pitchFamily="18" charset="0"/>
+                                    <a:ea typeface="Calibri" panose="020F0502020204030204" pitchFamily="34" charset="0"/>
+                                    <a:cs typeface="Times New Roman" panose="02020603050405020304" pitchFamily="18" charset="0"/>
+                                  </a:rPr>
+                                </m:ctrlPr>
+                              </m:sSubPr>
+                              <m:e>
+                                <m:r>
+                                  <m:rPr>
+                                    <m:sty m:val="p"/>
+                                  </m:rPr>
+                                  <a:rPr lang="en-US" sz="1800">
+                                    <a:effectLst/>
+                                    <a:latin typeface="Cambria Math" panose="02040503050406030204" pitchFamily="18" charset="0"/>
+                                    <a:ea typeface="Calibri" panose="020F0502020204030204" pitchFamily="34" charset="0"/>
+                                    <a:cs typeface="Times New Roman" panose="02020603050405020304" pitchFamily="18" charset="0"/>
+                                  </a:rPr>
+                                  <m:t>log</m:t>
+                                </m:r>
+                              </m:e>
+                              <m:sub>
+                                <m:r>
+                                  <a:rPr lang="en-US" sz="1800" i="1">
+                                    <a:effectLst/>
+                                    <a:latin typeface="Cambria Math" panose="02040503050406030204" pitchFamily="18" charset="0"/>
+                                    <a:ea typeface="Calibri" panose="020F0502020204030204" pitchFamily="34" charset="0"/>
+                                    <a:cs typeface="Times New Roman" panose="02020603050405020304" pitchFamily="18" charset="0"/>
+                                  </a:rPr>
+                                  <m:t>𝑏</m:t>
+                                </m:r>
+                              </m:sub>
+                            </m:sSub>
+                          </m:fName>
+                          <m:e>
+                            <m:r>
+                              <a:rPr lang="en-US" sz="1800" i="1">
+                                <a:effectLst/>
+                                <a:latin typeface="Cambria Math" panose="02040503050406030204" pitchFamily="18" charset="0"/>
+                                <a:ea typeface="Calibri" panose="020F0502020204030204" pitchFamily="34" charset="0"/>
+                                <a:cs typeface="Times New Roman" panose="02020603050405020304" pitchFamily="18" charset="0"/>
+                              </a:rPr>
+                              <m:t>𝑎</m:t>
+                            </m:r>
+                          </m:e>
+                        </m:func>
+                      </m:sup>
+                    </m:sSup>
+                  </m:oMath>
+                </a14:m>
+                <a:r>
+                  <a:rPr lang="en-US" dirty="0"/>
+                  <a:t>) = </a:t>
+                </a:r>
+                <a14:m>
+                  <m:oMath xmlns:m="http://schemas.openxmlformats.org/officeDocument/2006/math">
+                    <m:r>
+                      <a:rPr lang="en-US" i="1">
+                        <a:latin typeface="Cambria Math" panose="02040503050406030204" pitchFamily="18" charset="0"/>
+                        <a:ea typeface="Calibri" panose="020F0502020204030204" pitchFamily="34" charset="0"/>
+                        <a:cs typeface="Times New Roman" panose="02020603050405020304" pitchFamily="18" charset="0"/>
+                      </a:rPr>
+                      <m:t>𝑂</m:t>
+                    </m:r>
+                    <m:r>
+                      <a:rPr lang="en-US" i="1">
+                        <a:latin typeface="Cambria Math" panose="02040503050406030204" pitchFamily="18" charset="0"/>
+                        <a:ea typeface="Calibri" panose="020F0502020204030204" pitchFamily="34" charset="0"/>
+                        <a:cs typeface="Times New Roman" panose="02020603050405020304" pitchFamily="18" charset="0"/>
+                      </a:rPr>
+                      <m:t>(</m:t>
+                    </m:r>
+                    <m:sSup>
+                      <m:sSupPr>
+                        <m:ctrlPr>
+                          <a:rPr lang="en-US" i="1">
+                            <a:latin typeface="Cambria Math" panose="02040503050406030204" pitchFamily="18" charset="0"/>
+                            <a:ea typeface="Calibri" panose="020F0502020204030204" pitchFamily="34" charset="0"/>
+                            <a:cs typeface="Times New Roman" panose="02020603050405020304" pitchFamily="18" charset="0"/>
+                          </a:rPr>
+                        </m:ctrlPr>
+                      </m:sSupPr>
+                      <m:e>
+                        <m:r>
+                          <a:rPr lang="en-US" i="1">
+                            <a:latin typeface="Cambria Math" panose="02040503050406030204" pitchFamily="18" charset="0"/>
+                            <a:ea typeface="Calibri" panose="020F0502020204030204" pitchFamily="34" charset="0"/>
+                            <a:cs typeface="Times New Roman" panose="02020603050405020304" pitchFamily="18" charset="0"/>
+                          </a:rPr>
+                          <m:t>𝑛</m:t>
+                        </m:r>
+                      </m:e>
+                      <m:sup>
+                        <m:func>
+                          <m:funcPr>
+                            <m:ctrlPr>
+                              <a:rPr lang="en-US" i="1">
+                                <a:latin typeface="Cambria Math" panose="02040503050406030204" pitchFamily="18" charset="0"/>
+                                <a:ea typeface="Calibri" panose="020F0502020204030204" pitchFamily="34" charset="0"/>
+                                <a:cs typeface="Times New Roman" panose="02020603050405020304" pitchFamily="18" charset="0"/>
+                              </a:rPr>
+                            </m:ctrlPr>
+                          </m:funcPr>
+                          <m:fName>
+                            <m:sSub>
+                              <m:sSubPr>
+                                <m:ctrlPr>
+                                  <a:rPr lang="en-US" i="1" smtClean="0">
+                                    <a:latin typeface="Cambria Math" panose="02040503050406030204" pitchFamily="18" charset="0"/>
+                                    <a:ea typeface="Calibri" panose="020F0502020204030204" pitchFamily="34" charset="0"/>
+                                    <a:cs typeface="Times New Roman" panose="02020603050405020304" pitchFamily="18" charset="0"/>
+                                  </a:rPr>
+                                </m:ctrlPr>
+                              </m:sSubPr>
+                              <m:e>
+                                <m:r>
+                                  <m:rPr>
+                                    <m:sty m:val="p"/>
+                                  </m:rPr>
+                                  <a:rPr lang="en-US">
+                                    <a:latin typeface="Cambria Math" panose="02040503050406030204" pitchFamily="18" charset="0"/>
+                                    <a:ea typeface="Calibri" panose="020F0502020204030204" pitchFamily="34" charset="0"/>
+                                    <a:cs typeface="Times New Roman" panose="02020603050405020304" pitchFamily="18" charset="0"/>
+                                  </a:rPr>
+                                  <m:t>log</m:t>
+                                </m:r>
+                              </m:e>
+                              <m:sub>
+                                <m:r>
+                                  <a:rPr lang="en-US" b="0" i="1" smtClean="0">
+                                    <a:latin typeface="Cambria Math" panose="02040503050406030204" pitchFamily="18" charset="0"/>
+                                    <a:ea typeface="Calibri" panose="020F0502020204030204" pitchFamily="34" charset="0"/>
+                                    <a:cs typeface="Times New Roman" panose="02020603050405020304" pitchFamily="18" charset="0"/>
+                                  </a:rPr>
+                                  <m:t>2</m:t>
+                                </m:r>
+                              </m:sub>
+                            </m:sSub>
+                          </m:fName>
+                          <m:e>
+                            <m:r>
+                              <a:rPr lang="en-US" b="0" i="1" smtClean="0">
+                                <a:latin typeface="Cambria Math" panose="02040503050406030204" pitchFamily="18" charset="0"/>
+                                <a:ea typeface="Calibri" panose="020F0502020204030204" pitchFamily="34" charset="0"/>
+                                <a:cs typeface="Times New Roman" panose="02020603050405020304" pitchFamily="18" charset="0"/>
+                              </a:rPr>
+                              <m:t>2</m:t>
+                            </m:r>
+                          </m:e>
+                        </m:func>
+                      </m:sup>
+                    </m:sSup>
+                  </m:oMath>
+                </a14:m>
+                <a:r>
+                  <a:rPr lang="en-US" dirty="0"/>
+                  <a:t>) = </a:t>
+                </a:r>
+                <a14:m>
+                  <m:oMath xmlns:m="http://schemas.openxmlformats.org/officeDocument/2006/math">
+                    <m:r>
+                      <a:rPr lang="en-US" i="1">
+                        <a:latin typeface="Cambria Math" panose="02040503050406030204" pitchFamily="18" charset="0"/>
+                        <a:ea typeface="Calibri" panose="020F0502020204030204" pitchFamily="34" charset="0"/>
+                        <a:cs typeface="Times New Roman" panose="02020603050405020304" pitchFamily="18" charset="0"/>
+                      </a:rPr>
+                      <m:t>𝑂</m:t>
+                    </m:r>
+                    <m:d>
+                      <m:dPr>
+                        <m:ctrlPr>
+                          <a:rPr lang="en-US" i="1">
+                            <a:latin typeface="Cambria Math" panose="02040503050406030204" pitchFamily="18" charset="0"/>
+                            <a:ea typeface="Calibri" panose="020F0502020204030204" pitchFamily="34" charset="0"/>
+                            <a:cs typeface="Times New Roman" panose="02020603050405020304" pitchFamily="18" charset="0"/>
+                          </a:rPr>
+                        </m:ctrlPr>
+                      </m:dPr>
+                      <m:e>
+                        <m:sSup>
+                          <m:sSupPr>
+                            <m:ctrlPr>
+                              <a:rPr lang="en-US" i="1" smtClean="0">
+                                <a:latin typeface="Cambria Math" panose="02040503050406030204" pitchFamily="18" charset="0"/>
+                                <a:ea typeface="Calibri" panose="020F0502020204030204" pitchFamily="34" charset="0"/>
+                                <a:cs typeface="Times New Roman" panose="02020603050405020304" pitchFamily="18" charset="0"/>
+                              </a:rPr>
+                            </m:ctrlPr>
+                          </m:sSupPr>
+                          <m:e>
+                            <m:r>
+                              <a:rPr lang="en-US" i="1">
+                                <a:latin typeface="Cambria Math" panose="02040503050406030204" pitchFamily="18" charset="0"/>
+                                <a:ea typeface="Calibri" panose="020F0502020204030204" pitchFamily="34" charset="0"/>
+                                <a:cs typeface="Times New Roman" panose="02020603050405020304" pitchFamily="18" charset="0"/>
+                              </a:rPr>
+                              <m:t>𝑛</m:t>
+                            </m:r>
+                          </m:e>
+                          <m:sup>
+                            <m:r>
+                              <a:rPr lang="en-US" b="0" i="1" smtClean="0">
+                                <a:latin typeface="Cambria Math" panose="02040503050406030204" pitchFamily="18" charset="0"/>
+                                <a:ea typeface="Calibri" panose="020F0502020204030204" pitchFamily="34" charset="0"/>
+                                <a:cs typeface="Times New Roman" panose="02020603050405020304" pitchFamily="18" charset="0"/>
+                              </a:rPr>
+                              <m:t>1</m:t>
+                            </m:r>
+                          </m:sup>
+                        </m:sSup>
+                      </m:e>
+                    </m:d>
+                  </m:oMath>
+                </a14:m>
+                <a:r>
+                  <a:rPr lang="en-US" dirty="0"/>
+                  <a:t> = </a:t>
+                </a:r>
+                <a14:m>
+                  <m:oMath xmlns:m="http://schemas.openxmlformats.org/officeDocument/2006/math">
+                    <m:r>
+                      <a:rPr lang="en-US" i="1">
+                        <a:latin typeface="Cambria Math" panose="02040503050406030204" pitchFamily="18" charset="0"/>
+                        <a:ea typeface="Calibri" panose="020F0502020204030204" pitchFamily="34" charset="0"/>
+                        <a:cs typeface="Times New Roman" panose="02020603050405020304" pitchFamily="18" charset="0"/>
+                      </a:rPr>
+                      <m:t>𝑂</m:t>
+                    </m:r>
+                    <m:d>
+                      <m:dPr>
+                        <m:ctrlPr>
+                          <a:rPr lang="en-US" i="1">
+                            <a:latin typeface="Cambria Math" panose="02040503050406030204" pitchFamily="18" charset="0"/>
+                            <a:ea typeface="Calibri" panose="020F0502020204030204" pitchFamily="34" charset="0"/>
+                            <a:cs typeface="Times New Roman" panose="02020603050405020304" pitchFamily="18" charset="0"/>
+                          </a:rPr>
+                        </m:ctrlPr>
+                      </m:dPr>
+                      <m:e>
+                        <m:r>
+                          <a:rPr lang="en-US" b="0" i="1" smtClean="0">
+                            <a:latin typeface="Cambria Math" panose="02040503050406030204" pitchFamily="18" charset="0"/>
+                            <a:ea typeface="Calibri" panose="020F0502020204030204" pitchFamily="34" charset="0"/>
+                            <a:cs typeface="Times New Roman" panose="02020603050405020304" pitchFamily="18" charset="0"/>
+                          </a:rPr>
+                          <m:t>𝑛</m:t>
+                        </m:r>
+                      </m:e>
+                    </m:d>
+                  </m:oMath>
+                </a14:m>
+                <a:endParaRPr lang="en-US" b="0" dirty="0">
+                  <a:ea typeface="Calibri" panose="020F0502020204030204" pitchFamily="34" charset="0"/>
+                  <a:cs typeface="Times New Roman" panose="02020603050405020304" pitchFamily="18" charset="0"/>
+                </a:endParaRPr>
+              </a:p>
+            </p:txBody>
+          </p:sp>
+        </mc:Choice>
+        <mc:Fallback>
+          <p:sp>
+            <p:nvSpPr>
+              <p:cNvPr id="8" name="TextBox 7">
+                <a:extLst>
+                  <a:ext uri="{FF2B5EF4-FFF2-40B4-BE49-F238E27FC236}">
+                    <a16:creationId xmlns:a16="http://schemas.microsoft.com/office/drawing/2014/main" id="{C1B5F536-0B2C-4FA9-AD2E-1EC1D3900939}"/>
+                  </a:ext>
+                </a:extLst>
+              </p:cNvPr>
+              <p:cNvSpPr txBox="1">
+                <a:spLocks noRot="1" noChangeAspect="1" noMove="1" noResize="1" noEditPoints="1" noAdjustHandles="1" noChangeArrowheads="1" noChangeShapeType="1" noTextEdit="1"/>
+              </p:cNvSpPr>
+              <p:nvPr/>
+            </p:nvSpPr>
+            <p:spPr>
+              <a:xfrm>
+                <a:off x="801384" y="2295799"/>
+                <a:ext cx="3861891" cy="681790"/>
+              </a:xfrm>
+              <a:prstGeom prst="rect">
+                <a:avLst/>
+              </a:prstGeom>
+              <a:blipFill>
+                <a:blip r:embed="rId3"/>
+                <a:stretch>
+                  <a:fillRect b="-12613"/>
+                </a:stretch>
+              </a:blipFill>
+            </p:spPr>
+            <p:txBody>
+              <a:bodyPr/>
+              <a:lstStyle/>
+              <a:p>
+                <a:r>
+                  <a:rPr lang="en-US">
+                    <a:noFill/>
+                  </a:rPr>
+                  <a:t> </a:t>
+                </a:r>
+              </a:p>
+            </p:txBody>
+          </p:sp>
+        </mc:Fallback>
+      </mc:AlternateContent>
+      <p:sp>
+        <p:nvSpPr>
+          <p:cNvPr id="9" name="TextBox 8">
+            <a:extLst>
+              <a:ext uri="{FF2B5EF4-FFF2-40B4-BE49-F238E27FC236}">
+                <a16:creationId xmlns:a16="http://schemas.microsoft.com/office/drawing/2014/main" id="{8E042B10-E2CE-45AA-B0ED-7F6A97459F6D}"/>
+              </a:ext>
+            </a:extLst>
+          </p:cNvPr>
+          <p:cNvSpPr txBox="1"/>
+          <p:nvPr/>
+        </p:nvSpPr>
+        <p:spPr>
+          <a:xfrm>
+            <a:off x="801384" y="2959693"/>
+            <a:ext cx="3563796" cy="610295"/>
+          </a:xfrm>
+          <a:prstGeom prst="rect">
+            <a:avLst/>
+          </a:prstGeom>
+          <a:noFill/>
+        </p:spPr>
+        <p:txBody>
+          <a:bodyPr wrap="none" rtlCol="0">
+            <a:spAutoFit/>
+          </a:bodyPr>
+          <a:lstStyle/>
+          <a:p>
+            <a:pPr marL="0" indent="0">
+              <a:lnSpc>
+                <a:spcPct val="220000"/>
+              </a:lnSpc>
+              <a:buNone/>
+            </a:pPr>
+            <a:r>
+              <a:rPr lang="en-US" dirty="0">
+                <a:ea typeface="Calibri" panose="020F0502020204030204" pitchFamily="34" charset="0"/>
+                <a:cs typeface="Times New Roman" panose="02020603050405020304" pitchFamily="18" charset="0"/>
+              </a:rPr>
+              <a:t>f</a:t>
+            </a:r>
+            <a:r>
+              <a:rPr lang="en-US" b="0" dirty="0">
+                <a:ea typeface="Calibri" panose="020F0502020204030204" pitchFamily="34" charset="0"/>
+                <a:cs typeface="Times New Roman" panose="02020603050405020304" pitchFamily="18" charset="0"/>
+              </a:rPr>
+              <a:t>(n) = n = O(n)		</a:t>
+            </a:r>
+            <a:r>
+              <a:rPr lang="en-US" b="0" dirty="0">
+                <a:solidFill>
+                  <a:srgbClr val="FF0000"/>
+                </a:solidFill>
+                <a:ea typeface="Calibri" panose="020F0502020204030204" pitchFamily="34" charset="0"/>
+                <a:cs typeface="Times New Roman" panose="02020603050405020304" pitchFamily="18" charset="0"/>
+              </a:rPr>
+              <a:t>Case 2</a:t>
+            </a:r>
+          </a:p>
+        </p:txBody>
+      </p:sp>
+      <mc:AlternateContent xmlns:mc="http://schemas.openxmlformats.org/markup-compatibility/2006">
+        <mc:Choice xmlns:a14="http://schemas.microsoft.com/office/drawing/2010/main" Requires="a14">
+          <p:sp>
+            <p:nvSpPr>
+              <p:cNvPr id="11" name="TextBox 10">
+                <a:extLst>
+                  <a:ext uri="{FF2B5EF4-FFF2-40B4-BE49-F238E27FC236}">
+                    <a16:creationId xmlns:a16="http://schemas.microsoft.com/office/drawing/2014/main" id="{F4898FF4-4D3A-4EFF-8BC0-FEFE27B71F8C}"/>
+                  </a:ext>
+                </a:extLst>
+              </p:cNvPr>
+              <p:cNvSpPr txBox="1"/>
+              <p:nvPr/>
+            </p:nvSpPr>
+            <p:spPr>
+              <a:xfrm>
+                <a:off x="761572" y="3489057"/>
+                <a:ext cx="6095144" cy="628634"/>
+              </a:xfrm>
+              <a:prstGeom prst="rect">
+                <a:avLst/>
+              </a:prstGeom>
+              <a:noFill/>
+            </p:spPr>
+            <p:txBody>
+              <a:bodyPr wrap="square">
+                <a:spAutoFit/>
+              </a:bodyPr>
+              <a:lstStyle/>
+              <a:p>
+                <a:pPr marL="0" indent="0">
+                  <a:lnSpc>
+                    <a:spcPct val="220000"/>
+                  </a:lnSpc>
+                  <a:buNone/>
+                </a:pPr>
+                <a:r>
+                  <a:rPr lang="en-US" b="0" dirty="0">
+                    <a:ea typeface="Calibri" panose="020F0502020204030204" pitchFamily="34" charset="0"/>
+                    <a:cs typeface="Times New Roman" panose="02020603050405020304" pitchFamily="18" charset="0"/>
+                  </a:rPr>
+                  <a:t> T(n) = </a:t>
+                </a:r>
+                <a14:m>
+                  <m:oMath xmlns:m="http://schemas.openxmlformats.org/officeDocument/2006/math">
+                    <m:r>
+                      <a:rPr lang="en-US" sz="1800" i="1" smtClean="0">
+                        <a:solidFill>
+                          <a:schemeClr val="tx1"/>
+                        </a:solidFill>
+                        <a:effectLst/>
+                        <a:latin typeface="Cambria Math" panose="02040503050406030204" pitchFamily="18" charset="0"/>
+                        <a:ea typeface="Times New Roman" panose="02020603050405020304" pitchFamily="18" charset="0"/>
+                        <a:cs typeface="Times New Roman" panose="02020603050405020304" pitchFamily="18" charset="0"/>
+                      </a:rPr>
+                      <m:t>𝜃</m:t>
+                    </m:r>
+                    <m:r>
+                      <a:rPr lang="en-US" sz="1800" i="1" smtClean="0">
+                        <a:solidFill>
+                          <a:schemeClr val="tx1"/>
+                        </a:solidFill>
+                        <a:effectLst/>
+                        <a:latin typeface="Cambria Math" panose="02040503050406030204" pitchFamily="18" charset="0"/>
+                        <a:ea typeface="Times New Roman" panose="02020603050405020304" pitchFamily="18" charset="0"/>
+                        <a:cs typeface="Times New Roman" panose="02020603050405020304" pitchFamily="18" charset="0"/>
+                      </a:rPr>
+                      <m:t>(</m:t>
+                    </m:r>
+                    <m:sSup>
+                      <m:sSupPr>
+                        <m:ctrlPr>
+                          <a:rPr lang="en-US" sz="1800" i="1">
+                            <a:solidFill>
+                              <a:schemeClr val="tx1"/>
+                            </a:solidFill>
+                            <a:effectLst/>
+                            <a:latin typeface="Cambria Math" panose="02040503050406030204" pitchFamily="18" charset="0"/>
+                            <a:ea typeface="Times New Roman" panose="02020603050405020304" pitchFamily="18" charset="0"/>
+                            <a:cs typeface="Times New Roman" panose="02020603050405020304" pitchFamily="18" charset="0"/>
+                          </a:rPr>
+                        </m:ctrlPr>
+                      </m:sSupPr>
+                      <m:e>
+                        <m:r>
+                          <a:rPr lang="en-US" sz="1800" i="1">
+                            <a:solidFill>
+                              <a:schemeClr val="tx1"/>
+                            </a:solidFill>
+                            <a:effectLst/>
+                            <a:latin typeface="Cambria Math" panose="02040503050406030204" pitchFamily="18" charset="0"/>
+                            <a:ea typeface="Times New Roman" panose="02020603050405020304" pitchFamily="18" charset="0"/>
+                            <a:cs typeface="Times New Roman" panose="02020603050405020304" pitchFamily="18" charset="0"/>
+                          </a:rPr>
+                          <m:t>𝑛</m:t>
+                        </m:r>
+                      </m:e>
+                      <m:sup>
+                        <m:func>
+                          <m:funcPr>
+                            <m:ctrlPr>
+                              <a:rPr lang="en-US" sz="1800" i="1">
+                                <a:solidFill>
+                                  <a:schemeClr val="tx1"/>
+                                </a:solidFill>
+                                <a:effectLst/>
+                                <a:latin typeface="Cambria Math" panose="02040503050406030204" pitchFamily="18" charset="0"/>
+                                <a:ea typeface="Times New Roman" panose="02020603050405020304" pitchFamily="18" charset="0"/>
+                                <a:cs typeface="Times New Roman" panose="02020603050405020304" pitchFamily="18" charset="0"/>
+                              </a:rPr>
+                            </m:ctrlPr>
+                          </m:funcPr>
+                          <m:fName>
+                            <m:sSub>
+                              <m:sSubPr>
+                                <m:ctrlPr>
+                                  <a:rPr lang="en-US" sz="1800" i="1">
+                                    <a:solidFill>
+                                      <a:schemeClr val="tx1"/>
+                                    </a:solidFill>
+                                    <a:effectLst/>
+                                    <a:latin typeface="Cambria Math" panose="02040503050406030204" pitchFamily="18" charset="0"/>
+                                    <a:ea typeface="Times New Roman" panose="02020603050405020304" pitchFamily="18" charset="0"/>
+                                    <a:cs typeface="Times New Roman" panose="02020603050405020304" pitchFamily="18" charset="0"/>
+                                  </a:rPr>
+                                </m:ctrlPr>
+                              </m:sSubPr>
+                              <m:e>
+                                <m:r>
+                                  <m:rPr>
+                                    <m:sty m:val="p"/>
+                                  </m:rPr>
+                                  <a:rPr lang="en-US" sz="1800">
+                                    <a:solidFill>
+                                      <a:schemeClr val="tx1"/>
+                                    </a:solidFill>
+                                    <a:effectLst/>
+                                    <a:latin typeface="Cambria Math" panose="02040503050406030204" pitchFamily="18" charset="0"/>
+                                    <a:ea typeface="Calibri" panose="020F0502020204030204" pitchFamily="34" charset="0"/>
+                                    <a:cs typeface="Times New Roman" panose="02020603050405020304" pitchFamily="18" charset="0"/>
+                                  </a:rPr>
+                                  <m:t>log</m:t>
+                                </m:r>
+                              </m:e>
+                              <m:sub>
+                                <m:r>
+                                  <a:rPr lang="en-US" sz="1800" b="0" i="1" smtClean="0">
+                                    <a:solidFill>
+                                      <a:schemeClr val="tx1"/>
+                                    </a:solidFill>
+                                    <a:effectLst/>
+                                    <a:latin typeface="Cambria Math" panose="02040503050406030204" pitchFamily="18" charset="0"/>
+                                    <a:ea typeface="Calibri" panose="020F0502020204030204" pitchFamily="34" charset="0"/>
+                                    <a:cs typeface="Times New Roman" panose="02020603050405020304" pitchFamily="18" charset="0"/>
+                                  </a:rPr>
+                                  <m:t>2</m:t>
+                                </m:r>
+                              </m:sub>
+                            </m:sSub>
+                          </m:fName>
+                          <m:e>
+                            <m:r>
+                              <a:rPr lang="en-US" sz="1800" b="0" i="1" smtClean="0">
+                                <a:solidFill>
+                                  <a:schemeClr val="tx1"/>
+                                </a:solidFill>
+                                <a:effectLst/>
+                                <a:latin typeface="Cambria Math" panose="02040503050406030204" pitchFamily="18" charset="0"/>
+                                <a:ea typeface="Times New Roman" panose="02020603050405020304" pitchFamily="18" charset="0"/>
+                                <a:cs typeface="Times New Roman" panose="02020603050405020304" pitchFamily="18" charset="0"/>
+                              </a:rPr>
+                              <m:t>2</m:t>
+                            </m:r>
+                          </m:e>
+                        </m:func>
+                      </m:sup>
+                    </m:sSup>
+                    <m:func>
+                      <m:funcPr>
+                        <m:ctrlPr>
+                          <a:rPr lang="en-US" i="1">
+                            <a:latin typeface="Cambria Math" panose="02040503050406030204" pitchFamily="18" charset="0"/>
+                            <a:ea typeface="Times New Roman" panose="02020603050405020304" pitchFamily="18" charset="0"/>
+                            <a:cs typeface="Times New Roman" panose="02020603050405020304" pitchFamily="18" charset="0"/>
+                          </a:rPr>
+                        </m:ctrlPr>
+                      </m:funcPr>
+                      <m:fName>
+                        <m:sSub>
+                          <m:sSubPr>
+                            <m:ctrlPr>
+                              <a:rPr lang="en-US" i="1">
+                                <a:latin typeface="Cambria Math" panose="02040503050406030204" pitchFamily="18" charset="0"/>
+                                <a:ea typeface="Times New Roman" panose="02020603050405020304" pitchFamily="18" charset="0"/>
+                                <a:cs typeface="Times New Roman" panose="02020603050405020304" pitchFamily="18" charset="0"/>
+                              </a:rPr>
+                            </m:ctrlPr>
+                          </m:sSubPr>
+                          <m:e>
+                            <m:r>
+                              <m:rPr>
+                                <m:sty m:val="p"/>
+                              </m:rPr>
+                              <a:rPr lang="en-US">
+                                <a:latin typeface="Cambria Math" panose="02040503050406030204" pitchFamily="18" charset="0"/>
+                                <a:ea typeface="Calibri" panose="020F0502020204030204" pitchFamily="34" charset="0"/>
+                                <a:cs typeface="Times New Roman" panose="02020603050405020304" pitchFamily="18" charset="0"/>
+                              </a:rPr>
+                              <m:t>log</m:t>
+                            </m:r>
+                          </m:e>
+                          <m:sub>
+                            <m:r>
+                              <a:rPr lang="en-US" i="1">
+                                <a:latin typeface="Cambria Math" panose="02040503050406030204" pitchFamily="18" charset="0"/>
+                                <a:ea typeface="Calibri" panose="020F0502020204030204" pitchFamily="34" charset="0"/>
+                                <a:cs typeface="Times New Roman" panose="02020603050405020304" pitchFamily="18" charset="0"/>
+                              </a:rPr>
+                              <m:t>2</m:t>
+                            </m:r>
+                          </m:sub>
+                        </m:sSub>
+                      </m:fName>
+                      <m:e>
+                        <m:r>
+                          <a:rPr lang="en-US" i="1">
+                            <a:latin typeface="Cambria Math" panose="02040503050406030204" pitchFamily="18" charset="0"/>
+                            <a:ea typeface="Times New Roman" panose="02020603050405020304" pitchFamily="18" charset="0"/>
+                            <a:cs typeface="Times New Roman" panose="02020603050405020304" pitchFamily="18" charset="0"/>
+                          </a:rPr>
+                          <m:t>𝑛</m:t>
+                        </m:r>
+                      </m:e>
+                    </m:func>
+                    <m:r>
+                      <a:rPr lang="en-US" sz="1800" i="1">
+                        <a:solidFill>
+                          <a:schemeClr val="tx1"/>
+                        </a:solidFill>
+                        <a:effectLst/>
+                        <a:latin typeface="Cambria Math" panose="02040503050406030204" pitchFamily="18" charset="0"/>
+                        <a:ea typeface="Times New Roman" panose="02020603050405020304" pitchFamily="18" charset="0"/>
+                        <a:cs typeface="Times New Roman" panose="02020603050405020304" pitchFamily="18" charset="0"/>
+                      </a:rPr>
+                      <m:t>)</m:t>
+                    </m:r>
+                  </m:oMath>
+                </a14:m>
+                <a:r>
+                  <a:rPr lang="en-US" sz="1800" dirty="0">
+                    <a:solidFill>
+                      <a:schemeClr val="tx1"/>
+                    </a:solidFill>
+                    <a:effectLst/>
+                    <a:ea typeface="Calibri" panose="020F0502020204030204" pitchFamily="34" charset="0"/>
+                    <a:cs typeface="Times New Roman" panose="02020603050405020304" pitchFamily="18" charset="0"/>
+                  </a:rPr>
+                  <a:t> = </a:t>
+                </a:r>
+                <a14:m>
+                  <m:oMath xmlns:m="http://schemas.openxmlformats.org/officeDocument/2006/math">
+                    <m:r>
+                      <a:rPr lang="en-US" i="1">
+                        <a:latin typeface="Cambria Math" panose="02040503050406030204" pitchFamily="18" charset="0"/>
+                        <a:ea typeface="Times New Roman" panose="02020603050405020304" pitchFamily="18" charset="0"/>
+                        <a:cs typeface="Times New Roman" panose="02020603050405020304" pitchFamily="18" charset="0"/>
+                      </a:rPr>
+                      <m:t>𝜃</m:t>
+                    </m:r>
+                    <m:r>
+                      <a:rPr lang="en-US" i="1">
+                        <a:latin typeface="Cambria Math" panose="02040503050406030204" pitchFamily="18" charset="0"/>
+                        <a:ea typeface="Times New Roman" panose="02020603050405020304" pitchFamily="18" charset="0"/>
+                        <a:cs typeface="Times New Roman" panose="02020603050405020304" pitchFamily="18" charset="0"/>
+                      </a:rPr>
+                      <m:t>(</m:t>
+                    </m:r>
+                    <m:r>
+                      <a:rPr lang="en-US" i="1">
+                        <a:latin typeface="Cambria Math" panose="02040503050406030204" pitchFamily="18" charset="0"/>
+                        <a:ea typeface="Times New Roman" panose="02020603050405020304" pitchFamily="18" charset="0"/>
+                        <a:cs typeface="Times New Roman" panose="02020603050405020304" pitchFamily="18" charset="0"/>
+                      </a:rPr>
+                      <m:t>𝑛</m:t>
+                    </m:r>
+                    <m:func>
+                      <m:funcPr>
+                        <m:ctrlPr>
+                          <a:rPr lang="en-US" i="1">
+                            <a:latin typeface="Cambria Math" panose="02040503050406030204" pitchFamily="18" charset="0"/>
+                            <a:ea typeface="Times New Roman" panose="02020603050405020304" pitchFamily="18" charset="0"/>
+                            <a:cs typeface="Times New Roman" panose="02020603050405020304" pitchFamily="18" charset="0"/>
+                          </a:rPr>
+                        </m:ctrlPr>
+                      </m:funcPr>
+                      <m:fName>
+                        <m:sSub>
+                          <m:sSubPr>
+                            <m:ctrlPr>
+                              <a:rPr lang="en-US" i="1">
+                                <a:latin typeface="Cambria Math" panose="02040503050406030204" pitchFamily="18" charset="0"/>
+                                <a:ea typeface="Times New Roman" panose="02020603050405020304" pitchFamily="18" charset="0"/>
+                                <a:cs typeface="Times New Roman" panose="02020603050405020304" pitchFamily="18" charset="0"/>
+                              </a:rPr>
+                            </m:ctrlPr>
+                          </m:sSubPr>
+                          <m:e>
+                            <m:r>
+                              <m:rPr>
+                                <m:sty m:val="p"/>
+                              </m:rPr>
+                              <a:rPr lang="en-US">
+                                <a:latin typeface="Cambria Math" panose="02040503050406030204" pitchFamily="18" charset="0"/>
+                                <a:ea typeface="Calibri" panose="020F0502020204030204" pitchFamily="34" charset="0"/>
+                                <a:cs typeface="Times New Roman" panose="02020603050405020304" pitchFamily="18" charset="0"/>
+                              </a:rPr>
+                              <m:t>log</m:t>
+                            </m:r>
+                          </m:e>
+                          <m:sub>
+                            <m:r>
+                              <a:rPr lang="en-US" i="1">
+                                <a:latin typeface="Cambria Math" panose="02040503050406030204" pitchFamily="18" charset="0"/>
+                                <a:ea typeface="Calibri" panose="020F0502020204030204" pitchFamily="34" charset="0"/>
+                                <a:cs typeface="Times New Roman" panose="02020603050405020304" pitchFamily="18" charset="0"/>
+                              </a:rPr>
+                              <m:t>2</m:t>
+                            </m:r>
+                          </m:sub>
+                        </m:sSub>
+                      </m:fName>
+                      <m:e>
+                        <m:r>
+                          <a:rPr lang="en-US" i="1">
+                            <a:latin typeface="Cambria Math" panose="02040503050406030204" pitchFamily="18" charset="0"/>
+                            <a:ea typeface="Times New Roman" panose="02020603050405020304" pitchFamily="18" charset="0"/>
+                            <a:cs typeface="Times New Roman" panose="02020603050405020304" pitchFamily="18" charset="0"/>
+                          </a:rPr>
+                          <m:t>𝑛</m:t>
+                        </m:r>
+                      </m:e>
+                    </m:func>
+                    <m:r>
+                      <a:rPr lang="en-US" i="1">
+                        <a:latin typeface="Cambria Math" panose="02040503050406030204" pitchFamily="18" charset="0"/>
+                        <a:ea typeface="Times New Roman" panose="02020603050405020304" pitchFamily="18" charset="0"/>
+                        <a:cs typeface="Times New Roman" panose="02020603050405020304" pitchFamily="18" charset="0"/>
+                      </a:rPr>
+                      <m:t>)</m:t>
+                    </m:r>
+                  </m:oMath>
+                </a14:m>
+                <a:r>
+                  <a:rPr lang="en-US" dirty="0">
+                    <a:ea typeface="Calibri" panose="020F0502020204030204" pitchFamily="34" charset="0"/>
+                    <a:cs typeface="Times New Roman" panose="02020603050405020304" pitchFamily="18" charset="0"/>
+                  </a:rPr>
+                  <a:t> </a:t>
+                </a:r>
+              </a:p>
+            </p:txBody>
+          </p:sp>
+        </mc:Choice>
+        <mc:Fallback>
+          <p:sp>
+            <p:nvSpPr>
+              <p:cNvPr id="11" name="TextBox 10">
+                <a:extLst>
+                  <a:ext uri="{FF2B5EF4-FFF2-40B4-BE49-F238E27FC236}">
+                    <a16:creationId xmlns:a16="http://schemas.microsoft.com/office/drawing/2014/main" id="{F4898FF4-4D3A-4EFF-8BC0-FEFE27B71F8C}"/>
+                  </a:ext>
+                </a:extLst>
+              </p:cNvPr>
+              <p:cNvSpPr txBox="1">
+                <a:spLocks noRot="1" noChangeAspect="1" noMove="1" noResize="1" noEditPoints="1" noAdjustHandles="1" noChangeArrowheads="1" noChangeShapeType="1" noTextEdit="1"/>
+              </p:cNvSpPr>
+              <p:nvPr/>
+            </p:nvSpPr>
+            <p:spPr>
+              <a:xfrm>
+                <a:off x="761572" y="3489057"/>
+                <a:ext cx="6095144" cy="628634"/>
+              </a:xfrm>
+              <a:prstGeom prst="rect">
+                <a:avLst/>
+              </a:prstGeom>
+              <a:blipFill>
+                <a:blip r:embed="rId4"/>
+                <a:stretch>
+                  <a:fillRect b="-15534"/>
+                </a:stretch>
+              </a:blipFill>
+            </p:spPr>
+            <p:txBody>
+              <a:bodyPr/>
+              <a:lstStyle/>
+              <a:p>
+                <a:r>
+                  <a:rPr lang="en-US">
+                    <a:noFill/>
+                  </a:rPr>
+                  <a:t> </a:t>
+                </a:r>
+              </a:p>
+            </p:txBody>
+          </p:sp>
+        </mc:Fallback>
+      </mc:AlternateContent>
+    </p:spTree>
+    <p:extLst>
+      <p:ext uri="{BB962C8B-B14F-4D97-AF65-F5344CB8AC3E}">
+        <p14:creationId xmlns:p14="http://schemas.microsoft.com/office/powerpoint/2010/main" val="1562947590"/>
+      </p:ext>
+    </p:extLst>
+  </p:cSld>
+  <p:clrMapOvr>
+    <a:masterClrMapping/>
+  </p:clrMapOvr>
+  <mc:AlternateContent xmlns:mc="http://schemas.openxmlformats.org/markup-compatibility/2006" xmlns:p159="http://schemas.microsoft.com/office/powerpoint/2015/09/main">
+    <mc:Choice Requires="p159">
+      <p:transition>
+        <p159:morph option="byObject"/>
+      </p:transition>
+    </mc:Choice>
+    <mc:Fallback xmlns="">
+      <p:transition>
+        <p:fade/>
+      </p:transition>
+    </mc:Fallback>
+  </mc:AlternateContent>
+  <p:timing>
+    <p:tnLst>
+      <p:par>
+        <p:cTn id="1" dur="indefinite" restart="never" nodeType="tmRoot">
+          <p:childTnLst>
+            <p:seq concurrent="1" nextAc="seek">
+              <p:cTn id="2" dur="indefinite" nodeType="mainSeq">
+                <p:childTnLst>
+                  <p:par>
+                    <p:cTn id="3" fill="hold">
+                      <p:stCondLst>
+                        <p:cond delay="indefinite"/>
+                      </p:stCondLst>
+                      <p:childTnLst>
+                        <p:par>
+                          <p:cTn id="4" fill="hold">
+                            <p:stCondLst>
+                              <p:cond delay="0"/>
+                            </p:stCondLst>
+                            <p:childTnLst>
+                              <p:par>
+                                <p:cTn id="5" presetID="10" presetClass="entr" presetSubtype="0" fill="hold" grpId="0" nodeType="clickEffect">
+                                  <p:stCondLst>
+                                    <p:cond delay="0"/>
+                                  </p:stCondLst>
+                                  <p:childTnLst>
+                                    <p:set>
+                                      <p:cBhvr>
+                                        <p:cTn id="6" dur="1" fill="hold">
+                                          <p:stCondLst>
+                                            <p:cond delay="0"/>
+                                          </p:stCondLst>
+                                        </p:cTn>
+                                        <p:tgtEl>
+                                          <p:spTgt spid="4">
+                                            <p:txEl>
+                                              <p:pRg st="0" end="0"/>
+                                            </p:txEl>
+                                          </p:spTgt>
+                                        </p:tgtEl>
+                                        <p:attrNameLst>
+                                          <p:attrName>style.visibility</p:attrName>
+                                        </p:attrNameLst>
+                                      </p:cBhvr>
+                                      <p:to>
+                                        <p:strVal val="visible"/>
+                                      </p:to>
+                                    </p:set>
+                                    <p:animEffect transition="in" filter="fade">
+                                      <p:cBhvr>
+                                        <p:cTn id="7" dur="250"/>
+                                        <p:tgtEl>
+                                          <p:spTgt spid="4">
+                                            <p:txEl>
+                                              <p:pRg st="0" end="0"/>
+                                            </p:txEl>
+                                          </p:spTgt>
+                                        </p:tgtEl>
+                                      </p:cBhvr>
+                                    </p:animEffect>
+                                  </p:childTnLst>
+                                </p:cTn>
+                              </p:par>
+                            </p:childTnLst>
+                          </p:cTn>
+                        </p:par>
+                      </p:childTnLst>
+                    </p:cTn>
+                  </p:par>
+                  <p:par>
+                    <p:cTn id="8" fill="hold">
+                      <p:stCondLst>
+                        <p:cond delay="indefinite"/>
+                      </p:stCondLst>
+                      <p:childTnLst>
+                        <p:par>
+                          <p:cTn id="9" fill="hold">
+                            <p:stCondLst>
+                              <p:cond delay="0"/>
+                            </p:stCondLst>
+                            <p:childTnLst>
+                              <p:par>
+                                <p:cTn id="10" presetID="10" presetClass="entr" presetSubtype="0" fill="hold" grpId="0" nodeType="clickEffect">
+                                  <p:stCondLst>
+                                    <p:cond delay="0"/>
+                                  </p:stCondLst>
+                                  <p:childTnLst>
+                                    <p:set>
+                                      <p:cBhvr>
+                                        <p:cTn id="11" dur="1" fill="hold">
+                                          <p:stCondLst>
+                                            <p:cond delay="0"/>
+                                          </p:stCondLst>
+                                        </p:cTn>
+                                        <p:tgtEl>
+                                          <p:spTgt spid="8"/>
+                                        </p:tgtEl>
+                                        <p:attrNameLst>
+                                          <p:attrName>style.visibility</p:attrName>
+                                        </p:attrNameLst>
+                                      </p:cBhvr>
+                                      <p:to>
+                                        <p:strVal val="visible"/>
+                                      </p:to>
+                                    </p:set>
+                                    <p:animEffect transition="in" filter="fade">
+                                      <p:cBhvr>
+                                        <p:cTn id="12" dur="250"/>
+                                        <p:tgtEl>
+                                          <p:spTgt spid="8"/>
+                                        </p:tgtEl>
+                                      </p:cBhvr>
+                                    </p:animEffect>
+                                  </p:childTnLst>
+                                </p:cTn>
+                              </p:par>
+                            </p:childTnLst>
+                          </p:cTn>
+                        </p:par>
+                      </p:childTnLst>
+                    </p:cTn>
+                  </p:par>
+                  <p:par>
+                    <p:cTn id="13" fill="hold">
+                      <p:stCondLst>
+                        <p:cond delay="indefinite"/>
+                      </p:stCondLst>
+                      <p:childTnLst>
+                        <p:par>
+                          <p:cTn id="14" fill="hold">
+                            <p:stCondLst>
+                              <p:cond delay="0"/>
+                            </p:stCondLst>
+                            <p:childTnLst>
+                              <p:par>
+                                <p:cTn id="15" presetID="10" presetClass="entr" presetSubtype="0" fill="hold" grpId="0" nodeType="clickEffect">
+                                  <p:stCondLst>
+                                    <p:cond delay="0"/>
+                                  </p:stCondLst>
+                                  <p:childTnLst>
+                                    <p:set>
+                                      <p:cBhvr>
+                                        <p:cTn id="16" dur="1" fill="hold">
+                                          <p:stCondLst>
+                                            <p:cond delay="0"/>
+                                          </p:stCondLst>
+                                        </p:cTn>
+                                        <p:tgtEl>
+                                          <p:spTgt spid="9"/>
+                                        </p:tgtEl>
+                                        <p:attrNameLst>
+                                          <p:attrName>style.visibility</p:attrName>
+                                        </p:attrNameLst>
+                                      </p:cBhvr>
+                                      <p:to>
+                                        <p:strVal val="visible"/>
+                                      </p:to>
+                                    </p:set>
+                                    <p:animEffect transition="in" filter="fade">
+                                      <p:cBhvr>
+                                        <p:cTn id="17" dur="250"/>
+                                        <p:tgtEl>
+                                          <p:spTgt spid="9"/>
+                                        </p:tgtEl>
+                                      </p:cBhvr>
+                                    </p:animEffect>
+                                  </p:childTnLst>
+                                </p:cTn>
+                              </p:par>
+                            </p:childTnLst>
+                          </p:cTn>
+                        </p:par>
+                      </p:childTnLst>
+                    </p:cTn>
+                  </p:par>
+                  <p:par>
+                    <p:cTn id="18" fill="hold">
+                      <p:stCondLst>
+                        <p:cond delay="indefinite"/>
+                      </p:stCondLst>
+                      <p:childTnLst>
+                        <p:par>
+                          <p:cTn id="19" fill="hold">
+                            <p:stCondLst>
+                              <p:cond delay="0"/>
+                            </p:stCondLst>
+                            <p:childTnLst>
+                              <p:par>
+                                <p:cTn id="20" presetID="10" presetClass="entr" presetSubtype="0" fill="hold" grpId="0" nodeType="clickEffect">
+                                  <p:stCondLst>
+                                    <p:cond delay="0"/>
+                                  </p:stCondLst>
+                                  <p:childTnLst>
+                                    <p:set>
+                                      <p:cBhvr>
+                                        <p:cTn id="21" dur="1" fill="hold">
+                                          <p:stCondLst>
+                                            <p:cond delay="0"/>
+                                          </p:stCondLst>
+                                        </p:cTn>
+                                        <p:tgtEl>
+                                          <p:spTgt spid="11"/>
+                                        </p:tgtEl>
+                                        <p:attrNameLst>
+                                          <p:attrName>style.visibility</p:attrName>
+                                        </p:attrNameLst>
+                                      </p:cBhvr>
+                                      <p:to>
+                                        <p:strVal val="visible"/>
+                                      </p:to>
+                                    </p:set>
+                                    <p:animEffect transition="in" filter="fade">
+                                      <p:cBhvr>
+                                        <p:cTn id="22" dur="250"/>
+                                        <p:tgtEl>
+                                          <p:spTgt spid="11"/>
+                                        </p:tgtEl>
+                                      </p:cBhvr>
+                                    </p:animEffect>
+                                  </p:childTnLst>
+                                </p:cTn>
+                              </p:par>
+                            </p:childTnLst>
+                          </p:cTn>
+                        </p:par>
+                      </p:childTnLst>
+                    </p:cTn>
+                  </p:par>
+                </p:childTnLst>
+              </p:cTn>
+              <p:prevCondLst>
+                <p:cond evt="onPrev" delay="0">
+                  <p:tgtEl>
+                    <p:sldTgt/>
+                  </p:tgtEl>
+                </p:cond>
+              </p:prevCondLst>
+              <p:nextCondLst>
+                <p:cond evt="onNext" delay="0">
+                  <p:tgtEl>
+                    <p:sldTgt/>
+                  </p:tgtEl>
+                </p:cond>
+              </p:nextCondLst>
+            </p:seq>
+          </p:childTnLst>
+        </p:cTn>
+      </p:par>
+    </p:tnLst>
+    <p:bldLst>
+      <p:bldP spid="4" grpId="0" build="p"/>
+      <p:bldP spid="8" grpId="0"/>
+      <p:bldP spid="9" grpId="0"/>
+      <p:bldP spid="11" grpId="0"/>
+    </p:bldLst>
+  </p:timing>
+</p:sld>
+</file>
+
+<file path=ppt/slides/slide6.xml><?xml version="1.0" encoding="utf-8"?>
+<p:sld xmlns:a="http://schemas.openxmlformats.org/drawingml/2006/main" xmlns:r="http://schemas.openxmlformats.org/officeDocument/2006/relationships" xmlns:p="http://schemas.openxmlformats.org/presentationml/2006/main">
+  <p:cSld>
+    <p:spTree>
+      <p:nvGrpSpPr>
+        <p:cNvPr id="1" name=""/>
+        <p:cNvGrpSpPr/>
+        <p:nvPr/>
+      </p:nvGrpSpPr>
+      <p:grpSpPr>
+        <a:xfrm>
+          <a:off x="0" y="0"/>
+          <a:ext cx="0" cy="0"/>
+          <a:chOff x="0" y="0"/>
+          <a:chExt cx="0" cy="0"/>
+        </a:xfrm>
+      </p:grpSpPr>
+      <p:sp>
+        <p:nvSpPr>
+          <p:cNvPr id="6" name="Title 5">
+            <a:extLst>
+              <a:ext uri="{FF2B5EF4-FFF2-40B4-BE49-F238E27FC236}">
+                <a16:creationId xmlns:a16="http://schemas.microsoft.com/office/drawing/2014/main" id="{093E45C3-30DE-4CAB-B7F5-E785C47EBB4B}"/>
+              </a:ext>
+            </a:extLst>
+          </p:cNvPr>
+          <p:cNvSpPr>
+            <a:spLocks noGrp="1"/>
+          </p:cNvSpPr>
+          <p:nvPr>
+            <p:ph type="title"/>
+          </p:nvPr>
+        </p:nvSpPr>
+        <p:spPr>
+          <a:xfrm>
+            <a:off x="836676" y="557189"/>
+            <a:ext cx="4899039" cy="3346901"/>
+          </a:xfrm>
+          <a:noFill/>
+        </p:spPr>
+        <p:txBody>
+          <a:bodyPr vert="horz" lIns="91440" tIns="45720" rIns="91440" bIns="45720" rtlCol="0" anchor="b">
+            <a:normAutofit/>
+          </a:bodyPr>
+          <a:lstStyle/>
+          <a:p>
+            <a:r>
+              <a:rPr lang="en-US" sz="5200"/>
+              <a:t>References</a:t>
+            </a:r>
+          </a:p>
+        </p:txBody>
+      </p:sp>
+      <p:pic>
+        <p:nvPicPr>
+          <p:cNvPr id="8" name="Picture 7">
+            <a:extLst>
+              <a:ext uri="{FF2B5EF4-FFF2-40B4-BE49-F238E27FC236}">
+                <a16:creationId xmlns:a16="http://schemas.microsoft.com/office/drawing/2014/main" id="{C18FD1A3-AE0B-4E2B-BEE5-700B0661EC54}"/>
+              </a:ext>
+            </a:extLst>
+          </p:cNvPr>
+          <p:cNvPicPr>
+            <a:picLocks noChangeAspect="1"/>
+          </p:cNvPicPr>
+          <p:nvPr/>
+        </p:nvPicPr>
+        <p:blipFill rotWithShape="1">
+          <a:blip r:embed="rId2"/>
+          <a:srcRect t="930" r="2" b="789"/>
+          <a:stretch/>
+        </p:blipFill>
+        <p:spPr>
+          <a:xfrm>
+            <a:off x="6095999" y="10"/>
+            <a:ext cx="6105655" cy="6857990"/>
+          </a:xfrm>
+          <a:prstGeom prst="rect">
+            <a:avLst/>
+          </a:prstGeom>
+        </p:spPr>
+      </p:pic>
+      <p:sp>
+        <p:nvSpPr>
+          <p:cNvPr id="5" name="Slide Number Placeholder 4">
+            <a:extLst>
+              <a:ext uri="{FF2B5EF4-FFF2-40B4-BE49-F238E27FC236}">
+                <a16:creationId xmlns:a16="http://schemas.microsoft.com/office/drawing/2014/main" id="{DFC579D1-A00A-498F-AB0A-75F41205BF7A}"/>
+              </a:ext>
+            </a:extLst>
+          </p:cNvPr>
+          <p:cNvSpPr>
+            <a:spLocks noGrp="1"/>
+          </p:cNvSpPr>
+          <p:nvPr>
+            <p:ph type="sldNum" sz="quarter" idx="12"/>
+          </p:nvPr>
+        </p:nvSpPr>
+        <p:spPr>
+          <a:xfrm>
+            <a:off x="10193124" y="6356350"/>
+            <a:ext cx="1160675" cy="365125"/>
+          </a:xfrm>
+        </p:spPr>
+        <p:txBody>
+          <a:bodyPr vert="horz" lIns="91440" tIns="45720" rIns="91440" bIns="45720" rtlCol="0" anchor="ctr">
+            <a:normAutofit/>
+          </a:bodyPr>
+          <a:lstStyle/>
+          <a:p>
+            <a:pPr>
+              <a:spcAft>
+                <a:spcPts val="600"/>
+              </a:spcAft>
+              <a:defRPr/>
+            </a:pPr>
+            <a:fld id="{4659B173-B7F3-4D71-BB9D-DB3370EF2398}" type="slidenum">
+              <a:rPr lang="en-US">
+                <a:solidFill>
+                  <a:srgbClr val="FFFFFF"/>
+                </a:solidFill>
+                <a:latin typeface="Calibri" panose="020F0502020204030204"/>
+              </a:rPr>
+              <a:pPr>
+                <a:spcAft>
+                  <a:spcPts val="600"/>
+                </a:spcAft>
+                <a:defRPr/>
+              </a:pPr>
+              <a:t>6</a:t>
+            </a:fld>
+            <a:endParaRPr lang="en-US">
+              <a:solidFill>
+                <a:srgbClr val="FFFFFF"/>
+              </a:solidFill>
+              <a:latin typeface="Calibri" panose="020F0502020204030204"/>
+            </a:endParaRPr>
+          </a:p>
+        </p:txBody>
+      </p:sp>
+    </p:spTree>
+    <p:extLst>
+      <p:ext uri="{BB962C8B-B14F-4D97-AF65-F5344CB8AC3E}">
+        <p14:creationId xmlns:p14="http://schemas.microsoft.com/office/powerpoint/2010/main" val="3844464440"/>
+      </p:ext>
+    </p:extLst>
+  </p:cSld>
+  <p:clrMapOvr>
+    <a:masterClrMapping/>
+  </p:clrMapOvr>
+  <mc:AlternateContent xmlns:mc="http://schemas.openxmlformats.org/markup-compatibility/2006" xmlns:p159="http://schemas.microsoft.com/office/powerpoint/2015/09/main">
+    <mc:Choice Requires="p159">
+      <p:transition>
+        <p159:morph option="byObject"/>
+      </p:transition>
+    </mc:Choice>
+    <mc:Fallback xmlns="">
+      <p:transition>
+        <p:fade/>
+      </p:transition>
+    </mc:Fallback>
+  </mc:AlternateContent>
+  <p:timing>
+    <p:tnLst>
+      <p:par>
+        <p:cTn id="1" dur="indefinite" restart="never" nodeType="tmRoot">
+          <p:childTnLst>
+            <p:seq concurrent="1" nextAc="seek">
+              <p:cTn id="2" dur="indefinite" nodeType="mainSeq">
+                <p:childTnLst>
+                  <p:par>
+                    <p:cTn id="3" fill="hold">
+                      <p:stCondLst>
+                        <p:cond delay="indefinite"/>
+                        <p:cond evt="onBegin" delay="0">
+                          <p:tn val="2"/>
+                        </p:cond>
+                      </p:stCondLst>
+                      <p:childTnLst>
+                        <p:par>
+                          <p:cTn id="4" fill="hold">
+                            <p:stCondLst>
+                              <p:cond delay="0"/>
+                            </p:stCondLst>
+                            <p:childTnLst>
+                              <p:par>
+                                <p:cTn id="5" presetID="10" presetClass="entr" presetSubtype="0" fill="hold" grpId="0" nodeType="withEffect">
+                                  <p:stCondLst>
+                                    <p:cond delay="1000"/>
+                                  </p:stCondLst>
+                                  <p:iterate type="lt">
+                                    <p:tmPct val="10000"/>
+                                  </p:iterate>
+                                  <p:childTnLst>
+                                    <p:set>
+                                      <p:cBhvr>
+                                        <p:cTn id="6" dur="1" fill="hold">
+                                          <p:stCondLst>
+                                            <p:cond delay="0"/>
+                                          </p:stCondLst>
+                                        </p:cTn>
+                                        <p:tgtEl>
+                                          <p:spTgt spid="6"/>
+                                        </p:tgtEl>
+                                        <p:attrNameLst>
+                                          <p:attrName>style.visibility</p:attrName>
+                                        </p:attrNameLst>
+                                      </p:cBhvr>
+                                      <p:to>
+                                        <p:strVal val="visible"/>
+                                      </p:to>
+                                    </p:set>
+                                    <p:animEffect transition="in" filter="fade">
+                                      <p:cBhvr>
+                                        <p:cTn id="7" dur="400"/>
+                                        <p:tgtEl>
+                                          <p:spTgt spid="6"/>
+                                        </p:tgtEl>
+                                      </p:cBhvr>
+                                    </p:animEffect>
+                                  </p:childTnLst>
+                                </p:cTn>
+                              </p:par>
+                            </p:childTnLst>
+                          </p:cTn>
+                        </p:par>
+                      </p:childTnLst>
+                    </p:cTn>
+                  </p:par>
+                </p:childTnLst>
+              </p:cTn>
+              <p:prevCondLst>
+                <p:cond evt="onPrev" delay="0">
+                  <p:tgtEl>
+                    <p:sldTgt/>
+                  </p:tgtEl>
+                </p:cond>
+              </p:prevCondLst>
+              <p:nextCondLst>
+                <p:cond evt="onNext" delay="0">
+                  <p:tgtEl>
+                    <p:sldTgt/>
+                  </p:tgtEl>
+                </p:cond>
+              </p:nextCondLst>
+            </p:seq>
+          </p:childTnLst>
+        </p:cTn>
+      </p:par>
+    </p:tnLst>
+    <p:bldLst>
+      <p:bldP spid="6" grpId="0"/>
+    </p:bldLst>
+  </p:timing>
 </p:sld>
 </file>
 
